--- a/Powerpoint/Bäume zeichnen im Ebenen-Layout.pptx
+++ b/Powerpoint/Bäume zeichnen im Ebenen-Layout.pptx
@@ -5,18 +5,24 @@
     <p:sldMasterId id="2147483660" r:id="rId1"/>
   </p:sldMasterIdLst>
   <p:notesMasterIdLst>
-    <p:notesMasterId r:id="rId11"/>
+    <p:notesMasterId r:id="rId17"/>
   </p:notesMasterIdLst>
   <p:sldIdLst>
     <p:sldId id="267" r:id="rId2"/>
     <p:sldId id="298" r:id="rId3"/>
     <p:sldId id="299" r:id="rId4"/>
     <p:sldId id="301" r:id="rId5"/>
-    <p:sldId id="291" r:id="rId6"/>
-    <p:sldId id="292" r:id="rId7"/>
-    <p:sldId id="293" r:id="rId8"/>
-    <p:sldId id="294" r:id="rId9"/>
-    <p:sldId id="295" r:id="rId10"/>
+    <p:sldId id="302" r:id="rId6"/>
+    <p:sldId id="303" r:id="rId7"/>
+    <p:sldId id="291" r:id="rId8"/>
+    <p:sldId id="304" r:id="rId9"/>
+    <p:sldId id="305" r:id="rId10"/>
+    <p:sldId id="306" r:id="rId11"/>
+    <p:sldId id="307" r:id="rId12"/>
+    <p:sldId id="292" r:id="rId13"/>
+    <p:sldId id="293" r:id="rId14"/>
+    <p:sldId id="294" r:id="rId15"/>
+    <p:sldId id="295" r:id="rId16"/>
   </p:sldIdLst>
   <p:sldSz cx="9144000" cy="5143500" type="screen16x9"/>
   <p:notesSz cx="6858000" cy="9144000"/>
@@ -887,6 +893,66 @@
 </p:sldLayout>
 </file>
 
+<file path=ppt/slideLayouts/slideLayout10.xml><?xml version="1.0" encoding="utf-8"?>
+<p:sldLayout xmlns:a="http://schemas.openxmlformats.org/drawingml/2006/main" xmlns:r="http://schemas.openxmlformats.org/officeDocument/2006/relationships" xmlns:p="http://schemas.openxmlformats.org/presentationml/2006/main" preserve="1" userDrawn="1">
+  <p:cSld name="1_Benutzerdefiniertes Layout">
+    <p:spTree>
+      <p:nvGrpSpPr>
+        <p:cNvPr id="1" name=""/>
+        <p:cNvGrpSpPr/>
+        <p:nvPr/>
+      </p:nvGrpSpPr>
+      <p:grpSpPr>
+        <a:xfrm>
+          <a:off x="0" y="0"/>
+          <a:ext cx="0" cy="0"/>
+          <a:chOff x="0" y="0"/>
+          <a:chExt cx="0" cy="0"/>
+        </a:xfrm>
+      </p:grpSpPr>
+      <p:sp>
+        <p:nvSpPr>
+          <p:cNvPr id="5" name="Bildplatzhalter 4">
+            <a:extLst>
+              <a:ext uri="{FF2B5EF4-FFF2-40B4-BE49-F238E27FC236}">
+                <a16:creationId xmlns:a16="http://schemas.microsoft.com/office/drawing/2014/main" id="{81F00A23-20AA-EE45-2E4B-698BF154F88F}"/>
+              </a:ext>
+            </a:extLst>
+          </p:cNvPr>
+          <p:cNvSpPr>
+            <a:spLocks noGrp="1"/>
+          </p:cNvSpPr>
+          <p:nvPr>
+            <p:ph type="pic" sz="quarter" idx="10"/>
+          </p:nvPr>
+        </p:nvSpPr>
+        <p:spPr>
+          <a:xfrm>
+            <a:off x="0" y="0"/>
+            <a:ext cx="9144000" cy="5143500"/>
+          </a:xfrm>
+        </p:spPr>
+        <p:txBody>
+          <a:bodyPr/>
+          <a:lstStyle/>
+          <a:p>
+            <a:endParaRPr lang="de-DE"/>
+          </a:p>
+        </p:txBody>
+      </p:sp>
+    </p:spTree>
+    <p:extLst>
+      <p:ext uri="{BB962C8B-B14F-4D97-AF65-F5344CB8AC3E}">
+        <p14:creationId xmlns:p14="http://schemas.microsoft.com/office/powerpoint/2010/main" val="2764241173"/>
+      </p:ext>
+    </p:extLst>
+  </p:cSld>
+  <p:clrMapOvr>
+    <a:masterClrMapping/>
+  </p:clrMapOvr>
+</p:sldLayout>
+</file>
+
 <file path=ppt/slideLayouts/slideLayout2.xml><?xml version="1.0" encoding="utf-8"?>
 <p:sldLayout xmlns:a="http://schemas.openxmlformats.org/drawingml/2006/main" xmlns:r="http://schemas.openxmlformats.org/officeDocument/2006/relationships" xmlns:p="http://schemas.openxmlformats.org/presentationml/2006/main" preserve="1" userDrawn="1">
   <p:cSld name="Titel 2a | SZ">
@@ -2195,6 +2261,194 @@
 </p:sldLayout>
 </file>
 
+<file path=ppt/slideLayouts/slideLayout9.xml><?xml version="1.0" encoding="utf-8"?>
+<p:sldLayout xmlns:a="http://schemas.openxmlformats.org/drawingml/2006/main" xmlns:r="http://schemas.openxmlformats.org/officeDocument/2006/relationships" xmlns:p="http://schemas.openxmlformats.org/presentationml/2006/main" preserve="1" userDrawn="1">
+  <p:cSld name="Benutzerdefiniertes Layout">
+    <p:spTree>
+      <p:nvGrpSpPr>
+        <p:cNvPr id="1" name=""/>
+        <p:cNvGrpSpPr/>
+        <p:nvPr/>
+      </p:nvGrpSpPr>
+      <p:grpSpPr>
+        <a:xfrm>
+          <a:off x="0" y="0"/>
+          <a:ext cx="0" cy="0"/>
+          <a:chOff x="0" y="0"/>
+          <a:chExt cx="0" cy="0"/>
+        </a:xfrm>
+      </p:grpSpPr>
+      <p:sp>
+        <p:nvSpPr>
+          <p:cNvPr id="2" name="Titel 1">
+            <a:extLst>
+              <a:ext uri="{FF2B5EF4-FFF2-40B4-BE49-F238E27FC236}">
+                <a16:creationId xmlns:a16="http://schemas.microsoft.com/office/drawing/2014/main" id="{518BD7F9-FB81-8D6F-93CF-ADA359343440}"/>
+              </a:ext>
+            </a:extLst>
+          </p:cNvPr>
+          <p:cNvSpPr>
+            <a:spLocks noGrp="1"/>
+          </p:cNvSpPr>
+          <p:nvPr>
+            <p:ph type="title"/>
+          </p:nvPr>
+        </p:nvSpPr>
+        <p:spPr/>
+        <p:txBody>
+          <a:bodyPr/>
+          <a:lstStyle/>
+          <a:p>
+            <a:r>
+              <a:rPr lang="de-DE" dirty="0"/>
+              <a:t>Mastertitelformat bearbeiten</a:t>
+            </a:r>
+          </a:p>
+        </p:txBody>
+      </p:sp>
+      <p:sp>
+        <p:nvSpPr>
+          <p:cNvPr id="3" name="Fußzeilenplatzhalter 2">
+            <a:extLst>
+              <a:ext uri="{FF2B5EF4-FFF2-40B4-BE49-F238E27FC236}">
+                <a16:creationId xmlns:a16="http://schemas.microsoft.com/office/drawing/2014/main" id="{57181681-6E63-4FF7-3204-60AAB74E6B73}"/>
+              </a:ext>
+            </a:extLst>
+          </p:cNvPr>
+          <p:cNvSpPr>
+            <a:spLocks noGrp="1"/>
+          </p:cNvSpPr>
+          <p:nvPr>
+            <p:ph type="ftr" sz="quarter" idx="10"/>
+          </p:nvPr>
+        </p:nvSpPr>
+        <p:spPr/>
+        <p:txBody>
+          <a:bodyPr/>
+          <a:lstStyle/>
+          <a:p>
+            <a:r>
+              <a:rPr lang="de-DE"/>
+              <a:t>Erkan Garan, Justin Treulieb – Bäume zeichnen im Ebenen-Layout</a:t>
+            </a:r>
+            <a:endParaRPr lang="de-DE" dirty="0"/>
+          </a:p>
+        </p:txBody>
+      </p:sp>
+      <p:sp>
+        <p:nvSpPr>
+          <p:cNvPr id="5" name="Textplatzhalter 4">
+            <a:extLst>
+              <a:ext uri="{FF2B5EF4-FFF2-40B4-BE49-F238E27FC236}">
+                <a16:creationId xmlns:a16="http://schemas.microsoft.com/office/drawing/2014/main" id="{2B8A145E-AA13-D025-928B-8F007FD2623D}"/>
+              </a:ext>
+            </a:extLst>
+          </p:cNvPr>
+          <p:cNvSpPr>
+            <a:spLocks noGrp="1"/>
+          </p:cNvSpPr>
+          <p:nvPr>
+            <p:ph type="body" sz="quarter" idx="11" hasCustomPrompt="1"/>
+          </p:nvPr>
+        </p:nvSpPr>
+        <p:spPr>
+          <a:xfrm>
+            <a:off x="341313" y="895350"/>
+            <a:ext cx="8442325" cy="286775"/>
+          </a:xfrm>
+        </p:spPr>
+        <p:txBody>
+          <a:bodyPr/>
+          <a:lstStyle>
+            <a:lvl1pPr marL="0" indent="0">
+              <a:buNone/>
+              <a:defRPr b="1"/>
+            </a:lvl1pPr>
+          </a:lstStyle>
+          <a:p>
+            <a:pPr lvl="0"/>
+            <a:r>
+              <a:rPr lang="de-DE" dirty="0"/>
+              <a:t>Untertitel</a:t>
+            </a:r>
+          </a:p>
+        </p:txBody>
+      </p:sp>
+      <p:sp>
+        <p:nvSpPr>
+          <p:cNvPr id="7" name="Inhaltsplatzhalter 6">
+            <a:extLst>
+              <a:ext uri="{FF2B5EF4-FFF2-40B4-BE49-F238E27FC236}">
+                <a16:creationId xmlns:a16="http://schemas.microsoft.com/office/drawing/2014/main" id="{110040F1-2329-1A4B-D05B-BFD439F1DA25}"/>
+              </a:ext>
+            </a:extLst>
+          </p:cNvPr>
+          <p:cNvSpPr>
+            <a:spLocks noGrp="1"/>
+          </p:cNvSpPr>
+          <p:nvPr>
+            <p:ph sz="quarter" idx="12"/>
+          </p:nvPr>
+        </p:nvSpPr>
+        <p:spPr>
+          <a:xfrm>
+            <a:off x="341313" y="1316038"/>
+            <a:ext cx="8442325" cy="3383089"/>
+          </a:xfrm>
+        </p:spPr>
+        <p:txBody>
+          <a:bodyPr/>
+          <a:lstStyle/>
+          <a:p>
+            <a:pPr lvl="0"/>
+            <a:r>
+              <a:rPr lang="de-DE" dirty="0"/>
+              <a:t>Mastertextformat bearbeiten</a:t>
+            </a:r>
+          </a:p>
+          <a:p>
+            <a:pPr lvl="1"/>
+            <a:r>
+              <a:rPr lang="de-DE" dirty="0"/>
+              <a:t>Zweite Ebene</a:t>
+            </a:r>
+          </a:p>
+          <a:p>
+            <a:pPr lvl="2"/>
+            <a:r>
+              <a:rPr lang="de-DE" dirty="0"/>
+              <a:t>Dritte Ebene</a:t>
+            </a:r>
+          </a:p>
+          <a:p>
+            <a:pPr lvl="3"/>
+            <a:r>
+              <a:rPr lang="de-DE" dirty="0"/>
+              <a:t>Vierte Ebene</a:t>
+            </a:r>
+          </a:p>
+          <a:p>
+            <a:pPr lvl="4"/>
+            <a:r>
+              <a:rPr lang="de-DE" dirty="0"/>
+              <a:t>Fünfte Ebene</a:t>
+            </a:r>
+          </a:p>
+        </p:txBody>
+      </p:sp>
+    </p:spTree>
+    <p:extLst>
+      <p:ext uri="{BB962C8B-B14F-4D97-AF65-F5344CB8AC3E}">
+        <p14:creationId xmlns:p14="http://schemas.microsoft.com/office/powerpoint/2010/main" val="1528827270"/>
+      </p:ext>
+    </p:extLst>
+  </p:cSld>
+  <p:clrMapOvr>
+    <a:masterClrMapping/>
+  </p:clrMapOvr>
+</p:sldLayout>
+</file>
+
 <file path=ppt/slideMasters/slideMaster1.xml><?xml version="1.0" encoding="utf-8"?>
 <p:sldMaster xmlns:a="http://schemas.openxmlformats.org/drawingml/2006/main" xmlns:r="http://schemas.openxmlformats.org/officeDocument/2006/relationships" xmlns:p="http://schemas.openxmlformats.org/presentationml/2006/main">
   <p:cSld>
@@ -2415,6 +2669,8 @@
     <p:sldLayoutId id="2147483678" r:id="rId6"/>
     <p:sldLayoutId id="2147483664" r:id="rId7"/>
     <p:sldLayoutId id="2147483666" r:id="rId8"/>
+    <p:sldLayoutId id="2147483717" r:id="rId9"/>
+    <p:sldLayoutId id="2147483718" r:id="rId10"/>
   </p:sldLayoutIdLst>
   <p:hf hdr="0" dt="0"/>
   <p:txStyles>
@@ -2876,7 +3132,7 @@
 </p:sld>
 </file>
 
-<file path=ppt/slides/slide2.xml><?xml version="1.0" encoding="utf-8"?>
+<file path=ppt/slides/slide10.xml><?xml version="1.0" encoding="utf-8"?>
 <p:sld xmlns:a="http://schemas.openxmlformats.org/drawingml/2006/main" xmlns:r="http://schemas.openxmlformats.org/officeDocument/2006/relationships" xmlns:p="http://schemas.openxmlformats.org/presentationml/2006/main">
   <p:cSld>
     <p:spTree>
@@ -2895,30 +3151,13 @@
       </p:grpSpPr>
       <p:sp>
         <p:nvSpPr>
-          <p:cNvPr id="3" name="Fußzeilenplatzhalter 2"/>
-          <p:cNvSpPr>
-            <a:spLocks noGrp="1"/>
-          </p:cNvSpPr>
-          <p:nvPr>
-            <p:ph type="ftr" sz="quarter" idx="10"/>
-          </p:nvPr>
-        </p:nvSpPr>
-        <p:spPr/>
-        <p:txBody>
-          <a:bodyPr/>
-          <a:lstStyle/>
-          <a:p>
-            <a:r>
-              <a:rPr lang="de-DE"/>
-              <a:t>Referent · Titel</a:t>
-            </a:r>
-            <a:endParaRPr lang="de-DE" dirty="0"/>
-          </a:p>
-        </p:txBody>
-      </p:sp>
-      <p:sp>
-        <p:nvSpPr>
-          <p:cNvPr id="5" name="Titel 4"/>
+          <p:cNvPr id="3" name="Titel 2">
+            <a:extLst>
+              <a:ext uri="{FF2B5EF4-FFF2-40B4-BE49-F238E27FC236}">
+                <a16:creationId xmlns:a16="http://schemas.microsoft.com/office/drawing/2014/main" id="{274F9FE8-8D95-5F35-5D72-88B83E6490F4}"/>
+              </a:ext>
+            </a:extLst>
+          </p:cNvPr>
           <p:cNvSpPr>
             <a:spLocks noGrp="1"/>
           </p:cNvSpPr>
@@ -2935,157 +3174,651 @@
           <a:p>
             <a:r>
               <a:rPr lang="de-DE" dirty="0"/>
-              <a:t>Inhaltsverzeichnis</a:t>
-            </a:r>
-          </a:p>
-        </p:txBody>
-      </p:sp>
-      <p:pic>
-        <p:nvPicPr>
-          <p:cNvPr id="10" name="Bildplatzhalter 9"/>
-          <p:cNvPicPr>
-            <a:picLocks noGrp="1" noChangeAspect="1"/>
-          </p:cNvPicPr>
-          <p:nvPr>
-            <p:ph type="pic" sz="quarter" idx="11"/>
-          </p:nvPr>
-        </p:nvPicPr>
-        <p:blipFill>
-          <a:blip r:embed="rId2">
+              <a:t>Verbesserter Algorithmus von </a:t>
+            </a:r>
+            <a:r>
+              <a:rPr lang="de-DE" dirty="0" err="1"/>
+              <a:t>Wetherell</a:t>
+            </a:r>
+            <a:r>
+              <a:rPr lang="de-DE" dirty="0"/>
+              <a:t> und Shannon</a:t>
+            </a:r>
+          </a:p>
+        </p:txBody>
+      </p:sp>
+      <p:sp>
+        <p:nvSpPr>
+          <p:cNvPr id="4" name="Fußzeilenplatzhalter 3">
             <a:extLst>
-              <a:ext uri="{28A0092B-C50C-407E-A947-70E740481C1C}">
-                <a14:useLocalDpi xmlns:a14="http://schemas.microsoft.com/office/drawing/2010/main" val="0"/>
+              <a:ext uri="{FF2B5EF4-FFF2-40B4-BE49-F238E27FC236}">
+                <a16:creationId xmlns:a16="http://schemas.microsoft.com/office/drawing/2014/main" id="{EEBE079F-696E-A736-DCFB-B06C7D35DBB7}"/>
               </a:ext>
             </a:extLst>
-          </a:blip>
-          <a:srcRect t="40956" b="40956"/>
-          <a:stretch>
-            <a:fillRect/>
-          </a:stretch>
-        </p:blipFill>
+          </p:cNvPr>
+          <p:cNvSpPr>
+            <a:spLocks noGrp="1"/>
+          </p:cNvSpPr>
+          <p:nvPr>
+            <p:ph type="ftr" sz="quarter" idx="10"/>
+          </p:nvPr>
+        </p:nvSpPr>
         <p:spPr/>
-      </p:pic>
-      <p:sp>
-        <p:nvSpPr>
-          <p:cNvPr id="9" name="Inhaltsplatzhalter 8"/>
-          <p:cNvSpPr>
-            <a:spLocks noGrp="1"/>
-          </p:cNvSpPr>
-          <p:nvPr>
-            <p:ph idx="1"/>
+        <p:txBody>
+          <a:bodyPr/>
+          <a:lstStyle/>
+          <a:p>
+            <a:r>
+              <a:rPr lang="de-DE"/>
+              <a:t>Erkan Garan, Justin Treulieb – Bäume zeichnen im Ebenen-Layout</a:t>
+            </a:r>
+            <a:endParaRPr lang="de-DE" dirty="0"/>
+          </a:p>
+        </p:txBody>
+      </p:sp>
+      <p:sp>
+        <p:nvSpPr>
+          <p:cNvPr id="9" name="Textplatzhalter 8">
+            <a:extLst>
+              <a:ext uri="{FF2B5EF4-FFF2-40B4-BE49-F238E27FC236}">
+                <a16:creationId xmlns:a16="http://schemas.microsoft.com/office/drawing/2014/main" id="{41B3520A-9E48-2624-3B5F-5DFF7AD8E4BB}"/>
+              </a:ext>
+            </a:extLst>
+          </p:cNvPr>
+          <p:cNvSpPr>
+            <a:spLocks noGrp="1"/>
+          </p:cNvSpPr>
+          <p:nvPr>
+            <p:ph type="body" sz="quarter" idx="11"/>
           </p:nvPr>
         </p:nvSpPr>
         <p:spPr/>
         <p:txBody>
+          <a:bodyPr/>
+          <a:lstStyle/>
+          <a:p>
+            <a:r>
+              <a:rPr lang="de-DE" dirty="0"/>
+              <a:t>Erste Phase</a:t>
+            </a:r>
+          </a:p>
+        </p:txBody>
+      </p:sp>
+      <p:sp>
+        <p:nvSpPr>
+          <p:cNvPr id="2" name="Inhaltsplatzhalter 1">
+            <a:extLst>
+              <a:ext uri="{FF2B5EF4-FFF2-40B4-BE49-F238E27FC236}">
+                <a16:creationId xmlns:a16="http://schemas.microsoft.com/office/drawing/2014/main" id="{677FD419-1CA4-FBC5-573B-07CFC3C1B81E}"/>
+              </a:ext>
+            </a:extLst>
+          </p:cNvPr>
+          <p:cNvSpPr>
+            <a:spLocks noGrp="1"/>
+          </p:cNvSpPr>
+          <p:nvPr>
+            <p:ph sz="quarter" idx="12"/>
+          </p:nvPr>
+        </p:nvSpPr>
+        <p:spPr/>
+        <p:txBody>
           <a:bodyPr>
-            <a:normAutofit lnSpcReduction="10000"/>
+            <a:normAutofit/>
           </a:bodyPr>
           <a:lstStyle/>
           <a:p>
-            <a:pPr marL="342900" indent="-342900">
-              <a:buFont typeface="+mj-lt"/>
-              <a:buAutoNum type="arabicPeriod"/>
+            <a:pPr marL="0" indent="0">
+              <a:lnSpc>
+                <a:spcPct val="100000"/>
+              </a:lnSpc>
+              <a:buNone/>
             </a:pPr>
             <a:r>
-              <a:rPr lang="de-DE" dirty="0"/>
-              <a:t>Einführung</a:t>
-            </a:r>
-          </a:p>
-          <a:p>
-            <a:pPr marL="342900" indent="-342900">
-              <a:buFont typeface="+mj-lt"/>
-              <a:buAutoNum type="arabicPeriod"/>
+              <a:rPr lang="de-DE" b="0" dirty="0" err="1">
+                <a:solidFill>
+                  <a:srgbClr val="0000FF"/>
+                </a:solidFill>
+                <a:effectLst/>
+                <a:latin typeface="Consolas" panose="020B0609020204030204" pitchFamily="49" charset="0"/>
+              </a:rPr>
+              <a:t>if</a:t>
+            </a:r>
+            <a:r>
+              <a:rPr lang="de-DE" b="0" dirty="0">
+                <a:solidFill>
+                  <a:srgbClr val="000000"/>
+                </a:solidFill>
+                <a:effectLst/>
+                <a:latin typeface="Consolas" panose="020B0609020204030204" pitchFamily="49" charset="0"/>
+              </a:rPr>
+              <a:t>(</a:t>
+            </a:r>
+            <a:r>
+              <a:rPr lang="de-DE" b="0" dirty="0" err="1">
+                <a:solidFill>
+                  <a:srgbClr val="000000"/>
+                </a:solidFill>
+                <a:effectLst/>
+                <a:latin typeface="Consolas" panose="020B0609020204030204" pitchFamily="49" charset="0"/>
+              </a:rPr>
+              <a:t>isLeaf</a:t>
+            </a:r>
+            <a:r>
+              <a:rPr lang="de-DE" b="0" dirty="0">
+                <a:solidFill>
+                  <a:srgbClr val="000000"/>
+                </a:solidFill>
+                <a:effectLst/>
+                <a:latin typeface="Consolas" panose="020B0609020204030204" pitchFamily="49" charset="0"/>
+              </a:rPr>
+              <a:t>)</a:t>
+            </a:r>
+          </a:p>
+          <a:p>
+            <a:pPr marL="0" indent="0">
+              <a:lnSpc>
+                <a:spcPct val="100000"/>
+              </a:lnSpc>
+              <a:buNone/>
             </a:pPr>
             <a:r>
-              <a:rPr lang="de-DE" dirty="0"/>
-              <a:t>Algorithmen zum Zeichnen von Bäumen</a:t>
-            </a:r>
-          </a:p>
-          <a:p>
-            <a:pPr marL="685800" lvl="1" indent="-342900">
-              <a:buFont typeface="+mj-lt"/>
-              <a:buAutoNum type="arabicPeriod"/>
+              <a:rPr lang="de-DE" dirty="0">
+                <a:latin typeface="Consolas" panose="020B0609020204030204" pitchFamily="49" charset="0"/>
+              </a:rPr>
+              <a:t>	</a:t>
+            </a:r>
+            <a:r>
+              <a:rPr lang="de-DE" b="0" dirty="0" err="1">
+                <a:solidFill>
+                  <a:srgbClr val="000000"/>
+                </a:solidFill>
+                <a:effectLst/>
+                <a:latin typeface="Consolas" panose="020B0609020204030204" pitchFamily="49" charset="0"/>
+              </a:rPr>
+              <a:t>place</a:t>
+            </a:r>
+            <a:r>
+              <a:rPr lang="de-DE" b="0" dirty="0">
+                <a:solidFill>
+                  <a:srgbClr val="000000"/>
+                </a:solidFill>
+                <a:effectLst/>
+                <a:latin typeface="Consolas" panose="020B0609020204030204" pitchFamily="49" charset="0"/>
+              </a:rPr>
+              <a:t> = </a:t>
+            </a:r>
+            <a:r>
+              <a:rPr lang="de-DE" b="0" dirty="0" err="1">
+                <a:solidFill>
+                  <a:srgbClr val="000000"/>
+                </a:solidFill>
+                <a:effectLst/>
+                <a:latin typeface="Consolas" panose="020B0609020204030204" pitchFamily="49" charset="0"/>
+              </a:rPr>
+              <a:t>nextPos</a:t>
+            </a:r>
+            <a:r>
+              <a:rPr lang="de-DE" b="0" dirty="0">
+                <a:solidFill>
+                  <a:srgbClr val="000000"/>
+                </a:solidFill>
+                <a:effectLst/>
+                <a:latin typeface="Consolas" panose="020B0609020204030204" pitchFamily="49" charset="0"/>
+              </a:rPr>
+              <a:t>[h];</a:t>
+            </a:r>
+          </a:p>
+          <a:p>
+            <a:pPr marL="0" indent="0">
+              <a:lnSpc>
+                <a:spcPct val="100000"/>
+              </a:lnSpc>
+              <a:buNone/>
             </a:pPr>
             <a:r>
-              <a:rPr lang="de-DE" dirty="0"/>
-              <a:t>Naiver Algorithmus von </a:t>
-            </a:r>
-            <a:r>
-              <a:rPr lang="de-DE" dirty="0" err="1"/>
-              <a:t>Wetherell</a:t>
-            </a:r>
-            <a:r>
-              <a:rPr lang="de-DE" dirty="0"/>
-              <a:t> und Shannon</a:t>
-            </a:r>
-          </a:p>
-          <a:p>
-            <a:pPr marL="685800" lvl="1" indent="-342900">
-              <a:buFont typeface="+mj-lt"/>
-              <a:buAutoNum type="arabicPeriod"/>
+              <a:rPr lang="de-DE" b="0" dirty="0" err="1">
+                <a:solidFill>
+                  <a:srgbClr val="0000FF"/>
+                </a:solidFill>
+                <a:effectLst/>
+                <a:latin typeface="Consolas" panose="020B0609020204030204" pitchFamily="49" charset="0"/>
+              </a:rPr>
+              <a:t>else</a:t>
+            </a:r>
+            <a:r>
+              <a:rPr lang="de-DE" b="0" dirty="0">
+                <a:solidFill>
+                  <a:srgbClr val="000000"/>
+                </a:solidFill>
+                <a:effectLst/>
+                <a:latin typeface="Consolas" panose="020B0609020204030204" pitchFamily="49" charset="0"/>
+              </a:rPr>
+              <a:t> </a:t>
+            </a:r>
+            <a:r>
+              <a:rPr lang="de-DE" b="0" dirty="0" err="1">
+                <a:solidFill>
+                  <a:srgbClr val="0000FF"/>
+                </a:solidFill>
+                <a:effectLst/>
+                <a:latin typeface="Consolas" panose="020B0609020204030204" pitchFamily="49" charset="0"/>
+              </a:rPr>
+              <a:t>if</a:t>
+            </a:r>
+            <a:r>
+              <a:rPr lang="de-DE" b="0" dirty="0">
+                <a:solidFill>
+                  <a:srgbClr val="000000"/>
+                </a:solidFill>
+                <a:effectLst/>
+                <a:latin typeface="Consolas" panose="020B0609020204030204" pitchFamily="49" charset="0"/>
+              </a:rPr>
+              <a:t>(LEFT == </a:t>
+            </a:r>
+            <a:r>
+              <a:rPr lang="de-DE" b="0" dirty="0">
+                <a:solidFill>
+                  <a:srgbClr val="0000FF"/>
+                </a:solidFill>
+                <a:effectLst/>
+                <a:latin typeface="Consolas" panose="020B0609020204030204" pitchFamily="49" charset="0"/>
+              </a:rPr>
+              <a:t>null</a:t>
+            </a:r>
+            <a:r>
+              <a:rPr lang="de-DE" b="0" dirty="0">
+                <a:solidFill>
+                  <a:srgbClr val="000000"/>
+                </a:solidFill>
+                <a:effectLst/>
+                <a:latin typeface="Consolas" panose="020B0609020204030204" pitchFamily="49" charset="0"/>
+              </a:rPr>
+              <a:t>)</a:t>
+            </a:r>
+          </a:p>
+          <a:p>
+            <a:pPr marL="0" indent="0">
+              <a:lnSpc>
+                <a:spcPct val="100000"/>
+              </a:lnSpc>
+              <a:buNone/>
             </a:pPr>
             <a:r>
-              <a:rPr lang="de-DE" dirty="0"/>
-              <a:t>Verbesserter Algorithmus von </a:t>
-            </a:r>
-            <a:r>
-              <a:rPr lang="de-DE" dirty="0" err="1"/>
-              <a:t>Wetherell</a:t>
-            </a:r>
-            <a:r>
-              <a:rPr lang="de-DE" dirty="0"/>
-              <a:t> und Shannon</a:t>
-            </a:r>
-          </a:p>
-          <a:p>
-            <a:pPr marL="685800" lvl="1" indent="-342900">
-              <a:buFont typeface="+mj-lt"/>
-              <a:buAutoNum type="arabicPeriod"/>
+              <a:rPr lang="de-DE" dirty="0">
+                <a:latin typeface="Consolas" panose="020B0609020204030204" pitchFamily="49" charset="0"/>
+              </a:rPr>
+              <a:t>	</a:t>
+            </a:r>
+            <a:r>
+              <a:rPr lang="de-DE" b="0" dirty="0" err="1">
+                <a:solidFill>
+                  <a:srgbClr val="000000"/>
+                </a:solidFill>
+                <a:effectLst/>
+                <a:latin typeface="Consolas" panose="020B0609020204030204" pitchFamily="49" charset="0"/>
+              </a:rPr>
+              <a:t>place</a:t>
+            </a:r>
+            <a:r>
+              <a:rPr lang="de-DE" b="0" dirty="0">
+                <a:solidFill>
+                  <a:srgbClr val="000000"/>
+                </a:solidFill>
+                <a:effectLst/>
+                <a:latin typeface="Consolas" panose="020B0609020204030204" pitchFamily="49" charset="0"/>
+              </a:rPr>
+              <a:t> = </a:t>
+            </a:r>
+            <a:r>
+              <a:rPr lang="de-DE" b="0" dirty="0" err="1">
+                <a:solidFill>
+                  <a:srgbClr val="000000"/>
+                </a:solidFill>
+                <a:effectLst/>
+                <a:latin typeface="Consolas" panose="020B0609020204030204" pitchFamily="49" charset="0"/>
+              </a:rPr>
+              <a:t>RIGHT.getX</a:t>
+            </a:r>
+            <a:r>
+              <a:rPr lang="de-DE" b="0" dirty="0">
+                <a:solidFill>
+                  <a:srgbClr val="000000"/>
+                </a:solidFill>
+                <a:effectLst/>
+                <a:latin typeface="Consolas" panose="020B0609020204030204" pitchFamily="49" charset="0"/>
+              </a:rPr>
+              <a:t>() - </a:t>
+            </a:r>
+            <a:r>
+              <a:rPr lang="de-DE" b="0" dirty="0">
+                <a:solidFill>
+                  <a:srgbClr val="098658"/>
+                </a:solidFill>
+                <a:effectLst/>
+                <a:latin typeface="Consolas" panose="020B0609020204030204" pitchFamily="49" charset="0"/>
+              </a:rPr>
+              <a:t>1</a:t>
+            </a:r>
+            <a:r>
+              <a:rPr lang="de-DE" b="0" dirty="0">
+                <a:solidFill>
+                  <a:srgbClr val="000000"/>
+                </a:solidFill>
+                <a:effectLst/>
+                <a:latin typeface="Consolas" panose="020B0609020204030204" pitchFamily="49" charset="0"/>
+              </a:rPr>
+              <a:t>;</a:t>
+            </a:r>
+          </a:p>
+          <a:p>
+            <a:pPr marL="0" indent="0">
+              <a:lnSpc>
+                <a:spcPct val="100000"/>
+              </a:lnSpc>
+              <a:buNone/>
             </a:pPr>
             <a:r>
-              <a:rPr lang="de-DE" dirty="0"/>
-              <a:t>Algorithmus von </a:t>
-            </a:r>
-            <a:r>
-              <a:rPr lang="de-DE" dirty="0" err="1"/>
-              <a:t>Reingold</a:t>
-            </a:r>
-            <a:r>
-              <a:rPr lang="de-DE" dirty="0"/>
-              <a:t> und </a:t>
-            </a:r>
-            <a:r>
-              <a:rPr lang="de-DE" dirty="0" err="1"/>
-              <a:t>Tilford</a:t>
-            </a:r>
-            <a:endParaRPr lang="de-DE" dirty="0"/>
-          </a:p>
-          <a:p>
-            <a:pPr marL="342900" indent="-342900">
-              <a:buFont typeface="+mj-lt"/>
-              <a:buAutoNum type="arabicPeriod"/>
+              <a:rPr lang="de-DE" b="0" dirty="0" err="1">
+                <a:solidFill>
+                  <a:srgbClr val="0000FF"/>
+                </a:solidFill>
+                <a:effectLst/>
+                <a:latin typeface="Consolas" panose="020B0609020204030204" pitchFamily="49" charset="0"/>
+              </a:rPr>
+              <a:t>else</a:t>
+            </a:r>
+            <a:r>
+              <a:rPr lang="de-DE" b="0" dirty="0">
+                <a:solidFill>
+                  <a:srgbClr val="000000"/>
+                </a:solidFill>
+                <a:effectLst/>
+                <a:latin typeface="Consolas" panose="020B0609020204030204" pitchFamily="49" charset="0"/>
+              </a:rPr>
+              <a:t> </a:t>
+            </a:r>
+            <a:r>
+              <a:rPr lang="de-DE" b="0" dirty="0" err="1">
+                <a:solidFill>
+                  <a:srgbClr val="0000FF"/>
+                </a:solidFill>
+                <a:effectLst/>
+                <a:latin typeface="Consolas" panose="020B0609020204030204" pitchFamily="49" charset="0"/>
+              </a:rPr>
+              <a:t>if</a:t>
+            </a:r>
+            <a:r>
+              <a:rPr lang="de-DE" b="0" dirty="0">
+                <a:solidFill>
+                  <a:srgbClr val="000000"/>
+                </a:solidFill>
+                <a:effectLst/>
+                <a:latin typeface="Consolas" panose="020B0609020204030204" pitchFamily="49" charset="0"/>
+              </a:rPr>
+              <a:t>(RIGHT == </a:t>
+            </a:r>
+            <a:r>
+              <a:rPr lang="de-DE" b="0" dirty="0">
+                <a:solidFill>
+                  <a:srgbClr val="0000FF"/>
+                </a:solidFill>
+                <a:effectLst/>
+                <a:latin typeface="Consolas" panose="020B0609020204030204" pitchFamily="49" charset="0"/>
+              </a:rPr>
+              <a:t>null</a:t>
+            </a:r>
+            <a:r>
+              <a:rPr lang="de-DE" b="0" dirty="0">
+                <a:solidFill>
+                  <a:srgbClr val="000000"/>
+                </a:solidFill>
+                <a:effectLst/>
+                <a:latin typeface="Consolas" panose="020B0609020204030204" pitchFamily="49" charset="0"/>
+              </a:rPr>
+              <a:t>)</a:t>
+            </a:r>
+          </a:p>
+          <a:p>
+            <a:pPr marL="0" indent="0">
+              <a:lnSpc>
+                <a:spcPct val="100000"/>
+              </a:lnSpc>
+              <a:buNone/>
             </a:pPr>
             <a:r>
-              <a:rPr lang="de-DE" dirty="0"/>
-              <a:t>Vergleich</a:t>
-            </a:r>
-          </a:p>
-          <a:p>
-            <a:pPr marL="342900" indent="-342900">
-              <a:buFont typeface="+mj-lt"/>
-              <a:buAutoNum type="arabicPeriod"/>
+              <a:rPr lang="de-DE" b="0" dirty="0">
+                <a:solidFill>
+                  <a:srgbClr val="000000"/>
+                </a:solidFill>
+                <a:effectLst/>
+                <a:latin typeface="Consolas" panose="020B0609020204030204" pitchFamily="49" charset="0"/>
+              </a:rPr>
+              <a:t>	</a:t>
+            </a:r>
+            <a:r>
+              <a:rPr lang="de-DE" b="0" dirty="0" err="1">
+                <a:solidFill>
+                  <a:srgbClr val="000000"/>
+                </a:solidFill>
+                <a:effectLst/>
+                <a:latin typeface="Consolas" panose="020B0609020204030204" pitchFamily="49" charset="0"/>
+              </a:rPr>
+              <a:t>place</a:t>
+            </a:r>
+            <a:r>
+              <a:rPr lang="de-DE" b="0" dirty="0">
+                <a:solidFill>
+                  <a:srgbClr val="000000"/>
+                </a:solidFill>
+                <a:effectLst/>
+                <a:latin typeface="Consolas" panose="020B0609020204030204" pitchFamily="49" charset="0"/>
+              </a:rPr>
+              <a:t> = </a:t>
+            </a:r>
+            <a:r>
+              <a:rPr lang="de-DE" b="0" dirty="0" err="1">
+                <a:solidFill>
+                  <a:srgbClr val="000000"/>
+                </a:solidFill>
+                <a:effectLst/>
+                <a:latin typeface="Consolas" panose="020B0609020204030204" pitchFamily="49" charset="0"/>
+              </a:rPr>
+              <a:t>LEFT.getX</a:t>
+            </a:r>
+            <a:r>
+              <a:rPr lang="de-DE" b="0" dirty="0">
+                <a:solidFill>
+                  <a:srgbClr val="000000"/>
+                </a:solidFill>
+                <a:effectLst/>
+                <a:latin typeface="Consolas" panose="020B0609020204030204" pitchFamily="49" charset="0"/>
+              </a:rPr>
+              <a:t>() + </a:t>
+            </a:r>
+            <a:r>
+              <a:rPr lang="de-DE" b="0" dirty="0">
+                <a:solidFill>
+                  <a:srgbClr val="098658"/>
+                </a:solidFill>
+                <a:effectLst/>
+                <a:latin typeface="Consolas" panose="020B0609020204030204" pitchFamily="49" charset="0"/>
+              </a:rPr>
+              <a:t>1</a:t>
+            </a:r>
+            <a:r>
+              <a:rPr lang="de-DE" b="0" dirty="0">
+                <a:solidFill>
+                  <a:srgbClr val="000000"/>
+                </a:solidFill>
+                <a:effectLst/>
+                <a:latin typeface="Consolas" panose="020B0609020204030204" pitchFamily="49" charset="0"/>
+              </a:rPr>
+              <a:t>;</a:t>
+            </a:r>
+          </a:p>
+          <a:p>
+            <a:pPr marL="0" indent="0">
+              <a:lnSpc>
+                <a:spcPct val="100000"/>
+              </a:lnSpc>
+              <a:buNone/>
             </a:pPr>
             <a:r>
-              <a:rPr lang="de-DE" dirty="0"/>
-              <a:t>Konklusion</a:t>
-            </a:r>
+              <a:rPr lang="de-DE" dirty="0" err="1">
+                <a:solidFill>
+                  <a:srgbClr val="0000FF"/>
+                </a:solidFill>
+                <a:latin typeface="Consolas" panose="020B0609020204030204" pitchFamily="49" charset="0"/>
+              </a:rPr>
+              <a:t>e</a:t>
+            </a:r>
+            <a:r>
+              <a:rPr lang="de-DE" b="0" dirty="0" err="1">
+                <a:solidFill>
+                  <a:srgbClr val="0000FF"/>
+                </a:solidFill>
+                <a:effectLst/>
+                <a:latin typeface="Consolas" panose="020B0609020204030204" pitchFamily="49" charset="0"/>
+              </a:rPr>
+              <a:t>lse</a:t>
+            </a:r>
+            <a:endParaRPr lang="de-DE" b="0" dirty="0">
+              <a:solidFill>
+                <a:srgbClr val="000000"/>
+              </a:solidFill>
+              <a:effectLst/>
+              <a:latin typeface="Consolas" panose="020B0609020204030204" pitchFamily="49" charset="0"/>
+            </a:endParaRPr>
+          </a:p>
+          <a:p>
+            <a:pPr marL="0" indent="0">
+              <a:lnSpc>
+                <a:spcPct val="100000"/>
+              </a:lnSpc>
+              <a:buNone/>
+            </a:pPr>
+            <a:r>
+              <a:rPr lang="de-DE" b="0" dirty="0">
+                <a:solidFill>
+                  <a:srgbClr val="000000"/>
+                </a:solidFill>
+                <a:effectLst/>
+                <a:latin typeface="Consolas" panose="020B0609020204030204" pitchFamily="49" charset="0"/>
+              </a:rPr>
+              <a:t>	</a:t>
+            </a:r>
+            <a:r>
+              <a:rPr lang="de-DE" b="0" dirty="0" err="1">
+                <a:solidFill>
+                  <a:srgbClr val="000000"/>
+                </a:solidFill>
+                <a:effectLst/>
+                <a:latin typeface="Consolas" panose="020B0609020204030204" pitchFamily="49" charset="0"/>
+              </a:rPr>
+              <a:t>place</a:t>
+            </a:r>
+            <a:r>
+              <a:rPr lang="de-DE" b="0" dirty="0">
+                <a:solidFill>
+                  <a:srgbClr val="000000"/>
+                </a:solidFill>
+                <a:effectLst/>
+                <a:latin typeface="Consolas" panose="020B0609020204030204" pitchFamily="49" charset="0"/>
+              </a:rPr>
+              <a:t> = (</a:t>
+            </a:r>
+            <a:r>
+              <a:rPr lang="de-DE" b="0" dirty="0" err="1">
+                <a:solidFill>
+                  <a:srgbClr val="000000"/>
+                </a:solidFill>
+                <a:effectLst/>
+                <a:latin typeface="Consolas" panose="020B0609020204030204" pitchFamily="49" charset="0"/>
+              </a:rPr>
+              <a:t>LEFT.getX</a:t>
+            </a:r>
+            <a:r>
+              <a:rPr lang="de-DE" b="0" dirty="0">
+                <a:solidFill>
+                  <a:srgbClr val="000000"/>
+                </a:solidFill>
+                <a:effectLst/>
+                <a:latin typeface="Consolas" panose="020B0609020204030204" pitchFamily="49" charset="0"/>
+              </a:rPr>
+              <a:t>() + </a:t>
+            </a:r>
+            <a:r>
+              <a:rPr lang="de-DE" b="0" dirty="0" err="1">
+                <a:solidFill>
+                  <a:srgbClr val="000000"/>
+                </a:solidFill>
+                <a:effectLst/>
+                <a:latin typeface="Consolas" panose="020B0609020204030204" pitchFamily="49" charset="0"/>
+              </a:rPr>
+              <a:t>RIGHT.getX</a:t>
+            </a:r>
+            <a:r>
+              <a:rPr lang="de-DE" b="0" dirty="0">
+                <a:solidFill>
+                  <a:srgbClr val="000000"/>
+                </a:solidFill>
+                <a:effectLst/>
+                <a:latin typeface="Consolas" panose="020B0609020204030204" pitchFamily="49" charset="0"/>
+              </a:rPr>
+              <a:t>()) / </a:t>
+            </a:r>
+            <a:r>
+              <a:rPr lang="de-DE" b="0" dirty="0">
+                <a:solidFill>
+                  <a:srgbClr val="098658"/>
+                </a:solidFill>
+                <a:effectLst/>
+                <a:latin typeface="Consolas" panose="020B0609020204030204" pitchFamily="49" charset="0"/>
+              </a:rPr>
+              <a:t>2</a:t>
+            </a:r>
+            <a:r>
+              <a:rPr lang="de-DE" b="0" dirty="0">
+                <a:solidFill>
+                  <a:srgbClr val="000000"/>
+                </a:solidFill>
+                <a:effectLst/>
+                <a:latin typeface="Consolas" panose="020B0609020204030204" pitchFamily="49" charset="0"/>
+              </a:rPr>
+              <a:t>;</a:t>
+            </a:r>
+          </a:p>
+          <a:p>
+            <a:pPr marL="0" indent="0">
+              <a:lnSpc>
+                <a:spcPct val="100000"/>
+              </a:lnSpc>
+              <a:buNone/>
+            </a:pPr>
+            <a:r>
+              <a:rPr lang="de-DE" b="0" dirty="0">
+                <a:solidFill>
+                  <a:srgbClr val="000000"/>
+                </a:solidFill>
+                <a:effectLst/>
+                <a:latin typeface="Consolas" panose="020B0609020204030204" pitchFamily="49" charset="0"/>
+              </a:rPr>
+              <a:t>           </a:t>
+            </a:r>
+            <a:endParaRPr lang="en-US" b="0" dirty="0">
+              <a:solidFill>
+                <a:srgbClr val="000000"/>
+              </a:solidFill>
+              <a:effectLst/>
+              <a:latin typeface="Consolas" panose="020B0609020204030204" pitchFamily="49" charset="0"/>
+            </a:endParaRPr>
           </a:p>
         </p:txBody>
       </p:sp>
     </p:spTree>
     <p:extLst>
       <p:ext uri="{BB962C8B-B14F-4D97-AF65-F5344CB8AC3E}">
-        <p14:creationId xmlns:p14="http://schemas.microsoft.com/office/powerpoint/2010/main" val="347019466"/>
+        <p14:creationId xmlns:p14="http://schemas.microsoft.com/office/powerpoint/2010/main" val="2145019913"/>
       </p:ext>
     </p:extLst>
   </p:cSld>
@@ -3095,7 +3828,7 @@
 </p:sld>
 </file>
 
-<file path=ppt/slides/slide3.xml><?xml version="1.0" encoding="utf-8"?>
+<file path=ppt/slides/slide11.xml><?xml version="1.0" encoding="utf-8"?>
 <p:sld xmlns:a="http://schemas.openxmlformats.org/drawingml/2006/main" xmlns:r="http://schemas.openxmlformats.org/officeDocument/2006/relationships" xmlns:p="http://schemas.openxmlformats.org/presentationml/2006/main">
   <p:cSld>
     <p:spTree>
@@ -3114,171 +3847,10 @@
       </p:grpSpPr>
       <p:sp>
         <p:nvSpPr>
-          <p:cNvPr id="2" name="Inhaltsplatzhalter 1">
+          <p:cNvPr id="3" name="Titel 2">
             <a:extLst>
               <a:ext uri="{FF2B5EF4-FFF2-40B4-BE49-F238E27FC236}">
-                <a16:creationId xmlns:a16="http://schemas.microsoft.com/office/drawing/2014/main" id="{DA6D6A53-F10F-1C8D-6D46-FEC2DC2B96BE}"/>
-              </a:ext>
-            </a:extLst>
-          </p:cNvPr>
-          <p:cNvSpPr>
-            <a:spLocks noGrp="1"/>
-          </p:cNvSpPr>
-          <p:nvPr>
-            <p:ph idx="1"/>
-          </p:nvPr>
-        </p:nvSpPr>
-        <p:spPr>
-          <a:xfrm>
-            <a:off x="360000" y="915990"/>
-            <a:ext cx="8424000" cy="3710010"/>
-          </a:xfrm>
-        </p:spPr>
-        <p:txBody>
-          <a:bodyPr/>
-          <a:lstStyle/>
-          <a:p>
-            <a:pPr marL="342900" indent="-342900">
-              <a:buFont typeface="+mj-lt"/>
-              <a:buAutoNum type="arabicPeriod"/>
-            </a:pPr>
-            <a:r>
-              <a:rPr lang="de-DE" dirty="0"/>
-              <a:t>Einführung</a:t>
-            </a:r>
-          </a:p>
-          <a:p>
-            <a:pPr marL="342900" indent="-342900">
-              <a:buFont typeface="+mj-lt"/>
-              <a:buAutoNum type="arabicPeriod"/>
-            </a:pPr>
-            <a:r>
-              <a:rPr lang="de-DE" dirty="0"/>
-              <a:t>Algorithmen zum Zeichnen von Bäumen</a:t>
-            </a:r>
-          </a:p>
-          <a:p>
-            <a:pPr marL="685800" lvl="1" indent="-342900">
-              <a:buFont typeface="+mj-lt"/>
-              <a:buAutoNum type="arabicPeriod"/>
-            </a:pPr>
-            <a:r>
-              <a:rPr lang="de-DE" dirty="0"/>
-              <a:t>Naiver Algorithmus von </a:t>
-            </a:r>
-            <a:r>
-              <a:rPr lang="de-DE" dirty="0" err="1"/>
-              <a:t>Wetherell</a:t>
-            </a:r>
-            <a:r>
-              <a:rPr lang="de-DE" dirty="0"/>
-              <a:t> und Shannon</a:t>
-            </a:r>
-          </a:p>
-          <a:p>
-            <a:pPr marL="685800" lvl="1" indent="-342900">
-              <a:buFont typeface="+mj-lt"/>
-              <a:buAutoNum type="arabicPeriod"/>
-            </a:pPr>
-            <a:r>
-              <a:rPr lang="de-DE" dirty="0"/>
-              <a:t>Verbesserter Algorithmus von </a:t>
-            </a:r>
-            <a:r>
-              <a:rPr lang="de-DE" dirty="0" err="1"/>
-              <a:t>Wetherell</a:t>
-            </a:r>
-            <a:r>
-              <a:rPr lang="de-DE" dirty="0"/>
-              <a:t> und Shannon</a:t>
-            </a:r>
-          </a:p>
-          <a:p>
-            <a:pPr marL="685800" lvl="1" indent="-342900">
-              <a:buFont typeface="+mj-lt"/>
-              <a:buAutoNum type="arabicPeriod"/>
-            </a:pPr>
-            <a:r>
-              <a:rPr lang="de-DE" dirty="0"/>
-              <a:t>Algorithmus von </a:t>
-            </a:r>
-            <a:r>
-              <a:rPr lang="de-DE" dirty="0" err="1"/>
-              <a:t>Reingold</a:t>
-            </a:r>
-            <a:r>
-              <a:rPr lang="de-DE" dirty="0"/>
-              <a:t> und </a:t>
-            </a:r>
-            <a:r>
-              <a:rPr lang="de-DE" dirty="0" err="1"/>
-              <a:t>Tilford</a:t>
-            </a:r>
-            <a:endParaRPr lang="de-DE" dirty="0"/>
-          </a:p>
-          <a:p>
-            <a:pPr marL="342900" indent="-342900">
-              <a:buFont typeface="+mj-lt"/>
-              <a:buAutoNum type="arabicPeriod"/>
-            </a:pPr>
-            <a:r>
-              <a:rPr lang="de-DE" dirty="0"/>
-              <a:t>Vergleich</a:t>
-            </a:r>
-          </a:p>
-          <a:p>
-            <a:pPr marL="342900" indent="-342900">
-              <a:buFont typeface="+mj-lt"/>
-              <a:buAutoNum type="arabicPeriod"/>
-            </a:pPr>
-            <a:r>
-              <a:rPr lang="de-DE" dirty="0"/>
-              <a:t>Konklusion</a:t>
-            </a:r>
-          </a:p>
-          <a:p>
-            <a:pPr marL="0" indent="0">
-              <a:buNone/>
-            </a:pPr>
-            <a:endParaRPr lang="de-DE" dirty="0"/>
-          </a:p>
-        </p:txBody>
-      </p:sp>
-      <p:sp>
-        <p:nvSpPr>
-          <p:cNvPr id="3" name="Fußzeilenplatzhalter 2">
-            <a:extLst>
-              <a:ext uri="{FF2B5EF4-FFF2-40B4-BE49-F238E27FC236}">
-                <a16:creationId xmlns:a16="http://schemas.microsoft.com/office/drawing/2014/main" id="{BAE457E3-909A-BB36-F91E-21D1E20AA5E9}"/>
-              </a:ext>
-            </a:extLst>
-          </p:cNvPr>
-          <p:cNvSpPr>
-            <a:spLocks noGrp="1"/>
-          </p:cNvSpPr>
-          <p:nvPr>
-            <p:ph type="ftr" sz="quarter" idx="10"/>
-          </p:nvPr>
-        </p:nvSpPr>
-        <p:spPr/>
-        <p:txBody>
-          <a:bodyPr/>
-          <a:lstStyle/>
-          <a:p>
-            <a:r>
-              <a:rPr lang="de-DE"/>
-              <a:t>Erkan Garan, Justin Treulieb - Bäume zeichnen im Ebenen-Layout </a:t>
-            </a:r>
-            <a:endParaRPr lang="de-DE" dirty="0"/>
-          </a:p>
-        </p:txBody>
-      </p:sp>
-      <p:sp>
-        <p:nvSpPr>
-          <p:cNvPr id="4" name="Titel 3">
-            <a:extLst>
-              <a:ext uri="{FF2B5EF4-FFF2-40B4-BE49-F238E27FC236}">
-                <a16:creationId xmlns:a16="http://schemas.microsoft.com/office/drawing/2014/main" id="{5FB2163D-B7F4-FF40-D342-27678C5A2537}"/>
+                <a16:creationId xmlns:a16="http://schemas.microsoft.com/office/drawing/2014/main" id="{274F9FE8-8D95-5F35-5D72-88B83E6490F4}"/>
               </a:ext>
             </a:extLst>
           </p:cNvPr>
@@ -3297,16 +3869,677 @@
           <a:lstStyle/>
           <a:p>
             <a:r>
-              <a:rPr lang="de-DE" dirty="0"/>
-              <a:t>Inhaltsverzeichnis</a:t>
-            </a:r>
+              <a:rPr lang="de-DE"/>
+              <a:t>Verbesserter Algorithmus von Wetherell und Shannon</a:t>
+            </a:r>
+            <a:endParaRPr lang="de-DE" dirty="0"/>
+          </a:p>
+        </p:txBody>
+      </p:sp>
+      <p:sp>
+        <p:nvSpPr>
+          <p:cNvPr id="4" name="Fußzeilenplatzhalter 3">
+            <a:extLst>
+              <a:ext uri="{FF2B5EF4-FFF2-40B4-BE49-F238E27FC236}">
+                <a16:creationId xmlns:a16="http://schemas.microsoft.com/office/drawing/2014/main" id="{EEBE079F-696E-A736-DCFB-B06C7D35DBB7}"/>
+              </a:ext>
+            </a:extLst>
+          </p:cNvPr>
+          <p:cNvSpPr>
+            <a:spLocks noGrp="1"/>
+          </p:cNvSpPr>
+          <p:nvPr>
+            <p:ph type="ftr" sz="quarter" idx="10"/>
+          </p:nvPr>
+        </p:nvSpPr>
+        <p:spPr/>
+        <p:txBody>
+          <a:bodyPr/>
+          <a:lstStyle/>
+          <a:p>
+            <a:r>
+              <a:rPr lang="de-DE"/>
+              <a:t>Erkan Garan, Justin Treulieb – Bäume zeichnen im Ebenen-Layout</a:t>
+            </a:r>
+            <a:endParaRPr lang="de-DE" dirty="0"/>
+          </a:p>
+        </p:txBody>
+      </p:sp>
+      <p:sp>
+        <p:nvSpPr>
+          <p:cNvPr id="9" name="Textplatzhalter 8">
+            <a:extLst>
+              <a:ext uri="{FF2B5EF4-FFF2-40B4-BE49-F238E27FC236}">
+                <a16:creationId xmlns:a16="http://schemas.microsoft.com/office/drawing/2014/main" id="{41B3520A-9E48-2624-3B5F-5DFF7AD8E4BB}"/>
+              </a:ext>
+            </a:extLst>
+          </p:cNvPr>
+          <p:cNvSpPr>
+            <a:spLocks noGrp="1"/>
+          </p:cNvSpPr>
+          <p:nvPr>
+            <p:ph type="body" sz="quarter" idx="11"/>
+          </p:nvPr>
+        </p:nvSpPr>
+        <p:spPr/>
+        <p:txBody>
+          <a:bodyPr/>
+          <a:lstStyle/>
+          <a:p>
+            <a:r>
+              <a:rPr lang="de-DE" dirty="0"/>
+              <a:t>Erste Phase II</a:t>
+            </a:r>
+          </a:p>
+        </p:txBody>
+      </p:sp>
+      <p:sp>
+        <p:nvSpPr>
+          <p:cNvPr id="2" name="Inhaltsplatzhalter 1">
+            <a:extLst>
+              <a:ext uri="{FF2B5EF4-FFF2-40B4-BE49-F238E27FC236}">
+                <a16:creationId xmlns:a16="http://schemas.microsoft.com/office/drawing/2014/main" id="{677FD419-1CA4-FBC5-573B-07CFC3C1B81E}"/>
+              </a:ext>
+            </a:extLst>
+          </p:cNvPr>
+          <p:cNvSpPr>
+            <a:spLocks noGrp="1"/>
+          </p:cNvSpPr>
+          <p:nvPr>
+            <p:ph sz="quarter" idx="12"/>
+          </p:nvPr>
+        </p:nvSpPr>
+        <p:spPr/>
+        <p:txBody>
+          <a:bodyPr>
+            <a:normAutofit/>
+          </a:bodyPr>
+          <a:lstStyle/>
+          <a:p>
+            <a:pPr marL="0" indent="0">
+              <a:lnSpc>
+                <a:spcPct val="100000"/>
+              </a:lnSpc>
+              <a:buNone/>
+            </a:pPr>
+            <a:r>
+              <a:rPr lang="de-DE" b="0" dirty="0">
+                <a:solidFill>
+                  <a:srgbClr val="008000"/>
+                </a:solidFill>
+                <a:effectLst/>
+                <a:latin typeface="Consolas" panose="020B0609020204030204" pitchFamily="49" charset="0"/>
+              </a:rPr>
+              <a:t>// Setzen des Ebenen-Offsets</a:t>
+            </a:r>
+            <a:endParaRPr lang="de-DE" b="0" dirty="0">
+              <a:solidFill>
+                <a:srgbClr val="000000"/>
+              </a:solidFill>
+              <a:effectLst/>
+              <a:latin typeface="Consolas" panose="020B0609020204030204" pitchFamily="49" charset="0"/>
+            </a:endParaRPr>
+          </a:p>
+          <a:p>
+            <a:pPr marL="0" indent="0">
+              <a:lnSpc>
+                <a:spcPct val="100000"/>
+              </a:lnSpc>
+              <a:buNone/>
+            </a:pPr>
+            <a:r>
+              <a:rPr lang="de-DE" b="0" dirty="0" err="1">
+                <a:solidFill>
+                  <a:srgbClr val="000000"/>
+                </a:solidFill>
+                <a:effectLst/>
+                <a:latin typeface="Consolas" panose="020B0609020204030204" pitchFamily="49" charset="0"/>
+              </a:rPr>
+              <a:t>modifier</a:t>
+            </a:r>
+            <a:r>
+              <a:rPr lang="de-DE" b="0" dirty="0">
+                <a:solidFill>
+                  <a:srgbClr val="000000"/>
+                </a:solidFill>
+                <a:effectLst/>
+                <a:latin typeface="Consolas" panose="020B0609020204030204" pitchFamily="49" charset="0"/>
+              </a:rPr>
+              <a:t>[h] = </a:t>
+            </a:r>
+            <a:r>
+              <a:rPr lang="de-DE" b="0" dirty="0" err="1">
+                <a:solidFill>
+                  <a:srgbClr val="000000"/>
+                </a:solidFill>
+                <a:effectLst/>
+                <a:latin typeface="Consolas" panose="020B0609020204030204" pitchFamily="49" charset="0"/>
+              </a:rPr>
+              <a:t>Math.max</a:t>
+            </a:r>
+            <a:r>
+              <a:rPr lang="de-DE" b="0" dirty="0">
+                <a:solidFill>
+                  <a:srgbClr val="000000"/>
+                </a:solidFill>
+                <a:effectLst/>
+                <a:latin typeface="Consolas" panose="020B0609020204030204" pitchFamily="49" charset="0"/>
+              </a:rPr>
+              <a:t>(</a:t>
+            </a:r>
+            <a:r>
+              <a:rPr lang="de-DE" b="0" dirty="0" err="1">
+                <a:solidFill>
+                  <a:srgbClr val="000000"/>
+                </a:solidFill>
+                <a:effectLst/>
+                <a:latin typeface="Consolas" panose="020B0609020204030204" pitchFamily="49" charset="0"/>
+              </a:rPr>
+              <a:t>modifier</a:t>
+            </a:r>
+            <a:r>
+              <a:rPr lang="de-DE" b="0" dirty="0">
+                <a:solidFill>
+                  <a:srgbClr val="000000"/>
+                </a:solidFill>
+                <a:effectLst/>
+                <a:latin typeface="Consolas" panose="020B0609020204030204" pitchFamily="49" charset="0"/>
+              </a:rPr>
+              <a:t>[h], </a:t>
+            </a:r>
+            <a:r>
+              <a:rPr lang="de-DE" b="0" dirty="0" err="1">
+                <a:solidFill>
+                  <a:srgbClr val="000000"/>
+                </a:solidFill>
+                <a:effectLst/>
+                <a:latin typeface="Consolas" panose="020B0609020204030204" pitchFamily="49" charset="0"/>
+              </a:rPr>
+              <a:t>nextPos</a:t>
+            </a:r>
+            <a:r>
+              <a:rPr lang="de-DE" b="0" dirty="0">
+                <a:solidFill>
+                  <a:srgbClr val="000000"/>
+                </a:solidFill>
+                <a:effectLst/>
+                <a:latin typeface="Consolas" panose="020B0609020204030204" pitchFamily="49" charset="0"/>
+              </a:rPr>
+              <a:t>[h] - </a:t>
+            </a:r>
+            <a:r>
+              <a:rPr lang="de-DE" b="0" dirty="0" err="1">
+                <a:solidFill>
+                  <a:srgbClr val="000000"/>
+                </a:solidFill>
+                <a:effectLst/>
+                <a:latin typeface="Consolas" panose="020B0609020204030204" pitchFamily="49" charset="0"/>
+              </a:rPr>
+              <a:t>place</a:t>
+            </a:r>
+            <a:r>
+              <a:rPr lang="de-DE" b="0" dirty="0">
+                <a:solidFill>
+                  <a:srgbClr val="000000"/>
+                </a:solidFill>
+                <a:effectLst/>
+                <a:latin typeface="Consolas" panose="020B0609020204030204" pitchFamily="49" charset="0"/>
+              </a:rPr>
+              <a:t>);</a:t>
+            </a:r>
+          </a:p>
+          <a:p>
+            <a:pPr marL="0" indent="0">
+              <a:lnSpc>
+                <a:spcPct val="100000"/>
+              </a:lnSpc>
+              <a:buNone/>
+            </a:pPr>
+            <a:r>
+              <a:rPr lang="de-DE" b="0" dirty="0">
+                <a:solidFill>
+                  <a:srgbClr val="008000"/>
+                </a:solidFill>
+                <a:effectLst/>
+                <a:latin typeface="Consolas" panose="020B0609020204030204" pitchFamily="49" charset="0"/>
+              </a:rPr>
+              <a:t>// Koordinaten setzen</a:t>
+            </a:r>
+            <a:endParaRPr lang="de-DE" b="0" dirty="0">
+              <a:solidFill>
+                <a:srgbClr val="000000"/>
+              </a:solidFill>
+              <a:effectLst/>
+              <a:latin typeface="Consolas" panose="020B0609020204030204" pitchFamily="49" charset="0"/>
+            </a:endParaRPr>
+          </a:p>
+          <a:p>
+            <a:pPr marL="0" indent="0">
+              <a:lnSpc>
+                <a:spcPct val="100000"/>
+              </a:lnSpc>
+              <a:buNone/>
+            </a:pPr>
+            <a:r>
+              <a:rPr lang="de-DE" b="0" dirty="0" err="1">
+                <a:solidFill>
+                  <a:srgbClr val="000000"/>
+                </a:solidFill>
+                <a:effectLst/>
+                <a:latin typeface="Consolas" panose="020B0609020204030204" pitchFamily="49" charset="0"/>
+              </a:rPr>
+              <a:t>knoten.setX</a:t>
+            </a:r>
+            <a:r>
+              <a:rPr lang="de-DE" b="0" dirty="0">
+                <a:solidFill>
+                  <a:srgbClr val="000000"/>
+                </a:solidFill>
+                <a:effectLst/>
+                <a:latin typeface="Consolas" panose="020B0609020204030204" pitchFamily="49" charset="0"/>
+              </a:rPr>
+              <a:t>(</a:t>
+            </a:r>
+            <a:r>
+              <a:rPr lang="de-DE" b="0" dirty="0" err="1">
+                <a:solidFill>
+                  <a:srgbClr val="000000"/>
+                </a:solidFill>
+                <a:effectLst/>
+                <a:latin typeface="Consolas" panose="020B0609020204030204" pitchFamily="49" charset="0"/>
+              </a:rPr>
+              <a:t>place</a:t>
+            </a:r>
+            <a:r>
+              <a:rPr lang="de-DE" b="0" dirty="0">
+                <a:solidFill>
+                  <a:srgbClr val="000000"/>
+                </a:solidFill>
+                <a:effectLst/>
+                <a:latin typeface="Consolas" panose="020B0609020204030204" pitchFamily="49" charset="0"/>
+              </a:rPr>
+              <a:t> + (</a:t>
+            </a:r>
+            <a:r>
+              <a:rPr lang="de-DE" b="0" dirty="0" err="1">
+                <a:solidFill>
+                  <a:srgbClr val="000000"/>
+                </a:solidFill>
+                <a:effectLst/>
+                <a:latin typeface="Consolas" panose="020B0609020204030204" pitchFamily="49" charset="0"/>
+              </a:rPr>
+              <a:t>isLeaf</a:t>
+            </a:r>
+            <a:r>
+              <a:rPr lang="de-DE" b="0" dirty="0">
+                <a:solidFill>
+                  <a:srgbClr val="000000"/>
+                </a:solidFill>
+                <a:effectLst/>
+                <a:latin typeface="Consolas" panose="020B0609020204030204" pitchFamily="49" charset="0"/>
+              </a:rPr>
+              <a:t> </a:t>
+            </a:r>
+            <a:r>
+              <a:rPr lang="de-DE" b="0" dirty="0">
+                <a:solidFill>
+                  <a:srgbClr val="0000FF"/>
+                </a:solidFill>
+                <a:effectLst/>
+                <a:latin typeface="Consolas" panose="020B0609020204030204" pitchFamily="49" charset="0"/>
+              </a:rPr>
+              <a:t>?</a:t>
+            </a:r>
+            <a:r>
+              <a:rPr lang="de-DE" b="0" dirty="0">
+                <a:solidFill>
+                  <a:srgbClr val="000000"/>
+                </a:solidFill>
+                <a:effectLst/>
+                <a:latin typeface="Consolas" panose="020B0609020204030204" pitchFamily="49" charset="0"/>
+              </a:rPr>
+              <a:t> </a:t>
+            </a:r>
+            <a:r>
+              <a:rPr lang="de-DE" b="0" dirty="0">
+                <a:solidFill>
+                  <a:srgbClr val="098658"/>
+                </a:solidFill>
+                <a:effectLst/>
+                <a:latin typeface="Consolas" panose="020B0609020204030204" pitchFamily="49" charset="0"/>
+              </a:rPr>
+              <a:t>0</a:t>
+            </a:r>
+            <a:r>
+              <a:rPr lang="de-DE" b="0" dirty="0">
+                <a:solidFill>
+                  <a:srgbClr val="000000"/>
+                </a:solidFill>
+                <a:effectLst/>
+                <a:latin typeface="Consolas" panose="020B0609020204030204" pitchFamily="49" charset="0"/>
+              </a:rPr>
+              <a:t> </a:t>
+            </a:r>
+            <a:r>
+              <a:rPr lang="de-DE" b="0" dirty="0">
+                <a:solidFill>
+                  <a:srgbClr val="0000FF"/>
+                </a:solidFill>
+                <a:effectLst/>
+                <a:latin typeface="Consolas" panose="020B0609020204030204" pitchFamily="49" charset="0"/>
+              </a:rPr>
+              <a:t>:</a:t>
+            </a:r>
+            <a:r>
+              <a:rPr lang="de-DE" b="0" dirty="0">
+                <a:solidFill>
+                  <a:srgbClr val="000000"/>
+                </a:solidFill>
+                <a:effectLst/>
+                <a:latin typeface="Consolas" panose="020B0609020204030204" pitchFamily="49" charset="0"/>
+              </a:rPr>
+              <a:t> </a:t>
+            </a:r>
+            <a:r>
+              <a:rPr lang="de-DE" b="0" dirty="0" err="1">
+                <a:solidFill>
+                  <a:srgbClr val="000000"/>
+                </a:solidFill>
+                <a:effectLst/>
+                <a:latin typeface="Consolas" panose="020B0609020204030204" pitchFamily="49" charset="0"/>
+              </a:rPr>
+              <a:t>modifier</a:t>
+            </a:r>
+            <a:r>
+              <a:rPr lang="de-DE" b="0" dirty="0">
+                <a:solidFill>
+                  <a:srgbClr val="000000"/>
+                </a:solidFill>
+                <a:effectLst/>
+                <a:latin typeface="Consolas" panose="020B0609020204030204" pitchFamily="49" charset="0"/>
+              </a:rPr>
+              <a:t>[h]));</a:t>
+            </a:r>
+          </a:p>
+          <a:p>
+            <a:pPr marL="0" indent="0">
+              <a:lnSpc>
+                <a:spcPct val="100000"/>
+              </a:lnSpc>
+              <a:buNone/>
+            </a:pPr>
+            <a:r>
+              <a:rPr lang="en-US" b="0" dirty="0" err="1">
+                <a:solidFill>
+                  <a:srgbClr val="000000"/>
+                </a:solidFill>
+                <a:effectLst/>
+                <a:latin typeface="Consolas" panose="020B0609020204030204" pitchFamily="49" charset="0"/>
+              </a:rPr>
+              <a:t>knoten.setY</a:t>
+            </a:r>
+            <a:r>
+              <a:rPr lang="en-US" b="0" dirty="0">
+                <a:solidFill>
+                  <a:srgbClr val="000000"/>
+                </a:solidFill>
+                <a:effectLst/>
+                <a:latin typeface="Consolas" panose="020B0609020204030204" pitchFamily="49" charset="0"/>
+              </a:rPr>
+              <a:t>(</a:t>
+            </a:r>
+            <a:r>
+              <a:rPr lang="en-US" b="0" dirty="0">
+                <a:solidFill>
+                  <a:srgbClr val="098658"/>
+                </a:solidFill>
+                <a:effectLst/>
+                <a:latin typeface="Consolas" panose="020B0609020204030204" pitchFamily="49" charset="0"/>
+              </a:rPr>
+              <a:t>2</a:t>
+            </a:r>
+            <a:r>
+              <a:rPr lang="en-US" b="0" dirty="0">
+                <a:solidFill>
+                  <a:srgbClr val="000000"/>
+                </a:solidFill>
+                <a:effectLst/>
+                <a:latin typeface="Consolas" panose="020B0609020204030204" pitchFamily="49" charset="0"/>
+              </a:rPr>
+              <a:t> * </a:t>
+            </a:r>
+            <a:r>
+              <a:rPr lang="en-US" b="0" dirty="0" err="1">
+                <a:solidFill>
+                  <a:srgbClr val="000000"/>
+                </a:solidFill>
+                <a:effectLst/>
+                <a:latin typeface="Consolas" panose="020B0609020204030204" pitchFamily="49" charset="0"/>
+              </a:rPr>
+              <a:t>knoten.getHoehe</a:t>
+            </a:r>
+            <a:r>
+              <a:rPr lang="en-US" b="0" dirty="0">
+                <a:solidFill>
+                  <a:srgbClr val="000000"/>
+                </a:solidFill>
+                <a:effectLst/>
+                <a:latin typeface="Consolas" panose="020B0609020204030204" pitchFamily="49" charset="0"/>
+              </a:rPr>
+              <a:t>() + </a:t>
+            </a:r>
+            <a:r>
+              <a:rPr lang="en-US" b="0" dirty="0">
+                <a:solidFill>
+                  <a:srgbClr val="098658"/>
+                </a:solidFill>
+                <a:effectLst/>
+                <a:latin typeface="Consolas" panose="020B0609020204030204" pitchFamily="49" charset="0"/>
+              </a:rPr>
+              <a:t>1</a:t>
+            </a:r>
+            <a:r>
+              <a:rPr lang="en-US" b="0" dirty="0">
+                <a:solidFill>
+                  <a:srgbClr val="000000"/>
+                </a:solidFill>
+                <a:effectLst/>
+                <a:latin typeface="Consolas" panose="020B0609020204030204" pitchFamily="49" charset="0"/>
+              </a:rPr>
+              <a:t>);</a:t>
+            </a:r>
+            <a:endParaRPr lang="de-DE" b="0" dirty="0">
+              <a:solidFill>
+                <a:srgbClr val="000000"/>
+              </a:solidFill>
+              <a:effectLst/>
+              <a:latin typeface="Consolas" panose="020B0609020204030204" pitchFamily="49" charset="0"/>
+            </a:endParaRPr>
+          </a:p>
+          <a:p>
+            <a:pPr marL="0" indent="0">
+              <a:lnSpc>
+                <a:spcPct val="100000"/>
+              </a:lnSpc>
+              <a:buNone/>
+            </a:pPr>
+            <a:r>
+              <a:rPr lang="de-DE" b="0" dirty="0">
+                <a:solidFill>
+                  <a:srgbClr val="008000"/>
+                </a:solidFill>
+                <a:effectLst/>
+                <a:latin typeface="Consolas" panose="020B0609020204030204" pitchFamily="49" charset="0"/>
+              </a:rPr>
+              <a:t>// Setzen des nächsten freien Platzes auf der Ebene</a:t>
+            </a:r>
+            <a:endParaRPr lang="de-DE" b="0" dirty="0">
+              <a:solidFill>
+                <a:srgbClr val="000000"/>
+              </a:solidFill>
+              <a:effectLst/>
+              <a:latin typeface="Consolas" panose="020B0609020204030204" pitchFamily="49" charset="0"/>
+            </a:endParaRPr>
+          </a:p>
+          <a:p>
+            <a:pPr marL="0" indent="0">
+              <a:lnSpc>
+                <a:spcPct val="100000"/>
+              </a:lnSpc>
+              <a:buNone/>
+            </a:pPr>
+            <a:r>
+              <a:rPr lang="de-DE" b="0" dirty="0" err="1">
+                <a:solidFill>
+                  <a:srgbClr val="000000"/>
+                </a:solidFill>
+                <a:effectLst/>
+                <a:latin typeface="Consolas" panose="020B0609020204030204" pitchFamily="49" charset="0"/>
+              </a:rPr>
+              <a:t>nextPos</a:t>
+            </a:r>
+            <a:r>
+              <a:rPr lang="de-DE" b="0" dirty="0">
+                <a:solidFill>
+                  <a:srgbClr val="000000"/>
+                </a:solidFill>
+                <a:effectLst/>
+                <a:latin typeface="Consolas" panose="020B0609020204030204" pitchFamily="49" charset="0"/>
+              </a:rPr>
+              <a:t>[h] = </a:t>
+            </a:r>
+            <a:r>
+              <a:rPr lang="de-DE" b="0" dirty="0" err="1">
+                <a:solidFill>
+                  <a:srgbClr val="000000"/>
+                </a:solidFill>
+                <a:effectLst/>
+                <a:latin typeface="Consolas" panose="020B0609020204030204" pitchFamily="49" charset="0"/>
+              </a:rPr>
+              <a:t>knoten.getX</a:t>
+            </a:r>
+            <a:r>
+              <a:rPr lang="de-DE" b="0" dirty="0">
+                <a:solidFill>
+                  <a:srgbClr val="000000"/>
+                </a:solidFill>
+                <a:effectLst/>
+                <a:latin typeface="Consolas" panose="020B0609020204030204" pitchFamily="49" charset="0"/>
+              </a:rPr>
+              <a:t>() + </a:t>
+            </a:r>
+            <a:r>
+              <a:rPr lang="de-DE" b="0" dirty="0">
+                <a:solidFill>
+                  <a:srgbClr val="098658"/>
+                </a:solidFill>
+                <a:effectLst/>
+                <a:latin typeface="Consolas" panose="020B0609020204030204" pitchFamily="49" charset="0"/>
+              </a:rPr>
+              <a:t>2</a:t>
+            </a:r>
+            <a:r>
+              <a:rPr lang="de-DE" b="0" dirty="0">
+                <a:solidFill>
+                  <a:srgbClr val="000000"/>
+                </a:solidFill>
+                <a:effectLst/>
+                <a:latin typeface="Consolas" panose="020B0609020204030204" pitchFamily="49" charset="0"/>
+              </a:rPr>
+              <a:t>;</a:t>
+            </a:r>
+          </a:p>
+          <a:p>
+            <a:pPr marL="0" indent="0">
+              <a:lnSpc>
+                <a:spcPct val="100000"/>
+              </a:lnSpc>
+              <a:buNone/>
+            </a:pPr>
+            <a:r>
+              <a:rPr lang="de-DE" b="0" dirty="0">
+                <a:solidFill>
+                  <a:srgbClr val="008000"/>
+                </a:solidFill>
+                <a:effectLst/>
+                <a:latin typeface="Consolas" panose="020B0609020204030204" pitchFamily="49" charset="0"/>
+              </a:rPr>
+              <a:t>// Setzen des Knoten-Offsets</a:t>
+            </a:r>
+            <a:endParaRPr lang="de-DE" b="0" dirty="0">
+              <a:solidFill>
+                <a:srgbClr val="000000"/>
+              </a:solidFill>
+              <a:effectLst/>
+              <a:latin typeface="Consolas" panose="020B0609020204030204" pitchFamily="49" charset="0"/>
+            </a:endParaRPr>
+          </a:p>
+          <a:p>
+            <a:pPr marL="0" indent="0">
+              <a:lnSpc>
+                <a:spcPct val="100000"/>
+              </a:lnSpc>
+              <a:buNone/>
+            </a:pPr>
+            <a:r>
+              <a:rPr lang="de-DE" b="0" dirty="0" err="1">
+                <a:solidFill>
+                  <a:srgbClr val="000000"/>
+                </a:solidFill>
+                <a:effectLst/>
+                <a:latin typeface="Consolas" panose="020B0609020204030204" pitchFamily="49" charset="0"/>
+              </a:rPr>
+              <a:t>knoten.setModifier</a:t>
+            </a:r>
+            <a:r>
+              <a:rPr lang="de-DE" b="0" dirty="0">
+                <a:solidFill>
+                  <a:srgbClr val="000000"/>
+                </a:solidFill>
+                <a:effectLst/>
+                <a:latin typeface="Consolas" panose="020B0609020204030204" pitchFamily="49" charset="0"/>
+              </a:rPr>
+              <a:t>(</a:t>
+            </a:r>
+            <a:r>
+              <a:rPr lang="de-DE" b="0" dirty="0" err="1">
+                <a:solidFill>
+                  <a:srgbClr val="000000"/>
+                </a:solidFill>
+                <a:effectLst/>
+                <a:latin typeface="Consolas" panose="020B0609020204030204" pitchFamily="49" charset="0"/>
+              </a:rPr>
+              <a:t>modifier</a:t>
+            </a:r>
+            <a:r>
+              <a:rPr lang="de-DE" b="0" dirty="0">
+                <a:solidFill>
+                  <a:srgbClr val="000000"/>
+                </a:solidFill>
+                <a:effectLst/>
+                <a:latin typeface="Consolas" panose="020B0609020204030204" pitchFamily="49" charset="0"/>
+              </a:rPr>
+              <a:t>[h]);</a:t>
+            </a:r>
+          </a:p>
+          <a:p>
+            <a:pPr marL="0" indent="0">
+              <a:buNone/>
+            </a:pPr>
+            <a:endParaRPr lang="en-US" b="0" dirty="0">
+              <a:solidFill>
+                <a:srgbClr val="000000"/>
+              </a:solidFill>
+              <a:effectLst/>
+              <a:latin typeface="Consolas" panose="020B0609020204030204" pitchFamily="49" charset="0"/>
+            </a:endParaRPr>
           </a:p>
         </p:txBody>
       </p:sp>
     </p:spTree>
     <p:extLst>
       <p:ext uri="{BB962C8B-B14F-4D97-AF65-F5344CB8AC3E}">
-        <p14:creationId xmlns:p14="http://schemas.microsoft.com/office/powerpoint/2010/main" val="1262473004"/>
+        <p14:creationId xmlns:p14="http://schemas.microsoft.com/office/powerpoint/2010/main" val="3789336809"/>
       </p:ext>
     </p:extLst>
   </p:cSld>
@@ -3316,7 +4549,7 @@
 </p:sld>
 </file>
 
-<file path=ppt/slides/slide4.xml><?xml version="1.0" encoding="utf-8"?>
+<file path=ppt/slides/slide12.xml><?xml version="1.0" encoding="utf-8"?>
 <p:sld xmlns:a="http://schemas.openxmlformats.org/drawingml/2006/main" xmlns:r="http://schemas.openxmlformats.org/officeDocument/2006/relationships" xmlns:p="http://schemas.openxmlformats.org/presentationml/2006/main">
   <p:cSld>
     <p:spTree>
@@ -3335,13 +4568,7 @@
       </p:grpSpPr>
       <p:sp>
         <p:nvSpPr>
-          <p:cNvPr id="2" name="Inhaltsplatzhalter 1">
-            <a:extLst>
-              <a:ext uri="{FF2B5EF4-FFF2-40B4-BE49-F238E27FC236}">
-                <a16:creationId xmlns:a16="http://schemas.microsoft.com/office/drawing/2014/main" id="{8122D5C5-7FCB-87B0-6B7A-A83F0AB7B7A6}"/>
-              </a:ext>
-            </a:extLst>
-          </p:cNvPr>
+          <p:cNvPr id="6" name="Inhaltsplatzhalter 5"/>
           <p:cNvSpPr>
             <a:spLocks noGrp="1"/>
           </p:cNvSpPr>
@@ -3356,70 +4583,63 @@
           <a:p>
             <a:r>
               <a:rPr lang="de-DE" dirty="0"/>
-              <a:t>Definition von Bäumen in der Informatik</a:t>
-            </a:r>
-          </a:p>
-          <a:p>
-            <a:r>
-              <a:rPr lang="de-DE" dirty="0"/>
-              <a:t>Vorstellung und Erklärung von drei verschiedenen Algorithmen zum Zeichnen von Bäumen</a:t>
-            </a:r>
-          </a:p>
-          <a:p>
-            <a:r>
-              <a:rPr lang="de-DE" dirty="0"/>
-              <a:t>Komprimierte und sortierte Darstellung von Daten</a:t>
-            </a:r>
-          </a:p>
-          <a:p>
-            <a:endParaRPr lang="de-DE" dirty="0"/>
-          </a:p>
-          <a:p>
-            <a:endParaRPr lang="de-DE" dirty="0"/>
-          </a:p>
-          <a:p>
-            <a:endParaRPr lang="de-DE" dirty="0"/>
-          </a:p>
-        </p:txBody>
-      </p:sp>
-      <p:sp>
-        <p:nvSpPr>
-          <p:cNvPr id="3" name="Fußzeilenplatzhalter 2">
-            <a:extLst>
-              <a:ext uri="{FF2B5EF4-FFF2-40B4-BE49-F238E27FC236}">
-                <a16:creationId xmlns:a16="http://schemas.microsoft.com/office/drawing/2014/main" id="{B41B523B-214D-6892-FCFC-CB96158705A8}"/>
-              </a:ext>
-            </a:extLst>
-          </p:cNvPr>
-          <p:cNvSpPr>
-            <a:spLocks noGrp="1"/>
-          </p:cNvSpPr>
-          <p:nvPr>
-            <p:ph type="ftr" sz="quarter" idx="10"/>
-          </p:nvPr>
-        </p:nvSpPr>
-        <p:spPr/>
-        <p:txBody>
-          <a:bodyPr/>
-          <a:lstStyle/>
-          <a:p>
-            <a:r>
-              <a:rPr lang="de-DE"/>
-              <a:t>Erkan Garan, Justin Treulieb –Bäume zeichnen im Ebenen-Layout</a:t>
-            </a:r>
-            <a:endParaRPr lang="de-DE" dirty="0"/>
-          </a:p>
-        </p:txBody>
-      </p:sp>
-      <p:sp>
-        <p:nvSpPr>
-          <p:cNvPr id="4" name="Titel 3">
-            <a:extLst>
-              <a:ext uri="{FF2B5EF4-FFF2-40B4-BE49-F238E27FC236}">
-                <a16:creationId xmlns:a16="http://schemas.microsoft.com/office/drawing/2014/main" id="{B1D9AC3F-3925-37A7-084A-534FDD2B1CEE}"/>
-              </a:ext>
-            </a:extLst>
-          </p:cNvPr>
+              <a:t>Dies ist ein </a:t>
+            </a:r>
+            <a:r>
+              <a:rPr lang="de-DE" dirty="0" err="1"/>
+              <a:t>Typoblindtext</a:t>
+            </a:r>
+            <a:r>
+              <a:rPr lang="de-DE" dirty="0"/>
+              <a:t>. An ihm kann man sehen, ob alle Buchstaben da sind und wie sie aussehen. </a:t>
+            </a:r>
+          </a:p>
+          <a:p>
+            <a:r>
+              <a:rPr lang="de-DE" dirty="0"/>
+              <a:t>Manchmal benutzt man Worte wie </a:t>
+            </a:r>
+          </a:p>
+          <a:p>
+            <a:pPr lvl="1"/>
+            <a:r>
+              <a:rPr lang="de-DE" dirty="0"/>
+              <a:t>Hamburgefonts, </a:t>
+            </a:r>
+          </a:p>
+          <a:p>
+            <a:pPr lvl="1"/>
+            <a:r>
+              <a:rPr lang="de-DE" dirty="0" err="1"/>
+              <a:t>Rafgenduks</a:t>
+            </a:r>
+            <a:r>
+              <a:rPr lang="de-DE" dirty="0"/>
+              <a:t> oder </a:t>
+            </a:r>
+          </a:p>
+          <a:p>
+            <a:pPr lvl="1"/>
+            <a:r>
+              <a:rPr lang="de-DE" dirty="0" err="1"/>
+              <a:t>Handgloves</a:t>
+            </a:r>
+            <a:r>
+              <a:rPr lang="de-DE" dirty="0"/>
+              <a:t>, </a:t>
+            </a:r>
+          </a:p>
+          <a:p>
+            <a:r>
+              <a:rPr lang="de-DE" dirty="0"/>
+              <a:t>um Schriften zu testen.</a:t>
+            </a:r>
+          </a:p>
+        </p:txBody>
+      </p:sp>
+      <p:sp>
+        <p:nvSpPr>
+          <p:cNvPr id="5" name="Titel 4"/>
           <p:cNvSpPr>
             <a:spLocks noGrp="1"/>
           </p:cNvSpPr>
@@ -3435,21 +4655,15 @@
           <a:lstStyle/>
           <a:p>
             <a:r>
-              <a:rPr lang="de-DE" dirty="0"/>
-              <a:t>Einführung</a:t>
+              <a:rPr lang="de-DE"/>
+              <a:t>Musterüberschrift</a:t>
             </a:r>
           </a:p>
         </p:txBody>
       </p:sp>
       <p:pic>
         <p:nvPicPr>
-          <p:cNvPr id="11" name="Bildplatzhalter 10">
-            <a:extLst>
-              <a:ext uri="{FF2B5EF4-FFF2-40B4-BE49-F238E27FC236}">
-                <a16:creationId xmlns:a16="http://schemas.microsoft.com/office/drawing/2014/main" id="{6D4AD00E-C0A5-5779-F57C-414BBFBB9696}"/>
-              </a:ext>
-            </a:extLst>
-          </p:cNvPr>
+          <p:cNvPr id="3" name="Bildplatzhalter 2"/>
           <p:cNvPicPr>
             <a:picLocks noGrp="1" noChangeAspect="1"/>
           </p:cNvPicPr>
@@ -3458,23 +4672,47 @@
           </p:nvPr>
         </p:nvPicPr>
         <p:blipFill>
-          <a:blip r:embed="rId2"/>
-          <a:srcRect l="11168" r="11168"/>
+          <a:blip r:embed="rId2">
+            <a:extLst>
+              <a:ext uri="{28A0092B-C50C-407E-A947-70E740481C1C}">
+                <a14:useLocalDpi xmlns:a14="http://schemas.microsoft.com/office/drawing/2010/main" val="0"/>
+              </a:ext>
+            </a:extLst>
+          </a:blip>
+          <a:srcRect l="27410" r="27410"/>
           <a:stretch>
             <a:fillRect/>
           </a:stretch>
         </p:blipFill>
-        <p:spPr>
-          <a:xfrm>
-            <a:off x="358775" y="915988"/>
-            <a:ext cx="2305050" cy="3709987"/>
-          </a:xfrm>
-        </p:spPr>
+        <p:spPr/>
       </p:pic>
+      <p:sp>
+        <p:nvSpPr>
+          <p:cNvPr id="2" name="Fußzeilenplatzhalter 1"/>
+          <p:cNvSpPr>
+            <a:spLocks noGrp="1"/>
+          </p:cNvSpPr>
+          <p:nvPr>
+            <p:ph type="ftr" sz="quarter" idx="10"/>
+          </p:nvPr>
+        </p:nvSpPr>
+        <p:spPr/>
+        <p:txBody>
+          <a:bodyPr/>
+          <a:lstStyle/>
+          <a:p>
+            <a:r>
+              <a:rPr lang="de-DE"/>
+              <a:t>Referent · Titel</a:t>
+            </a:r>
+            <a:endParaRPr lang="de-DE" dirty="0"/>
+          </a:p>
+        </p:txBody>
+      </p:sp>
     </p:spTree>
     <p:extLst>
       <p:ext uri="{BB962C8B-B14F-4D97-AF65-F5344CB8AC3E}">
-        <p14:creationId xmlns:p14="http://schemas.microsoft.com/office/powerpoint/2010/main" val="1347986883"/>
+        <p14:creationId xmlns:p14="http://schemas.microsoft.com/office/powerpoint/2010/main" val="56149347"/>
       </p:ext>
     </p:extLst>
   </p:cSld>
@@ -3484,7 +4722,7 @@
 </p:sld>
 </file>
 
-<file path=ppt/slides/slide5.xml><?xml version="1.0" encoding="utf-8"?>
+<file path=ppt/slides/slide13.xml><?xml version="1.0" encoding="utf-8"?>
 <p:sld xmlns:a="http://schemas.openxmlformats.org/drawingml/2006/main" xmlns:r="http://schemas.openxmlformats.org/officeDocument/2006/relationships" xmlns:p="http://schemas.openxmlformats.org/presentationml/2006/main">
   <p:cSld>
     <p:spTree>
@@ -3590,12 +4828,37 @@
           <a:lstStyle/>
           <a:p>
             <a:r>
-              <a:rPr lang="de-DE" dirty="0"/>
+              <a:rPr lang="de-DE"/>
               <a:t>Musterüberschrift</a:t>
             </a:r>
           </a:p>
         </p:txBody>
       </p:sp>
+      <p:pic>
+        <p:nvPicPr>
+          <p:cNvPr id="3" name="Bildplatzhalter 2"/>
+          <p:cNvPicPr>
+            <a:picLocks noGrp="1" noChangeAspect="1"/>
+          </p:cNvPicPr>
+          <p:nvPr>
+            <p:ph type="pic" sz="quarter" idx="11"/>
+          </p:nvPr>
+        </p:nvPicPr>
+        <p:blipFill>
+          <a:blip r:embed="rId2">
+            <a:extLst>
+              <a:ext uri="{28A0092B-C50C-407E-A947-70E740481C1C}">
+                <a14:useLocalDpi xmlns:a14="http://schemas.microsoft.com/office/drawing/2010/main" val="0"/>
+              </a:ext>
+            </a:extLst>
+          </a:blip>
+          <a:srcRect l="27427" r="27427"/>
+          <a:stretch>
+            <a:fillRect/>
+          </a:stretch>
+        </p:blipFill>
+        <p:spPr/>
+      </p:pic>
       <p:sp>
         <p:nvSpPr>
           <p:cNvPr id="2" name="Fußzeilenplatzhalter 1"/>
@@ -3606,12 +4869,7 @@
             <p:ph type="ftr" sz="quarter" idx="10"/>
           </p:nvPr>
         </p:nvSpPr>
-        <p:spPr>
-          <a:xfrm>
-            <a:off x="360000" y="4707773"/>
-            <a:ext cx="8424000" cy="234001"/>
-          </a:xfrm>
-        </p:spPr>
+        <p:spPr/>
         <p:txBody>
           <a:bodyPr/>
           <a:lstStyle/>
@@ -3627,7 +4885,7 @@
     </p:spTree>
     <p:extLst>
       <p:ext uri="{BB962C8B-B14F-4D97-AF65-F5344CB8AC3E}">
-        <p14:creationId xmlns:p14="http://schemas.microsoft.com/office/powerpoint/2010/main" val="1374900008"/>
+        <p14:creationId xmlns:p14="http://schemas.microsoft.com/office/powerpoint/2010/main" val="956753996"/>
       </p:ext>
     </p:extLst>
   </p:cSld>
@@ -3637,7 +4895,7 @@
 </p:sld>
 </file>
 
-<file path=ppt/slides/slide6.xml><?xml version="1.0" encoding="utf-8"?>
+<file path=ppt/slides/slide14.xml><?xml version="1.0" encoding="utf-8"?>
 <p:sld xmlns:a="http://schemas.openxmlformats.org/drawingml/2006/main" xmlns:r="http://schemas.openxmlformats.org/officeDocument/2006/relationships" xmlns:p="http://schemas.openxmlformats.org/presentationml/2006/main">
   <p:cSld>
     <p:spTree>
@@ -3661,352 +4919,6 @@
             <a:spLocks noGrp="1"/>
           </p:cNvSpPr>
           <p:nvPr>
-            <p:ph idx="1"/>
-          </p:nvPr>
-        </p:nvSpPr>
-        <p:spPr/>
-        <p:txBody>
-          <a:bodyPr/>
-          <a:lstStyle/>
-          <a:p>
-            <a:r>
-              <a:rPr lang="de-DE" dirty="0"/>
-              <a:t>Dies ist ein </a:t>
-            </a:r>
-            <a:r>
-              <a:rPr lang="de-DE" dirty="0" err="1"/>
-              <a:t>Typoblindtext</a:t>
-            </a:r>
-            <a:r>
-              <a:rPr lang="de-DE" dirty="0"/>
-              <a:t>. An ihm kann man sehen, ob alle Buchstaben da sind und wie sie aussehen. </a:t>
-            </a:r>
-          </a:p>
-          <a:p>
-            <a:r>
-              <a:rPr lang="de-DE" dirty="0"/>
-              <a:t>Manchmal benutzt man Worte wie </a:t>
-            </a:r>
-          </a:p>
-          <a:p>
-            <a:pPr lvl="1"/>
-            <a:r>
-              <a:rPr lang="de-DE" dirty="0"/>
-              <a:t>Hamburgefonts, </a:t>
-            </a:r>
-          </a:p>
-          <a:p>
-            <a:pPr lvl="1"/>
-            <a:r>
-              <a:rPr lang="de-DE" dirty="0" err="1"/>
-              <a:t>Rafgenduks</a:t>
-            </a:r>
-            <a:r>
-              <a:rPr lang="de-DE" dirty="0"/>
-              <a:t> oder </a:t>
-            </a:r>
-          </a:p>
-          <a:p>
-            <a:pPr lvl="1"/>
-            <a:r>
-              <a:rPr lang="de-DE" dirty="0" err="1"/>
-              <a:t>Handgloves</a:t>
-            </a:r>
-            <a:r>
-              <a:rPr lang="de-DE" dirty="0"/>
-              <a:t>, </a:t>
-            </a:r>
-          </a:p>
-          <a:p>
-            <a:r>
-              <a:rPr lang="de-DE" dirty="0"/>
-              <a:t>um Schriften zu testen.</a:t>
-            </a:r>
-          </a:p>
-        </p:txBody>
-      </p:sp>
-      <p:sp>
-        <p:nvSpPr>
-          <p:cNvPr id="5" name="Titel 4"/>
-          <p:cNvSpPr>
-            <a:spLocks noGrp="1"/>
-          </p:cNvSpPr>
-          <p:nvPr>
-            <p:ph type="title"/>
-          </p:nvPr>
-        </p:nvSpPr>
-        <p:spPr/>
-        <p:txBody>
-          <a:bodyPr>
-            <a:normAutofit fontScale="90000"/>
-          </a:bodyPr>
-          <a:lstStyle/>
-          <a:p>
-            <a:r>
-              <a:rPr lang="de-DE"/>
-              <a:t>Musterüberschrift</a:t>
-            </a:r>
-          </a:p>
-        </p:txBody>
-      </p:sp>
-      <p:pic>
-        <p:nvPicPr>
-          <p:cNvPr id="3" name="Bildplatzhalter 2"/>
-          <p:cNvPicPr>
-            <a:picLocks noGrp="1" noChangeAspect="1"/>
-          </p:cNvPicPr>
-          <p:nvPr>
-            <p:ph type="pic" sz="quarter" idx="11"/>
-          </p:nvPr>
-        </p:nvPicPr>
-        <p:blipFill>
-          <a:blip r:embed="rId2">
-            <a:extLst>
-              <a:ext uri="{28A0092B-C50C-407E-A947-70E740481C1C}">
-                <a14:useLocalDpi xmlns:a14="http://schemas.microsoft.com/office/drawing/2010/main" val="0"/>
-              </a:ext>
-            </a:extLst>
-          </a:blip>
-          <a:srcRect l="27410" r="27410"/>
-          <a:stretch>
-            <a:fillRect/>
-          </a:stretch>
-        </p:blipFill>
-        <p:spPr/>
-      </p:pic>
-      <p:sp>
-        <p:nvSpPr>
-          <p:cNvPr id="2" name="Fußzeilenplatzhalter 1"/>
-          <p:cNvSpPr>
-            <a:spLocks noGrp="1"/>
-          </p:cNvSpPr>
-          <p:nvPr>
-            <p:ph type="ftr" sz="quarter" idx="10"/>
-          </p:nvPr>
-        </p:nvSpPr>
-        <p:spPr/>
-        <p:txBody>
-          <a:bodyPr/>
-          <a:lstStyle/>
-          <a:p>
-            <a:r>
-              <a:rPr lang="de-DE"/>
-              <a:t>Referent · Titel</a:t>
-            </a:r>
-            <a:endParaRPr lang="de-DE" dirty="0"/>
-          </a:p>
-        </p:txBody>
-      </p:sp>
-    </p:spTree>
-    <p:extLst>
-      <p:ext uri="{BB962C8B-B14F-4D97-AF65-F5344CB8AC3E}">
-        <p14:creationId xmlns:p14="http://schemas.microsoft.com/office/powerpoint/2010/main" val="56149347"/>
-      </p:ext>
-    </p:extLst>
-  </p:cSld>
-  <p:clrMapOvr>
-    <a:masterClrMapping/>
-  </p:clrMapOvr>
-</p:sld>
-</file>
-
-<file path=ppt/slides/slide7.xml><?xml version="1.0" encoding="utf-8"?>
-<p:sld xmlns:a="http://schemas.openxmlformats.org/drawingml/2006/main" xmlns:r="http://schemas.openxmlformats.org/officeDocument/2006/relationships" xmlns:p="http://schemas.openxmlformats.org/presentationml/2006/main">
-  <p:cSld>
-    <p:spTree>
-      <p:nvGrpSpPr>
-        <p:cNvPr id="1" name=""/>
-        <p:cNvGrpSpPr/>
-        <p:nvPr/>
-      </p:nvGrpSpPr>
-      <p:grpSpPr>
-        <a:xfrm>
-          <a:off x="0" y="0"/>
-          <a:ext cx="0" cy="0"/>
-          <a:chOff x="0" y="0"/>
-          <a:chExt cx="0" cy="0"/>
-        </a:xfrm>
-      </p:grpSpPr>
-      <p:sp>
-        <p:nvSpPr>
-          <p:cNvPr id="6" name="Inhaltsplatzhalter 5"/>
-          <p:cNvSpPr>
-            <a:spLocks noGrp="1"/>
-          </p:cNvSpPr>
-          <p:nvPr>
-            <p:ph idx="1"/>
-          </p:nvPr>
-        </p:nvSpPr>
-        <p:spPr/>
-        <p:txBody>
-          <a:bodyPr/>
-          <a:lstStyle/>
-          <a:p>
-            <a:r>
-              <a:rPr lang="de-DE" dirty="0"/>
-              <a:t>Dies ist ein </a:t>
-            </a:r>
-            <a:r>
-              <a:rPr lang="de-DE" dirty="0" err="1"/>
-              <a:t>Typoblindtext</a:t>
-            </a:r>
-            <a:r>
-              <a:rPr lang="de-DE" dirty="0"/>
-              <a:t>. An ihm kann man sehen, ob alle Buchstaben da sind und wie sie aussehen. </a:t>
-            </a:r>
-          </a:p>
-          <a:p>
-            <a:r>
-              <a:rPr lang="de-DE" dirty="0"/>
-              <a:t>Manchmal benutzt man Worte wie </a:t>
-            </a:r>
-          </a:p>
-          <a:p>
-            <a:pPr lvl="1"/>
-            <a:r>
-              <a:rPr lang="de-DE" dirty="0"/>
-              <a:t>Hamburgefonts, </a:t>
-            </a:r>
-          </a:p>
-          <a:p>
-            <a:pPr lvl="1"/>
-            <a:r>
-              <a:rPr lang="de-DE" dirty="0" err="1"/>
-              <a:t>Rafgenduks</a:t>
-            </a:r>
-            <a:r>
-              <a:rPr lang="de-DE" dirty="0"/>
-              <a:t> oder </a:t>
-            </a:r>
-          </a:p>
-          <a:p>
-            <a:pPr lvl="1"/>
-            <a:r>
-              <a:rPr lang="de-DE" dirty="0" err="1"/>
-              <a:t>Handgloves</a:t>
-            </a:r>
-            <a:r>
-              <a:rPr lang="de-DE" dirty="0"/>
-              <a:t>, </a:t>
-            </a:r>
-          </a:p>
-          <a:p>
-            <a:r>
-              <a:rPr lang="de-DE" dirty="0"/>
-              <a:t>um Schriften zu testen.</a:t>
-            </a:r>
-          </a:p>
-        </p:txBody>
-      </p:sp>
-      <p:sp>
-        <p:nvSpPr>
-          <p:cNvPr id="5" name="Titel 4"/>
-          <p:cNvSpPr>
-            <a:spLocks noGrp="1"/>
-          </p:cNvSpPr>
-          <p:nvPr>
-            <p:ph type="title"/>
-          </p:nvPr>
-        </p:nvSpPr>
-        <p:spPr/>
-        <p:txBody>
-          <a:bodyPr>
-            <a:normAutofit fontScale="90000"/>
-          </a:bodyPr>
-          <a:lstStyle/>
-          <a:p>
-            <a:r>
-              <a:rPr lang="de-DE"/>
-              <a:t>Musterüberschrift</a:t>
-            </a:r>
-          </a:p>
-        </p:txBody>
-      </p:sp>
-      <p:pic>
-        <p:nvPicPr>
-          <p:cNvPr id="3" name="Bildplatzhalter 2"/>
-          <p:cNvPicPr>
-            <a:picLocks noGrp="1" noChangeAspect="1"/>
-          </p:cNvPicPr>
-          <p:nvPr>
-            <p:ph type="pic" sz="quarter" idx="11"/>
-          </p:nvPr>
-        </p:nvPicPr>
-        <p:blipFill>
-          <a:blip r:embed="rId2">
-            <a:extLst>
-              <a:ext uri="{28A0092B-C50C-407E-A947-70E740481C1C}">
-                <a14:useLocalDpi xmlns:a14="http://schemas.microsoft.com/office/drawing/2010/main" val="0"/>
-              </a:ext>
-            </a:extLst>
-          </a:blip>
-          <a:srcRect l="27427" r="27427"/>
-          <a:stretch>
-            <a:fillRect/>
-          </a:stretch>
-        </p:blipFill>
-        <p:spPr/>
-      </p:pic>
-      <p:sp>
-        <p:nvSpPr>
-          <p:cNvPr id="2" name="Fußzeilenplatzhalter 1"/>
-          <p:cNvSpPr>
-            <a:spLocks noGrp="1"/>
-          </p:cNvSpPr>
-          <p:nvPr>
-            <p:ph type="ftr" sz="quarter" idx="10"/>
-          </p:nvPr>
-        </p:nvSpPr>
-        <p:spPr/>
-        <p:txBody>
-          <a:bodyPr/>
-          <a:lstStyle/>
-          <a:p>
-            <a:r>
-              <a:rPr lang="de-DE"/>
-              <a:t>Referent · Titel</a:t>
-            </a:r>
-            <a:endParaRPr lang="de-DE" dirty="0"/>
-          </a:p>
-        </p:txBody>
-      </p:sp>
-    </p:spTree>
-    <p:extLst>
-      <p:ext uri="{BB962C8B-B14F-4D97-AF65-F5344CB8AC3E}">
-        <p14:creationId xmlns:p14="http://schemas.microsoft.com/office/powerpoint/2010/main" val="956753996"/>
-      </p:ext>
-    </p:extLst>
-  </p:cSld>
-  <p:clrMapOvr>
-    <a:masterClrMapping/>
-  </p:clrMapOvr>
-</p:sld>
-</file>
-
-<file path=ppt/slides/slide8.xml><?xml version="1.0" encoding="utf-8"?>
-<p:sld xmlns:a="http://schemas.openxmlformats.org/drawingml/2006/main" xmlns:r="http://schemas.openxmlformats.org/officeDocument/2006/relationships" xmlns:p="http://schemas.openxmlformats.org/presentationml/2006/main">
-  <p:cSld>
-    <p:spTree>
-      <p:nvGrpSpPr>
-        <p:cNvPr id="1" name=""/>
-        <p:cNvGrpSpPr/>
-        <p:nvPr/>
-      </p:nvGrpSpPr>
-      <p:grpSpPr>
-        <a:xfrm>
-          <a:off x="0" y="0"/>
-          <a:ext cx="0" cy="0"/>
-          <a:chOff x="0" y="0"/>
-          <a:chExt cx="0" cy="0"/>
-        </a:xfrm>
-      </p:grpSpPr>
-      <p:sp>
-        <p:nvSpPr>
-          <p:cNvPr id="6" name="Inhaltsplatzhalter 5"/>
-          <p:cNvSpPr>
-            <a:spLocks noGrp="1"/>
-          </p:cNvSpPr>
-          <p:nvPr>
             <p:ph sz="half" idx="1"/>
           </p:nvPr>
         </p:nvSpPr>
@@ -4207,7 +5119,7 @@
 </p:sld>
 </file>
 
-<file path=ppt/slides/slide9.xml><?xml version="1.0" encoding="utf-8"?>
+<file path=ppt/slides/slide15.xml><?xml version="1.0" encoding="utf-8"?>
 <p:sld xmlns:a="http://schemas.openxmlformats.org/drawingml/2006/main" xmlns:r="http://schemas.openxmlformats.org/officeDocument/2006/relationships" xmlns:p="http://schemas.openxmlformats.org/presentationml/2006/main">
   <p:cSld>
     <p:spTree>
@@ -5139,6 +6051,1824 @@
 </p:sld>
 </file>
 
+<file path=ppt/slides/slide2.xml><?xml version="1.0" encoding="utf-8"?>
+<p:sld xmlns:a="http://schemas.openxmlformats.org/drawingml/2006/main" xmlns:r="http://schemas.openxmlformats.org/officeDocument/2006/relationships" xmlns:p="http://schemas.openxmlformats.org/presentationml/2006/main">
+  <p:cSld>
+    <p:spTree>
+      <p:nvGrpSpPr>
+        <p:cNvPr id="1" name=""/>
+        <p:cNvGrpSpPr/>
+        <p:nvPr/>
+      </p:nvGrpSpPr>
+      <p:grpSpPr>
+        <a:xfrm>
+          <a:off x="0" y="0"/>
+          <a:ext cx="0" cy="0"/>
+          <a:chOff x="0" y="0"/>
+          <a:chExt cx="0" cy="0"/>
+        </a:xfrm>
+      </p:grpSpPr>
+      <p:sp>
+        <p:nvSpPr>
+          <p:cNvPr id="3" name="Fußzeilenplatzhalter 2"/>
+          <p:cNvSpPr>
+            <a:spLocks noGrp="1"/>
+          </p:cNvSpPr>
+          <p:nvPr>
+            <p:ph type="ftr" sz="quarter" idx="10"/>
+          </p:nvPr>
+        </p:nvSpPr>
+        <p:spPr/>
+        <p:txBody>
+          <a:bodyPr/>
+          <a:lstStyle/>
+          <a:p>
+            <a:r>
+              <a:rPr lang="de-DE"/>
+              <a:t>Referent · Titel</a:t>
+            </a:r>
+            <a:endParaRPr lang="de-DE" dirty="0"/>
+          </a:p>
+        </p:txBody>
+      </p:sp>
+      <p:sp>
+        <p:nvSpPr>
+          <p:cNvPr id="5" name="Titel 4"/>
+          <p:cNvSpPr>
+            <a:spLocks noGrp="1"/>
+          </p:cNvSpPr>
+          <p:nvPr>
+            <p:ph type="title"/>
+          </p:nvPr>
+        </p:nvSpPr>
+        <p:spPr/>
+        <p:txBody>
+          <a:bodyPr>
+            <a:normAutofit fontScale="90000"/>
+          </a:bodyPr>
+          <a:lstStyle/>
+          <a:p>
+            <a:r>
+              <a:rPr lang="de-DE" dirty="0"/>
+              <a:t>Inhaltsverzeichnis</a:t>
+            </a:r>
+          </a:p>
+        </p:txBody>
+      </p:sp>
+      <p:pic>
+        <p:nvPicPr>
+          <p:cNvPr id="10" name="Bildplatzhalter 9"/>
+          <p:cNvPicPr>
+            <a:picLocks noGrp="1" noChangeAspect="1"/>
+          </p:cNvPicPr>
+          <p:nvPr>
+            <p:ph type="pic" sz="quarter" idx="11"/>
+          </p:nvPr>
+        </p:nvPicPr>
+        <p:blipFill>
+          <a:blip r:embed="rId2">
+            <a:extLst>
+              <a:ext uri="{28A0092B-C50C-407E-A947-70E740481C1C}">
+                <a14:useLocalDpi xmlns:a14="http://schemas.microsoft.com/office/drawing/2010/main" val="0"/>
+              </a:ext>
+            </a:extLst>
+          </a:blip>
+          <a:srcRect t="40956" b="40956"/>
+          <a:stretch>
+            <a:fillRect/>
+          </a:stretch>
+        </p:blipFill>
+        <p:spPr/>
+      </p:pic>
+      <p:sp>
+        <p:nvSpPr>
+          <p:cNvPr id="9" name="Inhaltsplatzhalter 8"/>
+          <p:cNvSpPr>
+            <a:spLocks noGrp="1"/>
+          </p:cNvSpPr>
+          <p:nvPr>
+            <p:ph idx="1"/>
+          </p:nvPr>
+        </p:nvSpPr>
+        <p:spPr/>
+        <p:txBody>
+          <a:bodyPr>
+            <a:normAutofit lnSpcReduction="10000"/>
+          </a:bodyPr>
+          <a:lstStyle/>
+          <a:p>
+            <a:pPr marL="342900" indent="-342900">
+              <a:buFont typeface="+mj-lt"/>
+              <a:buAutoNum type="arabicPeriod"/>
+            </a:pPr>
+            <a:r>
+              <a:rPr lang="de-DE" dirty="0"/>
+              <a:t>Einführung</a:t>
+            </a:r>
+          </a:p>
+          <a:p>
+            <a:pPr marL="342900" indent="-342900">
+              <a:buFont typeface="+mj-lt"/>
+              <a:buAutoNum type="arabicPeriod"/>
+            </a:pPr>
+            <a:r>
+              <a:rPr lang="de-DE" dirty="0"/>
+              <a:t>Algorithmen zum Zeichnen von Bäumen</a:t>
+            </a:r>
+          </a:p>
+          <a:p>
+            <a:pPr marL="685800" lvl="1" indent="-342900">
+              <a:buFont typeface="+mj-lt"/>
+              <a:buAutoNum type="arabicPeriod"/>
+            </a:pPr>
+            <a:r>
+              <a:rPr lang="de-DE" dirty="0"/>
+              <a:t>Naiver Algorithmus von </a:t>
+            </a:r>
+            <a:r>
+              <a:rPr lang="de-DE" dirty="0" err="1"/>
+              <a:t>Wetherell</a:t>
+            </a:r>
+            <a:r>
+              <a:rPr lang="de-DE" dirty="0"/>
+              <a:t> und Shannon</a:t>
+            </a:r>
+          </a:p>
+          <a:p>
+            <a:pPr marL="685800" lvl="1" indent="-342900">
+              <a:buFont typeface="+mj-lt"/>
+              <a:buAutoNum type="arabicPeriod"/>
+            </a:pPr>
+            <a:r>
+              <a:rPr lang="de-DE" dirty="0"/>
+              <a:t>Verbesserter Algorithmus von </a:t>
+            </a:r>
+            <a:r>
+              <a:rPr lang="de-DE" dirty="0" err="1"/>
+              <a:t>Wetherell</a:t>
+            </a:r>
+            <a:r>
+              <a:rPr lang="de-DE" dirty="0"/>
+              <a:t> und Shannon</a:t>
+            </a:r>
+          </a:p>
+          <a:p>
+            <a:pPr marL="685800" lvl="1" indent="-342900">
+              <a:buFont typeface="+mj-lt"/>
+              <a:buAutoNum type="arabicPeriod"/>
+            </a:pPr>
+            <a:r>
+              <a:rPr lang="de-DE" dirty="0"/>
+              <a:t>Algorithmus von </a:t>
+            </a:r>
+            <a:r>
+              <a:rPr lang="de-DE" dirty="0" err="1"/>
+              <a:t>Reingold</a:t>
+            </a:r>
+            <a:r>
+              <a:rPr lang="de-DE" dirty="0"/>
+              <a:t> und </a:t>
+            </a:r>
+            <a:r>
+              <a:rPr lang="de-DE" dirty="0" err="1"/>
+              <a:t>Tilford</a:t>
+            </a:r>
+            <a:endParaRPr lang="de-DE" dirty="0"/>
+          </a:p>
+          <a:p>
+            <a:pPr marL="342900" indent="-342900">
+              <a:buFont typeface="+mj-lt"/>
+              <a:buAutoNum type="arabicPeriod"/>
+            </a:pPr>
+            <a:r>
+              <a:rPr lang="de-DE" dirty="0"/>
+              <a:t>Vergleich</a:t>
+            </a:r>
+          </a:p>
+          <a:p>
+            <a:pPr marL="342900" indent="-342900">
+              <a:buFont typeface="+mj-lt"/>
+              <a:buAutoNum type="arabicPeriod"/>
+            </a:pPr>
+            <a:r>
+              <a:rPr lang="de-DE" dirty="0"/>
+              <a:t>Konklusion</a:t>
+            </a:r>
+          </a:p>
+        </p:txBody>
+      </p:sp>
+    </p:spTree>
+    <p:extLst>
+      <p:ext uri="{BB962C8B-B14F-4D97-AF65-F5344CB8AC3E}">
+        <p14:creationId xmlns:p14="http://schemas.microsoft.com/office/powerpoint/2010/main" val="347019466"/>
+      </p:ext>
+    </p:extLst>
+  </p:cSld>
+  <p:clrMapOvr>
+    <a:masterClrMapping/>
+  </p:clrMapOvr>
+</p:sld>
+</file>
+
+<file path=ppt/slides/slide3.xml><?xml version="1.0" encoding="utf-8"?>
+<p:sld xmlns:a="http://schemas.openxmlformats.org/drawingml/2006/main" xmlns:r="http://schemas.openxmlformats.org/officeDocument/2006/relationships" xmlns:p="http://schemas.openxmlformats.org/presentationml/2006/main">
+  <p:cSld>
+    <p:spTree>
+      <p:nvGrpSpPr>
+        <p:cNvPr id="1" name=""/>
+        <p:cNvGrpSpPr/>
+        <p:nvPr/>
+      </p:nvGrpSpPr>
+      <p:grpSpPr>
+        <a:xfrm>
+          <a:off x="0" y="0"/>
+          <a:ext cx="0" cy="0"/>
+          <a:chOff x="0" y="0"/>
+          <a:chExt cx="0" cy="0"/>
+        </a:xfrm>
+      </p:grpSpPr>
+      <p:sp>
+        <p:nvSpPr>
+          <p:cNvPr id="2" name="Inhaltsplatzhalter 1">
+            <a:extLst>
+              <a:ext uri="{FF2B5EF4-FFF2-40B4-BE49-F238E27FC236}">
+                <a16:creationId xmlns:a16="http://schemas.microsoft.com/office/drawing/2014/main" id="{DA6D6A53-F10F-1C8D-6D46-FEC2DC2B96BE}"/>
+              </a:ext>
+            </a:extLst>
+          </p:cNvPr>
+          <p:cNvSpPr>
+            <a:spLocks noGrp="1"/>
+          </p:cNvSpPr>
+          <p:nvPr>
+            <p:ph idx="1"/>
+          </p:nvPr>
+        </p:nvSpPr>
+        <p:spPr>
+          <a:xfrm>
+            <a:off x="360000" y="915990"/>
+            <a:ext cx="8424000" cy="3710010"/>
+          </a:xfrm>
+        </p:spPr>
+        <p:txBody>
+          <a:bodyPr/>
+          <a:lstStyle/>
+          <a:p>
+            <a:pPr marL="342900" indent="-342900">
+              <a:buFont typeface="+mj-lt"/>
+              <a:buAutoNum type="arabicPeriod"/>
+            </a:pPr>
+            <a:r>
+              <a:rPr lang="de-DE" dirty="0"/>
+              <a:t>Einleitung</a:t>
+            </a:r>
+          </a:p>
+          <a:p>
+            <a:pPr marL="342900" indent="-342900">
+              <a:buFont typeface="+mj-lt"/>
+              <a:buAutoNum type="arabicPeriod"/>
+            </a:pPr>
+            <a:r>
+              <a:rPr lang="de-DE" dirty="0"/>
+              <a:t>Definition von Bäumen in der Informatik</a:t>
+            </a:r>
+          </a:p>
+          <a:p>
+            <a:pPr marL="342900" indent="-342900">
+              <a:buFont typeface="+mj-lt"/>
+              <a:buAutoNum type="arabicPeriod"/>
+            </a:pPr>
+            <a:r>
+              <a:rPr lang="de-DE" dirty="0"/>
+              <a:t>Algorithmen zum Zeichnen von Bäumen</a:t>
+            </a:r>
+          </a:p>
+          <a:p>
+            <a:pPr marL="685800" lvl="1" indent="-342900">
+              <a:buFont typeface="+mj-lt"/>
+              <a:buAutoNum type="arabicPeriod"/>
+            </a:pPr>
+            <a:r>
+              <a:rPr lang="de-DE" dirty="0"/>
+              <a:t>Naiver Algorithmus von </a:t>
+            </a:r>
+            <a:r>
+              <a:rPr lang="de-DE" dirty="0" err="1"/>
+              <a:t>Wetherell</a:t>
+            </a:r>
+            <a:r>
+              <a:rPr lang="de-DE" dirty="0"/>
+              <a:t> und Shannon</a:t>
+            </a:r>
+          </a:p>
+          <a:p>
+            <a:pPr marL="685800" lvl="1" indent="-342900">
+              <a:buFont typeface="+mj-lt"/>
+              <a:buAutoNum type="arabicPeriod"/>
+            </a:pPr>
+            <a:r>
+              <a:rPr lang="de-DE" dirty="0"/>
+              <a:t>Verbesserter Algorithmus von </a:t>
+            </a:r>
+            <a:r>
+              <a:rPr lang="de-DE" dirty="0" err="1"/>
+              <a:t>Wetherell</a:t>
+            </a:r>
+            <a:r>
+              <a:rPr lang="de-DE" dirty="0"/>
+              <a:t> und Shannon</a:t>
+            </a:r>
+          </a:p>
+          <a:p>
+            <a:pPr marL="685800" lvl="1" indent="-342900">
+              <a:buFont typeface="+mj-lt"/>
+              <a:buAutoNum type="arabicPeriod"/>
+            </a:pPr>
+            <a:r>
+              <a:rPr lang="de-DE" dirty="0"/>
+              <a:t>Algorithmus von </a:t>
+            </a:r>
+            <a:r>
+              <a:rPr lang="de-DE" dirty="0" err="1"/>
+              <a:t>Reingold</a:t>
+            </a:r>
+            <a:r>
+              <a:rPr lang="de-DE" dirty="0"/>
+              <a:t> und </a:t>
+            </a:r>
+            <a:r>
+              <a:rPr lang="de-DE" dirty="0" err="1"/>
+              <a:t>Tilford</a:t>
+            </a:r>
+            <a:endParaRPr lang="de-DE" dirty="0"/>
+          </a:p>
+          <a:p>
+            <a:pPr marL="342900" indent="-342900">
+              <a:buFont typeface="+mj-lt"/>
+              <a:buAutoNum type="arabicPeriod"/>
+            </a:pPr>
+            <a:r>
+              <a:rPr lang="de-DE" dirty="0"/>
+              <a:t>Vergleich</a:t>
+            </a:r>
+          </a:p>
+          <a:p>
+            <a:pPr marL="342900" indent="-342900">
+              <a:buFont typeface="+mj-lt"/>
+              <a:buAutoNum type="arabicPeriod"/>
+            </a:pPr>
+            <a:r>
+              <a:rPr lang="de-DE" dirty="0"/>
+              <a:t>Konklusion</a:t>
+            </a:r>
+          </a:p>
+          <a:p>
+            <a:pPr marL="0" indent="0">
+              <a:buNone/>
+            </a:pPr>
+            <a:endParaRPr lang="de-DE" dirty="0"/>
+          </a:p>
+        </p:txBody>
+      </p:sp>
+      <p:sp>
+        <p:nvSpPr>
+          <p:cNvPr id="3" name="Fußzeilenplatzhalter 2">
+            <a:extLst>
+              <a:ext uri="{FF2B5EF4-FFF2-40B4-BE49-F238E27FC236}">
+                <a16:creationId xmlns:a16="http://schemas.microsoft.com/office/drawing/2014/main" id="{BAE457E3-909A-BB36-F91E-21D1E20AA5E9}"/>
+              </a:ext>
+            </a:extLst>
+          </p:cNvPr>
+          <p:cNvSpPr>
+            <a:spLocks noGrp="1"/>
+          </p:cNvSpPr>
+          <p:nvPr>
+            <p:ph type="ftr" sz="quarter" idx="10"/>
+          </p:nvPr>
+        </p:nvSpPr>
+        <p:spPr/>
+        <p:txBody>
+          <a:bodyPr/>
+          <a:lstStyle/>
+          <a:p>
+            <a:r>
+              <a:rPr lang="de-DE"/>
+              <a:t>Erkan Garan, Justin Treulieb - Bäume zeichnen im Ebenen-Layout </a:t>
+            </a:r>
+            <a:endParaRPr lang="de-DE" dirty="0"/>
+          </a:p>
+        </p:txBody>
+      </p:sp>
+      <p:sp>
+        <p:nvSpPr>
+          <p:cNvPr id="4" name="Titel 3">
+            <a:extLst>
+              <a:ext uri="{FF2B5EF4-FFF2-40B4-BE49-F238E27FC236}">
+                <a16:creationId xmlns:a16="http://schemas.microsoft.com/office/drawing/2014/main" id="{5FB2163D-B7F4-FF40-D342-27678C5A2537}"/>
+              </a:ext>
+            </a:extLst>
+          </p:cNvPr>
+          <p:cNvSpPr>
+            <a:spLocks noGrp="1"/>
+          </p:cNvSpPr>
+          <p:nvPr>
+            <p:ph type="title"/>
+          </p:nvPr>
+        </p:nvSpPr>
+        <p:spPr/>
+        <p:txBody>
+          <a:bodyPr>
+            <a:normAutofit fontScale="90000"/>
+          </a:bodyPr>
+          <a:lstStyle/>
+          <a:p>
+            <a:r>
+              <a:rPr lang="de-DE" dirty="0"/>
+              <a:t>Inhaltsverzeichnis</a:t>
+            </a:r>
+          </a:p>
+        </p:txBody>
+      </p:sp>
+    </p:spTree>
+    <p:extLst>
+      <p:ext uri="{BB962C8B-B14F-4D97-AF65-F5344CB8AC3E}">
+        <p14:creationId xmlns:p14="http://schemas.microsoft.com/office/powerpoint/2010/main" val="1262473004"/>
+      </p:ext>
+    </p:extLst>
+  </p:cSld>
+  <p:clrMapOvr>
+    <a:masterClrMapping/>
+  </p:clrMapOvr>
+</p:sld>
+</file>
+
+<file path=ppt/slides/slide4.xml><?xml version="1.0" encoding="utf-8"?>
+<p:sld xmlns:a="http://schemas.openxmlformats.org/drawingml/2006/main" xmlns:r="http://schemas.openxmlformats.org/officeDocument/2006/relationships" xmlns:p="http://schemas.openxmlformats.org/presentationml/2006/main">
+  <p:cSld>
+    <p:spTree>
+      <p:nvGrpSpPr>
+        <p:cNvPr id="1" name=""/>
+        <p:cNvGrpSpPr/>
+        <p:nvPr/>
+      </p:nvGrpSpPr>
+      <p:grpSpPr>
+        <a:xfrm>
+          <a:off x="0" y="0"/>
+          <a:ext cx="0" cy="0"/>
+          <a:chOff x="0" y="0"/>
+          <a:chExt cx="0" cy="0"/>
+        </a:xfrm>
+      </p:grpSpPr>
+      <p:sp>
+        <p:nvSpPr>
+          <p:cNvPr id="2" name="Inhaltsplatzhalter 1">
+            <a:extLst>
+              <a:ext uri="{FF2B5EF4-FFF2-40B4-BE49-F238E27FC236}">
+                <a16:creationId xmlns:a16="http://schemas.microsoft.com/office/drawing/2014/main" id="{8122D5C5-7FCB-87B0-6B7A-A83F0AB7B7A6}"/>
+              </a:ext>
+            </a:extLst>
+          </p:cNvPr>
+          <p:cNvSpPr>
+            <a:spLocks noGrp="1"/>
+          </p:cNvSpPr>
+          <p:nvPr>
+            <p:ph idx="1"/>
+          </p:nvPr>
+        </p:nvSpPr>
+        <p:spPr/>
+        <p:txBody>
+          <a:bodyPr/>
+          <a:lstStyle/>
+          <a:p>
+            <a:r>
+              <a:rPr lang="de-DE" dirty="0"/>
+              <a:t>Definition von Bäumen in der Informatik</a:t>
+            </a:r>
+          </a:p>
+          <a:p>
+            <a:r>
+              <a:rPr lang="de-DE" dirty="0"/>
+              <a:t>Vorstellung und Erklärung von drei verschiedenen Algorithmen zum Zeichnen von Bäumen</a:t>
+            </a:r>
+          </a:p>
+          <a:p>
+            <a:r>
+              <a:rPr lang="de-DE" dirty="0"/>
+              <a:t>Komprimierte und sortierte Darstellung von Daten</a:t>
+            </a:r>
+          </a:p>
+          <a:p>
+            <a:r>
+              <a:rPr lang="de-DE" dirty="0"/>
+              <a:t>Verständnis schaffen für die Algorithmen</a:t>
+            </a:r>
+          </a:p>
+          <a:p>
+            <a:endParaRPr lang="de-DE" dirty="0"/>
+          </a:p>
+          <a:p>
+            <a:endParaRPr lang="de-DE" dirty="0"/>
+          </a:p>
+        </p:txBody>
+      </p:sp>
+      <p:sp>
+        <p:nvSpPr>
+          <p:cNvPr id="3" name="Fußzeilenplatzhalter 2">
+            <a:extLst>
+              <a:ext uri="{FF2B5EF4-FFF2-40B4-BE49-F238E27FC236}">
+                <a16:creationId xmlns:a16="http://schemas.microsoft.com/office/drawing/2014/main" id="{B41B523B-214D-6892-FCFC-CB96158705A8}"/>
+              </a:ext>
+            </a:extLst>
+          </p:cNvPr>
+          <p:cNvSpPr>
+            <a:spLocks noGrp="1"/>
+          </p:cNvSpPr>
+          <p:nvPr>
+            <p:ph type="ftr" sz="quarter" idx="10"/>
+          </p:nvPr>
+        </p:nvSpPr>
+        <p:spPr/>
+        <p:txBody>
+          <a:bodyPr/>
+          <a:lstStyle/>
+          <a:p>
+            <a:r>
+              <a:rPr lang="de-DE"/>
+              <a:t>Erkan Garan, Justin Treulieb –Bäume zeichnen im Ebenen-Layout</a:t>
+            </a:r>
+            <a:endParaRPr lang="de-DE" dirty="0"/>
+          </a:p>
+        </p:txBody>
+      </p:sp>
+      <p:sp>
+        <p:nvSpPr>
+          <p:cNvPr id="4" name="Titel 3">
+            <a:extLst>
+              <a:ext uri="{FF2B5EF4-FFF2-40B4-BE49-F238E27FC236}">
+                <a16:creationId xmlns:a16="http://schemas.microsoft.com/office/drawing/2014/main" id="{B1D9AC3F-3925-37A7-084A-534FDD2B1CEE}"/>
+              </a:ext>
+            </a:extLst>
+          </p:cNvPr>
+          <p:cNvSpPr>
+            <a:spLocks noGrp="1"/>
+          </p:cNvSpPr>
+          <p:nvPr>
+            <p:ph type="title"/>
+          </p:nvPr>
+        </p:nvSpPr>
+        <p:spPr/>
+        <p:txBody>
+          <a:bodyPr>
+            <a:normAutofit fontScale="90000"/>
+          </a:bodyPr>
+          <a:lstStyle/>
+          <a:p>
+            <a:r>
+              <a:rPr lang="de-DE" dirty="0"/>
+              <a:t>Einleitung</a:t>
+            </a:r>
+          </a:p>
+        </p:txBody>
+      </p:sp>
+      <p:pic>
+        <p:nvPicPr>
+          <p:cNvPr id="11" name="Bildplatzhalter 10">
+            <a:extLst>
+              <a:ext uri="{FF2B5EF4-FFF2-40B4-BE49-F238E27FC236}">
+                <a16:creationId xmlns:a16="http://schemas.microsoft.com/office/drawing/2014/main" id="{6D4AD00E-C0A5-5779-F57C-414BBFBB9696}"/>
+              </a:ext>
+            </a:extLst>
+          </p:cNvPr>
+          <p:cNvPicPr>
+            <a:picLocks noGrp="1" noChangeAspect="1"/>
+          </p:cNvPicPr>
+          <p:nvPr>
+            <p:ph type="pic" sz="quarter" idx="11"/>
+          </p:nvPr>
+        </p:nvPicPr>
+        <p:blipFill>
+          <a:blip r:embed="rId2"/>
+          <a:srcRect l="11168" r="11168"/>
+          <a:stretch>
+            <a:fillRect/>
+          </a:stretch>
+        </p:blipFill>
+        <p:spPr>
+          <a:xfrm>
+            <a:off x="358775" y="915988"/>
+            <a:ext cx="2305050" cy="3709987"/>
+          </a:xfrm>
+        </p:spPr>
+      </p:pic>
+    </p:spTree>
+    <p:extLst>
+      <p:ext uri="{BB962C8B-B14F-4D97-AF65-F5344CB8AC3E}">
+        <p14:creationId xmlns:p14="http://schemas.microsoft.com/office/powerpoint/2010/main" val="1347986883"/>
+      </p:ext>
+    </p:extLst>
+  </p:cSld>
+  <p:clrMapOvr>
+    <a:masterClrMapping/>
+  </p:clrMapOvr>
+</p:sld>
+</file>
+
+<file path=ppt/slides/slide5.xml><?xml version="1.0" encoding="utf-8"?>
+<p:sld xmlns:a="http://schemas.openxmlformats.org/drawingml/2006/main" xmlns:r="http://schemas.openxmlformats.org/officeDocument/2006/relationships" xmlns:p="http://schemas.openxmlformats.org/presentationml/2006/main">
+  <p:cSld>
+    <p:spTree>
+      <p:nvGrpSpPr>
+        <p:cNvPr id="1" name=""/>
+        <p:cNvGrpSpPr/>
+        <p:nvPr/>
+      </p:nvGrpSpPr>
+      <p:grpSpPr>
+        <a:xfrm>
+          <a:off x="0" y="0"/>
+          <a:ext cx="0" cy="0"/>
+          <a:chOff x="0" y="0"/>
+          <a:chExt cx="0" cy="0"/>
+        </a:xfrm>
+      </p:grpSpPr>
+      <p:sp>
+        <p:nvSpPr>
+          <p:cNvPr id="2" name="Inhaltsplatzhalter 1">
+            <a:extLst>
+              <a:ext uri="{FF2B5EF4-FFF2-40B4-BE49-F238E27FC236}">
+                <a16:creationId xmlns:a16="http://schemas.microsoft.com/office/drawing/2014/main" id="{7F88CD7C-11B5-25F4-5ED6-5310B6C17C4E}"/>
+              </a:ext>
+            </a:extLst>
+          </p:cNvPr>
+          <p:cNvSpPr>
+            <a:spLocks noGrp="1"/>
+          </p:cNvSpPr>
+          <p:nvPr>
+            <p:ph idx="1"/>
+          </p:nvPr>
+        </p:nvSpPr>
+        <p:spPr/>
+        <p:txBody>
+          <a:bodyPr/>
+          <a:lstStyle/>
+          <a:p>
+            <a:r>
+              <a:rPr lang="de-DE" dirty="0"/>
+              <a:t>Spezielle Form von Graphen</a:t>
+            </a:r>
+          </a:p>
+          <a:p>
+            <a:r>
+              <a:rPr lang="de-DE" dirty="0"/>
+              <a:t>Endlich, gerichtet, zusammenhängend, azyklisch</a:t>
+            </a:r>
+          </a:p>
+          <a:p>
+            <a:r>
+              <a:rPr lang="de-DE" dirty="0"/>
+              <a:t>Bestehen aus zwei Elementen, Knoten und Kanten</a:t>
+            </a:r>
+          </a:p>
+          <a:p>
+            <a:r>
+              <a:rPr lang="de-DE" dirty="0"/>
+              <a:t>Zwei besondere Knoten:</a:t>
+            </a:r>
+          </a:p>
+          <a:p>
+            <a:pPr lvl="1"/>
+            <a:r>
+              <a:rPr lang="de-DE" dirty="0"/>
+              <a:t>Wurzel (Knoten ohne Vorgänger)</a:t>
+            </a:r>
+          </a:p>
+          <a:p>
+            <a:pPr lvl="1"/>
+            <a:r>
+              <a:rPr lang="de-DE" dirty="0"/>
+              <a:t>Blatt (Knoten ohne Nachfolger) </a:t>
+            </a:r>
+          </a:p>
+          <a:p>
+            <a:r>
+              <a:rPr lang="de-DE" dirty="0"/>
+              <a:t>Anwendungsgebiete:</a:t>
+            </a:r>
+          </a:p>
+          <a:p>
+            <a:pPr lvl="1"/>
+            <a:r>
+              <a:rPr lang="de-DE" dirty="0"/>
+              <a:t>Datenstruktur (z.B. als </a:t>
+            </a:r>
+            <a:r>
+              <a:rPr lang="de-DE" dirty="0" err="1"/>
+              <a:t>Treemap</a:t>
+            </a:r>
+            <a:r>
+              <a:rPr lang="de-DE" dirty="0"/>
+              <a:t> oder </a:t>
+            </a:r>
+            <a:r>
+              <a:rPr lang="de-DE" dirty="0" err="1"/>
+              <a:t>Treeset</a:t>
+            </a:r>
+            <a:r>
+              <a:rPr lang="de-DE" dirty="0"/>
+              <a:t> in Java)</a:t>
+            </a:r>
+          </a:p>
+          <a:p>
+            <a:pPr lvl="1"/>
+            <a:r>
+              <a:rPr lang="de-DE" dirty="0"/>
+              <a:t>Ausdrucksbäume (für mathematische Ausdrücke)</a:t>
+            </a:r>
+          </a:p>
+          <a:p>
+            <a:pPr lvl="1"/>
+            <a:endParaRPr lang="de-DE" dirty="0"/>
+          </a:p>
+          <a:p>
+            <a:endParaRPr lang="de-DE" dirty="0"/>
+          </a:p>
+        </p:txBody>
+      </p:sp>
+      <p:sp>
+        <p:nvSpPr>
+          <p:cNvPr id="3" name="Fußzeilenplatzhalter 2">
+            <a:extLst>
+              <a:ext uri="{FF2B5EF4-FFF2-40B4-BE49-F238E27FC236}">
+                <a16:creationId xmlns:a16="http://schemas.microsoft.com/office/drawing/2014/main" id="{B41C9EC2-9667-931C-39B6-C79AC958F2A8}"/>
+              </a:ext>
+            </a:extLst>
+          </p:cNvPr>
+          <p:cNvSpPr>
+            <a:spLocks noGrp="1"/>
+          </p:cNvSpPr>
+          <p:nvPr>
+            <p:ph type="ftr" sz="quarter" idx="10"/>
+          </p:nvPr>
+        </p:nvSpPr>
+        <p:spPr/>
+        <p:txBody>
+          <a:bodyPr/>
+          <a:lstStyle/>
+          <a:p>
+            <a:r>
+              <a:rPr lang="de-DE"/>
+              <a:t>Erkan Garan, Justin Treulieb – Bäume zeichnen im Ebenen-Layout</a:t>
+            </a:r>
+            <a:endParaRPr lang="de-DE" dirty="0"/>
+          </a:p>
+        </p:txBody>
+      </p:sp>
+      <p:sp>
+        <p:nvSpPr>
+          <p:cNvPr id="4" name="Titel 3">
+            <a:extLst>
+              <a:ext uri="{FF2B5EF4-FFF2-40B4-BE49-F238E27FC236}">
+                <a16:creationId xmlns:a16="http://schemas.microsoft.com/office/drawing/2014/main" id="{50704FCD-1D74-ECDB-CC69-65E13D0AE2DE}"/>
+              </a:ext>
+            </a:extLst>
+          </p:cNvPr>
+          <p:cNvSpPr>
+            <a:spLocks noGrp="1"/>
+          </p:cNvSpPr>
+          <p:nvPr>
+            <p:ph type="title"/>
+          </p:nvPr>
+        </p:nvSpPr>
+        <p:spPr/>
+        <p:txBody>
+          <a:bodyPr>
+            <a:normAutofit fontScale="90000"/>
+          </a:bodyPr>
+          <a:lstStyle/>
+          <a:p>
+            <a:r>
+              <a:rPr lang="de-DE" dirty="0"/>
+              <a:t>Definition von Bäumen in der Informatik</a:t>
+            </a:r>
+          </a:p>
+        </p:txBody>
+      </p:sp>
+      <p:sp>
+        <p:nvSpPr>
+          <p:cNvPr id="5" name="Bildplatzhalter 4">
+            <a:extLst>
+              <a:ext uri="{FF2B5EF4-FFF2-40B4-BE49-F238E27FC236}">
+                <a16:creationId xmlns:a16="http://schemas.microsoft.com/office/drawing/2014/main" id="{98F7F6CE-78F5-E36E-F561-8E16F7E6E4A1}"/>
+              </a:ext>
+            </a:extLst>
+          </p:cNvPr>
+          <p:cNvSpPr>
+            <a:spLocks noGrp="1"/>
+          </p:cNvSpPr>
+          <p:nvPr>
+            <p:ph type="pic" sz="quarter" idx="11"/>
+          </p:nvPr>
+        </p:nvSpPr>
+        <p:spPr/>
+      </p:sp>
+    </p:spTree>
+    <p:extLst>
+      <p:ext uri="{BB962C8B-B14F-4D97-AF65-F5344CB8AC3E}">
+        <p14:creationId xmlns:p14="http://schemas.microsoft.com/office/powerpoint/2010/main" val="415668823"/>
+      </p:ext>
+    </p:extLst>
+  </p:cSld>
+  <p:clrMapOvr>
+    <a:masterClrMapping/>
+  </p:clrMapOvr>
+</p:sld>
+</file>
+
+<file path=ppt/slides/slide6.xml><?xml version="1.0" encoding="utf-8"?>
+<p:sld xmlns:a="http://schemas.openxmlformats.org/drawingml/2006/main" xmlns:r="http://schemas.openxmlformats.org/officeDocument/2006/relationships" xmlns:p="http://schemas.openxmlformats.org/presentationml/2006/main">
+  <p:cSld>
+    <p:spTree>
+      <p:nvGrpSpPr>
+        <p:cNvPr id="1" name=""/>
+        <p:cNvGrpSpPr/>
+        <p:nvPr/>
+      </p:nvGrpSpPr>
+      <p:grpSpPr>
+        <a:xfrm>
+          <a:off x="0" y="0"/>
+          <a:ext cx="0" cy="0"/>
+          <a:chOff x="0" y="0"/>
+          <a:chExt cx="0" cy="0"/>
+        </a:xfrm>
+      </p:grpSpPr>
+      <p:sp>
+        <p:nvSpPr>
+          <p:cNvPr id="2" name="Inhaltsplatzhalter 1">
+            <a:extLst>
+              <a:ext uri="{FF2B5EF4-FFF2-40B4-BE49-F238E27FC236}">
+                <a16:creationId xmlns:a16="http://schemas.microsoft.com/office/drawing/2014/main" id="{506904EF-A08C-7BD4-E8FB-B9E48CDBABAC}"/>
+              </a:ext>
+            </a:extLst>
+          </p:cNvPr>
+          <p:cNvSpPr>
+            <a:spLocks noGrp="1"/>
+          </p:cNvSpPr>
+          <p:nvPr>
+            <p:ph idx="1"/>
+          </p:nvPr>
+        </p:nvSpPr>
+        <p:spPr/>
+        <p:txBody>
+          <a:bodyPr/>
+          <a:lstStyle/>
+          <a:p>
+            <a:r>
+              <a:rPr lang="de-DE" dirty="0"/>
+              <a:t>Traversierung</a:t>
+            </a:r>
+          </a:p>
+          <a:p>
+            <a:pPr lvl="1"/>
+            <a:r>
+              <a:rPr lang="de-DE" dirty="0"/>
+              <a:t>Systematische Ablaufen aller Knoten eines Baumes</a:t>
+            </a:r>
+          </a:p>
+          <a:p>
+            <a:r>
+              <a:rPr lang="de-DE" dirty="0" err="1"/>
+              <a:t>Pre</a:t>
+            </a:r>
+            <a:r>
+              <a:rPr lang="de-DE" dirty="0"/>
+              <a:t>-Order-Traversierung</a:t>
+            </a:r>
+          </a:p>
+          <a:p>
+            <a:pPr lvl="1"/>
+            <a:r>
+              <a:rPr lang="de-DE" dirty="0"/>
+              <a:t>Knoten, linker Teilbaum, rechter Teilbaum</a:t>
+            </a:r>
+          </a:p>
+          <a:p>
+            <a:pPr lvl="1"/>
+            <a:r>
+              <a:rPr lang="de-DE" dirty="0"/>
+              <a:t>Väter vor Kindern</a:t>
+            </a:r>
+          </a:p>
+          <a:p>
+            <a:r>
+              <a:rPr lang="de-DE" dirty="0"/>
+              <a:t>Post-Order-Traversierung</a:t>
+            </a:r>
+          </a:p>
+          <a:p>
+            <a:pPr lvl="1"/>
+            <a:r>
+              <a:rPr lang="de-DE" dirty="0"/>
+              <a:t>Linker Teilbaum, rechter Teilbaum, Knoten</a:t>
+            </a:r>
+          </a:p>
+          <a:p>
+            <a:pPr lvl="1"/>
+            <a:r>
+              <a:rPr lang="de-DE" dirty="0"/>
+              <a:t>Kinder vor Vätern</a:t>
+            </a:r>
+          </a:p>
+          <a:p>
+            <a:r>
+              <a:rPr lang="de-DE" dirty="0"/>
+              <a:t>In-Order-Traversierung</a:t>
+            </a:r>
+          </a:p>
+          <a:p>
+            <a:pPr lvl="1"/>
+            <a:r>
+              <a:rPr lang="de-DE" dirty="0"/>
+              <a:t>Linker Teilbaum, Knoten, rechter Teilbaum</a:t>
+            </a:r>
+          </a:p>
+        </p:txBody>
+      </p:sp>
+      <p:sp>
+        <p:nvSpPr>
+          <p:cNvPr id="3" name="Fußzeilenplatzhalter 2">
+            <a:extLst>
+              <a:ext uri="{FF2B5EF4-FFF2-40B4-BE49-F238E27FC236}">
+                <a16:creationId xmlns:a16="http://schemas.microsoft.com/office/drawing/2014/main" id="{8BEDA438-A933-4885-AF8D-5EA2CA644006}"/>
+              </a:ext>
+            </a:extLst>
+          </p:cNvPr>
+          <p:cNvSpPr>
+            <a:spLocks noGrp="1"/>
+          </p:cNvSpPr>
+          <p:nvPr>
+            <p:ph type="ftr" sz="quarter" idx="10"/>
+          </p:nvPr>
+        </p:nvSpPr>
+        <p:spPr/>
+        <p:txBody>
+          <a:bodyPr/>
+          <a:lstStyle/>
+          <a:p>
+            <a:r>
+              <a:rPr lang="de-DE"/>
+              <a:t>Erkan Garan, Justin Treulieb – Bäume zeichnen im Ebenen-Layout</a:t>
+            </a:r>
+            <a:endParaRPr lang="de-DE" dirty="0"/>
+          </a:p>
+        </p:txBody>
+      </p:sp>
+      <p:sp>
+        <p:nvSpPr>
+          <p:cNvPr id="4" name="Titel 3">
+            <a:extLst>
+              <a:ext uri="{FF2B5EF4-FFF2-40B4-BE49-F238E27FC236}">
+                <a16:creationId xmlns:a16="http://schemas.microsoft.com/office/drawing/2014/main" id="{2872B57C-1A28-5488-4693-02328424FBF1}"/>
+              </a:ext>
+            </a:extLst>
+          </p:cNvPr>
+          <p:cNvSpPr>
+            <a:spLocks noGrp="1"/>
+          </p:cNvSpPr>
+          <p:nvPr>
+            <p:ph type="title"/>
+          </p:nvPr>
+        </p:nvSpPr>
+        <p:spPr/>
+        <p:txBody>
+          <a:bodyPr>
+            <a:normAutofit fontScale="90000"/>
+          </a:bodyPr>
+          <a:lstStyle/>
+          <a:p>
+            <a:r>
+              <a:rPr lang="de-DE" dirty="0"/>
+              <a:t>Definition von Bäumen in der Informatik</a:t>
+            </a:r>
+          </a:p>
+        </p:txBody>
+      </p:sp>
+      <p:sp>
+        <p:nvSpPr>
+          <p:cNvPr id="5" name="Bildplatzhalter 4">
+            <a:extLst>
+              <a:ext uri="{FF2B5EF4-FFF2-40B4-BE49-F238E27FC236}">
+                <a16:creationId xmlns:a16="http://schemas.microsoft.com/office/drawing/2014/main" id="{BFEE8402-4DAE-7FBD-D9CC-4B86A5DADAD2}"/>
+              </a:ext>
+            </a:extLst>
+          </p:cNvPr>
+          <p:cNvSpPr>
+            <a:spLocks noGrp="1"/>
+          </p:cNvSpPr>
+          <p:nvPr>
+            <p:ph type="pic" sz="quarter" idx="11"/>
+          </p:nvPr>
+        </p:nvSpPr>
+        <p:spPr/>
+      </p:sp>
+    </p:spTree>
+    <p:extLst>
+      <p:ext uri="{BB962C8B-B14F-4D97-AF65-F5344CB8AC3E}">
+        <p14:creationId xmlns:p14="http://schemas.microsoft.com/office/powerpoint/2010/main" val="3836064425"/>
+      </p:ext>
+    </p:extLst>
+  </p:cSld>
+  <p:clrMapOvr>
+    <a:masterClrMapping/>
+  </p:clrMapOvr>
+</p:sld>
+</file>
+
+<file path=ppt/slides/slide7.xml><?xml version="1.0" encoding="utf-8"?>
+<p:sld xmlns:a="http://schemas.openxmlformats.org/drawingml/2006/main" xmlns:r="http://schemas.openxmlformats.org/officeDocument/2006/relationships" xmlns:p="http://schemas.openxmlformats.org/presentationml/2006/main">
+  <p:cSld>
+    <p:spTree>
+      <p:nvGrpSpPr>
+        <p:cNvPr id="1" name=""/>
+        <p:cNvGrpSpPr/>
+        <p:nvPr/>
+      </p:nvGrpSpPr>
+      <p:grpSpPr>
+        <a:xfrm>
+          <a:off x="0" y="0"/>
+          <a:ext cx="0" cy="0"/>
+          <a:chOff x="0" y="0"/>
+          <a:chExt cx="0" cy="0"/>
+        </a:xfrm>
+      </p:grpSpPr>
+      <p:sp>
+        <p:nvSpPr>
+          <p:cNvPr id="6" name="Inhaltsplatzhalter 5"/>
+          <p:cNvSpPr>
+            <a:spLocks noGrp="1"/>
+          </p:cNvSpPr>
+          <p:nvPr>
+            <p:ph idx="1"/>
+          </p:nvPr>
+        </p:nvSpPr>
+        <p:spPr/>
+        <p:txBody>
+          <a:bodyPr/>
+          <a:lstStyle/>
+          <a:p>
+            <a:r>
+              <a:rPr lang="de-DE" dirty="0"/>
+              <a:t>Dies ist ein </a:t>
+            </a:r>
+            <a:r>
+              <a:rPr lang="de-DE" dirty="0" err="1"/>
+              <a:t>Typoblindtext</a:t>
+            </a:r>
+            <a:r>
+              <a:rPr lang="de-DE" dirty="0"/>
+              <a:t>. An ihm kann man sehen, ob alle Buchstaben da sind und wie sie aussehen. </a:t>
+            </a:r>
+          </a:p>
+          <a:p>
+            <a:r>
+              <a:rPr lang="de-DE" dirty="0"/>
+              <a:t>Manchmal benutzt man Worte wie </a:t>
+            </a:r>
+          </a:p>
+          <a:p>
+            <a:pPr lvl="1"/>
+            <a:r>
+              <a:rPr lang="de-DE" dirty="0"/>
+              <a:t>Hamburgefonts, </a:t>
+            </a:r>
+          </a:p>
+          <a:p>
+            <a:pPr lvl="1"/>
+            <a:r>
+              <a:rPr lang="de-DE" dirty="0" err="1"/>
+              <a:t>Rafgenduks</a:t>
+            </a:r>
+            <a:r>
+              <a:rPr lang="de-DE" dirty="0"/>
+              <a:t> oder </a:t>
+            </a:r>
+          </a:p>
+          <a:p>
+            <a:pPr lvl="1"/>
+            <a:r>
+              <a:rPr lang="de-DE" dirty="0" err="1"/>
+              <a:t>Handgloves</a:t>
+            </a:r>
+            <a:r>
+              <a:rPr lang="de-DE" dirty="0"/>
+              <a:t>, </a:t>
+            </a:r>
+          </a:p>
+          <a:p>
+            <a:r>
+              <a:rPr lang="de-DE" dirty="0"/>
+              <a:t>um Schriften zu testen.</a:t>
+            </a:r>
+          </a:p>
+        </p:txBody>
+      </p:sp>
+      <p:sp>
+        <p:nvSpPr>
+          <p:cNvPr id="5" name="Titel 4"/>
+          <p:cNvSpPr>
+            <a:spLocks noGrp="1"/>
+          </p:cNvSpPr>
+          <p:nvPr>
+            <p:ph type="title"/>
+          </p:nvPr>
+        </p:nvSpPr>
+        <p:spPr/>
+        <p:txBody>
+          <a:bodyPr>
+            <a:normAutofit fontScale="90000"/>
+          </a:bodyPr>
+          <a:lstStyle/>
+          <a:p>
+            <a:r>
+              <a:rPr lang="de-DE" dirty="0"/>
+              <a:t>Musterüberschrift</a:t>
+            </a:r>
+          </a:p>
+        </p:txBody>
+      </p:sp>
+      <p:sp>
+        <p:nvSpPr>
+          <p:cNvPr id="2" name="Fußzeilenplatzhalter 1"/>
+          <p:cNvSpPr>
+            <a:spLocks noGrp="1"/>
+          </p:cNvSpPr>
+          <p:nvPr>
+            <p:ph type="ftr" sz="quarter" idx="10"/>
+          </p:nvPr>
+        </p:nvSpPr>
+        <p:spPr>
+          <a:xfrm>
+            <a:off x="360000" y="4707773"/>
+            <a:ext cx="8424000" cy="234001"/>
+          </a:xfrm>
+        </p:spPr>
+        <p:txBody>
+          <a:bodyPr/>
+          <a:lstStyle/>
+          <a:p>
+            <a:r>
+              <a:rPr lang="de-DE"/>
+              <a:t>Referent · Titel</a:t>
+            </a:r>
+            <a:endParaRPr lang="de-DE" dirty="0"/>
+          </a:p>
+        </p:txBody>
+      </p:sp>
+    </p:spTree>
+    <p:extLst>
+      <p:ext uri="{BB962C8B-B14F-4D97-AF65-F5344CB8AC3E}">
+        <p14:creationId xmlns:p14="http://schemas.microsoft.com/office/powerpoint/2010/main" val="1374900008"/>
+      </p:ext>
+    </p:extLst>
+  </p:cSld>
+  <p:clrMapOvr>
+    <a:masterClrMapping/>
+  </p:clrMapOvr>
+</p:sld>
+</file>
+
+<file path=ppt/slides/slide8.xml><?xml version="1.0" encoding="utf-8"?>
+<p:sld xmlns:a="http://schemas.openxmlformats.org/drawingml/2006/main" xmlns:r="http://schemas.openxmlformats.org/officeDocument/2006/relationships" xmlns:p="http://schemas.openxmlformats.org/presentationml/2006/main">
+  <p:cSld>
+    <p:spTree>
+      <p:nvGrpSpPr>
+        <p:cNvPr id="1" name=""/>
+        <p:cNvGrpSpPr/>
+        <p:nvPr/>
+      </p:nvGrpSpPr>
+      <p:grpSpPr>
+        <a:xfrm>
+          <a:off x="0" y="0"/>
+          <a:ext cx="0" cy="0"/>
+          <a:chOff x="0" y="0"/>
+          <a:chExt cx="0" cy="0"/>
+        </a:xfrm>
+      </p:grpSpPr>
+      <p:sp>
+        <p:nvSpPr>
+          <p:cNvPr id="2" name="Inhaltsplatzhalter 1">
+            <a:extLst>
+              <a:ext uri="{FF2B5EF4-FFF2-40B4-BE49-F238E27FC236}">
+                <a16:creationId xmlns:a16="http://schemas.microsoft.com/office/drawing/2014/main" id="{BAD008CD-3E38-4873-2237-225ACE4C6F86}"/>
+              </a:ext>
+            </a:extLst>
+          </p:cNvPr>
+          <p:cNvSpPr>
+            <a:spLocks noGrp="1"/>
+          </p:cNvSpPr>
+          <p:nvPr>
+            <p:ph idx="1"/>
+          </p:nvPr>
+        </p:nvSpPr>
+        <p:spPr/>
+        <p:txBody>
+          <a:bodyPr/>
+          <a:lstStyle/>
+          <a:p>
+            <a:r>
+              <a:rPr lang="de-DE" dirty="0"/>
+              <a:t>Soll die Nachteile des naiven Algorithmus nicht mehr aufweisen</a:t>
+            </a:r>
+          </a:p>
+          <a:p>
+            <a:r>
+              <a:rPr lang="de-DE" dirty="0"/>
+              <a:t>Zwei neue Anforderungen dafür definiert</a:t>
+            </a:r>
+          </a:p>
+          <a:p>
+            <a:pPr lvl="1"/>
+            <a:r>
+              <a:rPr lang="de-DE" dirty="0"/>
+              <a:t>In einem Binärbaum soll jedes linke Kind links und jedes rechte Kind rechts von seinem Vater platziert werden</a:t>
+            </a:r>
+          </a:p>
+          <a:p>
+            <a:pPr lvl="1"/>
+            <a:r>
+              <a:rPr lang="de-DE" dirty="0"/>
+              <a:t>Ein Vater soll über seinen Kindern zentriert werden</a:t>
+            </a:r>
+          </a:p>
+          <a:p>
+            <a:r>
+              <a:rPr lang="de-DE" dirty="0"/>
+              <a:t>Lässt sich in zwei Phasen unterteilen</a:t>
+            </a:r>
+          </a:p>
+          <a:p>
+            <a:r>
+              <a:rPr lang="de-DE" dirty="0"/>
+              <a:t>Zuerst vorläufige X-Koordinaten bestimmt</a:t>
+            </a:r>
+          </a:p>
+          <a:p>
+            <a:r>
+              <a:rPr lang="de-DE" dirty="0"/>
+              <a:t>Danach diese bei Bedarf abgeändert sowie die Y-Koordinate berechnet</a:t>
+            </a:r>
+          </a:p>
+          <a:p>
+            <a:endParaRPr lang="de-DE" dirty="0"/>
+          </a:p>
+        </p:txBody>
+      </p:sp>
+      <p:sp>
+        <p:nvSpPr>
+          <p:cNvPr id="3" name="Titel 2">
+            <a:extLst>
+              <a:ext uri="{FF2B5EF4-FFF2-40B4-BE49-F238E27FC236}">
+                <a16:creationId xmlns:a16="http://schemas.microsoft.com/office/drawing/2014/main" id="{DA7FBB13-BC24-E865-E65F-8F264670C8CA}"/>
+              </a:ext>
+            </a:extLst>
+          </p:cNvPr>
+          <p:cNvSpPr>
+            <a:spLocks noGrp="1"/>
+          </p:cNvSpPr>
+          <p:nvPr>
+            <p:ph type="title"/>
+          </p:nvPr>
+        </p:nvSpPr>
+        <p:spPr/>
+        <p:txBody>
+          <a:bodyPr>
+            <a:normAutofit fontScale="90000"/>
+          </a:bodyPr>
+          <a:lstStyle/>
+          <a:p>
+            <a:r>
+              <a:rPr lang="de-DE" dirty="0"/>
+              <a:t>Verbesserter Algorithmus von </a:t>
+            </a:r>
+            <a:r>
+              <a:rPr lang="de-DE" dirty="0" err="1"/>
+              <a:t>Wetherell</a:t>
+            </a:r>
+            <a:r>
+              <a:rPr lang="de-DE" dirty="0"/>
+              <a:t> und Shannon</a:t>
+            </a:r>
+          </a:p>
+        </p:txBody>
+      </p:sp>
+      <p:sp>
+        <p:nvSpPr>
+          <p:cNvPr id="4" name="Fußzeilenplatzhalter 3">
+            <a:extLst>
+              <a:ext uri="{FF2B5EF4-FFF2-40B4-BE49-F238E27FC236}">
+                <a16:creationId xmlns:a16="http://schemas.microsoft.com/office/drawing/2014/main" id="{53ED9663-9E18-18A0-AEC8-48726ACF4C47}"/>
+              </a:ext>
+            </a:extLst>
+          </p:cNvPr>
+          <p:cNvSpPr>
+            <a:spLocks noGrp="1"/>
+          </p:cNvSpPr>
+          <p:nvPr>
+            <p:ph type="ftr" sz="quarter" idx="10"/>
+          </p:nvPr>
+        </p:nvSpPr>
+        <p:spPr/>
+        <p:txBody>
+          <a:bodyPr/>
+          <a:lstStyle/>
+          <a:p>
+            <a:r>
+              <a:rPr lang="de-DE"/>
+              <a:t>Erkan Garan, Justin Treulieb – Bäume zeichnen im Ebenen-Layout</a:t>
+            </a:r>
+            <a:endParaRPr lang="de-DE" dirty="0"/>
+          </a:p>
+        </p:txBody>
+      </p:sp>
+    </p:spTree>
+    <p:extLst>
+      <p:ext uri="{BB962C8B-B14F-4D97-AF65-F5344CB8AC3E}">
+        <p14:creationId xmlns:p14="http://schemas.microsoft.com/office/powerpoint/2010/main" val="3292457325"/>
+      </p:ext>
+    </p:extLst>
+  </p:cSld>
+  <p:clrMapOvr>
+    <a:masterClrMapping/>
+  </p:clrMapOvr>
+</p:sld>
+</file>
+
+<file path=ppt/slides/slide9.xml><?xml version="1.0" encoding="utf-8"?>
+<p:sld xmlns:a="http://schemas.openxmlformats.org/drawingml/2006/main" xmlns:r="http://schemas.openxmlformats.org/officeDocument/2006/relationships" xmlns:p="http://schemas.openxmlformats.org/presentationml/2006/main">
+  <p:cSld>
+    <p:spTree>
+      <p:nvGrpSpPr>
+        <p:cNvPr id="1" name=""/>
+        <p:cNvGrpSpPr/>
+        <p:nvPr/>
+      </p:nvGrpSpPr>
+      <p:grpSpPr>
+        <a:xfrm>
+          <a:off x="0" y="0"/>
+          <a:ext cx="0" cy="0"/>
+          <a:chOff x="0" y="0"/>
+          <a:chExt cx="0" cy="0"/>
+        </a:xfrm>
+      </p:grpSpPr>
+      <p:sp>
+        <p:nvSpPr>
+          <p:cNvPr id="3" name="Titel 2">
+            <a:extLst>
+              <a:ext uri="{FF2B5EF4-FFF2-40B4-BE49-F238E27FC236}">
+                <a16:creationId xmlns:a16="http://schemas.microsoft.com/office/drawing/2014/main" id="{274F9FE8-8D95-5F35-5D72-88B83E6490F4}"/>
+              </a:ext>
+            </a:extLst>
+          </p:cNvPr>
+          <p:cNvSpPr>
+            <a:spLocks noGrp="1"/>
+          </p:cNvSpPr>
+          <p:nvPr>
+            <p:ph type="title"/>
+          </p:nvPr>
+        </p:nvSpPr>
+        <p:spPr/>
+        <p:txBody>
+          <a:bodyPr>
+            <a:normAutofit fontScale="90000"/>
+          </a:bodyPr>
+          <a:lstStyle/>
+          <a:p>
+            <a:r>
+              <a:rPr lang="de-DE"/>
+              <a:t>Verbesserter Algorithmus von Wetherell und Shannon</a:t>
+            </a:r>
+            <a:endParaRPr lang="de-DE" dirty="0"/>
+          </a:p>
+        </p:txBody>
+      </p:sp>
+      <p:sp>
+        <p:nvSpPr>
+          <p:cNvPr id="4" name="Fußzeilenplatzhalter 3">
+            <a:extLst>
+              <a:ext uri="{FF2B5EF4-FFF2-40B4-BE49-F238E27FC236}">
+                <a16:creationId xmlns:a16="http://schemas.microsoft.com/office/drawing/2014/main" id="{EEBE079F-696E-A736-DCFB-B06C7D35DBB7}"/>
+              </a:ext>
+            </a:extLst>
+          </p:cNvPr>
+          <p:cNvSpPr>
+            <a:spLocks noGrp="1"/>
+          </p:cNvSpPr>
+          <p:nvPr>
+            <p:ph type="ftr" sz="quarter" idx="10"/>
+          </p:nvPr>
+        </p:nvSpPr>
+        <p:spPr/>
+        <p:txBody>
+          <a:bodyPr/>
+          <a:lstStyle/>
+          <a:p>
+            <a:r>
+              <a:rPr lang="de-DE"/>
+              <a:t>Erkan Garan, Justin Treulieb – Bäume zeichnen im Ebenen-Layout</a:t>
+            </a:r>
+            <a:endParaRPr lang="de-DE" dirty="0"/>
+          </a:p>
+        </p:txBody>
+      </p:sp>
+      <p:sp>
+        <p:nvSpPr>
+          <p:cNvPr id="9" name="Textplatzhalter 8">
+            <a:extLst>
+              <a:ext uri="{FF2B5EF4-FFF2-40B4-BE49-F238E27FC236}">
+                <a16:creationId xmlns:a16="http://schemas.microsoft.com/office/drawing/2014/main" id="{41B3520A-9E48-2624-3B5F-5DFF7AD8E4BB}"/>
+              </a:ext>
+            </a:extLst>
+          </p:cNvPr>
+          <p:cNvSpPr>
+            <a:spLocks noGrp="1"/>
+          </p:cNvSpPr>
+          <p:nvPr>
+            <p:ph type="body" sz="quarter" idx="11"/>
+          </p:nvPr>
+        </p:nvSpPr>
+        <p:spPr/>
+        <p:txBody>
+          <a:bodyPr/>
+          <a:lstStyle/>
+          <a:p>
+            <a:r>
+              <a:rPr lang="de-DE" dirty="0"/>
+              <a:t>Initialisierung</a:t>
+            </a:r>
+          </a:p>
+        </p:txBody>
+      </p:sp>
+      <p:sp>
+        <p:nvSpPr>
+          <p:cNvPr id="2" name="Inhaltsplatzhalter 1">
+            <a:extLst>
+              <a:ext uri="{FF2B5EF4-FFF2-40B4-BE49-F238E27FC236}">
+                <a16:creationId xmlns:a16="http://schemas.microsoft.com/office/drawing/2014/main" id="{677FD419-1CA4-FBC5-573B-07CFC3C1B81E}"/>
+              </a:ext>
+            </a:extLst>
+          </p:cNvPr>
+          <p:cNvSpPr>
+            <a:spLocks noGrp="1"/>
+          </p:cNvSpPr>
+          <p:nvPr>
+            <p:ph sz="quarter" idx="12"/>
+          </p:nvPr>
+        </p:nvSpPr>
+        <p:spPr/>
+        <p:txBody>
+          <a:bodyPr/>
+          <a:lstStyle/>
+          <a:p>
+            <a:pPr marL="0" indent="0">
+              <a:lnSpc>
+                <a:spcPct val="100000"/>
+              </a:lnSpc>
+              <a:buNone/>
+            </a:pPr>
+            <a:r>
+              <a:rPr lang="en-US" b="0" dirty="0">
+                <a:solidFill>
+                  <a:srgbClr val="0000FF"/>
+                </a:solidFill>
+                <a:effectLst/>
+                <a:latin typeface="Consolas" panose="020B0609020204030204" pitchFamily="49" charset="0"/>
+              </a:rPr>
+              <a:t>int</a:t>
+            </a:r>
+            <a:r>
+              <a:rPr lang="en-US" b="0" dirty="0">
+                <a:solidFill>
+                  <a:srgbClr val="000000"/>
+                </a:solidFill>
+                <a:effectLst/>
+                <a:latin typeface="Consolas" panose="020B0609020204030204" pitchFamily="49" charset="0"/>
+              </a:rPr>
+              <a:t>[] </a:t>
+            </a:r>
+            <a:r>
+              <a:rPr lang="en-US" b="0" dirty="0" err="1">
+                <a:solidFill>
+                  <a:srgbClr val="000000"/>
+                </a:solidFill>
+                <a:effectLst/>
+                <a:latin typeface="Consolas" panose="020B0609020204030204" pitchFamily="49" charset="0"/>
+              </a:rPr>
+              <a:t>nextPos</a:t>
+            </a:r>
+            <a:r>
+              <a:rPr lang="en-US" b="0" dirty="0">
+                <a:solidFill>
+                  <a:srgbClr val="000000"/>
+                </a:solidFill>
+                <a:effectLst/>
+                <a:latin typeface="Consolas" panose="020B0609020204030204" pitchFamily="49" charset="0"/>
+              </a:rPr>
+              <a:t> = </a:t>
+            </a:r>
+            <a:r>
+              <a:rPr lang="en-US" b="0" dirty="0">
+                <a:solidFill>
+                  <a:srgbClr val="0000FF"/>
+                </a:solidFill>
+                <a:effectLst/>
+                <a:latin typeface="Consolas" panose="020B0609020204030204" pitchFamily="49" charset="0"/>
+              </a:rPr>
+              <a:t>new</a:t>
+            </a:r>
+            <a:r>
+              <a:rPr lang="en-US" b="0" dirty="0">
+                <a:solidFill>
+                  <a:srgbClr val="000000"/>
+                </a:solidFill>
+                <a:effectLst/>
+                <a:latin typeface="Consolas" panose="020B0609020204030204" pitchFamily="49" charset="0"/>
+              </a:rPr>
+              <a:t> </a:t>
+            </a:r>
+            <a:r>
+              <a:rPr lang="en-US" b="0" dirty="0">
+                <a:solidFill>
+                  <a:srgbClr val="0000FF"/>
+                </a:solidFill>
+                <a:effectLst/>
+                <a:latin typeface="Consolas" panose="020B0609020204030204" pitchFamily="49" charset="0"/>
+              </a:rPr>
+              <a:t>int</a:t>
+            </a:r>
+            <a:r>
+              <a:rPr lang="en-US" b="0" dirty="0">
+                <a:solidFill>
+                  <a:srgbClr val="000000"/>
+                </a:solidFill>
+                <a:effectLst/>
+                <a:latin typeface="Consolas" panose="020B0609020204030204" pitchFamily="49" charset="0"/>
+              </a:rPr>
+              <a:t>[</a:t>
+            </a:r>
+            <a:r>
+              <a:rPr lang="en-US" b="0" dirty="0" err="1">
+                <a:solidFill>
+                  <a:srgbClr val="000000"/>
+                </a:solidFill>
+                <a:effectLst/>
+                <a:latin typeface="Consolas" panose="020B0609020204030204" pitchFamily="49" charset="0"/>
+              </a:rPr>
+              <a:t>hoehe</a:t>
+            </a:r>
+            <a:r>
+              <a:rPr lang="en-US" b="0" dirty="0">
+                <a:solidFill>
+                  <a:srgbClr val="000000"/>
+                </a:solidFill>
+                <a:effectLst/>
+                <a:latin typeface="Consolas" panose="020B0609020204030204" pitchFamily="49" charset="0"/>
+              </a:rPr>
+              <a:t>];</a:t>
+            </a:r>
+          </a:p>
+          <a:p>
+            <a:pPr marL="0" indent="0">
+              <a:lnSpc>
+                <a:spcPct val="100000"/>
+              </a:lnSpc>
+              <a:buNone/>
+            </a:pPr>
+            <a:r>
+              <a:rPr lang="en-US" b="0" dirty="0">
+                <a:solidFill>
+                  <a:srgbClr val="0000FF"/>
+                </a:solidFill>
+                <a:effectLst/>
+                <a:latin typeface="Consolas" panose="020B0609020204030204" pitchFamily="49" charset="0"/>
+              </a:rPr>
+              <a:t>int</a:t>
+            </a:r>
+            <a:r>
+              <a:rPr lang="en-US" dirty="0">
+                <a:latin typeface="Consolas" panose="020B0609020204030204" pitchFamily="49" charset="0"/>
+              </a:rPr>
+              <a:t>[]</a:t>
+            </a:r>
+            <a:r>
+              <a:rPr lang="en-US" b="0" dirty="0">
+                <a:solidFill>
+                  <a:srgbClr val="000000"/>
+                </a:solidFill>
+                <a:effectLst/>
+                <a:latin typeface="Consolas" panose="020B0609020204030204" pitchFamily="49" charset="0"/>
+              </a:rPr>
+              <a:t> modifier = </a:t>
+            </a:r>
+            <a:r>
+              <a:rPr lang="en-US" b="0" dirty="0">
+                <a:solidFill>
+                  <a:srgbClr val="0000FF"/>
+                </a:solidFill>
+                <a:effectLst/>
+                <a:latin typeface="Consolas" panose="020B0609020204030204" pitchFamily="49" charset="0"/>
+              </a:rPr>
+              <a:t>new</a:t>
+            </a:r>
+            <a:r>
+              <a:rPr lang="en-US" b="0" dirty="0">
+                <a:solidFill>
+                  <a:srgbClr val="000000"/>
+                </a:solidFill>
+                <a:effectLst/>
+                <a:latin typeface="Consolas" panose="020B0609020204030204" pitchFamily="49" charset="0"/>
+              </a:rPr>
+              <a:t> </a:t>
+            </a:r>
+            <a:r>
+              <a:rPr lang="en-US" b="0" dirty="0">
+                <a:solidFill>
+                  <a:srgbClr val="0000FF"/>
+                </a:solidFill>
+                <a:effectLst/>
+                <a:latin typeface="Consolas" panose="020B0609020204030204" pitchFamily="49" charset="0"/>
+              </a:rPr>
+              <a:t>int</a:t>
+            </a:r>
+            <a:r>
+              <a:rPr lang="en-US" b="0" dirty="0">
+                <a:solidFill>
+                  <a:srgbClr val="000000"/>
+                </a:solidFill>
+                <a:effectLst/>
+                <a:latin typeface="Consolas" panose="020B0609020204030204" pitchFamily="49" charset="0"/>
+              </a:rPr>
+              <a:t>[</a:t>
+            </a:r>
+            <a:r>
+              <a:rPr lang="en-US" b="0" dirty="0" err="1">
+                <a:solidFill>
+                  <a:srgbClr val="000000"/>
+                </a:solidFill>
+                <a:effectLst/>
+                <a:latin typeface="Consolas" panose="020B0609020204030204" pitchFamily="49" charset="0"/>
+              </a:rPr>
+              <a:t>hoehe</a:t>
+            </a:r>
+            <a:r>
+              <a:rPr lang="en-US" b="0" dirty="0">
+                <a:solidFill>
+                  <a:srgbClr val="000000"/>
+                </a:solidFill>
+                <a:effectLst/>
+                <a:latin typeface="Consolas" panose="020B0609020204030204" pitchFamily="49" charset="0"/>
+              </a:rPr>
+              <a:t>];</a:t>
+            </a:r>
+          </a:p>
+          <a:p>
+            <a:pPr marL="0" indent="0">
+              <a:lnSpc>
+                <a:spcPct val="100000"/>
+              </a:lnSpc>
+              <a:buNone/>
+            </a:pPr>
+            <a:r>
+              <a:rPr lang="en-US" b="0" dirty="0" err="1">
+                <a:solidFill>
+                  <a:srgbClr val="000000"/>
+                </a:solidFill>
+                <a:effectLst/>
+                <a:latin typeface="Consolas" panose="020B0609020204030204" pitchFamily="49" charset="0"/>
+              </a:rPr>
+              <a:t>Arrays.fill</a:t>
+            </a:r>
+            <a:r>
+              <a:rPr lang="en-US" b="0" dirty="0">
+                <a:solidFill>
+                  <a:srgbClr val="000000"/>
+                </a:solidFill>
+                <a:effectLst/>
+                <a:latin typeface="Consolas" panose="020B0609020204030204" pitchFamily="49" charset="0"/>
+              </a:rPr>
+              <a:t>(</a:t>
+            </a:r>
+            <a:r>
+              <a:rPr lang="en-US" b="0" dirty="0" err="1">
+                <a:solidFill>
+                  <a:srgbClr val="000000"/>
+                </a:solidFill>
+                <a:effectLst/>
+                <a:latin typeface="Consolas" panose="020B0609020204030204" pitchFamily="49" charset="0"/>
+              </a:rPr>
+              <a:t>nextPos</a:t>
+            </a:r>
+            <a:r>
+              <a:rPr lang="en-US" b="0" dirty="0">
+                <a:solidFill>
+                  <a:srgbClr val="000000"/>
+                </a:solidFill>
+                <a:effectLst/>
+                <a:latin typeface="Consolas" panose="020B0609020204030204" pitchFamily="49" charset="0"/>
+              </a:rPr>
+              <a:t>, </a:t>
+            </a:r>
+            <a:r>
+              <a:rPr lang="en-US" b="0" dirty="0">
+                <a:solidFill>
+                  <a:srgbClr val="098658"/>
+                </a:solidFill>
+                <a:effectLst/>
+                <a:latin typeface="Consolas" panose="020B0609020204030204" pitchFamily="49" charset="0"/>
+              </a:rPr>
+              <a:t>1</a:t>
+            </a:r>
+            <a:r>
+              <a:rPr lang="en-US" b="0" dirty="0">
+                <a:solidFill>
+                  <a:srgbClr val="000000"/>
+                </a:solidFill>
+                <a:effectLst/>
+                <a:latin typeface="Consolas" panose="020B0609020204030204" pitchFamily="49" charset="0"/>
+              </a:rPr>
+              <a:t>);</a:t>
+            </a:r>
+          </a:p>
+          <a:p>
+            <a:pPr marL="0" indent="0">
+              <a:lnSpc>
+                <a:spcPct val="100000"/>
+              </a:lnSpc>
+              <a:buNone/>
+            </a:pPr>
+            <a:r>
+              <a:rPr lang="en-US" b="0" dirty="0" err="1">
+                <a:solidFill>
+                  <a:srgbClr val="000000"/>
+                </a:solidFill>
+                <a:effectLst/>
+                <a:latin typeface="Consolas" panose="020B0609020204030204" pitchFamily="49" charset="0"/>
+              </a:rPr>
+              <a:t>Arrays.fill</a:t>
+            </a:r>
+            <a:r>
+              <a:rPr lang="en-US" b="0" dirty="0">
+                <a:solidFill>
+                  <a:srgbClr val="000000"/>
+                </a:solidFill>
+                <a:effectLst/>
+                <a:latin typeface="Consolas" panose="020B0609020204030204" pitchFamily="49" charset="0"/>
+              </a:rPr>
+              <a:t>(modifier, </a:t>
+            </a:r>
+            <a:r>
+              <a:rPr lang="en-US" dirty="0">
+                <a:solidFill>
+                  <a:srgbClr val="098658"/>
+                </a:solidFill>
+                <a:latin typeface="Consolas" panose="020B0609020204030204" pitchFamily="49" charset="0"/>
+              </a:rPr>
+              <a:t>0</a:t>
+            </a:r>
+            <a:r>
+              <a:rPr lang="en-US" b="0" dirty="0">
+                <a:solidFill>
+                  <a:srgbClr val="000000"/>
+                </a:solidFill>
+                <a:effectLst/>
+                <a:latin typeface="Consolas" panose="020B0609020204030204" pitchFamily="49" charset="0"/>
+              </a:rPr>
+              <a:t>);</a:t>
+            </a:r>
+          </a:p>
+          <a:p>
+            <a:pPr marL="0" indent="0">
+              <a:buNone/>
+            </a:pPr>
+            <a:endParaRPr lang="en-US" b="0" dirty="0">
+              <a:solidFill>
+                <a:srgbClr val="000000"/>
+              </a:solidFill>
+              <a:effectLst/>
+              <a:latin typeface="Consolas" panose="020B0609020204030204" pitchFamily="49" charset="0"/>
+            </a:endParaRPr>
+          </a:p>
+        </p:txBody>
+      </p:sp>
+    </p:spTree>
+    <p:extLst>
+      <p:ext uri="{BB962C8B-B14F-4D97-AF65-F5344CB8AC3E}">
+        <p14:creationId xmlns:p14="http://schemas.microsoft.com/office/powerpoint/2010/main" val="4072275007"/>
+      </p:ext>
+    </p:extLst>
+  </p:cSld>
+  <p:clrMapOvr>
+    <a:masterClrMapping/>
+  </p:clrMapOvr>
+</p:sld>
+</file>
+
 <file path=ppt/theme/theme1.xml><?xml version="1.0" encoding="utf-8"?>
 <a:theme xmlns:a="http://schemas.openxmlformats.org/drawingml/2006/main" name="Office-Design">
   <a:themeElements>

--- a/Powerpoint/Bäume zeichnen im Ebenen-Layout.pptx
+++ b/Powerpoint/Bäume zeichnen im Ebenen-Layout.pptx
@@ -5,7 +5,7 @@
     <p:sldMasterId id="2147483660" r:id="rId1"/>
   </p:sldMasterIdLst>
   <p:notesMasterIdLst>
-    <p:notesMasterId r:id="rId17"/>
+    <p:notesMasterId r:id="rId38"/>
   </p:notesMasterIdLst>
   <p:sldIdLst>
     <p:sldId id="267" r:id="rId2"/>
@@ -14,15 +14,36 @@
     <p:sldId id="301" r:id="rId5"/>
     <p:sldId id="302" r:id="rId6"/>
     <p:sldId id="303" r:id="rId7"/>
-    <p:sldId id="291" r:id="rId8"/>
-    <p:sldId id="304" r:id="rId9"/>
+    <p:sldId id="304" r:id="rId8"/>
+    <p:sldId id="308" r:id="rId9"/>
     <p:sldId id="305" r:id="rId10"/>
     <p:sldId id="306" r:id="rId11"/>
     <p:sldId id="307" r:id="rId12"/>
-    <p:sldId id="292" r:id="rId13"/>
-    <p:sldId id="293" r:id="rId14"/>
-    <p:sldId id="294" r:id="rId15"/>
-    <p:sldId id="295" r:id="rId16"/>
+    <p:sldId id="309" r:id="rId13"/>
+    <p:sldId id="310" r:id="rId14"/>
+    <p:sldId id="311" r:id="rId15"/>
+    <p:sldId id="312" r:id="rId16"/>
+    <p:sldId id="313" r:id="rId17"/>
+    <p:sldId id="314" r:id="rId18"/>
+    <p:sldId id="315" r:id="rId19"/>
+    <p:sldId id="316" r:id="rId20"/>
+    <p:sldId id="317" r:id="rId21"/>
+    <p:sldId id="318" r:id="rId22"/>
+    <p:sldId id="319" r:id="rId23"/>
+    <p:sldId id="320" r:id="rId24"/>
+    <p:sldId id="321" r:id="rId25"/>
+    <p:sldId id="322" r:id="rId26"/>
+    <p:sldId id="323" r:id="rId27"/>
+    <p:sldId id="324" r:id="rId28"/>
+    <p:sldId id="325" r:id="rId29"/>
+    <p:sldId id="326" r:id="rId30"/>
+    <p:sldId id="329" r:id="rId31"/>
+    <p:sldId id="330" r:id="rId32"/>
+    <p:sldId id="331" r:id="rId33"/>
+    <p:sldId id="292" r:id="rId34"/>
+    <p:sldId id="293" r:id="rId35"/>
+    <p:sldId id="294" r:id="rId36"/>
+    <p:sldId id="295" r:id="rId37"/>
   </p:sldIdLst>
   <p:sldSz cx="9144000" cy="5143500" type="screen16x9"/>
   <p:notesSz cx="6858000" cy="9144000"/>
@@ -222,7 +243,7 @@
           <a:p>
             <a:fld id="{3B254150-E35A-F044-90AD-ECC41E38C440}" type="datetimeFigureOut">
               <a:rPr lang="de-DE" smtClean="0"/>
-              <a:t>16.05.2022</a:t>
+              <a:t>17.05.2022</a:t>
             </a:fld>
             <a:endParaRPr lang="de-DE"/>
           </a:p>
@@ -3174,15 +3195,7 @@
           <a:p>
             <a:r>
               <a:rPr lang="de-DE" dirty="0"/>
-              <a:t>Verbesserter Algorithmus von </a:t>
-            </a:r>
-            <a:r>
-              <a:rPr lang="de-DE" dirty="0" err="1"/>
-              <a:t>Wetherell</a:t>
-            </a:r>
-            <a:r>
-              <a:rPr lang="de-DE" dirty="0"/>
-              <a:t> und Shannon</a:t>
+              <a:t>Verbesserter Algorithmus von WS</a:t>
             </a:r>
           </a:p>
         </p:txBody>
@@ -3869,10 +3882,9 @@
           <a:lstStyle/>
           <a:p>
             <a:r>
-              <a:rPr lang="de-DE"/>
-              <a:t>Verbesserter Algorithmus von Wetherell und Shannon</a:t>
-            </a:r>
-            <a:endParaRPr lang="de-DE" dirty="0"/>
+              <a:rPr lang="de-DE" dirty="0"/>
+              <a:t>Verbesserter Algorithmus von WS</a:t>
+            </a:r>
           </a:p>
         </p:txBody>
       </p:sp>
@@ -4566,80 +4578,73 @@
           <a:chExt cx="0" cy="0"/>
         </a:xfrm>
       </p:grpSpPr>
-      <p:sp>
-        <p:nvSpPr>
-          <p:cNvPr id="6" name="Inhaltsplatzhalter 5"/>
-          <p:cNvSpPr>
-            <a:spLocks noGrp="1"/>
-          </p:cNvSpPr>
-          <p:nvPr>
-            <p:ph idx="1"/>
-          </p:nvPr>
-        </p:nvSpPr>
-        <p:spPr/>
-        <p:txBody>
-          <a:bodyPr/>
-          <a:lstStyle/>
-          <a:p>
-            <a:r>
-              <a:rPr lang="de-DE" dirty="0"/>
-              <a:t>Dies ist ein </a:t>
-            </a:r>
-            <a:r>
-              <a:rPr lang="de-DE" dirty="0" err="1"/>
-              <a:t>Typoblindtext</a:t>
-            </a:r>
-            <a:r>
-              <a:rPr lang="de-DE" dirty="0"/>
-              <a:t>. An ihm kann man sehen, ob alle Buchstaben da sind und wie sie aussehen. </a:t>
-            </a:r>
-          </a:p>
-          <a:p>
-            <a:r>
-              <a:rPr lang="de-DE" dirty="0"/>
-              <a:t>Manchmal benutzt man Worte wie </a:t>
-            </a:r>
-          </a:p>
-          <a:p>
-            <a:pPr lvl="1"/>
-            <a:r>
-              <a:rPr lang="de-DE" dirty="0"/>
-              <a:t>Hamburgefonts, </a:t>
-            </a:r>
-          </a:p>
-          <a:p>
-            <a:pPr lvl="1"/>
-            <a:r>
-              <a:rPr lang="de-DE" dirty="0" err="1"/>
-              <a:t>Rafgenduks</a:t>
-            </a:r>
-            <a:r>
-              <a:rPr lang="de-DE" dirty="0"/>
-              <a:t> oder </a:t>
-            </a:r>
-          </a:p>
-          <a:p>
-            <a:pPr lvl="1"/>
-            <a:r>
-              <a:rPr lang="de-DE" dirty="0" err="1"/>
-              <a:t>Handgloves</a:t>
-            </a:r>
-            <a:r>
-              <a:rPr lang="de-DE" dirty="0"/>
-              <a:t>, </a:t>
-            </a:r>
-          </a:p>
-          <a:p>
-            <a:r>
-              <a:rPr lang="de-DE" dirty="0"/>
-              <a:t>um Schriften zu testen.</a:t>
-            </a:r>
-          </a:p>
-        </p:txBody>
-      </p:sp>
-      <p:sp>
-        <p:nvSpPr>
-          <p:cNvPr id="5" name="Titel 4"/>
+      <p:pic>
+        <p:nvPicPr>
+          <p:cNvPr id="12" name="Inhaltsplatzhalter 11" descr="Ein Bild, das Text enthält.&#10;&#10;Automatisch generierte Beschreibung">
+            <a:extLst>
+              <a:ext uri="{FF2B5EF4-FFF2-40B4-BE49-F238E27FC236}">
+                <a16:creationId xmlns:a16="http://schemas.microsoft.com/office/drawing/2014/main" id="{931D61F3-39A3-8C18-FBCA-3281A0F80A1E}"/>
+              </a:ext>
+            </a:extLst>
+          </p:cNvPr>
+          <p:cNvPicPr>
+            <a:picLocks noGrp="1" noChangeAspect="1"/>
+          </p:cNvPicPr>
+          <p:nvPr>
+            <p:ph sz="half" idx="1"/>
+          </p:nvPr>
+        </p:nvPicPr>
+        <p:blipFill>
+          <a:blip r:embed="rId2"/>
+          <a:stretch>
+            <a:fillRect/>
+          </a:stretch>
+        </p:blipFill>
+        <p:spPr>
+          <a:xfrm>
+            <a:off x="1606021" y="915988"/>
+            <a:ext cx="1648883" cy="3709987"/>
+          </a:xfrm>
+        </p:spPr>
+      </p:pic>
+      <p:pic>
+        <p:nvPicPr>
+          <p:cNvPr id="10" name="Inhaltsplatzhalter 9">
+            <a:extLst>
+              <a:ext uri="{FF2B5EF4-FFF2-40B4-BE49-F238E27FC236}">
+                <a16:creationId xmlns:a16="http://schemas.microsoft.com/office/drawing/2014/main" id="{0DFB195B-E748-861C-1F38-9742102A867D}"/>
+              </a:ext>
+            </a:extLst>
+          </p:cNvPr>
+          <p:cNvPicPr>
+            <a:picLocks noGrp="1" noChangeAspect="1"/>
+          </p:cNvPicPr>
+          <p:nvPr>
+            <p:ph sz="half" idx="2"/>
+          </p:nvPr>
+        </p:nvPicPr>
+        <p:blipFill>
+          <a:blip r:embed="rId3"/>
+          <a:stretch>
+            <a:fillRect/>
+          </a:stretch>
+        </p:blipFill>
+        <p:spPr>
+          <a:xfrm>
+            <a:off x="4643438" y="996610"/>
+            <a:ext cx="4140200" cy="3548742"/>
+          </a:xfrm>
+        </p:spPr>
+      </p:pic>
+      <p:sp>
+        <p:nvSpPr>
+          <p:cNvPr id="6" name="Titel 5">
+            <a:extLst>
+              <a:ext uri="{FF2B5EF4-FFF2-40B4-BE49-F238E27FC236}">
+                <a16:creationId xmlns:a16="http://schemas.microsoft.com/office/drawing/2014/main" id="{0D658DEC-36E2-F02C-1B50-C145386781B7}"/>
+              </a:ext>
+            </a:extLst>
+          </p:cNvPr>
           <p:cNvSpPr>
             <a:spLocks noGrp="1"/>
           </p:cNvSpPr>
@@ -4655,40 +4660,21 @@
           <a:lstStyle/>
           <a:p>
             <a:r>
-              <a:rPr lang="de-DE"/>
-              <a:t>Musterüberschrift</a:t>
-            </a:r>
-          </a:p>
-        </p:txBody>
-      </p:sp>
-      <p:pic>
-        <p:nvPicPr>
-          <p:cNvPr id="3" name="Bildplatzhalter 2"/>
-          <p:cNvPicPr>
-            <a:picLocks noGrp="1" noChangeAspect="1"/>
-          </p:cNvPicPr>
-          <p:nvPr>
-            <p:ph type="pic" sz="quarter" idx="11"/>
-          </p:nvPr>
-        </p:nvPicPr>
-        <p:blipFill>
-          <a:blip r:embed="rId2">
+              <a:rPr lang="de-DE" dirty="0"/>
+              <a:t>Beispiel für Algorithmus von WS</a:t>
+            </a:r>
+          </a:p>
+        </p:txBody>
+      </p:sp>
+      <p:sp>
+        <p:nvSpPr>
+          <p:cNvPr id="3" name="Fußzeilenplatzhalter 2">
             <a:extLst>
-              <a:ext uri="{28A0092B-C50C-407E-A947-70E740481C1C}">
-                <a14:useLocalDpi xmlns:a14="http://schemas.microsoft.com/office/drawing/2010/main" val="0"/>
+              <a:ext uri="{FF2B5EF4-FFF2-40B4-BE49-F238E27FC236}">
+                <a16:creationId xmlns:a16="http://schemas.microsoft.com/office/drawing/2014/main" id="{CACB1D8F-F9F5-2906-5407-5AA9160ADF0C}"/>
               </a:ext>
             </a:extLst>
-          </a:blip>
-          <a:srcRect l="27410" r="27410"/>
-          <a:stretch>
-            <a:fillRect/>
-          </a:stretch>
-        </p:blipFill>
-        <p:spPr/>
-      </p:pic>
-      <p:sp>
-        <p:nvSpPr>
-          <p:cNvPr id="2" name="Fußzeilenplatzhalter 1"/>
+          </p:cNvPr>
           <p:cNvSpPr>
             <a:spLocks noGrp="1"/>
           </p:cNvSpPr>
@@ -4703,7 +4689,7 @@
           <a:p>
             <a:r>
               <a:rPr lang="de-DE"/>
-              <a:t>Referent · Titel</a:t>
+              <a:t>Erkan Garan, Justin Treulieb – Bäume zeichnen im Ebenen-Layout</a:t>
             </a:r>
             <a:endParaRPr lang="de-DE" dirty="0"/>
           </a:p>
@@ -4712,7 +4698,7 @@
     </p:spTree>
     <p:extLst>
       <p:ext uri="{BB962C8B-B14F-4D97-AF65-F5344CB8AC3E}">
-        <p14:creationId xmlns:p14="http://schemas.microsoft.com/office/powerpoint/2010/main" val="56149347"/>
+        <p14:creationId xmlns:p14="http://schemas.microsoft.com/office/powerpoint/2010/main" val="1519851681"/>
       </p:ext>
     </p:extLst>
   </p:cSld>
@@ -4739,80 +4725,44 @@
           <a:chExt cx="0" cy="0"/>
         </a:xfrm>
       </p:grpSpPr>
-      <p:sp>
-        <p:nvSpPr>
-          <p:cNvPr id="6" name="Inhaltsplatzhalter 5"/>
-          <p:cNvSpPr>
-            <a:spLocks noGrp="1"/>
-          </p:cNvSpPr>
-          <p:nvPr>
-            <p:ph idx="1"/>
-          </p:nvPr>
-        </p:nvSpPr>
-        <p:spPr/>
-        <p:txBody>
-          <a:bodyPr/>
-          <a:lstStyle/>
-          <a:p>
-            <a:r>
-              <a:rPr lang="de-DE" dirty="0"/>
-              <a:t>Dies ist ein </a:t>
-            </a:r>
-            <a:r>
-              <a:rPr lang="de-DE" dirty="0" err="1"/>
-              <a:t>Typoblindtext</a:t>
-            </a:r>
-            <a:r>
-              <a:rPr lang="de-DE" dirty="0"/>
-              <a:t>. An ihm kann man sehen, ob alle Buchstaben da sind und wie sie aussehen. </a:t>
-            </a:r>
-          </a:p>
-          <a:p>
-            <a:r>
-              <a:rPr lang="de-DE" dirty="0"/>
-              <a:t>Manchmal benutzt man Worte wie </a:t>
-            </a:r>
-          </a:p>
-          <a:p>
-            <a:pPr lvl="1"/>
-            <a:r>
-              <a:rPr lang="de-DE" dirty="0"/>
-              <a:t>Hamburgefonts, </a:t>
-            </a:r>
-          </a:p>
-          <a:p>
-            <a:pPr lvl="1"/>
-            <a:r>
-              <a:rPr lang="de-DE" dirty="0" err="1"/>
-              <a:t>Rafgenduks</a:t>
-            </a:r>
-            <a:r>
-              <a:rPr lang="de-DE" dirty="0"/>
-              <a:t> oder </a:t>
-            </a:r>
-          </a:p>
-          <a:p>
-            <a:pPr lvl="1"/>
-            <a:r>
-              <a:rPr lang="de-DE" dirty="0" err="1"/>
-              <a:t>Handgloves</a:t>
-            </a:r>
-            <a:r>
-              <a:rPr lang="de-DE" dirty="0"/>
-              <a:t>, </a:t>
-            </a:r>
-          </a:p>
-          <a:p>
-            <a:r>
-              <a:rPr lang="de-DE" dirty="0"/>
-              <a:t>um Schriften zu testen.</a:t>
-            </a:r>
-          </a:p>
-        </p:txBody>
-      </p:sp>
-      <p:sp>
-        <p:nvSpPr>
-          <p:cNvPr id="5" name="Titel 4"/>
+      <p:pic>
+        <p:nvPicPr>
+          <p:cNvPr id="10" name="Inhaltsplatzhalter 9">
+            <a:extLst>
+              <a:ext uri="{FF2B5EF4-FFF2-40B4-BE49-F238E27FC236}">
+                <a16:creationId xmlns:a16="http://schemas.microsoft.com/office/drawing/2014/main" id="{0DFB195B-E748-861C-1F38-9742102A867D}"/>
+              </a:ext>
+            </a:extLst>
+          </p:cNvPr>
+          <p:cNvPicPr>
+            <a:picLocks noGrp="1" noChangeAspect="1"/>
+          </p:cNvPicPr>
+          <p:nvPr>
+            <p:ph sz="half" idx="2"/>
+          </p:nvPr>
+        </p:nvPicPr>
+        <p:blipFill>
+          <a:blip r:embed="rId2"/>
+          <a:stretch>
+            <a:fillRect/>
+          </a:stretch>
+        </p:blipFill>
+        <p:spPr>
+          <a:xfrm>
+            <a:off x="4643438" y="996610"/>
+            <a:ext cx="4140200" cy="3548742"/>
+          </a:xfrm>
+        </p:spPr>
+      </p:pic>
+      <p:sp>
+        <p:nvSpPr>
+          <p:cNvPr id="6" name="Titel 5">
+            <a:extLst>
+              <a:ext uri="{FF2B5EF4-FFF2-40B4-BE49-F238E27FC236}">
+                <a16:creationId xmlns:a16="http://schemas.microsoft.com/office/drawing/2014/main" id="{0D658DEC-36E2-F02C-1B50-C145386781B7}"/>
+              </a:ext>
+            </a:extLst>
+          </p:cNvPr>
           <p:cNvSpPr>
             <a:spLocks noGrp="1"/>
           </p:cNvSpPr>
@@ -4828,64 +4778,74 @@
           <a:lstStyle/>
           <a:p>
             <a:r>
+              <a:rPr lang="de-DE" dirty="0"/>
+              <a:t>Beispiel für Algorithmus von WS</a:t>
+            </a:r>
+          </a:p>
+        </p:txBody>
+      </p:sp>
+      <p:sp>
+        <p:nvSpPr>
+          <p:cNvPr id="3" name="Fußzeilenplatzhalter 2">
+            <a:extLst>
+              <a:ext uri="{FF2B5EF4-FFF2-40B4-BE49-F238E27FC236}">
+                <a16:creationId xmlns:a16="http://schemas.microsoft.com/office/drawing/2014/main" id="{CACB1D8F-F9F5-2906-5407-5AA9160ADF0C}"/>
+              </a:ext>
+            </a:extLst>
+          </p:cNvPr>
+          <p:cNvSpPr>
+            <a:spLocks noGrp="1"/>
+          </p:cNvSpPr>
+          <p:nvPr>
+            <p:ph type="ftr" sz="quarter" idx="10"/>
+          </p:nvPr>
+        </p:nvSpPr>
+        <p:spPr/>
+        <p:txBody>
+          <a:bodyPr/>
+          <a:lstStyle/>
+          <a:p>
+            <a:r>
               <a:rPr lang="de-DE"/>
-              <a:t>Musterüberschrift</a:t>
-            </a:r>
+              <a:t>Erkan Garan, Justin Treulieb – Bäume zeichnen im Ebenen-Layout</a:t>
+            </a:r>
+            <a:endParaRPr lang="de-DE" dirty="0"/>
           </a:p>
         </p:txBody>
       </p:sp>
       <p:pic>
         <p:nvPicPr>
-          <p:cNvPr id="3" name="Bildplatzhalter 2"/>
+          <p:cNvPr id="7" name="Inhaltsplatzhalter 6">
+            <a:extLst>
+              <a:ext uri="{FF2B5EF4-FFF2-40B4-BE49-F238E27FC236}">
+                <a16:creationId xmlns:a16="http://schemas.microsoft.com/office/drawing/2014/main" id="{5F5E7288-8875-8AC0-AF51-DD4AAD845E9F}"/>
+              </a:ext>
+            </a:extLst>
+          </p:cNvPr>
           <p:cNvPicPr>
             <a:picLocks noGrp="1" noChangeAspect="1"/>
           </p:cNvPicPr>
           <p:nvPr>
-            <p:ph type="pic" sz="quarter" idx="11"/>
+            <p:ph sz="half" idx="1"/>
           </p:nvPr>
         </p:nvPicPr>
         <p:blipFill>
-          <a:blip r:embed="rId2">
-            <a:extLst>
-              <a:ext uri="{28A0092B-C50C-407E-A947-70E740481C1C}">
-                <a14:useLocalDpi xmlns:a14="http://schemas.microsoft.com/office/drawing/2010/main" val="0"/>
-              </a:ext>
-            </a:extLst>
-          </a:blip>
-          <a:srcRect l="27427" r="27427"/>
+          <a:blip r:embed="rId3"/>
           <a:stretch>
             <a:fillRect/>
           </a:stretch>
         </p:blipFill>
-        <p:spPr/>
+        <p:spPr>
+          <a:xfrm>
+            <a:off x="781580" y="915988"/>
+            <a:ext cx="3297766" cy="3709987"/>
+          </a:xfrm>
+        </p:spPr>
       </p:pic>
-      <p:sp>
-        <p:nvSpPr>
-          <p:cNvPr id="2" name="Fußzeilenplatzhalter 1"/>
-          <p:cNvSpPr>
-            <a:spLocks noGrp="1"/>
-          </p:cNvSpPr>
-          <p:nvPr>
-            <p:ph type="ftr" sz="quarter" idx="10"/>
-          </p:nvPr>
-        </p:nvSpPr>
-        <p:spPr/>
-        <p:txBody>
-          <a:bodyPr/>
-          <a:lstStyle/>
-          <a:p>
-            <a:r>
-              <a:rPr lang="de-DE"/>
-              <a:t>Referent · Titel</a:t>
-            </a:r>
-            <a:endParaRPr lang="de-DE" dirty="0"/>
-          </a:p>
-        </p:txBody>
-      </p:sp>
     </p:spTree>
     <p:extLst>
       <p:ext uri="{BB962C8B-B14F-4D97-AF65-F5344CB8AC3E}">
-        <p14:creationId xmlns:p14="http://schemas.microsoft.com/office/powerpoint/2010/main" val="956753996"/>
+        <p14:creationId xmlns:p14="http://schemas.microsoft.com/office/powerpoint/2010/main" val="8810863"/>
       </p:ext>
     </p:extLst>
   </p:cSld>
@@ -4912,6 +4872,4999 @@
           <a:chExt cx="0" cy="0"/>
         </a:xfrm>
       </p:grpSpPr>
+      <p:pic>
+        <p:nvPicPr>
+          <p:cNvPr id="10" name="Inhaltsplatzhalter 9">
+            <a:extLst>
+              <a:ext uri="{FF2B5EF4-FFF2-40B4-BE49-F238E27FC236}">
+                <a16:creationId xmlns:a16="http://schemas.microsoft.com/office/drawing/2014/main" id="{0DFB195B-E748-861C-1F38-9742102A867D}"/>
+              </a:ext>
+            </a:extLst>
+          </p:cNvPr>
+          <p:cNvPicPr>
+            <a:picLocks noGrp="1" noChangeAspect="1"/>
+          </p:cNvPicPr>
+          <p:nvPr>
+            <p:ph sz="half" idx="2"/>
+          </p:nvPr>
+        </p:nvPicPr>
+        <p:blipFill>
+          <a:blip r:embed="rId2"/>
+          <a:stretch>
+            <a:fillRect/>
+          </a:stretch>
+        </p:blipFill>
+        <p:spPr>
+          <a:xfrm>
+            <a:off x="4643438" y="996610"/>
+            <a:ext cx="4140200" cy="3548742"/>
+          </a:xfrm>
+        </p:spPr>
+      </p:pic>
+      <p:sp>
+        <p:nvSpPr>
+          <p:cNvPr id="6" name="Titel 5">
+            <a:extLst>
+              <a:ext uri="{FF2B5EF4-FFF2-40B4-BE49-F238E27FC236}">
+                <a16:creationId xmlns:a16="http://schemas.microsoft.com/office/drawing/2014/main" id="{0D658DEC-36E2-F02C-1B50-C145386781B7}"/>
+              </a:ext>
+            </a:extLst>
+          </p:cNvPr>
+          <p:cNvSpPr>
+            <a:spLocks noGrp="1"/>
+          </p:cNvSpPr>
+          <p:nvPr>
+            <p:ph type="title"/>
+          </p:nvPr>
+        </p:nvSpPr>
+        <p:spPr/>
+        <p:txBody>
+          <a:bodyPr>
+            <a:normAutofit fontScale="90000"/>
+          </a:bodyPr>
+          <a:lstStyle/>
+          <a:p>
+            <a:r>
+              <a:rPr lang="de-DE" dirty="0"/>
+              <a:t>Beispiel für Algorithmus von WS</a:t>
+            </a:r>
+          </a:p>
+        </p:txBody>
+      </p:sp>
+      <p:sp>
+        <p:nvSpPr>
+          <p:cNvPr id="3" name="Fußzeilenplatzhalter 2">
+            <a:extLst>
+              <a:ext uri="{FF2B5EF4-FFF2-40B4-BE49-F238E27FC236}">
+                <a16:creationId xmlns:a16="http://schemas.microsoft.com/office/drawing/2014/main" id="{CACB1D8F-F9F5-2906-5407-5AA9160ADF0C}"/>
+              </a:ext>
+            </a:extLst>
+          </p:cNvPr>
+          <p:cNvSpPr>
+            <a:spLocks noGrp="1"/>
+          </p:cNvSpPr>
+          <p:nvPr>
+            <p:ph type="ftr" sz="quarter" idx="10"/>
+          </p:nvPr>
+        </p:nvSpPr>
+        <p:spPr/>
+        <p:txBody>
+          <a:bodyPr/>
+          <a:lstStyle/>
+          <a:p>
+            <a:r>
+              <a:rPr lang="de-DE"/>
+              <a:t>Erkan Garan, Justin Treulieb – Bäume zeichnen im Ebenen-Layout</a:t>
+            </a:r>
+            <a:endParaRPr lang="de-DE" dirty="0"/>
+          </a:p>
+        </p:txBody>
+      </p:sp>
+      <p:pic>
+        <p:nvPicPr>
+          <p:cNvPr id="8" name="Inhaltsplatzhalter 7">
+            <a:extLst>
+              <a:ext uri="{FF2B5EF4-FFF2-40B4-BE49-F238E27FC236}">
+                <a16:creationId xmlns:a16="http://schemas.microsoft.com/office/drawing/2014/main" id="{BAB54F08-42DA-B378-5EFB-842575FF273B}"/>
+              </a:ext>
+            </a:extLst>
+          </p:cNvPr>
+          <p:cNvPicPr>
+            <a:picLocks noGrp="1" noChangeAspect="1"/>
+          </p:cNvPicPr>
+          <p:nvPr>
+            <p:ph sz="half" idx="1"/>
+          </p:nvPr>
+        </p:nvPicPr>
+        <p:blipFill>
+          <a:blip r:embed="rId3"/>
+          <a:stretch>
+            <a:fillRect/>
+          </a:stretch>
+        </p:blipFill>
+        <p:spPr>
+          <a:xfrm>
+            <a:off x="781580" y="915988"/>
+            <a:ext cx="3297766" cy="3709987"/>
+          </a:xfrm>
+        </p:spPr>
+      </p:pic>
+    </p:spTree>
+    <p:extLst>
+      <p:ext uri="{BB962C8B-B14F-4D97-AF65-F5344CB8AC3E}">
+        <p14:creationId xmlns:p14="http://schemas.microsoft.com/office/powerpoint/2010/main" val="2546945118"/>
+      </p:ext>
+    </p:extLst>
+  </p:cSld>
+  <p:clrMapOvr>
+    <a:masterClrMapping/>
+  </p:clrMapOvr>
+</p:sld>
+</file>
+
+<file path=ppt/slides/slide15.xml><?xml version="1.0" encoding="utf-8"?>
+<p:sld xmlns:a="http://schemas.openxmlformats.org/drawingml/2006/main" xmlns:r="http://schemas.openxmlformats.org/officeDocument/2006/relationships" xmlns:p="http://schemas.openxmlformats.org/presentationml/2006/main">
+  <p:cSld>
+    <p:spTree>
+      <p:nvGrpSpPr>
+        <p:cNvPr id="1" name=""/>
+        <p:cNvGrpSpPr/>
+        <p:nvPr/>
+      </p:nvGrpSpPr>
+      <p:grpSpPr>
+        <a:xfrm>
+          <a:off x="0" y="0"/>
+          <a:ext cx="0" cy="0"/>
+          <a:chOff x="0" y="0"/>
+          <a:chExt cx="0" cy="0"/>
+        </a:xfrm>
+      </p:grpSpPr>
+      <p:pic>
+        <p:nvPicPr>
+          <p:cNvPr id="10" name="Inhaltsplatzhalter 9">
+            <a:extLst>
+              <a:ext uri="{FF2B5EF4-FFF2-40B4-BE49-F238E27FC236}">
+                <a16:creationId xmlns:a16="http://schemas.microsoft.com/office/drawing/2014/main" id="{0DFB195B-E748-861C-1F38-9742102A867D}"/>
+              </a:ext>
+            </a:extLst>
+          </p:cNvPr>
+          <p:cNvPicPr>
+            <a:picLocks noGrp="1" noChangeAspect="1"/>
+          </p:cNvPicPr>
+          <p:nvPr>
+            <p:ph sz="half" idx="2"/>
+          </p:nvPr>
+        </p:nvPicPr>
+        <p:blipFill>
+          <a:blip r:embed="rId2"/>
+          <a:stretch>
+            <a:fillRect/>
+          </a:stretch>
+        </p:blipFill>
+        <p:spPr>
+          <a:xfrm>
+            <a:off x="4643438" y="996610"/>
+            <a:ext cx="4140200" cy="3548742"/>
+          </a:xfrm>
+        </p:spPr>
+      </p:pic>
+      <p:sp>
+        <p:nvSpPr>
+          <p:cNvPr id="6" name="Titel 5">
+            <a:extLst>
+              <a:ext uri="{FF2B5EF4-FFF2-40B4-BE49-F238E27FC236}">
+                <a16:creationId xmlns:a16="http://schemas.microsoft.com/office/drawing/2014/main" id="{0D658DEC-36E2-F02C-1B50-C145386781B7}"/>
+              </a:ext>
+            </a:extLst>
+          </p:cNvPr>
+          <p:cNvSpPr>
+            <a:spLocks noGrp="1"/>
+          </p:cNvSpPr>
+          <p:nvPr>
+            <p:ph type="title"/>
+          </p:nvPr>
+        </p:nvSpPr>
+        <p:spPr/>
+        <p:txBody>
+          <a:bodyPr>
+            <a:normAutofit fontScale="90000"/>
+          </a:bodyPr>
+          <a:lstStyle/>
+          <a:p>
+            <a:r>
+              <a:rPr lang="de-DE" dirty="0"/>
+              <a:t>Beispiel für Algorithmus von WS</a:t>
+            </a:r>
+          </a:p>
+        </p:txBody>
+      </p:sp>
+      <p:sp>
+        <p:nvSpPr>
+          <p:cNvPr id="3" name="Fußzeilenplatzhalter 2">
+            <a:extLst>
+              <a:ext uri="{FF2B5EF4-FFF2-40B4-BE49-F238E27FC236}">
+                <a16:creationId xmlns:a16="http://schemas.microsoft.com/office/drawing/2014/main" id="{CACB1D8F-F9F5-2906-5407-5AA9160ADF0C}"/>
+              </a:ext>
+            </a:extLst>
+          </p:cNvPr>
+          <p:cNvSpPr>
+            <a:spLocks noGrp="1"/>
+          </p:cNvSpPr>
+          <p:nvPr>
+            <p:ph type="ftr" sz="quarter" idx="10"/>
+          </p:nvPr>
+        </p:nvSpPr>
+        <p:spPr/>
+        <p:txBody>
+          <a:bodyPr/>
+          <a:lstStyle/>
+          <a:p>
+            <a:r>
+              <a:rPr lang="de-DE"/>
+              <a:t>Erkan Garan, Justin Treulieb – Bäume zeichnen im Ebenen-Layout</a:t>
+            </a:r>
+            <a:endParaRPr lang="de-DE" dirty="0"/>
+          </a:p>
+        </p:txBody>
+      </p:sp>
+      <p:pic>
+        <p:nvPicPr>
+          <p:cNvPr id="7" name="Inhaltsplatzhalter 6">
+            <a:extLst>
+              <a:ext uri="{FF2B5EF4-FFF2-40B4-BE49-F238E27FC236}">
+                <a16:creationId xmlns:a16="http://schemas.microsoft.com/office/drawing/2014/main" id="{6AA5892F-9E5F-9574-2BC0-4F377D4C1F44}"/>
+              </a:ext>
+            </a:extLst>
+          </p:cNvPr>
+          <p:cNvPicPr>
+            <a:picLocks noGrp="1" noChangeAspect="1"/>
+          </p:cNvPicPr>
+          <p:nvPr>
+            <p:ph sz="half" idx="1"/>
+          </p:nvPr>
+        </p:nvPicPr>
+        <p:blipFill>
+          <a:blip r:embed="rId3"/>
+          <a:stretch>
+            <a:fillRect/>
+          </a:stretch>
+        </p:blipFill>
+        <p:spPr>
+          <a:xfrm>
+            <a:off x="1193801" y="915988"/>
+            <a:ext cx="2473324" cy="3709987"/>
+          </a:xfrm>
+        </p:spPr>
+      </p:pic>
+    </p:spTree>
+    <p:extLst>
+      <p:ext uri="{BB962C8B-B14F-4D97-AF65-F5344CB8AC3E}">
+        <p14:creationId xmlns:p14="http://schemas.microsoft.com/office/powerpoint/2010/main" val="1401031408"/>
+      </p:ext>
+    </p:extLst>
+  </p:cSld>
+  <p:clrMapOvr>
+    <a:masterClrMapping/>
+  </p:clrMapOvr>
+</p:sld>
+</file>
+
+<file path=ppt/slides/slide16.xml><?xml version="1.0" encoding="utf-8"?>
+<p:sld xmlns:a="http://schemas.openxmlformats.org/drawingml/2006/main" xmlns:r="http://schemas.openxmlformats.org/officeDocument/2006/relationships" xmlns:p="http://schemas.openxmlformats.org/presentationml/2006/main">
+  <p:cSld>
+    <p:spTree>
+      <p:nvGrpSpPr>
+        <p:cNvPr id="1" name=""/>
+        <p:cNvGrpSpPr/>
+        <p:nvPr/>
+      </p:nvGrpSpPr>
+      <p:grpSpPr>
+        <a:xfrm>
+          <a:off x="0" y="0"/>
+          <a:ext cx="0" cy="0"/>
+          <a:chOff x="0" y="0"/>
+          <a:chExt cx="0" cy="0"/>
+        </a:xfrm>
+      </p:grpSpPr>
+      <p:pic>
+        <p:nvPicPr>
+          <p:cNvPr id="10" name="Inhaltsplatzhalter 9">
+            <a:extLst>
+              <a:ext uri="{FF2B5EF4-FFF2-40B4-BE49-F238E27FC236}">
+                <a16:creationId xmlns:a16="http://schemas.microsoft.com/office/drawing/2014/main" id="{0DFB195B-E748-861C-1F38-9742102A867D}"/>
+              </a:ext>
+            </a:extLst>
+          </p:cNvPr>
+          <p:cNvPicPr>
+            <a:picLocks noGrp="1" noChangeAspect="1"/>
+          </p:cNvPicPr>
+          <p:nvPr>
+            <p:ph sz="half" idx="2"/>
+          </p:nvPr>
+        </p:nvPicPr>
+        <p:blipFill>
+          <a:blip r:embed="rId2"/>
+          <a:stretch>
+            <a:fillRect/>
+          </a:stretch>
+        </p:blipFill>
+        <p:spPr>
+          <a:xfrm>
+            <a:off x="4643438" y="996610"/>
+            <a:ext cx="4140200" cy="3548742"/>
+          </a:xfrm>
+        </p:spPr>
+      </p:pic>
+      <p:sp>
+        <p:nvSpPr>
+          <p:cNvPr id="6" name="Titel 5">
+            <a:extLst>
+              <a:ext uri="{FF2B5EF4-FFF2-40B4-BE49-F238E27FC236}">
+                <a16:creationId xmlns:a16="http://schemas.microsoft.com/office/drawing/2014/main" id="{0D658DEC-36E2-F02C-1B50-C145386781B7}"/>
+              </a:ext>
+            </a:extLst>
+          </p:cNvPr>
+          <p:cNvSpPr>
+            <a:spLocks noGrp="1"/>
+          </p:cNvSpPr>
+          <p:nvPr>
+            <p:ph type="title"/>
+          </p:nvPr>
+        </p:nvSpPr>
+        <p:spPr/>
+        <p:txBody>
+          <a:bodyPr>
+            <a:normAutofit fontScale="90000"/>
+          </a:bodyPr>
+          <a:lstStyle/>
+          <a:p>
+            <a:r>
+              <a:rPr lang="de-DE" dirty="0"/>
+              <a:t>Beispiel für Algorithmus von WS</a:t>
+            </a:r>
+          </a:p>
+        </p:txBody>
+      </p:sp>
+      <p:sp>
+        <p:nvSpPr>
+          <p:cNvPr id="3" name="Fußzeilenplatzhalter 2">
+            <a:extLst>
+              <a:ext uri="{FF2B5EF4-FFF2-40B4-BE49-F238E27FC236}">
+                <a16:creationId xmlns:a16="http://schemas.microsoft.com/office/drawing/2014/main" id="{CACB1D8F-F9F5-2906-5407-5AA9160ADF0C}"/>
+              </a:ext>
+            </a:extLst>
+          </p:cNvPr>
+          <p:cNvSpPr>
+            <a:spLocks noGrp="1"/>
+          </p:cNvSpPr>
+          <p:nvPr>
+            <p:ph type="ftr" sz="quarter" idx="10"/>
+          </p:nvPr>
+        </p:nvSpPr>
+        <p:spPr/>
+        <p:txBody>
+          <a:bodyPr/>
+          <a:lstStyle/>
+          <a:p>
+            <a:r>
+              <a:rPr lang="de-DE"/>
+              <a:t>Erkan Garan, Justin Treulieb – Bäume zeichnen im Ebenen-Layout</a:t>
+            </a:r>
+            <a:endParaRPr lang="de-DE" dirty="0"/>
+          </a:p>
+        </p:txBody>
+      </p:sp>
+      <p:pic>
+        <p:nvPicPr>
+          <p:cNvPr id="8" name="Inhaltsplatzhalter 7">
+            <a:extLst>
+              <a:ext uri="{FF2B5EF4-FFF2-40B4-BE49-F238E27FC236}">
+                <a16:creationId xmlns:a16="http://schemas.microsoft.com/office/drawing/2014/main" id="{D5F699FF-1452-77C2-1F84-7F6EDF039C4A}"/>
+              </a:ext>
+            </a:extLst>
+          </p:cNvPr>
+          <p:cNvPicPr>
+            <a:picLocks noGrp="1" noChangeAspect="1"/>
+          </p:cNvPicPr>
+          <p:nvPr>
+            <p:ph sz="half" idx="1"/>
+          </p:nvPr>
+        </p:nvPicPr>
+        <p:blipFill>
+          <a:blip r:embed="rId3"/>
+          <a:stretch>
+            <a:fillRect/>
+          </a:stretch>
+        </p:blipFill>
+        <p:spPr>
+          <a:xfrm>
+            <a:off x="1193801" y="915988"/>
+            <a:ext cx="2473324" cy="3709987"/>
+          </a:xfrm>
+        </p:spPr>
+      </p:pic>
+    </p:spTree>
+    <p:extLst>
+      <p:ext uri="{BB962C8B-B14F-4D97-AF65-F5344CB8AC3E}">
+        <p14:creationId xmlns:p14="http://schemas.microsoft.com/office/powerpoint/2010/main" val="2981466949"/>
+      </p:ext>
+    </p:extLst>
+  </p:cSld>
+  <p:clrMapOvr>
+    <a:masterClrMapping/>
+  </p:clrMapOvr>
+</p:sld>
+</file>
+
+<file path=ppt/slides/slide17.xml><?xml version="1.0" encoding="utf-8"?>
+<p:sld xmlns:a="http://schemas.openxmlformats.org/drawingml/2006/main" xmlns:r="http://schemas.openxmlformats.org/officeDocument/2006/relationships" xmlns:p="http://schemas.openxmlformats.org/presentationml/2006/main">
+  <p:cSld>
+    <p:spTree>
+      <p:nvGrpSpPr>
+        <p:cNvPr id="1" name=""/>
+        <p:cNvGrpSpPr/>
+        <p:nvPr/>
+      </p:nvGrpSpPr>
+      <p:grpSpPr>
+        <a:xfrm>
+          <a:off x="0" y="0"/>
+          <a:ext cx="0" cy="0"/>
+          <a:chOff x="0" y="0"/>
+          <a:chExt cx="0" cy="0"/>
+        </a:xfrm>
+      </p:grpSpPr>
+      <p:pic>
+        <p:nvPicPr>
+          <p:cNvPr id="10" name="Inhaltsplatzhalter 9">
+            <a:extLst>
+              <a:ext uri="{FF2B5EF4-FFF2-40B4-BE49-F238E27FC236}">
+                <a16:creationId xmlns:a16="http://schemas.microsoft.com/office/drawing/2014/main" id="{0DFB195B-E748-861C-1F38-9742102A867D}"/>
+              </a:ext>
+            </a:extLst>
+          </p:cNvPr>
+          <p:cNvPicPr>
+            <a:picLocks noGrp="1" noChangeAspect="1"/>
+          </p:cNvPicPr>
+          <p:nvPr>
+            <p:ph sz="half" idx="2"/>
+          </p:nvPr>
+        </p:nvPicPr>
+        <p:blipFill>
+          <a:blip r:embed="rId2"/>
+          <a:stretch>
+            <a:fillRect/>
+          </a:stretch>
+        </p:blipFill>
+        <p:spPr>
+          <a:xfrm>
+            <a:off x="4643438" y="996610"/>
+            <a:ext cx="4140200" cy="3548742"/>
+          </a:xfrm>
+        </p:spPr>
+      </p:pic>
+      <p:sp>
+        <p:nvSpPr>
+          <p:cNvPr id="6" name="Titel 5">
+            <a:extLst>
+              <a:ext uri="{FF2B5EF4-FFF2-40B4-BE49-F238E27FC236}">
+                <a16:creationId xmlns:a16="http://schemas.microsoft.com/office/drawing/2014/main" id="{0D658DEC-36E2-F02C-1B50-C145386781B7}"/>
+              </a:ext>
+            </a:extLst>
+          </p:cNvPr>
+          <p:cNvSpPr>
+            <a:spLocks noGrp="1"/>
+          </p:cNvSpPr>
+          <p:nvPr>
+            <p:ph type="title"/>
+          </p:nvPr>
+        </p:nvSpPr>
+        <p:spPr/>
+        <p:txBody>
+          <a:bodyPr>
+            <a:normAutofit fontScale="90000"/>
+          </a:bodyPr>
+          <a:lstStyle/>
+          <a:p>
+            <a:r>
+              <a:rPr lang="de-DE" dirty="0"/>
+              <a:t>Beispiel für Algorithmus von WS</a:t>
+            </a:r>
+          </a:p>
+        </p:txBody>
+      </p:sp>
+      <p:sp>
+        <p:nvSpPr>
+          <p:cNvPr id="3" name="Fußzeilenplatzhalter 2">
+            <a:extLst>
+              <a:ext uri="{FF2B5EF4-FFF2-40B4-BE49-F238E27FC236}">
+                <a16:creationId xmlns:a16="http://schemas.microsoft.com/office/drawing/2014/main" id="{CACB1D8F-F9F5-2906-5407-5AA9160ADF0C}"/>
+              </a:ext>
+            </a:extLst>
+          </p:cNvPr>
+          <p:cNvSpPr>
+            <a:spLocks noGrp="1"/>
+          </p:cNvSpPr>
+          <p:nvPr>
+            <p:ph type="ftr" sz="quarter" idx="10"/>
+          </p:nvPr>
+        </p:nvSpPr>
+        <p:spPr/>
+        <p:txBody>
+          <a:bodyPr/>
+          <a:lstStyle/>
+          <a:p>
+            <a:r>
+              <a:rPr lang="de-DE"/>
+              <a:t>Erkan Garan, Justin Treulieb – Bäume zeichnen im Ebenen-Layout</a:t>
+            </a:r>
+            <a:endParaRPr lang="de-DE" dirty="0"/>
+          </a:p>
+        </p:txBody>
+      </p:sp>
+      <p:pic>
+        <p:nvPicPr>
+          <p:cNvPr id="7" name="Inhaltsplatzhalter 6">
+            <a:extLst>
+              <a:ext uri="{FF2B5EF4-FFF2-40B4-BE49-F238E27FC236}">
+                <a16:creationId xmlns:a16="http://schemas.microsoft.com/office/drawing/2014/main" id="{8319E5D0-9C7F-D856-84D7-0CFA84FAA1B2}"/>
+              </a:ext>
+            </a:extLst>
+          </p:cNvPr>
+          <p:cNvPicPr>
+            <a:picLocks noGrp="1" noChangeAspect="1"/>
+          </p:cNvPicPr>
+          <p:nvPr>
+            <p:ph sz="half" idx="1"/>
+          </p:nvPr>
+        </p:nvPicPr>
+        <p:blipFill>
+          <a:blip r:embed="rId3"/>
+          <a:stretch>
+            <a:fillRect/>
+          </a:stretch>
+        </p:blipFill>
+        <p:spPr>
+          <a:xfrm>
+            <a:off x="575469" y="915988"/>
+            <a:ext cx="3709987" cy="3709987"/>
+          </a:xfrm>
+        </p:spPr>
+      </p:pic>
+    </p:spTree>
+    <p:extLst>
+      <p:ext uri="{BB962C8B-B14F-4D97-AF65-F5344CB8AC3E}">
+        <p14:creationId xmlns:p14="http://schemas.microsoft.com/office/powerpoint/2010/main" val="680281270"/>
+      </p:ext>
+    </p:extLst>
+  </p:cSld>
+  <p:clrMapOvr>
+    <a:masterClrMapping/>
+  </p:clrMapOvr>
+</p:sld>
+</file>
+
+<file path=ppt/slides/slide18.xml><?xml version="1.0" encoding="utf-8"?>
+<p:sld xmlns:a="http://schemas.openxmlformats.org/drawingml/2006/main" xmlns:r="http://schemas.openxmlformats.org/officeDocument/2006/relationships" xmlns:p="http://schemas.openxmlformats.org/presentationml/2006/main">
+  <p:cSld>
+    <p:spTree>
+      <p:nvGrpSpPr>
+        <p:cNvPr id="1" name=""/>
+        <p:cNvGrpSpPr/>
+        <p:nvPr/>
+      </p:nvGrpSpPr>
+      <p:grpSpPr>
+        <a:xfrm>
+          <a:off x="0" y="0"/>
+          <a:ext cx="0" cy="0"/>
+          <a:chOff x="0" y="0"/>
+          <a:chExt cx="0" cy="0"/>
+        </a:xfrm>
+      </p:grpSpPr>
+      <p:pic>
+        <p:nvPicPr>
+          <p:cNvPr id="10" name="Inhaltsplatzhalter 9">
+            <a:extLst>
+              <a:ext uri="{FF2B5EF4-FFF2-40B4-BE49-F238E27FC236}">
+                <a16:creationId xmlns:a16="http://schemas.microsoft.com/office/drawing/2014/main" id="{0DFB195B-E748-861C-1F38-9742102A867D}"/>
+              </a:ext>
+            </a:extLst>
+          </p:cNvPr>
+          <p:cNvPicPr>
+            <a:picLocks noGrp="1" noChangeAspect="1"/>
+          </p:cNvPicPr>
+          <p:nvPr>
+            <p:ph sz="half" idx="2"/>
+          </p:nvPr>
+        </p:nvPicPr>
+        <p:blipFill>
+          <a:blip r:embed="rId2"/>
+          <a:stretch>
+            <a:fillRect/>
+          </a:stretch>
+        </p:blipFill>
+        <p:spPr>
+          <a:xfrm>
+            <a:off x="4643438" y="996610"/>
+            <a:ext cx="4140200" cy="3548742"/>
+          </a:xfrm>
+        </p:spPr>
+      </p:pic>
+      <p:sp>
+        <p:nvSpPr>
+          <p:cNvPr id="6" name="Titel 5">
+            <a:extLst>
+              <a:ext uri="{FF2B5EF4-FFF2-40B4-BE49-F238E27FC236}">
+                <a16:creationId xmlns:a16="http://schemas.microsoft.com/office/drawing/2014/main" id="{0D658DEC-36E2-F02C-1B50-C145386781B7}"/>
+              </a:ext>
+            </a:extLst>
+          </p:cNvPr>
+          <p:cNvSpPr>
+            <a:spLocks noGrp="1"/>
+          </p:cNvSpPr>
+          <p:nvPr>
+            <p:ph type="title"/>
+          </p:nvPr>
+        </p:nvSpPr>
+        <p:spPr/>
+        <p:txBody>
+          <a:bodyPr>
+            <a:normAutofit fontScale="90000"/>
+          </a:bodyPr>
+          <a:lstStyle/>
+          <a:p>
+            <a:r>
+              <a:rPr lang="de-DE" dirty="0"/>
+              <a:t>Beispiel für Algorithmus von WS</a:t>
+            </a:r>
+          </a:p>
+        </p:txBody>
+      </p:sp>
+      <p:sp>
+        <p:nvSpPr>
+          <p:cNvPr id="3" name="Fußzeilenplatzhalter 2">
+            <a:extLst>
+              <a:ext uri="{FF2B5EF4-FFF2-40B4-BE49-F238E27FC236}">
+                <a16:creationId xmlns:a16="http://schemas.microsoft.com/office/drawing/2014/main" id="{CACB1D8F-F9F5-2906-5407-5AA9160ADF0C}"/>
+              </a:ext>
+            </a:extLst>
+          </p:cNvPr>
+          <p:cNvSpPr>
+            <a:spLocks noGrp="1"/>
+          </p:cNvSpPr>
+          <p:nvPr>
+            <p:ph type="ftr" sz="quarter" idx="10"/>
+          </p:nvPr>
+        </p:nvSpPr>
+        <p:spPr/>
+        <p:txBody>
+          <a:bodyPr/>
+          <a:lstStyle/>
+          <a:p>
+            <a:r>
+              <a:rPr lang="de-DE"/>
+              <a:t>Erkan Garan, Justin Treulieb – Bäume zeichnen im Ebenen-Layout</a:t>
+            </a:r>
+            <a:endParaRPr lang="de-DE" dirty="0"/>
+          </a:p>
+        </p:txBody>
+      </p:sp>
+      <p:pic>
+        <p:nvPicPr>
+          <p:cNvPr id="8" name="Inhaltsplatzhalter 7">
+            <a:extLst>
+              <a:ext uri="{FF2B5EF4-FFF2-40B4-BE49-F238E27FC236}">
+                <a16:creationId xmlns:a16="http://schemas.microsoft.com/office/drawing/2014/main" id="{00A88B99-FC2A-A8FC-F322-8928D2405D68}"/>
+              </a:ext>
+            </a:extLst>
+          </p:cNvPr>
+          <p:cNvPicPr>
+            <a:picLocks noGrp="1" noChangeAspect="1"/>
+          </p:cNvPicPr>
+          <p:nvPr>
+            <p:ph sz="half" idx="1"/>
+          </p:nvPr>
+        </p:nvPicPr>
+        <p:blipFill>
+          <a:blip r:embed="rId3"/>
+          <a:stretch>
+            <a:fillRect/>
+          </a:stretch>
+        </p:blipFill>
+        <p:spPr>
+          <a:xfrm>
+            <a:off x="360363" y="996610"/>
+            <a:ext cx="4140200" cy="3548742"/>
+          </a:xfrm>
+        </p:spPr>
+      </p:pic>
+    </p:spTree>
+    <p:extLst>
+      <p:ext uri="{BB962C8B-B14F-4D97-AF65-F5344CB8AC3E}">
+        <p14:creationId xmlns:p14="http://schemas.microsoft.com/office/powerpoint/2010/main" val="852926893"/>
+      </p:ext>
+    </p:extLst>
+  </p:cSld>
+  <p:clrMapOvr>
+    <a:masterClrMapping/>
+  </p:clrMapOvr>
+</p:sld>
+</file>
+
+<file path=ppt/slides/slide19.xml><?xml version="1.0" encoding="utf-8"?>
+<p:sld xmlns:a="http://schemas.openxmlformats.org/drawingml/2006/main" xmlns:r="http://schemas.openxmlformats.org/officeDocument/2006/relationships" xmlns:p="http://schemas.openxmlformats.org/presentationml/2006/main">
+  <p:cSld>
+    <p:spTree>
+      <p:nvGrpSpPr>
+        <p:cNvPr id="1" name=""/>
+        <p:cNvGrpSpPr/>
+        <p:nvPr/>
+      </p:nvGrpSpPr>
+      <p:grpSpPr>
+        <a:xfrm>
+          <a:off x="0" y="0"/>
+          <a:ext cx="0" cy="0"/>
+          <a:chOff x="0" y="0"/>
+          <a:chExt cx="0" cy="0"/>
+        </a:xfrm>
+      </p:grpSpPr>
+      <p:pic>
+        <p:nvPicPr>
+          <p:cNvPr id="10" name="Inhaltsplatzhalter 9">
+            <a:extLst>
+              <a:ext uri="{FF2B5EF4-FFF2-40B4-BE49-F238E27FC236}">
+                <a16:creationId xmlns:a16="http://schemas.microsoft.com/office/drawing/2014/main" id="{0DFB195B-E748-861C-1F38-9742102A867D}"/>
+              </a:ext>
+            </a:extLst>
+          </p:cNvPr>
+          <p:cNvPicPr>
+            <a:picLocks noGrp="1" noChangeAspect="1"/>
+          </p:cNvPicPr>
+          <p:nvPr>
+            <p:ph sz="half" idx="2"/>
+          </p:nvPr>
+        </p:nvPicPr>
+        <p:blipFill>
+          <a:blip r:embed="rId2"/>
+          <a:stretch>
+            <a:fillRect/>
+          </a:stretch>
+        </p:blipFill>
+        <p:spPr>
+          <a:xfrm>
+            <a:off x="4643438" y="996610"/>
+            <a:ext cx="4140200" cy="3548742"/>
+          </a:xfrm>
+        </p:spPr>
+      </p:pic>
+      <p:sp>
+        <p:nvSpPr>
+          <p:cNvPr id="6" name="Titel 5">
+            <a:extLst>
+              <a:ext uri="{FF2B5EF4-FFF2-40B4-BE49-F238E27FC236}">
+                <a16:creationId xmlns:a16="http://schemas.microsoft.com/office/drawing/2014/main" id="{0D658DEC-36E2-F02C-1B50-C145386781B7}"/>
+              </a:ext>
+            </a:extLst>
+          </p:cNvPr>
+          <p:cNvSpPr>
+            <a:spLocks noGrp="1"/>
+          </p:cNvSpPr>
+          <p:nvPr>
+            <p:ph type="title"/>
+          </p:nvPr>
+        </p:nvSpPr>
+        <p:spPr/>
+        <p:txBody>
+          <a:bodyPr>
+            <a:normAutofit fontScale="90000"/>
+          </a:bodyPr>
+          <a:lstStyle/>
+          <a:p>
+            <a:r>
+              <a:rPr lang="de-DE" dirty="0"/>
+              <a:t>Beispiel für Algorithmus von WS</a:t>
+            </a:r>
+          </a:p>
+        </p:txBody>
+      </p:sp>
+      <p:sp>
+        <p:nvSpPr>
+          <p:cNvPr id="3" name="Fußzeilenplatzhalter 2">
+            <a:extLst>
+              <a:ext uri="{FF2B5EF4-FFF2-40B4-BE49-F238E27FC236}">
+                <a16:creationId xmlns:a16="http://schemas.microsoft.com/office/drawing/2014/main" id="{CACB1D8F-F9F5-2906-5407-5AA9160ADF0C}"/>
+              </a:ext>
+            </a:extLst>
+          </p:cNvPr>
+          <p:cNvSpPr>
+            <a:spLocks noGrp="1"/>
+          </p:cNvSpPr>
+          <p:nvPr>
+            <p:ph type="ftr" sz="quarter" idx="10"/>
+          </p:nvPr>
+        </p:nvSpPr>
+        <p:spPr/>
+        <p:txBody>
+          <a:bodyPr/>
+          <a:lstStyle/>
+          <a:p>
+            <a:r>
+              <a:rPr lang="de-DE"/>
+              <a:t>Erkan Garan, Justin Treulieb – Bäume zeichnen im Ebenen-Layout</a:t>
+            </a:r>
+            <a:endParaRPr lang="de-DE" dirty="0"/>
+          </a:p>
+        </p:txBody>
+      </p:sp>
+      <p:pic>
+        <p:nvPicPr>
+          <p:cNvPr id="7" name="Inhaltsplatzhalter 6">
+            <a:extLst>
+              <a:ext uri="{FF2B5EF4-FFF2-40B4-BE49-F238E27FC236}">
+                <a16:creationId xmlns:a16="http://schemas.microsoft.com/office/drawing/2014/main" id="{85A9CAB0-7AF4-444D-53FC-5D021B9F968D}"/>
+              </a:ext>
+            </a:extLst>
+          </p:cNvPr>
+          <p:cNvPicPr>
+            <a:picLocks noGrp="1" noChangeAspect="1"/>
+          </p:cNvPicPr>
+          <p:nvPr>
+            <p:ph sz="half" idx="1"/>
+          </p:nvPr>
+        </p:nvPicPr>
+        <p:blipFill>
+          <a:blip r:embed="rId3"/>
+          <a:stretch>
+            <a:fillRect/>
+          </a:stretch>
+        </p:blipFill>
+        <p:spPr>
+          <a:xfrm>
+            <a:off x="360363" y="996610"/>
+            <a:ext cx="4140200" cy="3548742"/>
+          </a:xfrm>
+        </p:spPr>
+      </p:pic>
+    </p:spTree>
+    <p:extLst>
+      <p:ext uri="{BB962C8B-B14F-4D97-AF65-F5344CB8AC3E}">
+        <p14:creationId xmlns:p14="http://schemas.microsoft.com/office/powerpoint/2010/main" val="1696189851"/>
+      </p:ext>
+    </p:extLst>
+  </p:cSld>
+  <p:clrMapOvr>
+    <a:masterClrMapping/>
+  </p:clrMapOvr>
+</p:sld>
+</file>
+
+<file path=ppt/slides/slide2.xml><?xml version="1.0" encoding="utf-8"?>
+<p:sld xmlns:a="http://schemas.openxmlformats.org/drawingml/2006/main" xmlns:r="http://schemas.openxmlformats.org/officeDocument/2006/relationships" xmlns:p="http://schemas.openxmlformats.org/presentationml/2006/main">
+  <p:cSld>
+    <p:spTree>
+      <p:nvGrpSpPr>
+        <p:cNvPr id="1" name=""/>
+        <p:cNvGrpSpPr/>
+        <p:nvPr/>
+      </p:nvGrpSpPr>
+      <p:grpSpPr>
+        <a:xfrm>
+          <a:off x="0" y="0"/>
+          <a:ext cx="0" cy="0"/>
+          <a:chOff x="0" y="0"/>
+          <a:chExt cx="0" cy="0"/>
+        </a:xfrm>
+      </p:grpSpPr>
+      <p:sp>
+        <p:nvSpPr>
+          <p:cNvPr id="3" name="Fußzeilenplatzhalter 2"/>
+          <p:cNvSpPr>
+            <a:spLocks noGrp="1"/>
+          </p:cNvSpPr>
+          <p:nvPr>
+            <p:ph type="ftr" sz="quarter" idx="10"/>
+          </p:nvPr>
+        </p:nvSpPr>
+        <p:spPr/>
+        <p:txBody>
+          <a:bodyPr/>
+          <a:lstStyle/>
+          <a:p>
+            <a:r>
+              <a:rPr lang="de-DE"/>
+              <a:t>Referent · Titel</a:t>
+            </a:r>
+            <a:endParaRPr lang="de-DE" dirty="0"/>
+          </a:p>
+        </p:txBody>
+      </p:sp>
+      <p:sp>
+        <p:nvSpPr>
+          <p:cNvPr id="5" name="Titel 4"/>
+          <p:cNvSpPr>
+            <a:spLocks noGrp="1"/>
+          </p:cNvSpPr>
+          <p:nvPr>
+            <p:ph type="title"/>
+          </p:nvPr>
+        </p:nvSpPr>
+        <p:spPr/>
+        <p:txBody>
+          <a:bodyPr>
+            <a:normAutofit fontScale="90000"/>
+          </a:bodyPr>
+          <a:lstStyle/>
+          <a:p>
+            <a:r>
+              <a:rPr lang="de-DE" dirty="0"/>
+              <a:t>Inhaltsverzeichnis</a:t>
+            </a:r>
+          </a:p>
+        </p:txBody>
+      </p:sp>
+      <p:pic>
+        <p:nvPicPr>
+          <p:cNvPr id="10" name="Bildplatzhalter 9"/>
+          <p:cNvPicPr>
+            <a:picLocks noGrp="1" noChangeAspect="1"/>
+          </p:cNvPicPr>
+          <p:nvPr>
+            <p:ph type="pic" sz="quarter" idx="11"/>
+          </p:nvPr>
+        </p:nvPicPr>
+        <p:blipFill>
+          <a:blip r:embed="rId2">
+            <a:extLst>
+              <a:ext uri="{28A0092B-C50C-407E-A947-70E740481C1C}">
+                <a14:useLocalDpi xmlns:a14="http://schemas.microsoft.com/office/drawing/2010/main" val="0"/>
+              </a:ext>
+            </a:extLst>
+          </a:blip>
+          <a:srcRect t="40956" b="40956"/>
+          <a:stretch>
+            <a:fillRect/>
+          </a:stretch>
+        </p:blipFill>
+        <p:spPr/>
+      </p:pic>
+      <p:sp>
+        <p:nvSpPr>
+          <p:cNvPr id="9" name="Inhaltsplatzhalter 8"/>
+          <p:cNvSpPr>
+            <a:spLocks noGrp="1"/>
+          </p:cNvSpPr>
+          <p:nvPr>
+            <p:ph idx="1"/>
+          </p:nvPr>
+        </p:nvSpPr>
+        <p:spPr/>
+        <p:txBody>
+          <a:bodyPr>
+            <a:normAutofit lnSpcReduction="10000"/>
+          </a:bodyPr>
+          <a:lstStyle/>
+          <a:p>
+            <a:pPr marL="342900" indent="-342900">
+              <a:buFont typeface="+mj-lt"/>
+              <a:buAutoNum type="arabicPeriod"/>
+            </a:pPr>
+            <a:r>
+              <a:rPr lang="de-DE" dirty="0"/>
+              <a:t>Einführung</a:t>
+            </a:r>
+          </a:p>
+          <a:p>
+            <a:pPr marL="342900" indent="-342900">
+              <a:buFont typeface="+mj-lt"/>
+              <a:buAutoNum type="arabicPeriod"/>
+            </a:pPr>
+            <a:r>
+              <a:rPr lang="de-DE" dirty="0"/>
+              <a:t>Algorithmen zum Zeichnen von Bäumen</a:t>
+            </a:r>
+          </a:p>
+          <a:p>
+            <a:pPr marL="685800" lvl="1" indent="-342900">
+              <a:buFont typeface="+mj-lt"/>
+              <a:buAutoNum type="arabicPeriod"/>
+            </a:pPr>
+            <a:r>
+              <a:rPr lang="de-DE" dirty="0"/>
+              <a:t>Naiver Algorithmus von </a:t>
+            </a:r>
+            <a:r>
+              <a:rPr lang="de-DE" dirty="0" err="1"/>
+              <a:t>Wetherell</a:t>
+            </a:r>
+            <a:r>
+              <a:rPr lang="de-DE" dirty="0"/>
+              <a:t> und Shannon (WS)</a:t>
+            </a:r>
+          </a:p>
+          <a:p>
+            <a:pPr marL="685800" lvl="1" indent="-342900">
+              <a:buFont typeface="+mj-lt"/>
+              <a:buAutoNum type="arabicPeriod"/>
+            </a:pPr>
+            <a:r>
+              <a:rPr lang="de-DE" dirty="0"/>
+              <a:t>Verbesserter Algorithmus von WS</a:t>
+            </a:r>
+          </a:p>
+          <a:p>
+            <a:pPr marL="685800" lvl="1" indent="-342900">
+              <a:buFont typeface="+mj-lt"/>
+              <a:buAutoNum type="arabicPeriod"/>
+            </a:pPr>
+            <a:r>
+              <a:rPr lang="de-DE" dirty="0"/>
+              <a:t>Algorithmus von </a:t>
+            </a:r>
+            <a:r>
+              <a:rPr lang="de-DE" dirty="0" err="1"/>
+              <a:t>Reingold</a:t>
+            </a:r>
+            <a:r>
+              <a:rPr lang="de-DE" dirty="0"/>
+              <a:t> und </a:t>
+            </a:r>
+            <a:r>
+              <a:rPr lang="de-DE" dirty="0" err="1"/>
+              <a:t>Tilford</a:t>
+            </a:r>
+            <a:r>
+              <a:rPr lang="de-DE" dirty="0"/>
+              <a:t> (TR)</a:t>
+            </a:r>
+          </a:p>
+          <a:p>
+            <a:pPr marL="342900" indent="-342900">
+              <a:buFont typeface="+mj-lt"/>
+              <a:buAutoNum type="arabicPeriod"/>
+            </a:pPr>
+            <a:r>
+              <a:rPr lang="de-DE" dirty="0"/>
+              <a:t>Vergleich</a:t>
+            </a:r>
+          </a:p>
+          <a:p>
+            <a:pPr marL="342900" indent="-342900">
+              <a:buFont typeface="+mj-lt"/>
+              <a:buAutoNum type="arabicPeriod"/>
+            </a:pPr>
+            <a:r>
+              <a:rPr lang="de-DE" dirty="0"/>
+              <a:t>Konklusion</a:t>
+            </a:r>
+          </a:p>
+        </p:txBody>
+      </p:sp>
+    </p:spTree>
+    <p:extLst>
+      <p:ext uri="{BB962C8B-B14F-4D97-AF65-F5344CB8AC3E}">
+        <p14:creationId xmlns:p14="http://schemas.microsoft.com/office/powerpoint/2010/main" val="347019466"/>
+      </p:ext>
+    </p:extLst>
+  </p:cSld>
+  <p:clrMapOvr>
+    <a:masterClrMapping/>
+  </p:clrMapOvr>
+</p:sld>
+</file>
+
+<file path=ppt/slides/slide20.xml><?xml version="1.0" encoding="utf-8"?>
+<p:sld xmlns:a="http://schemas.openxmlformats.org/drawingml/2006/main" xmlns:r="http://schemas.openxmlformats.org/officeDocument/2006/relationships" xmlns:p="http://schemas.openxmlformats.org/presentationml/2006/main">
+  <p:cSld>
+    <p:spTree>
+      <p:nvGrpSpPr>
+        <p:cNvPr id="1" name=""/>
+        <p:cNvGrpSpPr/>
+        <p:nvPr/>
+      </p:nvGrpSpPr>
+      <p:grpSpPr>
+        <a:xfrm>
+          <a:off x="0" y="0"/>
+          <a:ext cx="0" cy="0"/>
+          <a:chOff x="0" y="0"/>
+          <a:chExt cx="0" cy="0"/>
+        </a:xfrm>
+      </p:grpSpPr>
+      <p:sp>
+        <p:nvSpPr>
+          <p:cNvPr id="3" name="Titel 2">
+            <a:extLst>
+              <a:ext uri="{FF2B5EF4-FFF2-40B4-BE49-F238E27FC236}">
+                <a16:creationId xmlns:a16="http://schemas.microsoft.com/office/drawing/2014/main" id="{274F9FE8-8D95-5F35-5D72-88B83E6490F4}"/>
+              </a:ext>
+            </a:extLst>
+          </p:cNvPr>
+          <p:cNvSpPr>
+            <a:spLocks noGrp="1"/>
+          </p:cNvSpPr>
+          <p:nvPr>
+            <p:ph type="title"/>
+          </p:nvPr>
+        </p:nvSpPr>
+        <p:spPr/>
+        <p:txBody>
+          <a:bodyPr>
+            <a:normAutofit fontScale="90000"/>
+          </a:bodyPr>
+          <a:lstStyle/>
+          <a:p>
+            <a:r>
+              <a:rPr lang="de-DE"/>
+              <a:t>Verbesserter Algorithmus von Wetherell und Shannon</a:t>
+            </a:r>
+            <a:endParaRPr lang="de-DE" dirty="0"/>
+          </a:p>
+        </p:txBody>
+      </p:sp>
+      <p:sp>
+        <p:nvSpPr>
+          <p:cNvPr id="4" name="Fußzeilenplatzhalter 3">
+            <a:extLst>
+              <a:ext uri="{FF2B5EF4-FFF2-40B4-BE49-F238E27FC236}">
+                <a16:creationId xmlns:a16="http://schemas.microsoft.com/office/drawing/2014/main" id="{EEBE079F-696E-A736-DCFB-B06C7D35DBB7}"/>
+              </a:ext>
+            </a:extLst>
+          </p:cNvPr>
+          <p:cNvSpPr>
+            <a:spLocks noGrp="1"/>
+          </p:cNvSpPr>
+          <p:nvPr>
+            <p:ph type="ftr" sz="quarter" idx="10"/>
+          </p:nvPr>
+        </p:nvSpPr>
+        <p:spPr/>
+        <p:txBody>
+          <a:bodyPr/>
+          <a:lstStyle/>
+          <a:p>
+            <a:r>
+              <a:rPr lang="de-DE"/>
+              <a:t>Erkan Garan, Justin Treulieb – Bäume zeichnen im Ebenen-Layout</a:t>
+            </a:r>
+            <a:endParaRPr lang="de-DE" dirty="0"/>
+          </a:p>
+        </p:txBody>
+      </p:sp>
+      <p:sp>
+        <p:nvSpPr>
+          <p:cNvPr id="9" name="Textplatzhalter 8">
+            <a:extLst>
+              <a:ext uri="{FF2B5EF4-FFF2-40B4-BE49-F238E27FC236}">
+                <a16:creationId xmlns:a16="http://schemas.microsoft.com/office/drawing/2014/main" id="{41B3520A-9E48-2624-3B5F-5DFF7AD8E4BB}"/>
+              </a:ext>
+            </a:extLst>
+          </p:cNvPr>
+          <p:cNvSpPr>
+            <a:spLocks noGrp="1"/>
+          </p:cNvSpPr>
+          <p:nvPr>
+            <p:ph type="body" sz="quarter" idx="11"/>
+          </p:nvPr>
+        </p:nvSpPr>
+        <p:spPr/>
+        <p:txBody>
+          <a:bodyPr/>
+          <a:lstStyle/>
+          <a:p>
+            <a:r>
+              <a:rPr lang="de-DE" dirty="0"/>
+              <a:t>Initialisierung zweite Phase</a:t>
+            </a:r>
+          </a:p>
+        </p:txBody>
+      </p:sp>
+      <p:sp>
+        <p:nvSpPr>
+          <p:cNvPr id="2" name="Inhaltsplatzhalter 1">
+            <a:extLst>
+              <a:ext uri="{FF2B5EF4-FFF2-40B4-BE49-F238E27FC236}">
+                <a16:creationId xmlns:a16="http://schemas.microsoft.com/office/drawing/2014/main" id="{677FD419-1CA4-FBC5-573B-07CFC3C1B81E}"/>
+              </a:ext>
+            </a:extLst>
+          </p:cNvPr>
+          <p:cNvSpPr>
+            <a:spLocks noGrp="1"/>
+          </p:cNvSpPr>
+          <p:nvPr>
+            <p:ph sz="quarter" idx="12"/>
+          </p:nvPr>
+        </p:nvSpPr>
+        <p:spPr/>
+        <p:txBody>
+          <a:bodyPr/>
+          <a:lstStyle/>
+          <a:p>
+            <a:pPr marL="0" indent="0">
+              <a:buNone/>
+            </a:pPr>
+            <a:r>
+              <a:rPr lang="de-DE" b="0" dirty="0">
+                <a:solidFill>
+                  <a:srgbClr val="008000"/>
+                </a:solidFill>
+                <a:effectLst/>
+                <a:latin typeface="Consolas" panose="020B0609020204030204" pitchFamily="49" charset="0"/>
+              </a:rPr>
+              <a:t>// Addiere alle </a:t>
+            </a:r>
+            <a:r>
+              <a:rPr lang="de-DE" b="0" dirty="0" err="1">
+                <a:solidFill>
+                  <a:srgbClr val="008000"/>
+                </a:solidFill>
+                <a:effectLst/>
+                <a:latin typeface="Consolas" panose="020B0609020204030204" pitchFamily="49" charset="0"/>
+              </a:rPr>
+              <a:t>Modifier</a:t>
+            </a:r>
+            <a:r>
+              <a:rPr lang="de-DE" b="0" dirty="0">
+                <a:solidFill>
+                  <a:srgbClr val="008000"/>
+                </a:solidFill>
+                <a:effectLst/>
+                <a:latin typeface="Consolas" panose="020B0609020204030204" pitchFamily="49" charset="0"/>
+              </a:rPr>
+              <a:t> der Vorgänger eines Knotens</a:t>
+            </a:r>
+            <a:endParaRPr lang="de-DE" b="0" dirty="0">
+              <a:solidFill>
+                <a:srgbClr val="0000FF"/>
+              </a:solidFill>
+              <a:effectLst/>
+              <a:latin typeface="Consolas" panose="020B0609020204030204" pitchFamily="49" charset="0"/>
+            </a:endParaRPr>
+          </a:p>
+          <a:p>
+            <a:pPr marL="0" indent="0">
+              <a:buNone/>
+            </a:pPr>
+            <a:r>
+              <a:rPr lang="de-DE" b="0" dirty="0" err="1">
+                <a:solidFill>
+                  <a:srgbClr val="0000FF"/>
+                </a:solidFill>
+                <a:effectLst/>
+                <a:latin typeface="Consolas" panose="020B0609020204030204" pitchFamily="49" charset="0"/>
+              </a:rPr>
+              <a:t>int</a:t>
+            </a:r>
+            <a:r>
+              <a:rPr lang="de-DE" b="0" dirty="0">
+                <a:solidFill>
+                  <a:srgbClr val="000000"/>
+                </a:solidFill>
+                <a:effectLst/>
+                <a:latin typeface="Consolas" panose="020B0609020204030204" pitchFamily="49" charset="0"/>
+              </a:rPr>
+              <a:t> </a:t>
+            </a:r>
+            <a:r>
+              <a:rPr lang="de-DE" b="0" dirty="0" err="1">
+                <a:solidFill>
+                  <a:srgbClr val="000000"/>
+                </a:solidFill>
+                <a:effectLst/>
+                <a:latin typeface="Consolas" panose="020B0609020204030204" pitchFamily="49" charset="0"/>
+              </a:rPr>
+              <a:t>modifierSum</a:t>
+            </a:r>
+            <a:r>
+              <a:rPr lang="de-DE" b="0" dirty="0">
+                <a:solidFill>
+                  <a:srgbClr val="000000"/>
+                </a:solidFill>
+                <a:effectLst/>
+                <a:latin typeface="Consolas" panose="020B0609020204030204" pitchFamily="49" charset="0"/>
+              </a:rPr>
+              <a:t> = </a:t>
+            </a:r>
+            <a:r>
+              <a:rPr lang="de-DE" b="0" dirty="0">
+                <a:solidFill>
+                  <a:srgbClr val="098658"/>
+                </a:solidFill>
+                <a:effectLst/>
+                <a:latin typeface="Consolas" panose="020B0609020204030204" pitchFamily="49" charset="0"/>
+              </a:rPr>
+              <a:t>0</a:t>
+            </a:r>
+            <a:r>
+              <a:rPr lang="de-DE" b="0" dirty="0">
+                <a:solidFill>
+                  <a:srgbClr val="000000"/>
+                </a:solidFill>
+                <a:effectLst/>
+                <a:latin typeface="Consolas" panose="020B0609020204030204" pitchFamily="49" charset="0"/>
+              </a:rPr>
+              <a:t>;</a:t>
+            </a:r>
+          </a:p>
+          <a:p>
+            <a:pPr marL="0" indent="0">
+              <a:buNone/>
+            </a:pPr>
+            <a:r>
+              <a:rPr lang="de-DE" b="0" dirty="0">
+                <a:solidFill>
+                  <a:srgbClr val="008000"/>
+                </a:solidFill>
+                <a:effectLst/>
+                <a:latin typeface="Consolas" panose="020B0609020204030204" pitchFamily="49" charset="0"/>
+              </a:rPr>
+              <a:t>// Array zurücksetzen</a:t>
+            </a:r>
+            <a:endParaRPr lang="de-DE" b="0" dirty="0">
+              <a:solidFill>
+                <a:srgbClr val="000000"/>
+              </a:solidFill>
+              <a:effectLst/>
+              <a:latin typeface="Consolas" panose="020B0609020204030204" pitchFamily="49" charset="0"/>
+            </a:endParaRPr>
+          </a:p>
+          <a:p>
+            <a:pPr marL="0" indent="0">
+              <a:buNone/>
+            </a:pPr>
+            <a:r>
+              <a:rPr lang="de-DE" b="0" dirty="0" err="1">
+                <a:solidFill>
+                  <a:srgbClr val="000000"/>
+                </a:solidFill>
+                <a:effectLst/>
+                <a:latin typeface="Consolas" panose="020B0609020204030204" pitchFamily="49" charset="0"/>
+              </a:rPr>
+              <a:t>Arrays.fill</a:t>
+            </a:r>
+            <a:r>
+              <a:rPr lang="de-DE" b="0" dirty="0">
+                <a:solidFill>
+                  <a:srgbClr val="000000"/>
+                </a:solidFill>
+                <a:effectLst/>
+                <a:latin typeface="Consolas" panose="020B0609020204030204" pitchFamily="49" charset="0"/>
+              </a:rPr>
+              <a:t>(</a:t>
+            </a:r>
+            <a:r>
+              <a:rPr lang="de-DE" b="0" dirty="0" err="1">
+                <a:solidFill>
+                  <a:srgbClr val="000000"/>
+                </a:solidFill>
+                <a:effectLst/>
+                <a:latin typeface="Consolas" panose="020B0609020204030204" pitchFamily="49" charset="0"/>
+              </a:rPr>
+              <a:t>nextPos</a:t>
+            </a:r>
+            <a:r>
+              <a:rPr lang="de-DE" b="0" dirty="0">
+                <a:solidFill>
+                  <a:srgbClr val="000000"/>
+                </a:solidFill>
+                <a:effectLst/>
+                <a:latin typeface="Consolas" panose="020B0609020204030204" pitchFamily="49" charset="0"/>
+              </a:rPr>
+              <a:t>, </a:t>
+            </a:r>
+            <a:r>
+              <a:rPr lang="de-DE" b="0" dirty="0">
+                <a:solidFill>
+                  <a:srgbClr val="098658"/>
+                </a:solidFill>
+                <a:effectLst/>
+                <a:latin typeface="Consolas" panose="020B0609020204030204" pitchFamily="49" charset="0"/>
+              </a:rPr>
+              <a:t>1</a:t>
+            </a:r>
+            <a:r>
+              <a:rPr lang="de-DE" b="0" dirty="0">
+                <a:solidFill>
+                  <a:srgbClr val="000000"/>
+                </a:solidFill>
+                <a:effectLst/>
+                <a:latin typeface="Consolas" panose="020B0609020204030204" pitchFamily="49" charset="0"/>
+              </a:rPr>
+              <a:t>);</a:t>
+            </a:r>
+          </a:p>
+          <a:p>
+            <a:pPr marL="0" indent="0">
+              <a:buNone/>
+            </a:pPr>
+            <a:endParaRPr lang="en-US" b="0" dirty="0">
+              <a:solidFill>
+                <a:srgbClr val="000000"/>
+              </a:solidFill>
+              <a:effectLst/>
+              <a:latin typeface="Consolas" panose="020B0609020204030204" pitchFamily="49" charset="0"/>
+            </a:endParaRPr>
+          </a:p>
+        </p:txBody>
+      </p:sp>
+    </p:spTree>
+    <p:extLst>
+      <p:ext uri="{BB962C8B-B14F-4D97-AF65-F5344CB8AC3E}">
+        <p14:creationId xmlns:p14="http://schemas.microsoft.com/office/powerpoint/2010/main" val="3865217723"/>
+      </p:ext>
+    </p:extLst>
+  </p:cSld>
+  <p:clrMapOvr>
+    <a:masterClrMapping/>
+  </p:clrMapOvr>
+</p:sld>
+</file>
+
+<file path=ppt/slides/slide21.xml><?xml version="1.0" encoding="utf-8"?>
+<p:sld xmlns:a="http://schemas.openxmlformats.org/drawingml/2006/main" xmlns:r="http://schemas.openxmlformats.org/officeDocument/2006/relationships" xmlns:p="http://schemas.openxmlformats.org/presentationml/2006/main">
+  <p:cSld>
+    <p:spTree>
+      <p:nvGrpSpPr>
+        <p:cNvPr id="1" name=""/>
+        <p:cNvGrpSpPr/>
+        <p:nvPr/>
+      </p:nvGrpSpPr>
+      <p:grpSpPr>
+        <a:xfrm>
+          <a:off x="0" y="0"/>
+          <a:ext cx="0" cy="0"/>
+          <a:chOff x="0" y="0"/>
+          <a:chExt cx="0" cy="0"/>
+        </a:xfrm>
+      </p:grpSpPr>
+      <p:sp>
+        <p:nvSpPr>
+          <p:cNvPr id="3" name="Titel 2">
+            <a:extLst>
+              <a:ext uri="{FF2B5EF4-FFF2-40B4-BE49-F238E27FC236}">
+                <a16:creationId xmlns:a16="http://schemas.microsoft.com/office/drawing/2014/main" id="{274F9FE8-8D95-5F35-5D72-88B83E6490F4}"/>
+              </a:ext>
+            </a:extLst>
+          </p:cNvPr>
+          <p:cNvSpPr>
+            <a:spLocks noGrp="1"/>
+          </p:cNvSpPr>
+          <p:nvPr>
+            <p:ph type="title"/>
+          </p:nvPr>
+        </p:nvSpPr>
+        <p:spPr/>
+        <p:txBody>
+          <a:bodyPr>
+            <a:normAutofit fontScale="90000"/>
+          </a:bodyPr>
+          <a:lstStyle/>
+          <a:p>
+            <a:r>
+              <a:rPr lang="de-DE" dirty="0"/>
+              <a:t>Verbesserter Algorithmus von </a:t>
+            </a:r>
+            <a:r>
+              <a:rPr lang="de-DE" dirty="0" err="1"/>
+              <a:t>Wetherell</a:t>
+            </a:r>
+            <a:r>
+              <a:rPr lang="de-DE" dirty="0"/>
+              <a:t> und Shannon</a:t>
+            </a:r>
+          </a:p>
+        </p:txBody>
+      </p:sp>
+      <p:sp>
+        <p:nvSpPr>
+          <p:cNvPr id="4" name="Fußzeilenplatzhalter 3">
+            <a:extLst>
+              <a:ext uri="{FF2B5EF4-FFF2-40B4-BE49-F238E27FC236}">
+                <a16:creationId xmlns:a16="http://schemas.microsoft.com/office/drawing/2014/main" id="{EEBE079F-696E-A736-DCFB-B06C7D35DBB7}"/>
+              </a:ext>
+            </a:extLst>
+          </p:cNvPr>
+          <p:cNvSpPr>
+            <a:spLocks noGrp="1"/>
+          </p:cNvSpPr>
+          <p:nvPr>
+            <p:ph type="ftr" sz="quarter" idx="10"/>
+          </p:nvPr>
+        </p:nvSpPr>
+        <p:spPr/>
+        <p:txBody>
+          <a:bodyPr/>
+          <a:lstStyle/>
+          <a:p>
+            <a:r>
+              <a:rPr lang="de-DE"/>
+              <a:t>Erkan Garan, Justin Treulieb – Bäume zeichnen im Ebenen-Layout</a:t>
+            </a:r>
+            <a:endParaRPr lang="de-DE" dirty="0"/>
+          </a:p>
+        </p:txBody>
+      </p:sp>
+      <p:sp>
+        <p:nvSpPr>
+          <p:cNvPr id="9" name="Textplatzhalter 8">
+            <a:extLst>
+              <a:ext uri="{FF2B5EF4-FFF2-40B4-BE49-F238E27FC236}">
+                <a16:creationId xmlns:a16="http://schemas.microsoft.com/office/drawing/2014/main" id="{41B3520A-9E48-2624-3B5F-5DFF7AD8E4BB}"/>
+              </a:ext>
+            </a:extLst>
+          </p:cNvPr>
+          <p:cNvSpPr>
+            <a:spLocks noGrp="1"/>
+          </p:cNvSpPr>
+          <p:nvPr>
+            <p:ph type="body" sz="quarter" idx="11"/>
+          </p:nvPr>
+        </p:nvSpPr>
+        <p:spPr/>
+        <p:txBody>
+          <a:bodyPr/>
+          <a:lstStyle/>
+          <a:p>
+            <a:r>
+              <a:rPr lang="de-DE" dirty="0"/>
+              <a:t>Zweite Phase</a:t>
+            </a:r>
+          </a:p>
+        </p:txBody>
+      </p:sp>
+      <p:sp>
+        <p:nvSpPr>
+          <p:cNvPr id="2" name="Inhaltsplatzhalter 1">
+            <a:extLst>
+              <a:ext uri="{FF2B5EF4-FFF2-40B4-BE49-F238E27FC236}">
+                <a16:creationId xmlns:a16="http://schemas.microsoft.com/office/drawing/2014/main" id="{677FD419-1CA4-FBC5-573B-07CFC3C1B81E}"/>
+              </a:ext>
+            </a:extLst>
+          </p:cNvPr>
+          <p:cNvSpPr>
+            <a:spLocks noGrp="1"/>
+          </p:cNvSpPr>
+          <p:nvPr>
+            <p:ph sz="quarter" idx="12"/>
+          </p:nvPr>
+        </p:nvSpPr>
+        <p:spPr/>
+        <p:txBody>
+          <a:bodyPr>
+            <a:normAutofit fontScale="70000" lnSpcReduction="20000"/>
+          </a:bodyPr>
+          <a:lstStyle/>
+          <a:p>
+            <a:pPr marL="0" indent="0">
+              <a:lnSpc>
+                <a:spcPct val="100000"/>
+              </a:lnSpc>
+              <a:buNone/>
+            </a:pPr>
+            <a:r>
+              <a:rPr lang="de-DE" b="0" dirty="0" err="1">
+                <a:solidFill>
+                  <a:srgbClr val="000000"/>
+                </a:solidFill>
+                <a:effectLst/>
+                <a:latin typeface="Consolas" panose="020B0609020204030204" pitchFamily="49" charset="0"/>
+              </a:rPr>
+              <a:t>knoten.setX</a:t>
+            </a:r>
+            <a:r>
+              <a:rPr lang="de-DE" b="0" dirty="0">
+                <a:solidFill>
+                  <a:srgbClr val="000000"/>
+                </a:solidFill>
+                <a:effectLst/>
+                <a:latin typeface="Consolas" panose="020B0609020204030204" pitchFamily="49" charset="0"/>
+              </a:rPr>
+              <a:t>(</a:t>
+            </a:r>
+            <a:r>
+              <a:rPr lang="de-DE" b="0" dirty="0" err="1">
+                <a:solidFill>
+                  <a:srgbClr val="000000"/>
+                </a:solidFill>
+                <a:effectLst/>
+                <a:latin typeface="Consolas" panose="020B0609020204030204" pitchFamily="49" charset="0"/>
+              </a:rPr>
+              <a:t>Math.min</a:t>
+            </a:r>
+            <a:r>
+              <a:rPr lang="de-DE" b="0" dirty="0">
+                <a:solidFill>
+                  <a:srgbClr val="000000"/>
+                </a:solidFill>
+                <a:effectLst/>
+                <a:latin typeface="Consolas" panose="020B0609020204030204" pitchFamily="49" charset="0"/>
+              </a:rPr>
+              <a:t>(</a:t>
+            </a:r>
+          </a:p>
+          <a:p>
+            <a:pPr marL="0" indent="0">
+              <a:lnSpc>
+                <a:spcPct val="100000"/>
+              </a:lnSpc>
+              <a:buNone/>
+            </a:pPr>
+            <a:r>
+              <a:rPr lang="de-DE" dirty="0">
+                <a:latin typeface="Consolas" panose="020B0609020204030204" pitchFamily="49" charset="0"/>
+              </a:rPr>
+              <a:t>	</a:t>
+            </a:r>
+            <a:r>
+              <a:rPr lang="de-DE" b="0" dirty="0" err="1">
+                <a:solidFill>
+                  <a:srgbClr val="000000"/>
+                </a:solidFill>
+                <a:effectLst/>
+                <a:latin typeface="Consolas" panose="020B0609020204030204" pitchFamily="49" charset="0"/>
+              </a:rPr>
+              <a:t>nextPos</a:t>
+            </a:r>
+            <a:r>
+              <a:rPr lang="de-DE" b="0" dirty="0">
+                <a:solidFill>
+                  <a:srgbClr val="000000"/>
+                </a:solidFill>
+                <a:effectLst/>
+                <a:latin typeface="Consolas" panose="020B0609020204030204" pitchFamily="49" charset="0"/>
+              </a:rPr>
+              <a:t>[</a:t>
+            </a:r>
+            <a:r>
+              <a:rPr lang="de-DE" b="0" dirty="0" err="1">
+                <a:solidFill>
+                  <a:srgbClr val="000000"/>
+                </a:solidFill>
+                <a:effectLst/>
+                <a:latin typeface="Consolas" panose="020B0609020204030204" pitchFamily="49" charset="0"/>
+              </a:rPr>
+              <a:t>knoten.getHoehe</a:t>
+            </a:r>
+            <a:r>
+              <a:rPr lang="de-DE" b="0" dirty="0">
+                <a:solidFill>
+                  <a:srgbClr val="000000"/>
+                </a:solidFill>
+                <a:effectLst/>
+                <a:latin typeface="Consolas" panose="020B0609020204030204" pitchFamily="49" charset="0"/>
+              </a:rPr>
+              <a:t>()],</a:t>
+            </a:r>
+          </a:p>
+          <a:p>
+            <a:pPr marL="0" indent="0">
+              <a:lnSpc>
+                <a:spcPct val="100000"/>
+              </a:lnSpc>
+              <a:buNone/>
+            </a:pPr>
+            <a:r>
+              <a:rPr lang="de-DE" dirty="0">
+                <a:latin typeface="Consolas" panose="020B0609020204030204" pitchFamily="49" charset="0"/>
+              </a:rPr>
+              <a:t>	</a:t>
+            </a:r>
+            <a:r>
+              <a:rPr lang="de-DE" b="0" dirty="0" err="1">
+                <a:solidFill>
+                  <a:srgbClr val="000000"/>
+                </a:solidFill>
+                <a:effectLst/>
+                <a:latin typeface="Consolas" panose="020B0609020204030204" pitchFamily="49" charset="0"/>
+              </a:rPr>
+              <a:t>knoten.getX</a:t>
+            </a:r>
+            <a:r>
+              <a:rPr lang="de-DE" b="0" dirty="0">
+                <a:solidFill>
+                  <a:srgbClr val="000000"/>
+                </a:solidFill>
+                <a:effectLst/>
+                <a:latin typeface="Consolas" panose="020B0609020204030204" pitchFamily="49" charset="0"/>
+              </a:rPr>
+              <a:t>() + </a:t>
+            </a:r>
+            <a:r>
+              <a:rPr lang="de-DE" b="0" dirty="0" err="1">
+                <a:solidFill>
+                  <a:srgbClr val="000000"/>
+                </a:solidFill>
+                <a:effectLst/>
+                <a:latin typeface="Consolas" panose="020B0609020204030204" pitchFamily="49" charset="0"/>
+              </a:rPr>
+              <a:t>modifierSum</a:t>
+            </a:r>
+            <a:r>
+              <a:rPr lang="de-DE" b="0" dirty="0">
+                <a:solidFill>
+                  <a:srgbClr val="000000"/>
+                </a:solidFill>
+                <a:effectLst/>
+                <a:latin typeface="Consolas" panose="020B0609020204030204" pitchFamily="49" charset="0"/>
+              </a:rPr>
+              <a:t> - </a:t>
+            </a:r>
+            <a:r>
+              <a:rPr lang="de-DE" b="0" dirty="0" err="1">
+                <a:solidFill>
+                  <a:srgbClr val="000000"/>
+                </a:solidFill>
+                <a:effectLst/>
+                <a:latin typeface="Consolas" panose="020B0609020204030204" pitchFamily="49" charset="0"/>
+              </a:rPr>
+              <a:t>knoten.getModifier</a:t>
+            </a:r>
+            <a:r>
+              <a:rPr lang="de-DE" b="0" dirty="0">
+                <a:solidFill>
+                  <a:srgbClr val="000000"/>
+                </a:solidFill>
+                <a:effectLst/>
+                <a:latin typeface="Consolas" panose="020B0609020204030204" pitchFamily="49" charset="0"/>
+              </a:rPr>
+              <a:t>()</a:t>
+            </a:r>
+          </a:p>
+          <a:p>
+            <a:pPr marL="0" indent="0">
+              <a:lnSpc>
+                <a:spcPct val="100000"/>
+              </a:lnSpc>
+              <a:buNone/>
+            </a:pPr>
+            <a:r>
+              <a:rPr lang="de-DE" b="0" dirty="0">
+                <a:solidFill>
+                  <a:srgbClr val="000000"/>
+                </a:solidFill>
+                <a:effectLst/>
+                <a:latin typeface="Consolas" panose="020B0609020204030204" pitchFamily="49" charset="0"/>
+              </a:rPr>
+              <a:t>	));</a:t>
+            </a:r>
+          </a:p>
+          <a:p>
+            <a:pPr marL="0" indent="0">
+              <a:lnSpc>
+                <a:spcPct val="100000"/>
+              </a:lnSpc>
+              <a:buNone/>
+            </a:pPr>
+            <a:endParaRPr lang="de-DE" b="0" dirty="0">
+              <a:solidFill>
+                <a:srgbClr val="000000"/>
+              </a:solidFill>
+              <a:effectLst/>
+              <a:latin typeface="Consolas" panose="020B0609020204030204" pitchFamily="49" charset="0"/>
+            </a:endParaRPr>
+          </a:p>
+          <a:p>
+            <a:pPr marL="0" indent="0">
+              <a:buNone/>
+            </a:pPr>
+            <a:r>
+              <a:rPr lang="de-DE" b="0" dirty="0" err="1">
+                <a:solidFill>
+                  <a:srgbClr val="0000FF"/>
+                </a:solidFill>
+                <a:effectLst/>
+                <a:latin typeface="Consolas" panose="020B0609020204030204" pitchFamily="49" charset="0"/>
+              </a:rPr>
+              <a:t>if</a:t>
+            </a:r>
+            <a:r>
+              <a:rPr lang="de-DE" b="0" dirty="0">
+                <a:solidFill>
+                  <a:srgbClr val="000000"/>
+                </a:solidFill>
+                <a:effectLst/>
+                <a:latin typeface="Consolas" panose="020B0609020204030204" pitchFamily="49" charset="0"/>
+              </a:rPr>
+              <a:t>(</a:t>
+            </a:r>
+            <a:r>
+              <a:rPr lang="de-DE" b="0" dirty="0" err="1">
+                <a:solidFill>
+                  <a:srgbClr val="000000"/>
+                </a:solidFill>
+                <a:effectLst/>
+                <a:latin typeface="Consolas" panose="020B0609020204030204" pitchFamily="49" charset="0"/>
+              </a:rPr>
+              <a:t>knoten.getLeft</a:t>
+            </a:r>
+            <a:r>
+              <a:rPr lang="de-DE" b="0" dirty="0">
+                <a:solidFill>
+                  <a:srgbClr val="000000"/>
+                </a:solidFill>
+                <a:effectLst/>
+                <a:latin typeface="Consolas" panose="020B0609020204030204" pitchFamily="49" charset="0"/>
+              </a:rPr>
+              <a:t>() != </a:t>
+            </a:r>
+            <a:r>
+              <a:rPr lang="de-DE" b="0" dirty="0">
+                <a:solidFill>
+                  <a:srgbClr val="0000FF"/>
+                </a:solidFill>
+                <a:effectLst/>
+                <a:latin typeface="Consolas" panose="020B0609020204030204" pitchFamily="49" charset="0"/>
+              </a:rPr>
+              <a:t>null</a:t>
+            </a:r>
+            <a:r>
+              <a:rPr lang="de-DE" b="0" dirty="0">
+                <a:solidFill>
+                  <a:srgbClr val="000000"/>
+                </a:solidFill>
+                <a:effectLst/>
+                <a:latin typeface="Consolas" panose="020B0609020204030204" pitchFamily="49" charset="0"/>
+              </a:rPr>
+              <a:t>) {</a:t>
+            </a:r>
+          </a:p>
+          <a:p>
+            <a:pPr marL="0" indent="0">
+              <a:buNone/>
+            </a:pPr>
+            <a:r>
+              <a:rPr lang="de-DE" b="0" dirty="0">
+                <a:solidFill>
+                  <a:srgbClr val="000000"/>
+                </a:solidFill>
+                <a:effectLst/>
+                <a:latin typeface="Consolas" panose="020B0609020204030204" pitchFamily="49" charset="0"/>
+              </a:rPr>
+              <a:t>	</a:t>
+            </a:r>
+            <a:r>
+              <a:rPr lang="de-DE" b="0" dirty="0" err="1">
+                <a:solidFill>
+                  <a:srgbClr val="000000"/>
+                </a:solidFill>
+                <a:effectLst/>
+                <a:latin typeface="Consolas" panose="020B0609020204030204" pitchFamily="49" charset="0"/>
+              </a:rPr>
+              <a:t>knoten.setX</a:t>
+            </a:r>
+            <a:r>
+              <a:rPr lang="de-DE" b="0" dirty="0">
+                <a:solidFill>
+                  <a:srgbClr val="000000"/>
+                </a:solidFill>
+                <a:effectLst/>
+                <a:latin typeface="Consolas" panose="020B0609020204030204" pitchFamily="49" charset="0"/>
+              </a:rPr>
+              <a:t>(</a:t>
+            </a:r>
+            <a:r>
+              <a:rPr lang="de-DE" b="0" dirty="0" err="1">
+                <a:solidFill>
+                  <a:srgbClr val="000000"/>
+                </a:solidFill>
+                <a:effectLst/>
+                <a:latin typeface="Consolas" panose="020B0609020204030204" pitchFamily="49" charset="0"/>
+              </a:rPr>
+              <a:t>Math.max</a:t>
+            </a:r>
+            <a:r>
+              <a:rPr lang="de-DE" b="0" dirty="0">
+                <a:solidFill>
+                  <a:srgbClr val="000000"/>
+                </a:solidFill>
+                <a:effectLst/>
+                <a:latin typeface="Consolas" panose="020B0609020204030204" pitchFamily="49" charset="0"/>
+              </a:rPr>
+              <a:t>(</a:t>
+            </a:r>
+            <a:r>
+              <a:rPr lang="de-DE" b="0" dirty="0" err="1">
+                <a:solidFill>
+                  <a:srgbClr val="000000"/>
+                </a:solidFill>
+                <a:effectLst/>
+                <a:latin typeface="Consolas" panose="020B0609020204030204" pitchFamily="49" charset="0"/>
+              </a:rPr>
+              <a:t>knoten.getX</a:t>
+            </a:r>
+            <a:r>
+              <a:rPr lang="de-DE" b="0" dirty="0">
+                <a:solidFill>
+                  <a:srgbClr val="000000"/>
+                </a:solidFill>
+                <a:effectLst/>
+                <a:latin typeface="Consolas" panose="020B0609020204030204" pitchFamily="49" charset="0"/>
+              </a:rPr>
+              <a:t>(), </a:t>
+            </a:r>
+            <a:r>
+              <a:rPr lang="de-DE" b="0" dirty="0" err="1">
+                <a:solidFill>
+                  <a:srgbClr val="000000"/>
+                </a:solidFill>
+                <a:effectLst/>
+                <a:latin typeface="Consolas" panose="020B0609020204030204" pitchFamily="49" charset="0"/>
+              </a:rPr>
+              <a:t>knoten.getLeft</a:t>
+            </a:r>
+            <a:r>
+              <a:rPr lang="de-DE" b="0" dirty="0">
+                <a:solidFill>
+                  <a:srgbClr val="000000"/>
+                </a:solidFill>
+                <a:effectLst/>
+                <a:latin typeface="Consolas" panose="020B0609020204030204" pitchFamily="49" charset="0"/>
+              </a:rPr>
+              <a:t>().</a:t>
+            </a:r>
+            <a:r>
+              <a:rPr lang="de-DE" b="0" dirty="0" err="1">
+                <a:solidFill>
+                  <a:srgbClr val="000000"/>
+                </a:solidFill>
+                <a:effectLst/>
+                <a:latin typeface="Consolas" panose="020B0609020204030204" pitchFamily="49" charset="0"/>
+              </a:rPr>
+              <a:t>getX</a:t>
+            </a:r>
+            <a:r>
+              <a:rPr lang="de-DE" b="0" dirty="0">
+                <a:solidFill>
+                  <a:srgbClr val="000000"/>
+                </a:solidFill>
+                <a:effectLst/>
+                <a:latin typeface="Consolas" panose="020B0609020204030204" pitchFamily="49" charset="0"/>
+              </a:rPr>
+              <a:t>() + </a:t>
+            </a:r>
+            <a:r>
+              <a:rPr lang="de-DE" b="0" dirty="0">
+                <a:solidFill>
+                  <a:srgbClr val="098658"/>
+                </a:solidFill>
+                <a:effectLst/>
+                <a:latin typeface="Consolas" panose="020B0609020204030204" pitchFamily="49" charset="0"/>
+              </a:rPr>
+              <a:t>1</a:t>
+            </a:r>
+            <a:r>
+              <a:rPr lang="de-DE" b="0" dirty="0">
+                <a:solidFill>
+                  <a:srgbClr val="000000"/>
+                </a:solidFill>
+                <a:effectLst/>
+                <a:latin typeface="Consolas" panose="020B0609020204030204" pitchFamily="49" charset="0"/>
+              </a:rPr>
+              <a:t>));</a:t>
+            </a:r>
+          </a:p>
+          <a:p>
+            <a:pPr marL="0" indent="0">
+              <a:buNone/>
+            </a:pPr>
+            <a:r>
+              <a:rPr lang="de-DE" b="0" dirty="0">
+                <a:solidFill>
+                  <a:srgbClr val="000000"/>
+                </a:solidFill>
+                <a:effectLst/>
+                <a:latin typeface="Consolas" panose="020B0609020204030204" pitchFamily="49" charset="0"/>
+              </a:rPr>
+              <a:t>}</a:t>
+            </a:r>
+          </a:p>
+          <a:p>
+            <a:pPr marL="0" indent="0">
+              <a:buNone/>
+            </a:pPr>
+            <a:r>
+              <a:rPr lang="de-DE" b="0" dirty="0" err="1">
+                <a:solidFill>
+                  <a:srgbClr val="0000FF"/>
+                </a:solidFill>
+                <a:effectLst/>
+                <a:latin typeface="Consolas" panose="020B0609020204030204" pitchFamily="49" charset="0"/>
+              </a:rPr>
+              <a:t>if</a:t>
+            </a:r>
+            <a:r>
+              <a:rPr lang="de-DE" b="0" dirty="0">
+                <a:solidFill>
+                  <a:srgbClr val="000000"/>
+                </a:solidFill>
+                <a:effectLst/>
+                <a:latin typeface="Consolas" panose="020B0609020204030204" pitchFamily="49" charset="0"/>
+              </a:rPr>
+              <a:t>(</a:t>
+            </a:r>
+            <a:r>
+              <a:rPr lang="de-DE" b="0" dirty="0" err="1">
+                <a:solidFill>
+                  <a:srgbClr val="000000"/>
+                </a:solidFill>
+                <a:effectLst/>
+                <a:latin typeface="Consolas" panose="020B0609020204030204" pitchFamily="49" charset="0"/>
+              </a:rPr>
+              <a:t>istWurzel</a:t>
+            </a:r>
+            <a:r>
+              <a:rPr lang="de-DE" b="0" dirty="0">
+                <a:solidFill>
+                  <a:srgbClr val="000000"/>
+                </a:solidFill>
+                <a:effectLst/>
+                <a:latin typeface="Consolas" panose="020B0609020204030204" pitchFamily="49" charset="0"/>
+              </a:rPr>
+              <a:t> == </a:t>
+            </a:r>
+            <a:r>
+              <a:rPr lang="de-DE" dirty="0" err="1">
+                <a:solidFill>
+                  <a:srgbClr val="0000FF"/>
+                </a:solidFill>
+                <a:latin typeface="Consolas" panose="020B0609020204030204" pitchFamily="49" charset="0"/>
+              </a:rPr>
+              <a:t>false</a:t>
+            </a:r>
+            <a:r>
+              <a:rPr lang="de-DE" b="0" dirty="0">
+                <a:solidFill>
+                  <a:srgbClr val="000000"/>
+                </a:solidFill>
+                <a:effectLst/>
+                <a:latin typeface="Consolas" panose="020B0609020204030204" pitchFamily="49" charset="0"/>
+              </a:rPr>
+              <a:t>) {</a:t>
+            </a:r>
+          </a:p>
+          <a:p>
+            <a:pPr marL="0" indent="0">
+              <a:buNone/>
+            </a:pPr>
+            <a:r>
+              <a:rPr lang="de-DE" b="0" dirty="0">
+                <a:solidFill>
+                  <a:srgbClr val="0000FF"/>
+                </a:solidFill>
+                <a:effectLst/>
+                <a:latin typeface="Consolas" panose="020B0609020204030204" pitchFamily="49" charset="0"/>
+              </a:rPr>
+              <a:t>	</a:t>
+            </a:r>
+            <a:r>
+              <a:rPr lang="de-DE" b="0" dirty="0" err="1">
+                <a:solidFill>
+                  <a:srgbClr val="0000FF"/>
+                </a:solidFill>
+                <a:effectLst/>
+                <a:latin typeface="Consolas" panose="020B0609020204030204" pitchFamily="49" charset="0"/>
+              </a:rPr>
+              <a:t>if</a:t>
+            </a:r>
+            <a:r>
+              <a:rPr lang="de-DE" b="0" dirty="0">
+                <a:solidFill>
+                  <a:srgbClr val="000000"/>
+                </a:solidFill>
+                <a:effectLst/>
+                <a:latin typeface="Consolas" panose="020B0609020204030204" pitchFamily="49" charset="0"/>
+              </a:rPr>
+              <a:t>(</a:t>
+            </a:r>
+            <a:r>
+              <a:rPr lang="de-DE" b="0" dirty="0" err="1">
+                <a:solidFill>
+                  <a:srgbClr val="000000"/>
+                </a:solidFill>
+                <a:effectLst/>
+                <a:latin typeface="Consolas" panose="020B0609020204030204" pitchFamily="49" charset="0"/>
+              </a:rPr>
+              <a:t>father.getVistStatus</a:t>
+            </a:r>
+            <a:r>
+              <a:rPr lang="de-DE" b="0" dirty="0">
+                <a:solidFill>
+                  <a:srgbClr val="000000"/>
+                </a:solidFill>
+                <a:effectLst/>
+                <a:latin typeface="Consolas" panose="020B0609020204030204" pitchFamily="49" charset="0"/>
+              </a:rPr>
+              <a:t>() == </a:t>
+            </a:r>
+            <a:r>
+              <a:rPr lang="de-DE" b="0" dirty="0" err="1">
+                <a:solidFill>
+                  <a:srgbClr val="000000"/>
+                </a:solidFill>
+                <a:effectLst/>
+                <a:latin typeface="Consolas" panose="020B0609020204030204" pitchFamily="49" charset="0"/>
+              </a:rPr>
+              <a:t>right_visit</a:t>
+            </a:r>
+            <a:r>
+              <a:rPr lang="de-DE" b="0" dirty="0">
+                <a:solidFill>
+                  <a:srgbClr val="000000"/>
+                </a:solidFill>
+                <a:effectLst/>
+                <a:latin typeface="Consolas" panose="020B0609020204030204" pitchFamily="49" charset="0"/>
+              </a:rPr>
+              <a:t>) {</a:t>
+            </a:r>
+          </a:p>
+          <a:p>
+            <a:pPr marL="0" indent="0">
+              <a:buNone/>
+            </a:pPr>
+            <a:r>
+              <a:rPr lang="de-DE" b="0" dirty="0">
+                <a:solidFill>
+                  <a:srgbClr val="000000"/>
+                </a:solidFill>
+                <a:effectLst/>
+                <a:latin typeface="Consolas" panose="020B0609020204030204" pitchFamily="49" charset="0"/>
+              </a:rPr>
+              <a:t>		</a:t>
+            </a:r>
+            <a:r>
+              <a:rPr lang="de-DE" b="0" dirty="0" err="1">
+                <a:solidFill>
+                  <a:srgbClr val="000000"/>
+                </a:solidFill>
+                <a:effectLst/>
+                <a:latin typeface="Consolas" panose="020B0609020204030204" pitchFamily="49" charset="0"/>
+              </a:rPr>
+              <a:t>knoten.setX</a:t>
+            </a:r>
+            <a:r>
+              <a:rPr lang="de-DE" b="0" dirty="0">
+                <a:solidFill>
+                  <a:srgbClr val="000000"/>
+                </a:solidFill>
+                <a:effectLst/>
+                <a:latin typeface="Consolas" panose="020B0609020204030204" pitchFamily="49" charset="0"/>
+              </a:rPr>
+              <a:t>(</a:t>
+            </a:r>
+            <a:r>
+              <a:rPr lang="de-DE" b="0" dirty="0" err="1">
+                <a:solidFill>
+                  <a:srgbClr val="000000"/>
+                </a:solidFill>
+                <a:effectLst/>
+                <a:latin typeface="Consolas" panose="020B0609020204030204" pitchFamily="49" charset="0"/>
+              </a:rPr>
+              <a:t>Math.max</a:t>
+            </a:r>
+            <a:r>
+              <a:rPr lang="de-DE" b="0" dirty="0">
+                <a:solidFill>
+                  <a:srgbClr val="000000"/>
+                </a:solidFill>
+                <a:effectLst/>
+                <a:latin typeface="Consolas" panose="020B0609020204030204" pitchFamily="49" charset="0"/>
+              </a:rPr>
+              <a:t>(</a:t>
+            </a:r>
+            <a:r>
+              <a:rPr lang="de-DE" b="0" dirty="0" err="1">
+                <a:solidFill>
+                  <a:srgbClr val="000000"/>
+                </a:solidFill>
+                <a:effectLst/>
+                <a:latin typeface="Consolas" panose="020B0609020204030204" pitchFamily="49" charset="0"/>
+              </a:rPr>
+              <a:t>knoten.getX</a:t>
+            </a:r>
+            <a:r>
+              <a:rPr lang="de-DE" b="0" dirty="0">
+                <a:solidFill>
+                  <a:srgbClr val="000000"/>
+                </a:solidFill>
+                <a:effectLst/>
+                <a:latin typeface="Consolas" panose="020B0609020204030204" pitchFamily="49" charset="0"/>
+              </a:rPr>
+              <a:t>(), </a:t>
+            </a:r>
+            <a:r>
+              <a:rPr lang="de-DE" b="0" dirty="0" err="1">
+                <a:solidFill>
+                  <a:srgbClr val="000000"/>
+                </a:solidFill>
+                <a:effectLst/>
+                <a:latin typeface="Consolas" panose="020B0609020204030204" pitchFamily="49" charset="0"/>
+              </a:rPr>
+              <a:t>father.getX</a:t>
+            </a:r>
+            <a:r>
+              <a:rPr lang="de-DE" b="0" dirty="0">
+                <a:solidFill>
+                  <a:srgbClr val="000000"/>
+                </a:solidFill>
+                <a:effectLst/>
+                <a:latin typeface="Consolas" panose="020B0609020204030204" pitchFamily="49" charset="0"/>
+              </a:rPr>
+              <a:t>() + </a:t>
+            </a:r>
+            <a:r>
+              <a:rPr lang="de-DE" b="0" dirty="0">
+                <a:solidFill>
+                  <a:srgbClr val="098658"/>
+                </a:solidFill>
+                <a:effectLst/>
+                <a:latin typeface="Consolas" panose="020B0609020204030204" pitchFamily="49" charset="0"/>
+              </a:rPr>
+              <a:t>1</a:t>
+            </a:r>
+            <a:r>
+              <a:rPr lang="de-DE" b="0" dirty="0">
+                <a:solidFill>
+                  <a:srgbClr val="000000"/>
+                </a:solidFill>
+                <a:effectLst/>
+                <a:latin typeface="Consolas" panose="020B0609020204030204" pitchFamily="49" charset="0"/>
+              </a:rPr>
+              <a:t>));</a:t>
+            </a:r>
+          </a:p>
+          <a:p>
+            <a:pPr marL="0" indent="0">
+              <a:buNone/>
+            </a:pPr>
+            <a:r>
+              <a:rPr lang="de-DE" dirty="0">
+                <a:latin typeface="Consolas" panose="020B0609020204030204" pitchFamily="49" charset="0"/>
+              </a:rPr>
+              <a:t>	</a:t>
+            </a:r>
+            <a:r>
+              <a:rPr lang="de-DE" b="0" dirty="0">
+                <a:solidFill>
+                  <a:srgbClr val="000000"/>
+                </a:solidFill>
+                <a:effectLst/>
+                <a:latin typeface="Consolas" panose="020B0609020204030204" pitchFamily="49" charset="0"/>
+              </a:rPr>
+              <a:t>}</a:t>
+            </a:r>
+          </a:p>
+          <a:p>
+            <a:pPr marL="0" indent="0">
+              <a:buNone/>
+            </a:pPr>
+            <a:r>
+              <a:rPr lang="de-DE" b="0" dirty="0">
+                <a:solidFill>
+                  <a:srgbClr val="000000"/>
+                </a:solidFill>
+                <a:effectLst/>
+                <a:latin typeface="Consolas" panose="020B0609020204030204" pitchFamily="49" charset="0"/>
+              </a:rPr>
+              <a:t>}</a:t>
+            </a:r>
+          </a:p>
+          <a:p>
+            <a:pPr marL="0" indent="0">
+              <a:buNone/>
+            </a:pPr>
+            <a:r>
+              <a:rPr lang="en-US" b="0" dirty="0" err="1">
+                <a:solidFill>
+                  <a:srgbClr val="000000"/>
+                </a:solidFill>
+                <a:effectLst/>
+                <a:latin typeface="Consolas" panose="020B0609020204030204" pitchFamily="49" charset="0"/>
+              </a:rPr>
+              <a:t>nextPos</a:t>
+            </a:r>
+            <a:r>
+              <a:rPr lang="en-US" b="0" dirty="0">
+                <a:solidFill>
+                  <a:srgbClr val="000000"/>
+                </a:solidFill>
+                <a:effectLst/>
+                <a:latin typeface="Consolas" panose="020B0609020204030204" pitchFamily="49" charset="0"/>
+              </a:rPr>
+              <a:t>[</a:t>
+            </a:r>
+            <a:r>
+              <a:rPr lang="en-US" b="0" dirty="0" err="1">
+                <a:solidFill>
+                  <a:srgbClr val="000000"/>
+                </a:solidFill>
+                <a:effectLst/>
+                <a:latin typeface="Consolas" panose="020B0609020204030204" pitchFamily="49" charset="0"/>
+              </a:rPr>
+              <a:t>knoten.getHoehe</a:t>
+            </a:r>
+            <a:r>
+              <a:rPr lang="en-US" b="0" dirty="0">
+                <a:solidFill>
+                  <a:srgbClr val="000000"/>
+                </a:solidFill>
+                <a:effectLst/>
+                <a:latin typeface="Consolas" panose="020B0609020204030204" pitchFamily="49" charset="0"/>
+              </a:rPr>
+              <a:t>()] = </a:t>
+            </a:r>
+            <a:r>
+              <a:rPr lang="en-US" b="0" dirty="0" err="1">
+                <a:solidFill>
+                  <a:srgbClr val="000000"/>
+                </a:solidFill>
+                <a:effectLst/>
+                <a:latin typeface="Consolas" panose="020B0609020204030204" pitchFamily="49" charset="0"/>
+              </a:rPr>
+              <a:t>knoten.getX</a:t>
+            </a:r>
+            <a:r>
+              <a:rPr lang="en-US" b="0" dirty="0">
+                <a:solidFill>
+                  <a:srgbClr val="000000"/>
+                </a:solidFill>
+                <a:effectLst/>
+                <a:latin typeface="Consolas" panose="020B0609020204030204" pitchFamily="49" charset="0"/>
+              </a:rPr>
+              <a:t>() + </a:t>
+            </a:r>
+            <a:r>
+              <a:rPr lang="en-US" b="0" dirty="0">
+                <a:solidFill>
+                  <a:srgbClr val="098658"/>
+                </a:solidFill>
+                <a:effectLst/>
+                <a:latin typeface="Consolas" panose="020B0609020204030204" pitchFamily="49" charset="0"/>
+              </a:rPr>
+              <a:t>2</a:t>
+            </a:r>
+            <a:r>
+              <a:rPr lang="en-US" b="0" dirty="0">
+                <a:solidFill>
+                  <a:srgbClr val="000000"/>
+                </a:solidFill>
+                <a:effectLst/>
+                <a:latin typeface="Consolas" panose="020B0609020204030204" pitchFamily="49" charset="0"/>
+              </a:rPr>
+              <a:t>;</a:t>
+            </a:r>
+          </a:p>
+          <a:p>
+            <a:pPr marL="0" indent="0">
+              <a:buNone/>
+            </a:pPr>
+            <a:endParaRPr lang="de-DE" b="0" dirty="0">
+              <a:solidFill>
+                <a:srgbClr val="000000"/>
+              </a:solidFill>
+              <a:effectLst/>
+              <a:latin typeface="Consolas" panose="020B0609020204030204" pitchFamily="49" charset="0"/>
+            </a:endParaRPr>
+          </a:p>
+        </p:txBody>
+      </p:sp>
+    </p:spTree>
+    <p:extLst>
+      <p:ext uri="{BB962C8B-B14F-4D97-AF65-F5344CB8AC3E}">
+        <p14:creationId xmlns:p14="http://schemas.microsoft.com/office/powerpoint/2010/main" val="1716205615"/>
+      </p:ext>
+    </p:extLst>
+  </p:cSld>
+  <p:clrMapOvr>
+    <a:masterClrMapping/>
+  </p:clrMapOvr>
+</p:sld>
+</file>
+
+<file path=ppt/slides/slide22.xml><?xml version="1.0" encoding="utf-8"?>
+<p:sld xmlns:a="http://schemas.openxmlformats.org/drawingml/2006/main" xmlns:r="http://schemas.openxmlformats.org/officeDocument/2006/relationships" xmlns:p="http://schemas.openxmlformats.org/presentationml/2006/main">
+  <p:cSld>
+    <p:spTree>
+      <p:nvGrpSpPr>
+        <p:cNvPr id="1" name=""/>
+        <p:cNvGrpSpPr/>
+        <p:nvPr/>
+      </p:nvGrpSpPr>
+      <p:grpSpPr>
+        <a:xfrm>
+          <a:off x="0" y="0"/>
+          <a:ext cx="0" cy="0"/>
+          <a:chOff x="0" y="0"/>
+          <a:chExt cx="0" cy="0"/>
+        </a:xfrm>
+      </p:grpSpPr>
+      <p:pic>
+        <p:nvPicPr>
+          <p:cNvPr id="10" name="Inhaltsplatzhalter 9">
+            <a:extLst>
+              <a:ext uri="{FF2B5EF4-FFF2-40B4-BE49-F238E27FC236}">
+                <a16:creationId xmlns:a16="http://schemas.microsoft.com/office/drawing/2014/main" id="{0DFB195B-E748-861C-1F38-9742102A867D}"/>
+              </a:ext>
+            </a:extLst>
+          </p:cNvPr>
+          <p:cNvPicPr>
+            <a:picLocks noGrp="1" noChangeAspect="1"/>
+          </p:cNvPicPr>
+          <p:nvPr>
+            <p:ph sz="half" idx="2"/>
+          </p:nvPr>
+        </p:nvPicPr>
+        <p:blipFill>
+          <a:blip r:embed="rId2"/>
+          <a:stretch>
+            <a:fillRect/>
+          </a:stretch>
+        </p:blipFill>
+        <p:spPr>
+          <a:xfrm>
+            <a:off x="4643438" y="996610"/>
+            <a:ext cx="4140200" cy="3548742"/>
+          </a:xfrm>
+        </p:spPr>
+      </p:pic>
+      <p:sp>
+        <p:nvSpPr>
+          <p:cNvPr id="6" name="Titel 5">
+            <a:extLst>
+              <a:ext uri="{FF2B5EF4-FFF2-40B4-BE49-F238E27FC236}">
+                <a16:creationId xmlns:a16="http://schemas.microsoft.com/office/drawing/2014/main" id="{0D658DEC-36E2-F02C-1B50-C145386781B7}"/>
+              </a:ext>
+            </a:extLst>
+          </p:cNvPr>
+          <p:cNvSpPr>
+            <a:spLocks noGrp="1"/>
+          </p:cNvSpPr>
+          <p:nvPr>
+            <p:ph type="title"/>
+          </p:nvPr>
+        </p:nvSpPr>
+        <p:spPr/>
+        <p:txBody>
+          <a:bodyPr>
+            <a:normAutofit fontScale="90000"/>
+          </a:bodyPr>
+          <a:lstStyle/>
+          <a:p>
+            <a:r>
+              <a:rPr lang="de-DE" dirty="0"/>
+              <a:t>Beispiel für Algorithmus von WS</a:t>
+            </a:r>
+          </a:p>
+        </p:txBody>
+      </p:sp>
+      <p:sp>
+        <p:nvSpPr>
+          <p:cNvPr id="3" name="Fußzeilenplatzhalter 2">
+            <a:extLst>
+              <a:ext uri="{FF2B5EF4-FFF2-40B4-BE49-F238E27FC236}">
+                <a16:creationId xmlns:a16="http://schemas.microsoft.com/office/drawing/2014/main" id="{CACB1D8F-F9F5-2906-5407-5AA9160ADF0C}"/>
+              </a:ext>
+            </a:extLst>
+          </p:cNvPr>
+          <p:cNvSpPr>
+            <a:spLocks noGrp="1"/>
+          </p:cNvSpPr>
+          <p:nvPr>
+            <p:ph type="ftr" sz="quarter" idx="10"/>
+          </p:nvPr>
+        </p:nvSpPr>
+        <p:spPr/>
+        <p:txBody>
+          <a:bodyPr/>
+          <a:lstStyle/>
+          <a:p>
+            <a:r>
+              <a:rPr lang="de-DE"/>
+              <a:t>Erkan Garan, Justin Treulieb – Bäume zeichnen im Ebenen-Layout</a:t>
+            </a:r>
+            <a:endParaRPr lang="de-DE" dirty="0"/>
+          </a:p>
+        </p:txBody>
+      </p:sp>
+      <p:pic>
+        <p:nvPicPr>
+          <p:cNvPr id="8" name="Inhaltsplatzhalter 7">
+            <a:extLst>
+              <a:ext uri="{FF2B5EF4-FFF2-40B4-BE49-F238E27FC236}">
+                <a16:creationId xmlns:a16="http://schemas.microsoft.com/office/drawing/2014/main" id="{9E537C2A-DC27-8A4B-EED5-2D2AFB216FD1}"/>
+              </a:ext>
+            </a:extLst>
+          </p:cNvPr>
+          <p:cNvPicPr>
+            <a:picLocks noGrp="1" noChangeAspect="1"/>
+          </p:cNvPicPr>
+          <p:nvPr>
+            <p:ph sz="half" idx="1"/>
+          </p:nvPr>
+        </p:nvPicPr>
+        <p:blipFill>
+          <a:blip r:embed="rId3"/>
+          <a:stretch>
+            <a:fillRect/>
+          </a:stretch>
+        </p:blipFill>
+        <p:spPr>
+          <a:xfrm>
+            <a:off x="360363" y="996610"/>
+            <a:ext cx="4140200" cy="3548742"/>
+          </a:xfrm>
+        </p:spPr>
+      </p:pic>
+    </p:spTree>
+    <p:extLst>
+      <p:ext uri="{BB962C8B-B14F-4D97-AF65-F5344CB8AC3E}">
+        <p14:creationId xmlns:p14="http://schemas.microsoft.com/office/powerpoint/2010/main" val="3438046975"/>
+      </p:ext>
+    </p:extLst>
+  </p:cSld>
+  <p:clrMapOvr>
+    <a:masterClrMapping/>
+  </p:clrMapOvr>
+</p:sld>
+</file>
+
+<file path=ppt/slides/slide23.xml><?xml version="1.0" encoding="utf-8"?>
+<p:sld xmlns:a="http://schemas.openxmlformats.org/drawingml/2006/main" xmlns:r="http://schemas.openxmlformats.org/officeDocument/2006/relationships" xmlns:p="http://schemas.openxmlformats.org/presentationml/2006/main">
+  <p:cSld>
+    <p:spTree>
+      <p:nvGrpSpPr>
+        <p:cNvPr id="1" name=""/>
+        <p:cNvGrpSpPr/>
+        <p:nvPr/>
+      </p:nvGrpSpPr>
+      <p:grpSpPr>
+        <a:xfrm>
+          <a:off x="0" y="0"/>
+          <a:ext cx="0" cy="0"/>
+          <a:chOff x="0" y="0"/>
+          <a:chExt cx="0" cy="0"/>
+        </a:xfrm>
+      </p:grpSpPr>
+      <p:pic>
+        <p:nvPicPr>
+          <p:cNvPr id="10" name="Inhaltsplatzhalter 9">
+            <a:extLst>
+              <a:ext uri="{FF2B5EF4-FFF2-40B4-BE49-F238E27FC236}">
+                <a16:creationId xmlns:a16="http://schemas.microsoft.com/office/drawing/2014/main" id="{0DFB195B-E748-861C-1F38-9742102A867D}"/>
+              </a:ext>
+            </a:extLst>
+          </p:cNvPr>
+          <p:cNvPicPr>
+            <a:picLocks noGrp="1" noChangeAspect="1"/>
+          </p:cNvPicPr>
+          <p:nvPr>
+            <p:ph sz="half" idx="2"/>
+          </p:nvPr>
+        </p:nvPicPr>
+        <p:blipFill>
+          <a:blip r:embed="rId2"/>
+          <a:stretch>
+            <a:fillRect/>
+          </a:stretch>
+        </p:blipFill>
+        <p:spPr>
+          <a:xfrm>
+            <a:off x="4643438" y="996610"/>
+            <a:ext cx="4140200" cy="3548742"/>
+          </a:xfrm>
+        </p:spPr>
+      </p:pic>
+      <p:sp>
+        <p:nvSpPr>
+          <p:cNvPr id="6" name="Titel 5">
+            <a:extLst>
+              <a:ext uri="{FF2B5EF4-FFF2-40B4-BE49-F238E27FC236}">
+                <a16:creationId xmlns:a16="http://schemas.microsoft.com/office/drawing/2014/main" id="{0D658DEC-36E2-F02C-1B50-C145386781B7}"/>
+              </a:ext>
+            </a:extLst>
+          </p:cNvPr>
+          <p:cNvSpPr>
+            <a:spLocks noGrp="1"/>
+          </p:cNvSpPr>
+          <p:nvPr>
+            <p:ph type="title"/>
+          </p:nvPr>
+        </p:nvSpPr>
+        <p:spPr/>
+        <p:txBody>
+          <a:bodyPr>
+            <a:normAutofit fontScale="90000"/>
+          </a:bodyPr>
+          <a:lstStyle/>
+          <a:p>
+            <a:r>
+              <a:rPr lang="de-DE" dirty="0"/>
+              <a:t>Beispiel für Algorithmus von WS</a:t>
+            </a:r>
+          </a:p>
+        </p:txBody>
+      </p:sp>
+      <p:sp>
+        <p:nvSpPr>
+          <p:cNvPr id="3" name="Fußzeilenplatzhalter 2">
+            <a:extLst>
+              <a:ext uri="{FF2B5EF4-FFF2-40B4-BE49-F238E27FC236}">
+                <a16:creationId xmlns:a16="http://schemas.microsoft.com/office/drawing/2014/main" id="{CACB1D8F-F9F5-2906-5407-5AA9160ADF0C}"/>
+              </a:ext>
+            </a:extLst>
+          </p:cNvPr>
+          <p:cNvSpPr>
+            <a:spLocks noGrp="1"/>
+          </p:cNvSpPr>
+          <p:nvPr>
+            <p:ph type="ftr" sz="quarter" idx="10"/>
+          </p:nvPr>
+        </p:nvSpPr>
+        <p:spPr/>
+        <p:txBody>
+          <a:bodyPr/>
+          <a:lstStyle/>
+          <a:p>
+            <a:r>
+              <a:rPr lang="de-DE"/>
+              <a:t>Erkan Garan, Justin Treulieb – Bäume zeichnen im Ebenen-Layout</a:t>
+            </a:r>
+            <a:endParaRPr lang="de-DE" dirty="0"/>
+          </a:p>
+        </p:txBody>
+      </p:sp>
+      <p:pic>
+        <p:nvPicPr>
+          <p:cNvPr id="7" name="Inhaltsplatzhalter 6">
+            <a:extLst>
+              <a:ext uri="{FF2B5EF4-FFF2-40B4-BE49-F238E27FC236}">
+                <a16:creationId xmlns:a16="http://schemas.microsoft.com/office/drawing/2014/main" id="{7AE0DC8C-B4E0-5033-5FAB-920EE9CAE941}"/>
+              </a:ext>
+            </a:extLst>
+          </p:cNvPr>
+          <p:cNvPicPr>
+            <a:picLocks noGrp="1" noChangeAspect="1"/>
+          </p:cNvPicPr>
+          <p:nvPr>
+            <p:ph sz="half" idx="1"/>
+          </p:nvPr>
+        </p:nvPicPr>
+        <p:blipFill>
+          <a:blip r:embed="rId3"/>
+          <a:stretch>
+            <a:fillRect/>
+          </a:stretch>
+        </p:blipFill>
+        <p:spPr>
+          <a:xfrm>
+            <a:off x="360363" y="996610"/>
+            <a:ext cx="4140200" cy="3548742"/>
+          </a:xfrm>
+        </p:spPr>
+      </p:pic>
+    </p:spTree>
+    <p:extLst>
+      <p:ext uri="{BB962C8B-B14F-4D97-AF65-F5344CB8AC3E}">
+        <p14:creationId xmlns:p14="http://schemas.microsoft.com/office/powerpoint/2010/main" val="3271256983"/>
+      </p:ext>
+    </p:extLst>
+  </p:cSld>
+  <p:clrMapOvr>
+    <a:masterClrMapping/>
+  </p:clrMapOvr>
+</p:sld>
+</file>
+
+<file path=ppt/slides/slide24.xml><?xml version="1.0" encoding="utf-8"?>
+<p:sld xmlns:a="http://schemas.openxmlformats.org/drawingml/2006/main" xmlns:r="http://schemas.openxmlformats.org/officeDocument/2006/relationships" xmlns:p="http://schemas.openxmlformats.org/presentationml/2006/main">
+  <p:cSld>
+    <p:spTree>
+      <p:nvGrpSpPr>
+        <p:cNvPr id="1" name=""/>
+        <p:cNvGrpSpPr/>
+        <p:nvPr/>
+      </p:nvGrpSpPr>
+      <p:grpSpPr>
+        <a:xfrm>
+          <a:off x="0" y="0"/>
+          <a:ext cx="0" cy="0"/>
+          <a:chOff x="0" y="0"/>
+          <a:chExt cx="0" cy="0"/>
+        </a:xfrm>
+      </p:grpSpPr>
+      <p:pic>
+        <p:nvPicPr>
+          <p:cNvPr id="10" name="Inhaltsplatzhalter 9">
+            <a:extLst>
+              <a:ext uri="{FF2B5EF4-FFF2-40B4-BE49-F238E27FC236}">
+                <a16:creationId xmlns:a16="http://schemas.microsoft.com/office/drawing/2014/main" id="{0DFB195B-E748-861C-1F38-9742102A867D}"/>
+              </a:ext>
+            </a:extLst>
+          </p:cNvPr>
+          <p:cNvPicPr>
+            <a:picLocks noGrp="1" noChangeAspect="1"/>
+          </p:cNvPicPr>
+          <p:nvPr>
+            <p:ph sz="half" idx="2"/>
+          </p:nvPr>
+        </p:nvPicPr>
+        <p:blipFill>
+          <a:blip r:embed="rId2"/>
+          <a:stretch>
+            <a:fillRect/>
+          </a:stretch>
+        </p:blipFill>
+        <p:spPr>
+          <a:xfrm>
+            <a:off x="4643438" y="996610"/>
+            <a:ext cx="4140200" cy="3548742"/>
+          </a:xfrm>
+        </p:spPr>
+      </p:pic>
+      <p:sp>
+        <p:nvSpPr>
+          <p:cNvPr id="6" name="Titel 5">
+            <a:extLst>
+              <a:ext uri="{FF2B5EF4-FFF2-40B4-BE49-F238E27FC236}">
+                <a16:creationId xmlns:a16="http://schemas.microsoft.com/office/drawing/2014/main" id="{0D658DEC-36E2-F02C-1B50-C145386781B7}"/>
+              </a:ext>
+            </a:extLst>
+          </p:cNvPr>
+          <p:cNvSpPr>
+            <a:spLocks noGrp="1"/>
+          </p:cNvSpPr>
+          <p:nvPr>
+            <p:ph type="title"/>
+          </p:nvPr>
+        </p:nvSpPr>
+        <p:spPr/>
+        <p:txBody>
+          <a:bodyPr>
+            <a:normAutofit fontScale="90000"/>
+          </a:bodyPr>
+          <a:lstStyle/>
+          <a:p>
+            <a:r>
+              <a:rPr lang="de-DE" dirty="0"/>
+              <a:t>Beispiel für Algorithmus von WS</a:t>
+            </a:r>
+          </a:p>
+        </p:txBody>
+      </p:sp>
+      <p:sp>
+        <p:nvSpPr>
+          <p:cNvPr id="3" name="Fußzeilenplatzhalter 2">
+            <a:extLst>
+              <a:ext uri="{FF2B5EF4-FFF2-40B4-BE49-F238E27FC236}">
+                <a16:creationId xmlns:a16="http://schemas.microsoft.com/office/drawing/2014/main" id="{CACB1D8F-F9F5-2906-5407-5AA9160ADF0C}"/>
+              </a:ext>
+            </a:extLst>
+          </p:cNvPr>
+          <p:cNvSpPr>
+            <a:spLocks noGrp="1"/>
+          </p:cNvSpPr>
+          <p:nvPr>
+            <p:ph type="ftr" sz="quarter" idx="10"/>
+          </p:nvPr>
+        </p:nvSpPr>
+        <p:spPr/>
+        <p:txBody>
+          <a:bodyPr/>
+          <a:lstStyle/>
+          <a:p>
+            <a:r>
+              <a:rPr lang="de-DE"/>
+              <a:t>Erkan Garan, Justin Treulieb – Bäume zeichnen im Ebenen-Layout</a:t>
+            </a:r>
+            <a:endParaRPr lang="de-DE" dirty="0"/>
+          </a:p>
+        </p:txBody>
+      </p:sp>
+      <p:pic>
+        <p:nvPicPr>
+          <p:cNvPr id="8" name="Inhaltsplatzhalter 7">
+            <a:extLst>
+              <a:ext uri="{FF2B5EF4-FFF2-40B4-BE49-F238E27FC236}">
+                <a16:creationId xmlns:a16="http://schemas.microsoft.com/office/drawing/2014/main" id="{6C66E5CB-A2C7-A69C-C66A-9C100CA9B41E}"/>
+              </a:ext>
+            </a:extLst>
+          </p:cNvPr>
+          <p:cNvPicPr>
+            <a:picLocks noGrp="1" noChangeAspect="1"/>
+          </p:cNvPicPr>
+          <p:nvPr>
+            <p:ph sz="half" idx="1"/>
+          </p:nvPr>
+        </p:nvPicPr>
+        <p:blipFill>
+          <a:blip r:embed="rId3"/>
+          <a:stretch>
+            <a:fillRect/>
+          </a:stretch>
+        </p:blipFill>
+        <p:spPr>
+          <a:xfrm>
+            <a:off x="360363" y="996610"/>
+            <a:ext cx="4140200" cy="3548742"/>
+          </a:xfrm>
+        </p:spPr>
+      </p:pic>
+    </p:spTree>
+    <p:extLst>
+      <p:ext uri="{BB962C8B-B14F-4D97-AF65-F5344CB8AC3E}">
+        <p14:creationId xmlns:p14="http://schemas.microsoft.com/office/powerpoint/2010/main" val="4275457974"/>
+      </p:ext>
+    </p:extLst>
+  </p:cSld>
+  <p:clrMapOvr>
+    <a:masterClrMapping/>
+  </p:clrMapOvr>
+</p:sld>
+</file>
+
+<file path=ppt/slides/slide25.xml><?xml version="1.0" encoding="utf-8"?>
+<p:sld xmlns:a="http://schemas.openxmlformats.org/drawingml/2006/main" xmlns:r="http://schemas.openxmlformats.org/officeDocument/2006/relationships" xmlns:p="http://schemas.openxmlformats.org/presentationml/2006/main">
+  <p:cSld>
+    <p:spTree>
+      <p:nvGrpSpPr>
+        <p:cNvPr id="1" name=""/>
+        <p:cNvGrpSpPr/>
+        <p:nvPr/>
+      </p:nvGrpSpPr>
+      <p:grpSpPr>
+        <a:xfrm>
+          <a:off x="0" y="0"/>
+          <a:ext cx="0" cy="0"/>
+          <a:chOff x="0" y="0"/>
+          <a:chExt cx="0" cy="0"/>
+        </a:xfrm>
+      </p:grpSpPr>
+      <p:pic>
+        <p:nvPicPr>
+          <p:cNvPr id="10" name="Inhaltsplatzhalter 9">
+            <a:extLst>
+              <a:ext uri="{FF2B5EF4-FFF2-40B4-BE49-F238E27FC236}">
+                <a16:creationId xmlns:a16="http://schemas.microsoft.com/office/drawing/2014/main" id="{0DFB195B-E748-861C-1F38-9742102A867D}"/>
+              </a:ext>
+            </a:extLst>
+          </p:cNvPr>
+          <p:cNvPicPr>
+            <a:picLocks noGrp="1" noChangeAspect="1"/>
+          </p:cNvPicPr>
+          <p:nvPr>
+            <p:ph sz="half" idx="2"/>
+          </p:nvPr>
+        </p:nvPicPr>
+        <p:blipFill>
+          <a:blip r:embed="rId2"/>
+          <a:stretch>
+            <a:fillRect/>
+          </a:stretch>
+        </p:blipFill>
+        <p:spPr>
+          <a:xfrm>
+            <a:off x="4643438" y="996610"/>
+            <a:ext cx="4140200" cy="3548742"/>
+          </a:xfrm>
+        </p:spPr>
+      </p:pic>
+      <p:sp>
+        <p:nvSpPr>
+          <p:cNvPr id="6" name="Titel 5">
+            <a:extLst>
+              <a:ext uri="{FF2B5EF4-FFF2-40B4-BE49-F238E27FC236}">
+                <a16:creationId xmlns:a16="http://schemas.microsoft.com/office/drawing/2014/main" id="{0D658DEC-36E2-F02C-1B50-C145386781B7}"/>
+              </a:ext>
+            </a:extLst>
+          </p:cNvPr>
+          <p:cNvSpPr>
+            <a:spLocks noGrp="1"/>
+          </p:cNvSpPr>
+          <p:nvPr>
+            <p:ph type="title"/>
+          </p:nvPr>
+        </p:nvSpPr>
+        <p:spPr/>
+        <p:txBody>
+          <a:bodyPr>
+            <a:normAutofit fontScale="90000"/>
+          </a:bodyPr>
+          <a:lstStyle/>
+          <a:p>
+            <a:r>
+              <a:rPr lang="de-DE" dirty="0"/>
+              <a:t>Beispiel für Algorithmus von WS</a:t>
+            </a:r>
+          </a:p>
+        </p:txBody>
+      </p:sp>
+      <p:sp>
+        <p:nvSpPr>
+          <p:cNvPr id="3" name="Fußzeilenplatzhalter 2">
+            <a:extLst>
+              <a:ext uri="{FF2B5EF4-FFF2-40B4-BE49-F238E27FC236}">
+                <a16:creationId xmlns:a16="http://schemas.microsoft.com/office/drawing/2014/main" id="{CACB1D8F-F9F5-2906-5407-5AA9160ADF0C}"/>
+              </a:ext>
+            </a:extLst>
+          </p:cNvPr>
+          <p:cNvSpPr>
+            <a:spLocks noGrp="1"/>
+          </p:cNvSpPr>
+          <p:nvPr>
+            <p:ph type="ftr" sz="quarter" idx="10"/>
+          </p:nvPr>
+        </p:nvSpPr>
+        <p:spPr/>
+        <p:txBody>
+          <a:bodyPr/>
+          <a:lstStyle/>
+          <a:p>
+            <a:r>
+              <a:rPr lang="de-DE"/>
+              <a:t>Erkan Garan, Justin Treulieb – Bäume zeichnen im Ebenen-Layout</a:t>
+            </a:r>
+            <a:endParaRPr lang="de-DE" dirty="0"/>
+          </a:p>
+        </p:txBody>
+      </p:sp>
+      <p:pic>
+        <p:nvPicPr>
+          <p:cNvPr id="7" name="Inhaltsplatzhalter 6">
+            <a:extLst>
+              <a:ext uri="{FF2B5EF4-FFF2-40B4-BE49-F238E27FC236}">
+                <a16:creationId xmlns:a16="http://schemas.microsoft.com/office/drawing/2014/main" id="{969CDB0D-2F88-520B-0EE2-CA8B91597309}"/>
+              </a:ext>
+            </a:extLst>
+          </p:cNvPr>
+          <p:cNvPicPr>
+            <a:picLocks noGrp="1" noChangeAspect="1"/>
+          </p:cNvPicPr>
+          <p:nvPr>
+            <p:ph sz="half" idx="1"/>
+          </p:nvPr>
+        </p:nvPicPr>
+        <p:blipFill>
+          <a:blip r:embed="rId3"/>
+          <a:stretch>
+            <a:fillRect/>
+          </a:stretch>
+        </p:blipFill>
+        <p:spPr>
+          <a:xfrm>
+            <a:off x="360363" y="996610"/>
+            <a:ext cx="4140200" cy="3548742"/>
+          </a:xfrm>
+        </p:spPr>
+      </p:pic>
+    </p:spTree>
+    <p:extLst>
+      <p:ext uri="{BB962C8B-B14F-4D97-AF65-F5344CB8AC3E}">
+        <p14:creationId xmlns:p14="http://schemas.microsoft.com/office/powerpoint/2010/main" val="3701185565"/>
+      </p:ext>
+    </p:extLst>
+  </p:cSld>
+  <p:clrMapOvr>
+    <a:masterClrMapping/>
+  </p:clrMapOvr>
+</p:sld>
+</file>
+
+<file path=ppt/slides/slide26.xml><?xml version="1.0" encoding="utf-8"?>
+<p:sld xmlns:a="http://schemas.openxmlformats.org/drawingml/2006/main" xmlns:r="http://schemas.openxmlformats.org/officeDocument/2006/relationships" xmlns:p="http://schemas.openxmlformats.org/presentationml/2006/main">
+  <p:cSld>
+    <p:spTree>
+      <p:nvGrpSpPr>
+        <p:cNvPr id="1" name=""/>
+        <p:cNvGrpSpPr/>
+        <p:nvPr/>
+      </p:nvGrpSpPr>
+      <p:grpSpPr>
+        <a:xfrm>
+          <a:off x="0" y="0"/>
+          <a:ext cx="0" cy="0"/>
+          <a:chOff x="0" y="0"/>
+          <a:chExt cx="0" cy="0"/>
+        </a:xfrm>
+      </p:grpSpPr>
+      <p:pic>
+        <p:nvPicPr>
+          <p:cNvPr id="10" name="Inhaltsplatzhalter 9">
+            <a:extLst>
+              <a:ext uri="{FF2B5EF4-FFF2-40B4-BE49-F238E27FC236}">
+                <a16:creationId xmlns:a16="http://schemas.microsoft.com/office/drawing/2014/main" id="{0DFB195B-E748-861C-1F38-9742102A867D}"/>
+              </a:ext>
+            </a:extLst>
+          </p:cNvPr>
+          <p:cNvPicPr>
+            <a:picLocks noGrp="1" noChangeAspect="1"/>
+          </p:cNvPicPr>
+          <p:nvPr>
+            <p:ph sz="half" idx="2"/>
+          </p:nvPr>
+        </p:nvPicPr>
+        <p:blipFill>
+          <a:blip r:embed="rId2"/>
+          <a:stretch>
+            <a:fillRect/>
+          </a:stretch>
+        </p:blipFill>
+        <p:spPr>
+          <a:xfrm>
+            <a:off x="4643438" y="996610"/>
+            <a:ext cx="4140200" cy="3548742"/>
+          </a:xfrm>
+        </p:spPr>
+      </p:pic>
+      <p:sp>
+        <p:nvSpPr>
+          <p:cNvPr id="6" name="Titel 5">
+            <a:extLst>
+              <a:ext uri="{FF2B5EF4-FFF2-40B4-BE49-F238E27FC236}">
+                <a16:creationId xmlns:a16="http://schemas.microsoft.com/office/drawing/2014/main" id="{0D658DEC-36E2-F02C-1B50-C145386781B7}"/>
+              </a:ext>
+            </a:extLst>
+          </p:cNvPr>
+          <p:cNvSpPr>
+            <a:spLocks noGrp="1"/>
+          </p:cNvSpPr>
+          <p:nvPr>
+            <p:ph type="title"/>
+          </p:nvPr>
+        </p:nvSpPr>
+        <p:spPr/>
+        <p:txBody>
+          <a:bodyPr>
+            <a:normAutofit fontScale="90000"/>
+          </a:bodyPr>
+          <a:lstStyle/>
+          <a:p>
+            <a:r>
+              <a:rPr lang="de-DE" dirty="0"/>
+              <a:t>Beispiel für Algorithmus von WS</a:t>
+            </a:r>
+          </a:p>
+        </p:txBody>
+      </p:sp>
+      <p:sp>
+        <p:nvSpPr>
+          <p:cNvPr id="3" name="Fußzeilenplatzhalter 2">
+            <a:extLst>
+              <a:ext uri="{FF2B5EF4-FFF2-40B4-BE49-F238E27FC236}">
+                <a16:creationId xmlns:a16="http://schemas.microsoft.com/office/drawing/2014/main" id="{CACB1D8F-F9F5-2906-5407-5AA9160ADF0C}"/>
+              </a:ext>
+            </a:extLst>
+          </p:cNvPr>
+          <p:cNvSpPr>
+            <a:spLocks noGrp="1"/>
+          </p:cNvSpPr>
+          <p:nvPr>
+            <p:ph type="ftr" sz="quarter" idx="10"/>
+          </p:nvPr>
+        </p:nvSpPr>
+        <p:spPr/>
+        <p:txBody>
+          <a:bodyPr/>
+          <a:lstStyle/>
+          <a:p>
+            <a:r>
+              <a:rPr lang="de-DE"/>
+              <a:t>Erkan Garan, Justin Treulieb – Bäume zeichnen im Ebenen-Layout</a:t>
+            </a:r>
+            <a:endParaRPr lang="de-DE" dirty="0"/>
+          </a:p>
+        </p:txBody>
+      </p:sp>
+      <p:pic>
+        <p:nvPicPr>
+          <p:cNvPr id="7" name="Inhaltsplatzhalter 6">
+            <a:extLst>
+              <a:ext uri="{FF2B5EF4-FFF2-40B4-BE49-F238E27FC236}">
+                <a16:creationId xmlns:a16="http://schemas.microsoft.com/office/drawing/2014/main" id="{969CDB0D-2F88-520B-0EE2-CA8B91597309}"/>
+              </a:ext>
+            </a:extLst>
+          </p:cNvPr>
+          <p:cNvPicPr>
+            <a:picLocks noGrp="1" noChangeAspect="1"/>
+          </p:cNvPicPr>
+          <p:nvPr>
+            <p:ph sz="half" idx="1"/>
+          </p:nvPr>
+        </p:nvPicPr>
+        <p:blipFill>
+          <a:blip r:embed="rId3"/>
+          <a:srcRect/>
+          <a:stretch/>
+        </p:blipFill>
+        <p:spPr>
+          <a:xfrm>
+            <a:off x="360363" y="996610"/>
+            <a:ext cx="4140199" cy="3548742"/>
+          </a:xfrm>
+        </p:spPr>
+      </p:pic>
+    </p:spTree>
+    <p:extLst>
+      <p:ext uri="{BB962C8B-B14F-4D97-AF65-F5344CB8AC3E}">
+        <p14:creationId xmlns:p14="http://schemas.microsoft.com/office/powerpoint/2010/main" val="217639679"/>
+      </p:ext>
+    </p:extLst>
+  </p:cSld>
+  <p:clrMapOvr>
+    <a:masterClrMapping/>
+  </p:clrMapOvr>
+</p:sld>
+</file>
+
+<file path=ppt/slides/slide27.xml><?xml version="1.0" encoding="utf-8"?>
+<p:sld xmlns:a="http://schemas.openxmlformats.org/drawingml/2006/main" xmlns:r="http://schemas.openxmlformats.org/officeDocument/2006/relationships" xmlns:p="http://schemas.openxmlformats.org/presentationml/2006/main">
+  <p:cSld>
+    <p:spTree>
+      <p:nvGrpSpPr>
+        <p:cNvPr id="1" name=""/>
+        <p:cNvGrpSpPr/>
+        <p:nvPr/>
+      </p:nvGrpSpPr>
+      <p:grpSpPr>
+        <a:xfrm>
+          <a:off x="0" y="0"/>
+          <a:ext cx="0" cy="0"/>
+          <a:chOff x="0" y="0"/>
+          <a:chExt cx="0" cy="0"/>
+        </a:xfrm>
+      </p:grpSpPr>
+      <p:pic>
+        <p:nvPicPr>
+          <p:cNvPr id="10" name="Inhaltsplatzhalter 9">
+            <a:extLst>
+              <a:ext uri="{FF2B5EF4-FFF2-40B4-BE49-F238E27FC236}">
+                <a16:creationId xmlns:a16="http://schemas.microsoft.com/office/drawing/2014/main" id="{0DFB195B-E748-861C-1F38-9742102A867D}"/>
+              </a:ext>
+            </a:extLst>
+          </p:cNvPr>
+          <p:cNvPicPr>
+            <a:picLocks noGrp="1" noChangeAspect="1"/>
+          </p:cNvPicPr>
+          <p:nvPr>
+            <p:ph sz="half" idx="2"/>
+          </p:nvPr>
+        </p:nvPicPr>
+        <p:blipFill>
+          <a:blip r:embed="rId2"/>
+          <a:stretch>
+            <a:fillRect/>
+          </a:stretch>
+        </p:blipFill>
+        <p:spPr>
+          <a:xfrm>
+            <a:off x="4643438" y="996610"/>
+            <a:ext cx="4140200" cy="3548742"/>
+          </a:xfrm>
+        </p:spPr>
+      </p:pic>
+      <p:sp>
+        <p:nvSpPr>
+          <p:cNvPr id="6" name="Titel 5">
+            <a:extLst>
+              <a:ext uri="{FF2B5EF4-FFF2-40B4-BE49-F238E27FC236}">
+                <a16:creationId xmlns:a16="http://schemas.microsoft.com/office/drawing/2014/main" id="{0D658DEC-36E2-F02C-1B50-C145386781B7}"/>
+              </a:ext>
+            </a:extLst>
+          </p:cNvPr>
+          <p:cNvSpPr>
+            <a:spLocks noGrp="1"/>
+          </p:cNvSpPr>
+          <p:nvPr>
+            <p:ph type="title"/>
+          </p:nvPr>
+        </p:nvSpPr>
+        <p:spPr/>
+        <p:txBody>
+          <a:bodyPr>
+            <a:normAutofit fontScale="90000"/>
+          </a:bodyPr>
+          <a:lstStyle/>
+          <a:p>
+            <a:r>
+              <a:rPr lang="de-DE" dirty="0"/>
+              <a:t>Beispiel für Algorithmus von WS</a:t>
+            </a:r>
+          </a:p>
+        </p:txBody>
+      </p:sp>
+      <p:sp>
+        <p:nvSpPr>
+          <p:cNvPr id="3" name="Fußzeilenplatzhalter 2">
+            <a:extLst>
+              <a:ext uri="{FF2B5EF4-FFF2-40B4-BE49-F238E27FC236}">
+                <a16:creationId xmlns:a16="http://schemas.microsoft.com/office/drawing/2014/main" id="{CACB1D8F-F9F5-2906-5407-5AA9160ADF0C}"/>
+              </a:ext>
+            </a:extLst>
+          </p:cNvPr>
+          <p:cNvSpPr>
+            <a:spLocks noGrp="1"/>
+          </p:cNvSpPr>
+          <p:nvPr>
+            <p:ph type="ftr" sz="quarter" idx="10"/>
+          </p:nvPr>
+        </p:nvSpPr>
+        <p:spPr/>
+        <p:txBody>
+          <a:bodyPr/>
+          <a:lstStyle/>
+          <a:p>
+            <a:r>
+              <a:rPr lang="de-DE"/>
+              <a:t>Erkan Garan, Justin Treulieb – Bäume zeichnen im Ebenen-Layout</a:t>
+            </a:r>
+            <a:endParaRPr lang="de-DE" dirty="0"/>
+          </a:p>
+        </p:txBody>
+      </p:sp>
+      <p:pic>
+        <p:nvPicPr>
+          <p:cNvPr id="7" name="Inhaltsplatzhalter 6">
+            <a:extLst>
+              <a:ext uri="{FF2B5EF4-FFF2-40B4-BE49-F238E27FC236}">
+                <a16:creationId xmlns:a16="http://schemas.microsoft.com/office/drawing/2014/main" id="{969CDB0D-2F88-520B-0EE2-CA8B91597309}"/>
+              </a:ext>
+            </a:extLst>
+          </p:cNvPr>
+          <p:cNvPicPr>
+            <a:picLocks noGrp="1" noChangeAspect="1"/>
+          </p:cNvPicPr>
+          <p:nvPr>
+            <p:ph sz="half" idx="1"/>
+          </p:nvPr>
+        </p:nvPicPr>
+        <p:blipFill>
+          <a:blip r:embed="rId3"/>
+          <a:srcRect/>
+          <a:stretch/>
+        </p:blipFill>
+        <p:spPr>
+          <a:xfrm>
+            <a:off x="360363" y="996610"/>
+            <a:ext cx="4140199" cy="3548742"/>
+          </a:xfrm>
+        </p:spPr>
+      </p:pic>
+    </p:spTree>
+    <p:extLst>
+      <p:ext uri="{BB962C8B-B14F-4D97-AF65-F5344CB8AC3E}">
+        <p14:creationId xmlns:p14="http://schemas.microsoft.com/office/powerpoint/2010/main" val="2882754482"/>
+      </p:ext>
+    </p:extLst>
+  </p:cSld>
+  <p:clrMapOvr>
+    <a:masterClrMapping/>
+  </p:clrMapOvr>
+</p:sld>
+</file>
+
+<file path=ppt/slides/slide28.xml><?xml version="1.0" encoding="utf-8"?>
+<p:sld xmlns:a="http://schemas.openxmlformats.org/drawingml/2006/main" xmlns:r="http://schemas.openxmlformats.org/officeDocument/2006/relationships" xmlns:p="http://schemas.openxmlformats.org/presentationml/2006/main">
+  <p:cSld>
+    <p:spTree>
+      <p:nvGrpSpPr>
+        <p:cNvPr id="1" name=""/>
+        <p:cNvGrpSpPr/>
+        <p:nvPr/>
+      </p:nvGrpSpPr>
+      <p:grpSpPr>
+        <a:xfrm>
+          <a:off x="0" y="0"/>
+          <a:ext cx="0" cy="0"/>
+          <a:chOff x="0" y="0"/>
+          <a:chExt cx="0" cy="0"/>
+        </a:xfrm>
+      </p:grpSpPr>
+      <p:pic>
+        <p:nvPicPr>
+          <p:cNvPr id="10" name="Inhaltsplatzhalter 9">
+            <a:extLst>
+              <a:ext uri="{FF2B5EF4-FFF2-40B4-BE49-F238E27FC236}">
+                <a16:creationId xmlns:a16="http://schemas.microsoft.com/office/drawing/2014/main" id="{0DFB195B-E748-861C-1F38-9742102A867D}"/>
+              </a:ext>
+            </a:extLst>
+          </p:cNvPr>
+          <p:cNvPicPr>
+            <a:picLocks noGrp="1" noChangeAspect="1"/>
+          </p:cNvPicPr>
+          <p:nvPr>
+            <p:ph sz="half" idx="2"/>
+          </p:nvPr>
+        </p:nvPicPr>
+        <p:blipFill>
+          <a:blip r:embed="rId2"/>
+          <a:stretch>
+            <a:fillRect/>
+          </a:stretch>
+        </p:blipFill>
+        <p:spPr>
+          <a:xfrm>
+            <a:off x="4643438" y="996610"/>
+            <a:ext cx="4140200" cy="3548742"/>
+          </a:xfrm>
+        </p:spPr>
+      </p:pic>
+      <p:sp>
+        <p:nvSpPr>
+          <p:cNvPr id="6" name="Titel 5">
+            <a:extLst>
+              <a:ext uri="{FF2B5EF4-FFF2-40B4-BE49-F238E27FC236}">
+                <a16:creationId xmlns:a16="http://schemas.microsoft.com/office/drawing/2014/main" id="{0D658DEC-36E2-F02C-1B50-C145386781B7}"/>
+              </a:ext>
+            </a:extLst>
+          </p:cNvPr>
+          <p:cNvSpPr>
+            <a:spLocks noGrp="1"/>
+          </p:cNvSpPr>
+          <p:nvPr>
+            <p:ph type="title"/>
+          </p:nvPr>
+        </p:nvSpPr>
+        <p:spPr/>
+        <p:txBody>
+          <a:bodyPr>
+            <a:normAutofit fontScale="90000"/>
+          </a:bodyPr>
+          <a:lstStyle/>
+          <a:p>
+            <a:r>
+              <a:rPr lang="de-DE" dirty="0"/>
+              <a:t>Beispiel für Algorithmus von WS</a:t>
+            </a:r>
+          </a:p>
+        </p:txBody>
+      </p:sp>
+      <p:sp>
+        <p:nvSpPr>
+          <p:cNvPr id="3" name="Fußzeilenplatzhalter 2">
+            <a:extLst>
+              <a:ext uri="{FF2B5EF4-FFF2-40B4-BE49-F238E27FC236}">
+                <a16:creationId xmlns:a16="http://schemas.microsoft.com/office/drawing/2014/main" id="{CACB1D8F-F9F5-2906-5407-5AA9160ADF0C}"/>
+              </a:ext>
+            </a:extLst>
+          </p:cNvPr>
+          <p:cNvSpPr>
+            <a:spLocks noGrp="1"/>
+          </p:cNvSpPr>
+          <p:nvPr>
+            <p:ph type="ftr" sz="quarter" idx="10"/>
+          </p:nvPr>
+        </p:nvSpPr>
+        <p:spPr/>
+        <p:txBody>
+          <a:bodyPr/>
+          <a:lstStyle/>
+          <a:p>
+            <a:r>
+              <a:rPr lang="de-DE"/>
+              <a:t>Erkan Garan, Justin Treulieb – Bäume zeichnen im Ebenen-Layout</a:t>
+            </a:r>
+            <a:endParaRPr lang="de-DE" dirty="0"/>
+          </a:p>
+        </p:txBody>
+      </p:sp>
+      <p:pic>
+        <p:nvPicPr>
+          <p:cNvPr id="7" name="Inhaltsplatzhalter 6">
+            <a:extLst>
+              <a:ext uri="{FF2B5EF4-FFF2-40B4-BE49-F238E27FC236}">
+                <a16:creationId xmlns:a16="http://schemas.microsoft.com/office/drawing/2014/main" id="{969CDB0D-2F88-520B-0EE2-CA8B91597309}"/>
+              </a:ext>
+            </a:extLst>
+          </p:cNvPr>
+          <p:cNvPicPr>
+            <a:picLocks noGrp="1" noChangeAspect="1"/>
+          </p:cNvPicPr>
+          <p:nvPr>
+            <p:ph sz="half" idx="1"/>
+          </p:nvPr>
+        </p:nvPicPr>
+        <p:blipFill>
+          <a:blip r:embed="rId3"/>
+          <a:srcRect/>
+          <a:stretch/>
+        </p:blipFill>
+        <p:spPr>
+          <a:xfrm>
+            <a:off x="360363" y="996610"/>
+            <a:ext cx="4140199" cy="3548742"/>
+          </a:xfrm>
+        </p:spPr>
+      </p:pic>
+    </p:spTree>
+    <p:extLst>
+      <p:ext uri="{BB962C8B-B14F-4D97-AF65-F5344CB8AC3E}">
+        <p14:creationId xmlns:p14="http://schemas.microsoft.com/office/powerpoint/2010/main" val="3071366493"/>
+      </p:ext>
+    </p:extLst>
+  </p:cSld>
+  <p:clrMapOvr>
+    <a:masterClrMapping/>
+  </p:clrMapOvr>
+</p:sld>
+</file>
+
+<file path=ppt/slides/slide29.xml><?xml version="1.0" encoding="utf-8"?>
+<p:sld xmlns:a="http://schemas.openxmlformats.org/drawingml/2006/main" xmlns:r="http://schemas.openxmlformats.org/officeDocument/2006/relationships" xmlns:p="http://schemas.openxmlformats.org/presentationml/2006/main">
+  <p:cSld>
+    <p:spTree>
+      <p:nvGrpSpPr>
+        <p:cNvPr id="1" name=""/>
+        <p:cNvGrpSpPr/>
+        <p:nvPr/>
+      </p:nvGrpSpPr>
+      <p:grpSpPr>
+        <a:xfrm>
+          <a:off x="0" y="0"/>
+          <a:ext cx="0" cy="0"/>
+          <a:chOff x="0" y="0"/>
+          <a:chExt cx="0" cy="0"/>
+        </a:xfrm>
+      </p:grpSpPr>
+      <p:pic>
+        <p:nvPicPr>
+          <p:cNvPr id="10" name="Inhaltsplatzhalter 9">
+            <a:extLst>
+              <a:ext uri="{FF2B5EF4-FFF2-40B4-BE49-F238E27FC236}">
+                <a16:creationId xmlns:a16="http://schemas.microsoft.com/office/drawing/2014/main" id="{0DFB195B-E748-861C-1F38-9742102A867D}"/>
+              </a:ext>
+            </a:extLst>
+          </p:cNvPr>
+          <p:cNvPicPr>
+            <a:picLocks noGrp="1" noChangeAspect="1"/>
+          </p:cNvPicPr>
+          <p:nvPr>
+            <p:ph sz="half" idx="2"/>
+          </p:nvPr>
+        </p:nvPicPr>
+        <p:blipFill>
+          <a:blip r:embed="rId2"/>
+          <a:stretch>
+            <a:fillRect/>
+          </a:stretch>
+        </p:blipFill>
+        <p:spPr>
+          <a:xfrm>
+            <a:off x="4643438" y="996610"/>
+            <a:ext cx="4140200" cy="3548742"/>
+          </a:xfrm>
+        </p:spPr>
+      </p:pic>
+      <p:sp>
+        <p:nvSpPr>
+          <p:cNvPr id="6" name="Titel 5">
+            <a:extLst>
+              <a:ext uri="{FF2B5EF4-FFF2-40B4-BE49-F238E27FC236}">
+                <a16:creationId xmlns:a16="http://schemas.microsoft.com/office/drawing/2014/main" id="{0D658DEC-36E2-F02C-1B50-C145386781B7}"/>
+              </a:ext>
+            </a:extLst>
+          </p:cNvPr>
+          <p:cNvSpPr>
+            <a:spLocks noGrp="1"/>
+          </p:cNvSpPr>
+          <p:nvPr>
+            <p:ph type="title"/>
+          </p:nvPr>
+        </p:nvSpPr>
+        <p:spPr/>
+        <p:txBody>
+          <a:bodyPr>
+            <a:normAutofit fontScale="90000"/>
+          </a:bodyPr>
+          <a:lstStyle/>
+          <a:p>
+            <a:r>
+              <a:rPr lang="de-DE" dirty="0"/>
+              <a:t>Beispiel für Algorithmus von WS</a:t>
+            </a:r>
+          </a:p>
+        </p:txBody>
+      </p:sp>
+      <p:sp>
+        <p:nvSpPr>
+          <p:cNvPr id="3" name="Fußzeilenplatzhalter 2">
+            <a:extLst>
+              <a:ext uri="{FF2B5EF4-FFF2-40B4-BE49-F238E27FC236}">
+                <a16:creationId xmlns:a16="http://schemas.microsoft.com/office/drawing/2014/main" id="{CACB1D8F-F9F5-2906-5407-5AA9160ADF0C}"/>
+              </a:ext>
+            </a:extLst>
+          </p:cNvPr>
+          <p:cNvSpPr>
+            <a:spLocks noGrp="1"/>
+          </p:cNvSpPr>
+          <p:nvPr>
+            <p:ph type="ftr" sz="quarter" idx="10"/>
+          </p:nvPr>
+        </p:nvSpPr>
+        <p:spPr/>
+        <p:txBody>
+          <a:bodyPr/>
+          <a:lstStyle/>
+          <a:p>
+            <a:r>
+              <a:rPr lang="de-DE"/>
+              <a:t>Erkan Garan, Justin Treulieb – Bäume zeichnen im Ebenen-Layout</a:t>
+            </a:r>
+            <a:endParaRPr lang="de-DE" dirty="0"/>
+          </a:p>
+        </p:txBody>
+      </p:sp>
+      <p:pic>
+        <p:nvPicPr>
+          <p:cNvPr id="7" name="Inhaltsplatzhalter 6">
+            <a:extLst>
+              <a:ext uri="{FF2B5EF4-FFF2-40B4-BE49-F238E27FC236}">
+                <a16:creationId xmlns:a16="http://schemas.microsoft.com/office/drawing/2014/main" id="{969CDB0D-2F88-520B-0EE2-CA8B91597309}"/>
+              </a:ext>
+            </a:extLst>
+          </p:cNvPr>
+          <p:cNvPicPr>
+            <a:picLocks noGrp="1" noChangeAspect="1"/>
+          </p:cNvPicPr>
+          <p:nvPr>
+            <p:ph sz="half" idx="1"/>
+          </p:nvPr>
+        </p:nvPicPr>
+        <p:blipFill>
+          <a:blip r:embed="rId3"/>
+          <a:srcRect/>
+          <a:stretch/>
+        </p:blipFill>
+        <p:spPr>
+          <a:xfrm>
+            <a:off x="360363" y="996610"/>
+            <a:ext cx="4140199" cy="3548742"/>
+          </a:xfrm>
+        </p:spPr>
+      </p:pic>
+    </p:spTree>
+    <p:extLst>
+      <p:ext uri="{BB962C8B-B14F-4D97-AF65-F5344CB8AC3E}">
+        <p14:creationId xmlns:p14="http://schemas.microsoft.com/office/powerpoint/2010/main" val="3191264161"/>
+      </p:ext>
+    </p:extLst>
+  </p:cSld>
+  <p:clrMapOvr>
+    <a:masterClrMapping/>
+  </p:clrMapOvr>
+</p:sld>
+</file>
+
+<file path=ppt/slides/slide3.xml><?xml version="1.0" encoding="utf-8"?>
+<p:sld xmlns:a="http://schemas.openxmlformats.org/drawingml/2006/main" xmlns:r="http://schemas.openxmlformats.org/officeDocument/2006/relationships" xmlns:p="http://schemas.openxmlformats.org/presentationml/2006/main">
+  <p:cSld>
+    <p:spTree>
+      <p:nvGrpSpPr>
+        <p:cNvPr id="1" name=""/>
+        <p:cNvGrpSpPr/>
+        <p:nvPr/>
+      </p:nvGrpSpPr>
+      <p:grpSpPr>
+        <a:xfrm>
+          <a:off x="0" y="0"/>
+          <a:ext cx="0" cy="0"/>
+          <a:chOff x="0" y="0"/>
+          <a:chExt cx="0" cy="0"/>
+        </a:xfrm>
+      </p:grpSpPr>
+      <p:sp>
+        <p:nvSpPr>
+          <p:cNvPr id="2" name="Inhaltsplatzhalter 1">
+            <a:extLst>
+              <a:ext uri="{FF2B5EF4-FFF2-40B4-BE49-F238E27FC236}">
+                <a16:creationId xmlns:a16="http://schemas.microsoft.com/office/drawing/2014/main" id="{DA6D6A53-F10F-1C8D-6D46-FEC2DC2B96BE}"/>
+              </a:ext>
+            </a:extLst>
+          </p:cNvPr>
+          <p:cNvSpPr>
+            <a:spLocks noGrp="1"/>
+          </p:cNvSpPr>
+          <p:nvPr>
+            <p:ph idx="1"/>
+          </p:nvPr>
+        </p:nvSpPr>
+        <p:spPr>
+          <a:xfrm>
+            <a:off x="360000" y="915990"/>
+            <a:ext cx="8424000" cy="3710010"/>
+          </a:xfrm>
+        </p:spPr>
+        <p:txBody>
+          <a:bodyPr/>
+          <a:lstStyle/>
+          <a:p>
+            <a:pPr marL="342900" indent="-342900">
+              <a:buFont typeface="+mj-lt"/>
+              <a:buAutoNum type="arabicPeriod"/>
+            </a:pPr>
+            <a:r>
+              <a:rPr lang="de-DE" dirty="0"/>
+              <a:t>Einleitung</a:t>
+            </a:r>
+          </a:p>
+          <a:p>
+            <a:pPr marL="342900" indent="-342900">
+              <a:buFont typeface="+mj-lt"/>
+              <a:buAutoNum type="arabicPeriod"/>
+            </a:pPr>
+            <a:r>
+              <a:rPr lang="de-DE" dirty="0"/>
+              <a:t>Definition von Bäumen in der Informatik</a:t>
+            </a:r>
+          </a:p>
+          <a:p>
+            <a:pPr marL="342900" indent="-342900">
+              <a:buFont typeface="+mj-lt"/>
+              <a:buAutoNum type="arabicPeriod"/>
+            </a:pPr>
+            <a:r>
+              <a:rPr lang="de-DE" dirty="0"/>
+              <a:t>Algorithmen zum Zeichnen von Bäumen</a:t>
+            </a:r>
+          </a:p>
+          <a:p>
+            <a:pPr marL="685800" lvl="1" indent="-342900">
+              <a:buFont typeface="+mj-lt"/>
+              <a:buAutoNum type="arabicPeriod"/>
+            </a:pPr>
+            <a:r>
+              <a:rPr lang="de-DE" dirty="0"/>
+              <a:t>Naiver Algorithmus von </a:t>
+            </a:r>
+            <a:r>
+              <a:rPr lang="de-DE" dirty="0" err="1"/>
+              <a:t>Wetherell</a:t>
+            </a:r>
+            <a:r>
+              <a:rPr lang="de-DE" dirty="0"/>
+              <a:t> und Shannon (WS)</a:t>
+            </a:r>
+          </a:p>
+          <a:p>
+            <a:pPr marL="685800" lvl="1" indent="-342900">
+              <a:buFont typeface="+mj-lt"/>
+              <a:buAutoNum type="arabicPeriod"/>
+            </a:pPr>
+            <a:r>
+              <a:rPr lang="de-DE" dirty="0"/>
+              <a:t>Verbesserter Algorithmus von WS</a:t>
+            </a:r>
+          </a:p>
+          <a:p>
+            <a:pPr marL="685800" lvl="1" indent="-342900">
+              <a:buFont typeface="+mj-lt"/>
+              <a:buAutoNum type="arabicPeriod"/>
+            </a:pPr>
+            <a:r>
+              <a:rPr lang="de-DE" dirty="0"/>
+              <a:t>Algorithmus von </a:t>
+            </a:r>
+            <a:r>
+              <a:rPr lang="de-DE" dirty="0" err="1"/>
+              <a:t>Reingold</a:t>
+            </a:r>
+            <a:r>
+              <a:rPr lang="de-DE" dirty="0"/>
+              <a:t> und </a:t>
+            </a:r>
+            <a:r>
+              <a:rPr lang="de-DE" dirty="0" err="1"/>
+              <a:t>Tilford</a:t>
+            </a:r>
+            <a:r>
+              <a:rPr lang="de-DE" dirty="0"/>
+              <a:t> (TR)</a:t>
+            </a:r>
+          </a:p>
+          <a:p>
+            <a:pPr marL="342900" indent="-342900">
+              <a:buFont typeface="+mj-lt"/>
+              <a:buAutoNum type="arabicPeriod"/>
+            </a:pPr>
+            <a:r>
+              <a:rPr lang="de-DE" dirty="0"/>
+              <a:t>Vergleich</a:t>
+            </a:r>
+          </a:p>
+          <a:p>
+            <a:pPr marL="342900" indent="-342900">
+              <a:buFont typeface="+mj-lt"/>
+              <a:buAutoNum type="arabicPeriod"/>
+            </a:pPr>
+            <a:r>
+              <a:rPr lang="de-DE" dirty="0"/>
+              <a:t>Konklusion</a:t>
+            </a:r>
+          </a:p>
+          <a:p>
+            <a:pPr marL="0" indent="0">
+              <a:buNone/>
+            </a:pPr>
+            <a:endParaRPr lang="de-DE" dirty="0"/>
+          </a:p>
+        </p:txBody>
+      </p:sp>
+      <p:sp>
+        <p:nvSpPr>
+          <p:cNvPr id="3" name="Fußzeilenplatzhalter 2">
+            <a:extLst>
+              <a:ext uri="{FF2B5EF4-FFF2-40B4-BE49-F238E27FC236}">
+                <a16:creationId xmlns:a16="http://schemas.microsoft.com/office/drawing/2014/main" id="{BAE457E3-909A-BB36-F91E-21D1E20AA5E9}"/>
+              </a:ext>
+            </a:extLst>
+          </p:cNvPr>
+          <p:cNvSpPr>
+            <a:spLocks noGrp="1"/>
+          </p:cNvSpPr>
+          <p:nvPr>
+            <p:ph type="ftr" sz="quarter" idx="10"/>
+          </p:nvPr>
+        </p:nvSpPr>
+        <p:spPr/>
+        <p:txBody>
+          <a:bodyPr/>
+          <a:lstStyle/>
+          <a:p>
+            <a:r>
+              <a:rPr lang="de-DE"/>
+              <a:t>Erkan Garan, Justin Treulieb - Bäume zeichnen im Ebenen-Layout </a:t>
+            </a:r>
+            <a:endParaRPr lang="de-DE" dirty="0"/>
+          </a:p>
+        </p:txBody>
+      </p:sp>
+      <p:sp>
+        <p:nvSpPr>
+          <p:cNvPr id="4" name="Titel 3">
+            <a:extLst>
+              <a:ext uri="{FF2B5EF4-FFF2-40B4-BE49-F238E27FC236}">
+                <a16:creationId xmlns:a16="http://schemas.microsoft.com/office/drawing/2014/main" id="{5FB2163D-B7F4-FF40-D342-27678C5A2537}"/>
+              </a:ext>
+            </a:extLst>
+          </p:cNvPr>
+          <p:cNvSpPr>
+            <a:spLocks noGrp="1"/>
+          </p:cNvSpPr>
+          <p:nvPr>
+            <p:ph type="title"/>
+          </p:nvPr>
+        </p:nvSpPr>
+        <p:spPr/>
+        <p:txBody>
+          <a:bodyPr>
+            <a:normAutofit fontScale="90000"/>
+          </a:bodyPr>
+          <a:lstStyle/>
+          <a:p>
+            <a:r>
+              <a:rPr lang="de-DE" dirty="0"/>
+              <a:t>Inhaltsverzeichnis</a:t>
+            </a:r>
+          </a:p>
+        </p:txBody>
+      </p:sp>
+    </p:spTree>
+    <p:extLst>
+      <p:ext uri="{BB962C8B-B14F-4D97-AF65-F5344CB8AC3E}">
+        <p14:creationId xmlns:p14="http://schemas.microsoft.com/office/powerpoint/2010/main" val="1262473004"/>
+      </p:ext>
+    </p:extLst>
+  </p:cSld>
+  <p:clrMapOvr>
+    <a:masterClrMapping/>
+  </p:clrMapOvr>
+</p:sld>
+</file>
+
+<file path=ppt/slides/slide30.xml><?xml version="1.0" encoding="utf-8"?>
+<p:sld xmlns:a="http://schemas.openxmlformats.org/drawingml/2006/main" xmlns:r="http://schemas.openxmlformats.org/officeDocument/2006/relationships" xmlns:p="http://schemas.openxmlformats.org/presentationml/2006/main">
+  <p:cSld>
+    <p:spTree>
+      <p:nvGrpSpPr>
+        <p:cNvPr id="1" name=""/>
+        <p:cNvGrpSpPr/>
+        <p:nvPr/>
+      </p:nvGrpSpPr>
+      <p:grpSpPr>
+        <a:xfrm>
+          <a:off x="0" y="0"/>
+          <a:ext cx="0" cy="0"/>
+          <a:chOff x="0" y="0"/>
+          <a:chExt cx="0" cy="0"/>
+        </a:xfrm>
+      </p:grpSpPr>
+      <p:pic>
+        <p:nvPicPr>
+          <p:cNvPr id="10" name="Inhaltsplatzhalter 9">
+            <a:extLst>
+              <a:ext uri="{FF2B5EF4-FFF2-40B4-BE49-F238E27FC236}">
+                <a16:creationId xmlns:a16="http://schemas.microsoft.com/office/drawing/2014/main" id="{0DFB195B-E748-861C-1F38-9742102A867D}"/>
+              </a:ext>
+            </a:extLst>
+          </p:cNvPr>
+          <p:cNvPicPr>
+            <a:picLocks noGrp="1" noChangeAspect="1"/>
+          </p:cNvPicPr>
+          <p:nvPr>
+            <p:ph sz="half" idx="2"/>
+          </p:nvPr>
+        </p:nvPicPr>
+        <p:blipFill>
+          <a:blip r:embed="rId2"/>
+          <a:stretch>
+            <a:fillRect/>
+          </a:stretch>
+        </p:blipFill>
+        <p:spPr>
+          <a:xfrm>
+            <a:off x="4643438" y="996610"/>
+            <a:ext cx="4140200" cy="3548742"/>
+          </a:xfrm>
+        </p:spPr>
+      </p:pic>
+      <p:sp>
+        <p:nvSpPr>
+          <p:cNvPr id="6" name="Titel 5">
+            <a:extLst>
+              <a:ext uri="{FF2B5EF4-FFF2-40B4-BE49-F238E27FC236}">
+                <a16:creationId xmlns:a16="http://schemas.microsoft.com/office/drawing/2014/main" id="{0D658DEC-36E2-F02C-1B50-C145386781B7}"/>
+              </a:ext>
+            </a:extLst>
+          </p:cNvPr>
+          <p:cNvSpPr>
+            <a:spLocks noGrp="1"/>
+          </p:cNvSpPr>
+          <p:nvPr>
+            <p:ph type="title"/>
+          </p:nvPr>
+        </p:nvSpPr>
+        <p:spPr/>
+        <p:txBody>
+          <a:bodyPr>
+            <a:normAutofit fontScale="90000"/>
+          </a:bodyPr>
+          <a:lstStyle/>
+          <a:p>
+            <a:r>
+              <a:rPr lang="de-DE" dirty="0"/>
+              <a:t>Vorteile des verbesserten Algorithmus von WS</a:t>
+            </a:r>
+          </a:p>
+        </p:txBody>
+      </p:sp>
+      <p:sp>
+        <p:nvSpPr>
+          <p:cNvPr id="3" name="Fußzeilenplatzhalter 2">
+            <a:extLst>
+              <a:ext uri="{FF2B5EF4-FFF2-40B4-BE49-F238E27FC236}">
+                <a16:creationId xmlns:a16="http://schemas.microsoft.com/office/drawing/2014/main" id="{CACB1D8F-F9F5-2906-5407-5AA9160ADF0C}"/>
+              </a:ext>
+            </a:extLst>
+          </p:cNvPr>
+          <p:cNvSpPr>
+            <a:spLocks noGrp="1"/>
+          </p:cNvSpPr>
+          <p:nvPr>
+            <p:ph type="ftr" sz="quarter" idx="10"/>
+          </p:nvPr>
+        </p:nvSpPr>
+        <p:spPr/>
+        <p:txBody>
+          <a:bodyPr/>
+          <a:lstStyle/>
+          <a:p>
+            <a:r>
+              <a:rPr lang="de-DE"/>
+              <a:t>Erkan Garan, Justin Treulieb – Bäume zeichnen im Ebenen-Layout</a:t>
+            </a:r>
+            <a:endParaRPr lang="de-DE" dirty="0"/>
+          </a:p>
+        </p:txBody>
+      </p:sp>
+      <p:sp>
+        <p:nvSpPr>
+          <p:cNvPr id="4" name="Inhaltsplatzhalter 3">
+            <a:extLst>
+              <a:ext uri="{FF2B5EF4-FFF2-40B4-BE49-F238E27FC236}">
+                <a16:creationId xmlns:a16="http://schemas.microsoft.com/office/drawing/2014/main" id="{8DBE6544-81CB-0F32-2D99-7135A09E0DA8}"/>
+              </a:ext>
+            </a:extLst>
+          </p:cNvPr>
+          <p:cNvSpPr>
+            <a:spLocks noGrp="1"/>
+          </p:cNvSpPr>
+          <p:nvPr>
+            <p:ph sz="half" idx="1"/>
+          </p:nvPr>
+        </p:nvSpPr>
+        <p:spPr/>
+        <p:txBody>
+          <a:bodyPr/>
+          <a:lstStyle/>
+          <a:p>
+            <a:r>
+              <a:rPr lang="de-DE" dirty="0"/>
+              <a:t>Linke Kinder links vom Vater</a:t>
+            </a:r>
+          </a:p>
+          <a:p>
+            <a:r>
+              <a:rPr lang="de-DE" dirty="0"/>
+              <a:t>Rechte Kinder rechts vom Vater</a:t>
+            </a:r>
+          </a:p>
+          <a:p>
+            <a:r>
+              <a:rPr lang="de-DE" dirty="0"/>
+              <a:t>Übersichtlichere und intuitivere Bäume im Vergleich zum naiven Algorithmus</a:t>
+            </a:r>
+          </a:p>
+          <a:p>
+            <a:endParaRPr lang="de-DE" dirty="0"/>
+          </a:p>
+        </p:txBody>
+      </p:sp>
+    </p:spTree>
+    <p:extLst>
+      <p:ext uri="{BB962C8B-B14F-4D97-AF65-F5344CB8AC3E}">
+        <p14:creationId xmlns:p14="http://schemas.microsoft.com/office/powerpoint/2010/main" val="302042181"/>
+      </p:ext>
+    </p:extLst>
+  </p:cSld>
+  <p:clrMapOvr>
+    <a:masterClrMapping/>
+  </p:clrMapOvr>
+</p:sld>
+</file>
+
+<file path=ppt/slides/slide31.xml><?xml version="1.0" encoding="utf-8"?>
+<p:sld xmlns:a="http://schemas.openxmlformats.org/drawingml/2006/main" xmlns:r="http://schemas.openxmlformats.org/officeDocument/2006/relationships" xmlns:p="http://schemas.openxmlformats.org/presentationml/2006/main">
+  <p:cSld>
+    <p:spTree>
+      <p:nvGrpSpPr>
+        <p:cNvPr id="1" name=""/>
+        <p:cNvGrpSpPr/>
+        <p:nvPr/>
+      </p:nvGrpSpPr>
+      <p:grpSpPr>
+        <a:xfrm>
+          <a:off x="0" y="0"/>
+          <a:ext cx="0" cy="0"/>
+          <a:chOff x="0" y="0"/>
+          <a:chExt cx="0" cy="0"/>
+        </a:xfrm>
+      </p:grpSpPr>
+      <p:sp>
+        <p:nvSpPr>
+          <p:cNvPr id="6" name="Titel 5">
+            <a:extLst>
+              <a:ext uri="{FF2B5EF4-FFF2-40B4-BE49-F238E27FC236}">
+                <a16:creationId xmlns:a16="http://schemas.microsoft.com/office/drawing/2014/main" id="{0D658DEC-36E2-F02C-1B50-C145386781B7}"/>
+              </a:ext>
+            </a:extLst>
+          </p:cNvPr>
+          <p:cNvSpPr>
+            <a:spLocks noGrp="1"/>
+          </p:cNvSpPr>
+          <p:nvPr>
+            <p:ph type="title"/>
+          </p:nvPr>
+        </p:nvSpPr>
+        <p:spPr/>
+        <p:txBody>
+          <a:bodyPr>
+            <a:normAutofit fontScale="90000"/>
+          </a:bodyPr>
+          <a:lstStyle/>
+          <a:p>
+            <a:r>
+              <a:rPr lang="de-DE" dirty="0"/>
+              <a:t>Nachteile des verbesserten Algorithmus von WS</a:t>
+            </a:r>
+          </a:p>
+        </p:txBody>
+      </p:sp>
+      <p:sp>
+        <p:nvSpPr>
+          <p:cNvPr id="3" name="Fußzeilenplatzhalter 2">
+            <a:extLst>
+              <a:ext uri="{FF2B5EF4-FFF2-40B4-BE49-F238E27FC236}">
+                <a16:creationId xmlns:a16="http://schemas.microsoft.com/office/drawing/2014/main" id="{CACB1D8F-F9F5-2906-5407-5AA9160ADF0C}"/>
+              </a:ext>
+            </a:extLst>
+          </p:cNvPr>
+          <p:cNvSpPr>
+            <a:spLocks noGrp="1"/>
+          </p:cNvSpPr>
+          <p:nvPr>
+            <p:ph type="ftr" sz="quarter" idx="10"/>
+          </p:nvPr>
+        </p:nvSpPr>
+        <p:spPr/>
+        <p:txBody>
+          <a:bodyPr/>
+          <a:lstStyle/>
+          <a:p>
+            <a:r>
+              <a:rPr lang="de-DE"/>
+              <a:t>Erkan Garan, Justin Treulieb – Bäume zeichnen im Ebenen-Layout</a:t>
+            </a:r>
+            <a:endParaRPr lang="de-DE" dirty="0"/>
+          </a:p>
+        </p:txBody>
+      </p:sp>
+      <p:pic>
+        <p:nvPicPr>
+          <p:cNvPr id="7" name="Inhaltsplatzhalter 6">
+            <a:extLst>
+              <a:ext uri="{FF2B5EF4-FFF2-40B4-BE49-F238E27FC236}">
+                <a16:creationId xmlns:a16="http://schemas.microsoft.com/office/drawing/2014/main" id="{969CDB0D-2F88-520B-0EE2-CA8B91597309}"/>
+              </a:ext>
+            </a:extLst>
+          </p:cNvPr>
+          <p:cNvPicPr>
+            <a:picLocks noGrp="1" noChangeAspect="1"/>
+          </p:cNvPicPr>
+          <p:nvPr>
+            <p:ph sz="half" idx="1"/>
+          </p:nvPr>
+        </p:nvPicPr>
+        <p:blipFill>
+          <a:blip r:embed="rId2"/>
+          <a:srcRect/>
+          <a:stretch/>
+        </p:blipFill>
+        <p:spPr>
+          <a:xfrm>
+            <a:off x="360363" y="996610"/>
+            <a:ext cx="4140199" cy="3548742"/>
+          </a:xfrm>
+        </p:spPr>
+      </p:pic>
+      <p:sp>
+        <p:nvSpPr>
+          <p:cNvPr id="4" name="Inhaltsplatzhalter 3">
+            <a:extLst>
+              <a:ext uri="{FF2B5EF4-FFF2-40B4-BE49-F238E27FC236}">
+                <a16:creationId xmlns:a16="http://schemas.microsoft.com/office/drawing/2014/main" id="{57A5393A-0728-C292-EE1F-37A619C5D159}"/>
+              </a:ext>
+            </a:extLst>
+          </p:cNvPr>
+          <p:cNvSpPr>
+            <a:spLocks noGrp="1"/>
+          </p:cNvSpPr>
+          <p:nvPr>
+            <p:ph sz="half" idx="2"/>
+          </p:nvPr>
+        </p:nvSpPr>
+        <p:spPr/>
+        <p:txBody>
+          <a:bodyPr/>
+          <a:lstStyle/>
+          <a:p>
+            <a:r>
+              <a:rPr lang="de-DE" dirty="0"/>
+              <a:t>Lange Kanten (z.B. zwischen den Knoten F und G)</a:t>
+            </a:r>
+          </a:p>
+          <a:p>
+            <a:r>
+              <a:rPr lang="de-DE" dirty="0"/>
+              <a:t>Produziert keine Spiegelbilder</a:t>
+            </a:r>
+          </a:p>
+          <a:p>
+            <a:r>
+              <a:rPr lang="de-DE" dirty="0"/>
+              <a:t>Zeichnet ohne weitere Modifikationen nur Binärbäume</a:t>
+            </a:r>
+          </a:p>
+          <a:p>
+            <a:r>
+              <a:rPr lang="de-DE" dirty="0"/>
+              <a:t>Verstößt gegen die Anforderung, dass Väter zentriert über Kinder sein müssen</a:t>
+            </a:r>
+          </a:p>
+          <a:p>
+            <a:pPr marL="0" indent="0">
+              <a:buNone/>
+            </a:pPr>
+            <a:endParaRPr lang="de-DE" dirty="0"/>
+          </a:p>
+        </p:txBody>
+      </p:sp>
+    </p:spTree>
+    <p:extLst>
+      <p:ext uri="{BB962C8B-B14F-4D97-AF65-F5344CB8AC3E}">
+        <p14:creationId xmlns:p14="http://schemas.microsoft.com/office/powerpoint/2010/main" val="3874491292"/>
+      </p:ext>
+    </p:extLst>
+  </p:cSld>
+  <p:clrMapOvr>
+    <a:masterClrMapping/>
+  </p:clrMapOvr>
+</p:sld>
+</file>
+
+<file path=ppt/slides/slide32.xml><?xml version="1.0" encoding="utf-8"?>
+<p:sld xmlns:a="http://schemas.openxmlformats.org/drawingml/2006/main" xmlns:r="http://schemas.openxmlformats.org/officeDocument/2006/relationships" xmlns:p="http://schemas.openxmlformats.org/presentationml/2006/main">
+  <p:cSld>
+    <p:spTree>
+      <p:nvGrpSpPr>
+        <p:cNvPr id="1" name=""/>
+        <p:cNvGrpSpPr/>
+        <p:nvPr/>
+      </p:nvGrpSpPr>
+      <p:grpSpPr>
+        <a:xfrm>
+          <a:off x="0" y="0"/>
+          <a:ext cx="0" cy="0"/>
+          <a:chOff x="0" y="0"/>
+          <a:chExt cx="0" cy="0"/>
+        </a:xfrm>
+      </p:grpSpPr>
+      <p:sp>
+        <p:nvSpPr>
+          <p:cNvPr id="6" name="Titel 5">
+            <a:extLst>
+              <a:ext uri="{FF2B5EF4-FFF2-40B4-BE49-F238E27FC236}">
+                <a16:creationId xmlns:a16="http://schemas.microsoft.com/office/drawing/2014/main" id="{0D658DEC-36E2-F02C-1B50-C145386781B7}"/>
+              </a:ext>
+            </a:extLst>
+          </p:cNvPr>
+          <p:cNvSpPr>
+            <a:spLocks noGrp="1"/>
+          </p:cNvSpPr>
+          <p:nvPr>
+            <p:ph type="title"/>
+          </p:nvPr>
+        </p:nvSpPr>
+        <p:spPr/>
+        <p:txBody>
+          <a:bodyPr>
+            <a:normAutofit fontScale="90000"/>
+          </a:bodyPr>
+          <a:lstStyle/>
+          <a:p>
+            <a:r>
+              <a:rPr lang="de-DE" dirty="0"/>
+              <a:t>Theorem (</a:t>
+            </a:r>
+            <a:r>
+              <a:rPr lang="de-DE" dirty="0" err="1"/>
+              <a:t>Uglification</a:t>
+            </a:r>
+            <a:r>
+              <a:rPr lang="de-DE" dirty="0"/>
+              <a:t>)</a:t>
+            </a:r>
+          </a:p>
+        </p:txBody>
+      </p:sp>
+      <p:sp>
+        <p:nvSpPr>
+          <p:cNvPr id="3" name="Fußzeilenplatzhalter 2">
+            <a:extLst>
+              <a:ext uri="{FF2B5EF4-FFF2-40B4-BE49-F238E27FC236}">
+                <a16:creationId xmlns:a16="http://schemas.microsoft.com/office/drawing/2014/main" id="{CACB1D8F-F9F5-2906-5407-5AA9160ADF0C}"/>
+              </a:ext>
+            </a:extLst>
+          </p:cNvPr>
+          <p:cNvSpPr>
+            <a:spLocks noGrp="1"/>
+          </p:cNvSpPr>
+          <p:nvPr>
+            <p:ph type="ftr" sz="quarter" idx="10"/>
+          </p:nvPr>
+        </p:nvSpPr>
+        <p:spPr/>
+        <p:txBody>
+          <a:bodyPr/>
+          <a:lstStyle/>
+          <a:p>
+            <a:r>
+              <a:rPr lang="de-DE"/>
+              <a:t>Erkan Garan, Justin Treulieb – Bäume zeichnen im Ebenen-Layout</a:t>
+            </a:r>
+            <a:endParaRPr lang="de-DE" dirty="0"/>
+          </a:p>
+        </p:txBody>
+      </p:sp>
+      <p:sp>
+        <p:nvSpPr>
+          <p:cNvPr id="4" name="Inhaltsplatzhalter 3">
+            <a:extLst>
+              <a:ext uri="{FF2B5EF4-FFF2-40B4-BE49-F238E27FC236}">
+                <a16:creationId xmlns:a16="http://schemas.microsoft.com/office/drawing/2014/main" id="{57A5393A-0728-C292-EE1F-37A619C5D159}"/>
+              </a:ext>
+            </a:extLst>
+          </p:cNvPr>
+          <p:cNvSpPr>
+            <a:spLocks noGrp="1"/>
+          </p:cNvSpPr>
+          <p:nvPr>
+            <p:ph sz="half" idx="2"/>
+          </p:nvPr>
+        </p:nvSpPr>
+        <p:spPr/>
+        <p:txBody>
+          <a:bodyPr/>
+          <a:lstStyle/>
+          <a:p>
+            <a:pPr marL="0" indent="0" algn="l">
+              <a:buNone/>
+            </a:pPr>
+            <a:r>
+              <a:rPr lang="de-DE" dirty="0">
+                <a:latin typeface="Arial" panose="020B0604020202020204" pitchFamily="34" charset="0"/>
+                <a:cs typeface="Arial" panose="020B0604020202020204" pitchFamily="34" charset="0"/>
+              </a:rPr>
+              <a:t>„ </a:t>
+            </a:r>
+            <a:r>
+              <a:rPr lang="en-US" sz="1800" b="0" i="0" u="none" strike="noStrike" baseline="0" dirty="0">
+                <a:latin typeface="Arial" panose="020B0604020202020204" pitchFamily="34" charset="0"/>
+                <a:cs typeface="Arial" panose="020B0604020202020204" pitchFamily="34" charset="0"/>
+              </a:rPr>
+              <a:t>Minimum width drawings exist which violate Aesthetic 3 [</a:t>
+            </a:r>
+            <a:r>
+              <a:rPr lang="en-US" sz="1800" b="0" i="0" u="none" strike="noStrike" baseline="0" dirty="0" err="1">
+                <a:latin typeface="Arial" panose="020B0604020202020204" pitchFamily="34" charset="0"/>
+                <a:cs typeface="Arial" panose="020B0604020202020204" pitchFamily="34" charset="0"/>
+              </a:rPr>
+              <a:t>Anforderung</a:t>
+            </a:r>
+            <a:r>
+              <a:rPr lang="en-US" sz="1800" b="0" i="0" u="none" strike="noStrike" baseline="0" dirty="0">
+                <a:latin typeface="Arial" panose="020B0604020202020204" pitchFamily="34" charset="0"/>
+                <a:cs typeface="Arial" panose="020B0604020202020204" pitchFamily="34" charset="0"/>
+              </a:rPr>
+              <a:t>, </a:t>
+            </a:r>
+            <a:r>
+              <a:rPr lang="en-US" sz="1800" b="0" i="0" u="none" strike="noStrike" baseline="0" dirty="0" err="1">
+                <a:latin typeface="Arial" panose="020B0604020202020204" pitchFamily="34" charset="0"/>
+                <a:cs typeface="Arial" panose="020B0604020202020204" pitchFamily="34" charset="0"/>
+              </a:rPr>
+              <a:t>dass</a:t>
+            </a:r>
+            <a:r>
+              <a:rPr lang="en-US" sz="1800" b="0" i="0" u="none" strike="noStrike" baseline="0" dirty="0">
+                <a:latin typeface="Arial" panose="020B0604020202020204" pitchFamily="34" charset="0"/>
+                <a:cs typeface="Arial" panose="020B0604020202020204" pitchFamily="34" charset="0"/>
+              </a:rPr>
+              <a:t> </a:t>
+            </a:r>
+            <a:r>
+              <a:rPr lang="en-US" sz="1800" b="0" i="0" u="none" strike="noStrike" baseline="0" dirty="0" err="1">
+                <a:latin typeface="Arial" panose="020B0604020202020204" pitchFamily="34" charset="0"/>
+                <a:cs typeface="Arial" panose="020B0604020202020204" pitchFamily="34" charset="0"/>
+              </a:rPr>
+              <a:t>Väter</a:t>
+            </a:r>
+            <a:r>
+              <a:rPr lang="en-US" sz="1800" b="0" i="0" u="none" strike="noStrike" baseline="0" dirty="0">
+                <a:latin typeface="Arial" panose="020B0604020202020204" pitchFamily="34" charset="0"/>
+                <a:cs typeface="Arial" panose="020B0604020202020204" pitchFamily="34" charset="0"/>
+              </a:rPr>
+              <a:t> </a:t>
+            </a:r>
+            <a:r>
+              <a:rPr lang="en-US" sz="1800" b="0" i="0" u="none" strike="noStrike" baseline="0" dirty="0" err="1">
+                <a:latin typeface="Arial" panose="020B0604020202020204" pitchFamily="34" charset="0"/>
+                <a:cs typeface="Arial" panose="020B0604020202020204" pitchFamily="34" charset="0"/>
+              </a:rPr>
+              <a:t>zentriert</a:t>
+            </a:r>
+            <a:r>
+              <a:rPr lang="en-US" sz="1800" b="0" i="0" u="none" strike="noStrike" baseline="0" dirty="0">
+                <a:latin typeface="Arial" panose="020B0604020202020204" pitchFamily="34" charset="0"/>
+                <a:cs typeface="Arial" panose="020B0604020202020204" pitchFamily="34" charset="0"/>
+              </a:rPr>
+              <a:t> sein </a:t>
+            </a:r>
+            <a:r>
+              <a:rPr lang="en-US" sz="1800" b="0" i="0" u="none" strike="noStrike" baseline="0" dirty="0" err="1">
+                <a:latin typeface="Arial" panose="020B0604020202020204" pitchFamily="34" charset="0"/>
+                <a:cs typeface="Arial" panose="020B0604020202020204" pitchFamily="34" charset="0"/>
+              </a:rPr>
+              <a:t>müssen</a:t>
+            </a:r>
+            <a:r>
+              <a:rPr lang="en-US" sz="1800" b="0" i="0" u="none" strike="noStrike" baseline="0" dirty="0">
+                <a:latin typeface="Arial" panose="020B0604020202020204" pitchFamily="34" charset="0"/>
+                <a:cs typeface="Arial" panose="020B0604020202020204" pitchFamily="34" charset="0"/>
+              </a:rPr>
+              <a:t>, </a:t>
+            </a:r>
+            <a:r>
+              <a:rPr lang="en-US" sz="1800" b="0" i="0" u="none" strike="noStrike" baseline="0" dirty="0" err="1">
+                <a:latin typeface="Arial" panose="020B0604020202020204" pitchFamily="34" charset="0"/>
+                <a:cs typeface="Arial" panose="020B0604020202020204" pitchFamily="34" charset="0"/>
+              </a:rPr>
+              <a:t>Anm</a:t>
+            </a:r>
+            <a:r>
+              <a:rPr lang="en-US" sz="1800" b="0" i="0" u="none" strike="noStrike" baseline="0" dirty="0">
+                <a:latin typeface="Arial" panose="020B0604020202020204" pitchFamily="34" charset="0"/>
+                <a:cs typeface="Arial" panose="020B0604020202020204" pitchFamily="34" charset="0"/>
+              </a:rPr>
+              <a:t>. von E.G.] by arbitrary amounts” </a:t>
+            </a:r>
+          </a:p>
+          <a:p>
+            <a:pPr marL="0" indent="0" algn="l">
+              <a:buNone/>
+            </a:pPr>
+            <a:r>
+              <a:rPr lang="en-US" sz="1800" b="0" i="0" u="none" strike="noStrike" baseline="0" dirty="0">
+                <a:latin typeface="Arial" panose="020B0604020202020204" pitchFamily="34" charset="0"/>
+                <a:cs typeface="Arial" panose="020B0604020202020204" pitchFamily="34" charset="0"/>
+              </a:rPr>
+              <a:t>– </a:t>
+            </a:r>
+            <a:r>
+              <a:rPr lang="en-US" dirty="0">
+                <a:latin typeface="Arial" panose="020B0604020202020204" pitchFamily="34" charset="0"/>
+                <a:cs typeface="Arial" panose="020B0604020202020204" pitchFamily="34" charset="0"/>
+              </a:rPr>
+              <a:t>Charles </a:t>
+            </a:r>
+            <a:r>
+              <a:rPr lang="en-US" sz="1800" b="0" i="0" u="none" strike="noStrike" baseline="0" dirty="0">
+                <a:latin typeface="Arial" panose="020B0604020202020204" pitchFamily="34" charset="0"/>
+                <a:cs typeface="Arial" panose="020B0604020202020204" pitchFamily="34" charset="0"/>
+              </a:rPr>
+              <a:t>Wetherell, Alfred Shannon</a:t>
+            </a:r>
+          </a:p>
+          <a:p>
+            <a:r>
+              <a:rPr lang="en-US" sz="1800" b="0" i="0" u="none" strike="noStrike" baseline="0" dirty="0">
+                <a:latin typeface="Arial" panose="020B0604020202020204" pitchFamily="34" charset="0"/>
+                <a:cs typeface="Arial" panose="020B0604020202020204" pitchFamily="34" charset="0"/>
+              </a:rPr>
+              <a:t>Trade-Off </a:t>
+            </a:r>
+            <a:r>
+              <a:rPr lang="en-US" sz="1800" b="0" i="0" u="none" strike="noStrike" baseline="0" dirty="0" err="1">
+                <a:latin typeface="Arial" panose="020B0604020202020204" pitchFamily="34" charset="0"/>
+                <a:cs typeface="Arial" panose="020B0604020202020204" pitchFamily="34" charset="0"/>
+              </a:rPr>
+              <a:t>zwischen</a:t>
+            </a:r>
+            <a:r>
+              <a:rPr lang="en-US" sz="1800" b="0" i="0" u="none" strike="noStrike" baseline="0" dirty="0">
+                <a:latin typeface="Arial" panose="020B0604020202020204" pitchFamily="34" charset="0"/>
+                <a:cs typeface="Arial" panose="020B0604020202020204" pitchFamily="34" charset="0"/>
+              </a:rPr>
+              <a:t> </a:t>
+            </a:r>
+            <a:r>
+              <a:rPr lang="en-US" sz="1800" b="0" i="0" u="none" strike="noStrike" baseline="0" dirty="0" err="1">
+                <a:latin typeface="Arial" panose="020B0604020202020204" pitchFamily="34" charset="0"/>
+                <a:cs typeface="Arial" panose="020B0604020202020204" pitchFamily="34" charset="0"/>
+              </a:rPr>
+              <a:t>Breite</a:t>
+            </a:r>
+            <a:r>
+              <a:rPr lang="en-US" sz="1800" b="0" i="0" u="none" strike="noStrike" baseline="0" dirty="0">
+                <a:latin typeface="Arial" panose="020B0604020202020204" pitchFamily="34" charset="0"/>
+                <a:cs typeface="Arial" panose="020B0604020202020204" pitchFamily="34" charset="0"/>
+              </a:rPr>
+              <a:t> und </a:t>
+            </a:r>
+            <a:r>
+              <a:rPr lang="en-US" sz="1800" b="0" i="0" u="none" strike="noStrike" baseline="0" dirty="0" err="1">
+                <a:latin typeface="Arial" panose="020B0604020202020204" pitchFamily="34" charset="0"/>
+                <a:cs typeface="Arial" panose="020B0604020202020204" pitchFamily="34" charset="0"/>
+              </a:rPr>
+              <a:t>Zentrierung</a:t>
+            </a:r>
+            <a:r>
+              <a:rPr lang="en-US" sz="1800" b="0" i="0" u="none" strike="noStrike" baseline="0" dirty="0">
+                <a:latin typeface="Arial" panose="020B0604020202020204" pitchFamily="34" charset="0"/>
+                <a:cs typeface="Arial" panose="020B0604020202020204" pitchFamily="34" charset="0"/>
+              </a:rPr>
+              <a:t> der </a:t>
+            </a:r>
+            <a:r>
+              <a:rPr lang="en-US" sz="1800" b="0" i="0" u="none" strike="noStrike" baseline="0" dirty="0" err="1">
+                <a:latin typeface="Arial" panose="020B0604020202020204" pitchFamily="34" charset="0"/>
+                <a:cs typeface="Arial" panose="020B0604020202020204" pitchFamily="34" charset="0"/>
+              </a:rPr>
+              <a:t>Väter</a:t>
+            </a:r>
+            <a:endParaRPr lang="en-US" sz="1800" b="0" i="0" u="none" strike="noStrike" baseline="0" dirty="0">
+              <a:latin typeface="Arial" panose="020B0604020202020204" pitchFamily="34" charset="0"/>
+              <a:cs typeface="Arial" panose="020B0604020202020204" pitchFamily="34" charset="0"/>
+            </a:endParaRPr>
+          </a:p>
+          <a:p>
+            <a:r>
+              <a:rPr lang="en-US" sz="1800" b="0" i="0" u="none" strike="noStrike" baseline="0" dirty="0">
+                <a:latin typeface="Arial" panose="020B0604020202020204" pitchFamily="34" charset="0"/>
+                <a:cs typeface="Arial" panose="020B0604020202020204" pitchFamily="34" charset="0"/>
+              </a:rPr>
+              <a:t>Maximal </a:t>
+            </a:r>
+            <a:r>
+              <a:rPr lang="en-US" sz="1800" b="0" i="0" u="none" strike="noStrike" baseline="0" dirty="0" err="1">
+                <a:latin typeface="Arial" panose="020B0604020202020204" pitchFamily="34" charset="0"/>
+                <a:cs typeface="Arial" panose="020B0604020202020204" pitchFamily="34" charset="0"/>
+              </a:rPr>
+              <a:t>schmale</a:t>
+            </a:r>
+            <a:r>
+              <a:rPr lang="en-US" sz="1800" b="0" i="0" u="none" strike="noStrike" baseline="0" dirty="0">
+                <a:latin typeface="Arial" panose="020B0604020202020204" pitchFamily="34" charset="0"/>
+                <a:cs typeface="Arial" panose="020B0604020202020204" pitchFamily="34" charset="0"/>
+              </a:rPr>
+              <a:t> </a:t>
+            </a:r>
+            <a:r>
+              <a:rPr lang="en-US" sz="1800" b="0" i="0" u="none" strike="noStrike" baseline="0" dirty="0" err="1">
+                <a:latin typeface="Arial" panose="020B0604020202020204" pitchFamily="34" charset="0"/>
+                <a:cs typeface="Arial" panose="020B0604020202020204" pitchFamily="34" charset="0"/>
+              </a:rPr>
+              <a:t>Bäume</a:t>
+            </a:r>
+            <a:r>
+              <a:rPr lang="en-US" sz="1800" b="0" i="0" u="none" strike="noStrike" baseline="0" dirty="0">
+                <a:latin typeface="Arial" panose="020B0604020202020204" pitchFamily="34" charset="0"/>
+                <a:cs typeface="Arial" panose="020B0604020202020204" pitchFamily="34" charset="0"/>
+              </a:rPr>
+              <a:t> und </a:t>
+            </a:r>
+            <a:r>
+              <a:rPr lang="en-US" sz="1800" b="0" i="0" u="none" strike="noStrike" baseline="0" dirty="0" err="1">
+                <a:latin typeface="Arial" panose="020B0604020202020204" pitchFamily="34" charset="0"/>
+                <a:cs typeface="Arial" panose="020B0604020202020204" pitchFamily="34" charset="0"/>
+              </a:rPr>
+              <a:t>zentrierte</a:t>
+            </a:r>
+            <a:r>
+              <a:rPr lang="en-US" sz="1800" b="0" i="0" u="none" strike="noStrike" baseline="0" dirty="0">
+                <a:latin typeface="Arial" panose="020B0604020202020204" pitchFamily="34" charset="0"/>
+                <a:cs typeface="Arial" panose="020B0604020202020204" pitchFamily="34" charset="0"/>
+              </a:rPr>
+              <a:t> </a:t>
+            </a:r>
+            <a:r>
+              <a:rPr lang="en-US" sz="1800" b="0" i="0" u="none" strike="noStrike" baseline="0" dirty="0" err="1">
+                <a:latin typeface="Arial" panose="020B0604020202020204" pitchFamily="34" charset="0"/>
+                <a:cs typeface="Arial" panose="020B0604020202020204" pitchFamily="34" charset="0"/>
+              </a:rPr>
+              <a:t>Väter</a:t>
+            </a:r>
+            <a:r>
+              <a:rPr lang="en-US" sz="1800" b="0" i="0" u="none" strike="noStrike" baseline="0" dirty="0">
+                <a:latin typeface="Arial" panose="020B0604020202020204" pitchFamily="34" charset="0"/>
+                <a:cs typeface="Arial" panose="020B0604020202020204" pitchFamily="34" charset="0"/>
+              </a:rPr>
+              <a:t> </a:t>
+            </a:r>
+            <a:r>
+              <a:rPr lang="en-US" sz="1800" b="0" i="0" u="none" strike="noStrike" baseline="0" dirty="0" err="1">
+                <a:latin typeface="Arial" panose="020B0604020202020204" pitchFamily="34" charset="0"/>
+                <a:cs typeface="Arial" panose="020B0604020202020204" pitchFamily="34" charset="0"/>
+              </a:rPr>
+              <a:t>nicht</a:t>
+            </a:r>
+            <a:r>
+              <a:rPr lang="en-US" sz="1800" b="0" i="0" u="none" strike="noStrike" baseline="0" dirty="0">
+                <a:latin typeface="Arial" panose="020B0604020202020204" pitchFamily="34" charset="0"/>
+                <a:cs typeface="Arial" panose="020B0604020202020204" pitchFamily="34" charset="0"/>
+              </a:rPr>
+              <a:t> </a:t>
+            </a:r>
+            <a:r>
+              <a:rPr lang="en-US" sz="1800" b="0" i="0" u="none" strike="noStrike" baseline="0" dirty="0" err="1">
+                <a:latin typeface="Arial" panose="020B0604020202020204" pitchFamily="34" charset="0"/>
+                <a:cs typeface="Arial" panose="020B0604020202020204" pitchFamily="34" charset="0"/>
+              </a:rPr>
+              <a:t>immer</a:t>
+            </a:r>
+            <a:r>
+              <a:rPr lang="en-US" sz="1800" b="0" i="0" u="none" strike="noStrike" baseline="0" dirty="0">
+                <a:latin typeface="Arial" panose="020B0604020202020204" pitchFamily="34" charset="0"/>
+                <a:cs typeface="Arial" panose="020B0604020202020204" pitchFamily="34" charset="0"/>
+              </a:rPr>
+              <a:t> </a:t>
+            </a:r>
+            <a:r>
+              <a:rPr lang="en-US" sz="1800" b="0" i="0" u="none" strike="noStrike" baseline="0" dirty="0" err="1">
+                <a:latin typeface="Arial" panose="020B0604020202020204" pitchFamily="34" charset="0"/>
+                <a:cs typeface="Arial" panose="020B0604020202020204" pitchFamily="34" charset="0"/>
+              </a:rPr>
+              <a:t>gleichzeitig</a:t>
+            </a:r>
+            <a:r>
+              <a:rPr lang="en-US" sz="1800" b="0" i="0" u="none" strike="noStrike" baseline="0" dirty="0">
+                <a:latin typeface="Arial" panose="020B0604020202020204" pitchFamily="34" charset="0"/>
+                <a:cs typeface="Arial" panose="020B0604020202020204" pitchFamily="34" charset="0"/>
+              </a:rPr>
+              <a:t> </a:t>
+            </a:r>
+            <a:r>
+              <a:rPr lang="en-US" sz="1800" b="0" i="0" u="none" strike="noStrike" baseline="0" dirty="0" err="1">
+                <a:latin typeface="Arial" panose="020B0604020202020204" pitchFamily="34" charset="0"/>
+                <a:cs typeface="Arial" panose="020B0604020202020204" pitchFamily="34" charset="0"/>
+              </a:rPr>
+              <a:t>möglich</a:t>
+            </a:r>
+            <a:endParaRPr lang="en-US" sz="1800" b="0" i="0" u="none" strike="noStrike" baseline="0" dirty="0">
+              <a:latin typeface="Arial" panose="020B0604020202020204" pitchFamily="34" charset="0"/>
+              <a:cs typeface="Arial" panose="020B0604020202020204" pitchFamily="34" charset="0"/>
+            </a:endParaRPr>
+          </a:p>
+          <a:p>
+            <a:pPr marL="0" indent="0" algn="l">
+              <a:buNone/>
+            </a:pPr>
+            <a:endParaRPr lang="de-DE" dirty="0"/>
+          </a:p>
+        </p:txBody>
+      </p:sp>
+      <p:pic>
+        <p:nvPicPr>
+          <p:cNvPr id="9" name="Inhaltsplatzhalter 8">
+            <a:extLst>
+              <a:ext uri="{FF2B5EF4-FFF2-40B4-BE49-F238E27FC236}">
+                <a16:creationId xmlns:a16="http://schemas.microsoft.com/office/drawing/2014/main" id="{1994440F-DA6E-F1E7-96D8-3269578968E5}"/>
+              </a:ext>
+            </a:extLst>
+          </p:cNvPr>
+          <p:cNvPicPr>
+            <a:picLocks noGrp="1" noChangeAspect="1"/>
+          </p:cNvPicPr>
+          <p:nvPr>
+            <p:ph sz="half" idx="1"/>
+          </p:nvPr>
+        </p:nvPicPr>
+        <p:blipFill>
+          <a:blip r:embed="rId2"/>
+          <a:stretch>
+            <a:fillRect/>
+          </a:stretch>
+        </p:blipFill>
+        <p:spPr>
+          <a:xfrm>
+            <a:off x="1464376" y="915988"/>
+            <a:ext cx="1932174" cy="3709987"/>
+          </a:xfrm>
+        </p:spPr>
+      </p:pic>
+      <p:sp>
+        <p:nvSpPr>
+          <p:cNvPr id="10" name="Rechteck 9">
+            <a:extLst>
+              <a:ext uri="{FF2B5EF4-FFF2-40B4-BE49-F238E27FC236}">
+                <a16:creationId xmlns:a16="http://schemas.microsoft.com/office/drawing/2014/main" id="{F6D74019-C70A-FB8C-3374-C6AA4C788C46}"/>
+              </a:ext>
+            </a:extLst>
+          </p:cNvPr>
+          <p:cNvSpPr/>
+          <p:nvPr/>
+        </p:nvSpPr>
+        <p:spPr>
+          <a:xfrm>
+            <a:off x="1464376" y="2571750"/>
+            <a:ext cx="1490859" cy="224459"/>
+          </a:xfrm>
+          <a:prstGeom prst="rect">
+            <a:avLst/>
+          </a:prstGeom>
+          <a:solidFill>
+            <a:schemeClr val="bg1"/>
+          </a:solidFill>
+          <a:ln>
+            <a:solidFill>
+              <a:schemeClr val="bg1"/>
+            </a:solidFill>
+          </a:ln>
+        </p:spPr>
+        <p:style>
+          <a:lnRef idx="2">
+            <a:schemeClr val="accent1">
+              <a:shade val="50000"/>
+            </a:schemeClr>
+          </a:lnRef>
+          <a:fillRef idx="1">
+            <a:schemeClr val="accent1"/>
+          </a:fillRef>
+          <a:effectRef idx="0">
+            <a:schemeClr val="accent1"/>
+          </a:effectRef>
+          <a:fontRef idx="minor">
+            <a:schemeClr val="lt1"/>
+          </a:fontRef>
+        </p:style>
+        <p:txBody>
+          <a:bodyPr rtlCol="0" anchor="ctr"/>
+          <a:lstStyle/>
+          <a:p>
+            <a:pPr algn="ctr"/>
+            <a:endParaRPr lang="de-DE"/>
+          </a:p>
+        </p:txBody>
+      </p:sp>
+    </p:spTree>
+    <p:extLst>
+      <p:ext uri="{BB962C8B-B14F-4D97-AF65-F5344CB8AC3E}">
+        <p14:creationId xmlns:p14="http://schemas.microsoft.com/office/powerpoint/2010/main" val="1712911333"/>
+      </p:ext>
+    </p:extLst>
+  </p:cSld>
+  <p:clrMapOvr>
+    <a:masterClrMapping/>
+  </p:clrMapOvr>
+</p:sld>
+</file>
+
+<file path=ppt/slides/slide33.xml><?xml version="1.0" encoding="utf-8"?>
+<p:sld xmlns:a="http://schemas.openxmlformats.org/drawingml/2006/main" xmlns:r="http://schemas.openxmlformats.org/officeDocument/2006/relationships" xmlns:p="http://schemas.openxmlformats.org/presentationml/2006/main">
+  <p:cSld>
+    <p:spTree>
+      <p:nvGrpSpPr>
+        <p:cNvPr id="1" name=""/>
+        <p:cNvGrpSpPr/>
+        <p:nvPr/>
+      </p:nvGrpSpPr>
+      <p:grpSpPr>
+        <a:xfrm>
+          <a:off x="0" y="0"/>
+          <a:ext cx="0" cy="0"/>
+          <a:chOff x="0" y="0"/>
+          <a:chExt cx="0" cy="0"/>
+        </a:xfrm>
+      </p:grpSpPr>
+      <p:sp>
+        <p:nvSpPr>
+          <p:cNvPr id="6" name="Inhaltsplatzhalter 5"/>
+          <p:cNvSpPr>
+            <a:spLocks noGrp="1"/>
+          </p:cNvSpPr>
+          <p:nvPr>
+            <p:ph idx="1"/>
+          </p:nvPr>
+        </p:nvSpPr>
+        <p:spPr/>
+        <p:txBody>
+          <a:bodyPr/>
+          <a:lstStyle/>
+          <a:p>
+            <a:r>
+              <a:rPr lang="de-DE" dirty="0"/>
+              <a:t>Dies ist ein </a:t>
+            </a:r>
+            <a:r>
+              <a:rPr lang="de-DE" dirty="0" err="1"/>
+              <a:t>Typoblindtext</a:t>
+            </a:r>
+            <a:r>
+              <a:rPr lang="de-DE" dirty="0"/>
+              <a:t>. An ihm kann man sehen, ob alle Buchstaben da sind und wie sie aussehen. </a:t>
+            </a:r>
+          </a:p>
+          <a:p>
+            <a:r>
+              <a:rPr lang="de-DE" dirty="0"/>
+              <a:t>Manchmal benutzt man Worte wie </a:t>
+            </a:r>
+          </a:p>
+          <a:p>
+            <a:pPr lvl="1"/>
+            <a:r>
+              <a:rPr lang="de-DE" dirty="0"/>
+              <a:t>Hamburgefonts, </a:t>
+            </a:r>
+          </a:p>
+          <a:p>
+            <a:pPr lvl="1"/>
+            <a:r>
+              <a:rPr lang="de-DE" dirty="0" err="1"/>
+              <a:t>Rafgenduks</a:t>
+            </a:r>
+            <a:r>
+              <a:rPr lang="de-DE" dirty="0"/>
+              <a:t> oder </a:t>
+            </a:r>
+          </a:p>
+          <a:p>
+            <a:pPr lvl="1"/>
+            <a:r>
+              <a:rPr lang="de-DE" dirty="0" err="1"/>
+              <a:t>Handgloves</a:t>
+            </a:r>
+            <a:r>
+              <a:rPr lang="de-DE" dirty="0"/>
+              <a:t>, </a:t>
+            </a:r>
+          </a:p>
+          <a:p>
+            <a:r>
+              <a:rPr lang="de-DE" dirty="0"/>
+              <a:t>um Schriften zu testen.</a:t>
+            </a:r>
+          </a:p>
+        </p:txBody>
+      </p:sp>
+      <p:sp>
+        <p:nvSpPr>
+          <p:cNvPr id="5" name="Titel 4"/>
+          <p:cNvSpPr>
+            <a:spLocks noGrp="1"/>
+          </p:cNvSpPr>
+          <p:nvPr>
+            <p:ph type="title"/>
+          </p:nvPr>
+        </p:nvSpPr>
+        <p:spPr/>
+        <p:txBody>
+          <a:bodyPr>
+            <a:normAutofit fontScale="90000"/>
+          </a:bodyPr>
+          <a:lstStyle/>
+          <a:p>
+            <a:r>
+              <a:rPr lang="de-DE"/>
+              <a:t>Musterüberschrift</a:t>
+            </a:r>
+          </a:p>
+        </p:txBody>
+      </p:sp>
+      <p:pic>
+        <p:nvPicPr>
+          <p:cNvPr id="3" name="Bildplatzhalter 2"/>
+          <p:cNvPicPr>
+            <a:picLocks noGrp="1" noChangeAspect="1"/>
+          </p:cNvPicPr>
+          <p:nvPr>
+            <p:ph type="pic" sz="quarter" idx="11"/>
+          </p:nvPr>
+        </p:nvPicPr>
+        <p:blipFill>
+          <a:blip r:embed="rId2">
+            <a:extLst>
+              <a:ext uri="{28A0092B-C50C-407E-A947-70E740481C1C}">
+                <a14:useLocalDpi xmlns:a14="http://schemas.microsoft.com/office/drawing/2010/main" val="0"/>
+              </a:ext>
+            </a:extLst>
+          </a:blip>
+          <a:srcRect l="27410" r="27410"/>
+          <a:stretch>
+            <a:fillRect/>
+          </a:stretch>
+        </p:blipFill>
+        <p:spPr/>
+      </p:pic>
+      <p:sp>
+        <p:nvSpPr>
+          <p:cNvPr id="2" name="Fußzeilenplatzhalter 1"/>
+          <p:cNvSpPr>
+            <a:spLocks noGrp="1"/>
+          </p:cNvSpPr>
+          <p:nvPr>
+            <p:ph type="ftr" sz="quarter" idx="10"/>
+          </p:nvPr>
+        </p:nvSpPr>
+        <p:spPr/>
+        <p:txBody>
+          <a:bodyPr/>
+          <a:lstStyle/>
+          <a:p>
+            <a:r>
+              <a:rPr lang="de-DE"/>
+              <a:t>Referent · Titel</a:t>
+            </a:r>
+            <a:endParaRPr lang="de-DE" dirty="0"/>
+          </a:p>
+        </p:txBody>
+      </p:sp>
+    </p:spTree>
+    <p:extLst>
+      <p:ext uri="{BB962C8B-B14F-4D97-AF65-F5344CB8AC3E}">
+        <p14:creationId xmlns:p14="http://schemas.microsoft.com/office/powerpoint/2010/main" val="56149347"/>
+      </p:ext>
+    </p:extLst>
+  </p:cSld>
+  <p:clrMapOvr>
+    <a:masterClrMapping/>
+  </p:clrMapOvr>
+</p:sld>
+</file>
+
+<file path=ppt/slides/slide34.xml><?xml version="1.0" encoding="utf-8"?>
+<p:sld xmlns:a="http://schemas.openxmlformats.org/drawingml/2006/main" xmlns:r="http://schemas.openxmlformats.org/officeDocument/2006/relationships" xmlns:p="http://schemas.openxmlformats.org/presentationml/2006/main">
+  <p:cSld>
+    <p:spTree>
+      <p:nvGrpSpPr>
+        <p:cNvPr id="1" name=""/>
+        <p:cNvGrpSpPr/>
+        <p:nvPr/>
+      </p:nvGrpSpPr>
+      <p:grpSpPr>
+        <a:xfrm>
+          <a:off x="0" y="0"/>
+          <a:ext cx="0" cy="0"/>
+          <a:chOff x="0" y="0"/>
+          <a:chExt cx="0" cy="0"/>
+        </a:xfrm>
+      </p:grpSpPr>
+      <p:sp>
+        <p:nvSpPr>
+          <p:cNvPr id="6" name="Inhaltsplatzhalter 5"/>
+          <p:cNvSpPr>
+            <a:spLocks noGrp="1"/>
+          </p:cNvSpPr>
+          <p:nvPr>
+            <p:ph idx="1"/>
+          </p:nvPr>
+        </p:nvSpPr>
+        <p:spPr/>
+        <p:txBody>
+          <a:bodyPr/>
+          <a:lstStyle/>
+          <a:p>
+            <a:r>
+              <a:rPr lang="de-DE" dirty="0"/>
+              <a:t>Dies ist ein </a:t>
+            </a:r>
+            <a:r>
+              <a:rPr lang="de-DE" dirty="0" err="1"/>
+              <a:t>Typoblindtext</a:t>
+            </a:r>
+            <a:r>
+              <a:rPr lang="de-DE" dirty="0"/>
+              <a:t>. An ihm kann man sehen, ob alle Buchstaben da sind und wie sie aussehen. </a:t>
+            </a:r>
+          </a:p>
+          <a:p>
+            <a:r>
+              <a:rPr lang="de-DE" dirty="0"/>
+              <a:t>Manchmal benutzt man Worte wie </a:t>
+            </a:r>
+          </a:p>
+          <a:p>
+            <a:pPr lvl="1"/>
+            <a:r>
+              <a:rPr lang="de-DE" dirty="0"/>
+              <a:t>Hamburgefonts, </a:t>
+            </a:r>
+          </a:p>
+          <a:p>
+            <a:pPr lvl="1"/>
+            <a:r>
+              <a:rPr lang="de-DE" dirty="0" err="1"/>
+              <a:t>Rafgenduks</a:t>
+            </a:r>
+            <a:r>
+              <a:rPr lang="de-DE" dirty="0"/>
+              <a:t> oder </a:t>
+            </a:r>
+          </a:p>
+          <a:p>
+            <a:pPr lvl="1"/>
+            <a:r>
+              <a:rPr lang="de-DE" dirty="0" err="1"/>
+              <a:t>Handgloves</a:t>
+            </a:r>
+            <a:r>
+              <a:rPr lang="de-DE" dirty="0"/>
+              <a:t>, </a:t>
+            </a:r>
+          </a:p>
+          <a:p>
+            <a:r>
+              <a:rPr lang="de-DE" dirty="0"/>
+              <a:t>um Schriften zu testen.</a:t>
+            </a:r>
+          </a:p>
+        </p:txBody>
+      </p:sp>
+      <p:sp>
+        <p:nvSpPr>
+          <p:cNvPr id="5" name="Titel 4"/>
+          <p:cNvSpPr>
+            <a:spLocks noGrp="1"/>
+          </p:cNvSpPr>
+          <p:nvPr>
+            <p:ph type="title"/>
+          </p:nvPr>
+        </p:nvSpPr>
+        <p:spPr/>
+        <p:txBody>
+          <a:bodyPr>
+            <a:normAutofit fontScale="90000"/>
+          </a:bodyPr>
+          <a:lstStyle/>
+          <a:p>
+            <a:r>
+              <a:rPr lang="de-DE"/>
+              <a:t>Musterüberschrift</a:t>
+            </a:r>
+          </a:p>
+        </p:txBody>
+      </p:sp>
+      <p:pic>
+        <p:nvPicPr>
+          <p:cNvPr id="3" name="Bildplatzhalter 2"/>
+          <p:cNvPicPr>
+            <a:picLocks noGrp="1" noChangeAspect="1"/>
+          </p:cNvPicPr>
+          <p:nvPr>
+            <p:ph type="pic" sz="quarter" idx="11"/>
+          </p:nvPr>
+        </p:nvPicPr>
+        <p:blipFill>
+          <a:blip r:embed="rId2">
+            <a:extLst>
+              <a:ext uri="{28A0092B-C50C-407E-A947-70E740481C1C}">
+                <a14:useLocalDpi xmlns:a14="http://schemas.microsoft.com/office/drawing/2010/main" val="0"/>
+              </a:ext>
+            </a:extLst>
+          </a:blip>
+          <a:srcRect l="27427" r="27427"/>
+          <a:stretch>
+            <a:fillRect/>
+          </a:stretch>
+        </p:blipFill>
+        <p:spPr/>
+      </p:pic>
+      <p:sp>
+        <p:nvSpPr>
+          <p:cNvPr id="2" name="Fußzeilenplatzhalter 1"/>
+          <p:cNvSpPr>
+            <a:spLocks noGrp="1"/>
+          </p:cNvSpPr>
+          <p:nvPr>
+            <p:ph type="ftr" sz="quarter" idx="10"/>
+          </p:nvPr>
+        </p:nvSpPr>
+        <p:spPr/>
+        <p:txBody>
+          <a:bodyPr/>
+          <a:lstStyle/>
+          <a:p>
+            <a:r>
+              <a:rPr lang="de-DE"/>
+              <a:t>Referent · Titel</a:t>
+            </a:r>
+            <a:endParaRPr lang="de-DE" dirty="0"/>
+          </a:p>
+        </p:txBody>
+      </p:sp>
+    </p:spTree>
+    <p:extLst>
+      <p:ext uri="{BB962C8B-B14F-4D97-AF65-F5344CB8AC3E}">
+        <p14:creationId xmlns:p14="http://schemas.microsoft.com/office/powerpoint/2010/main" val="956753996"/>
+      </p:ext>
+    </p:extLst>
+  </p:cSld>
+  <p:clrMapOvr>
+    <a:masterClrMapping/>
+  </p:clrMapOvr>
+</p:sld>
+</file>
+
+<file path=ppt/slides/slide35.xml><?xml version="1.0" encoding="utf-8"?>
+<p:sld xmlns:a="http://schemas.openxmlformats.org/drawingml/2006/main" xmlns:r="http://schemas.openxmlformats.org/officeDocument/2006/relationships" xmlns:p="http://schemas.openxmlformats.org/presentationml/2006/main">
+  <p:cSld>
+    <p:spTree>
+      <p:nvGrpSpPr>
+        <p:cNvPr id="1" name=""/>
+        <p:cNvGrpSpPr/>
+        <p:nvPr/>
+      </p:nvGrpSpPr>
+      <p:grpSpPr>
+        <a:xfrm>
+          <a:off x="0" y="0"/>
+          <a:ext cx="0" cy="0"/>
+          <a:chOff x="0" y="0"/>
+          <a:chExt cx="0" cy="0"/>
+        </a:xfrm>
+      </p:grpSpPr>
       <p:sp>
         <p:nvSpPr>
           <p:cNvPr id="6" name="Inhaltsplatzhalter 5"/>
@@ -5119,7 +10072,7 @@
 </p:sld>
 </file>
 
-<file path=ppt/slides/slide15.xml><?xml version="1.0" encoding="utf-8"?>
+<file path=ppt/slides/slide36.xml><?xml version="1.0" encoding="utf-8"?>
 <p:sld xmlns:a="http://schemas.openxmlformats.org/drawingml/2006/main" xmlns:r="http://schemas.openxmlformats.org/officeDocument/2006/relationships" xmlns:p="http://schemas.openxmlformats.org/presentationml/2006/main">
   <p:cSld>
     <p:spTree>
@@ -6051,456 +11004,6 @@
 </p:sld>
 </file>
 
-<file path=ppt/slides/slide2.xml><?xml version="1.0" encoding="utf-8"?>
-<p:sld xmlns:a="http://schemas.openxmlformats.org/drawingml/2006/main" xmlns:r="http://schemas.openxmlformats.org/officeDocument/2006/relationships" xmlns:p="http://schemas.openxmlformats.org/presentationml/2006/main">
-  <p:cSld>
-    <p:spTree>
-      <p:nvGrpSpPr>
-        <p:cNvPr id="1" name=""/>
-        <p:cNvGrpSpPr/>
-        <p:nvPr/>
-      </p:nvGrpSpPr>
-      <p:grpSpPr>
-        <a:xfrm>
-          <a:off x="0" y="0"/>
-          <a:ext cx="0" cy="0"/>
-          <a:chOff x="0" y="0"/>
-          <a:chExt cx="0" cy="0"/>
-        </a:xfrm>
-      </p:grpSpPr>
-      <p:sp>
-        <p:nvSpPr>
-          <p:cNvPr id="3" name="Fußzeilenplatzhalter 2"/>
-          <p:cNvSpPr>
-            <a:spLocks noGrp="1"/>
-          </p:cNvSpPr>
-          <p:nvPr>
-            <p:ph type="ftr" sz="quarter" idx="10"/>
-          </p:nvPr>
-        </p:nvSpPr>
-        <p:spPr/>
-        <p:txBody>
-          <a:bodyPr/>
-          <a:lstStyle/>
-          <a:p>
-            <a:r>
-              <a:rPr lang="de-DE"/>
-              <a:t>Referent · Titel</a:t>
-            </a:r>
-            <a:endParaRPr lang="de-DE" dirty="0"/>
-          </a:p>
-        </p:txBody>
-      </p:sp>
-      <p:sp>
-        <p:nvSpPr>
-          <p:cNvPr id="5" name="Titel 4"/>
-          <p:cNvSpPr>
-            <a:spLocks noGrp="1"/>
-          </p:cNvSpPr>
-          <p:nvPr>
-            <p:ph type="title"/>
-          </p:nvPr>
-        </p:nvSpPr>
-        <p:spPr/>
-        <p:txBody>
-          <a:bodyPr>
-            <a:normAutofit fontScale="90000"/>
-          </a:bodyPr>
-          <a:lstStyle/>
-          <a:p>
-            <a:r>
-              <a:rPr lang="de-DE" dirty="0"/>
-              <a:t>Inhaltsverzeichnis</a:t>
-            </a:r>
-          </a:p>
-        </p:txBody>
-      </p:sp>
-      <p:pic>
-        <p:nvPicPr>
-          <p:cNvPr id="10" name="Bildplatzhalter 9"/>
-          <p:cNvPicPr>
-            <a:picLocks noGrp="1" noChangeAspect="1"/>
-          </p:cNvPicPr>
-          <p:nvPr>
-            <p:ph type="pic" sz="quarter" idx="11"/>
-          </p:nvPr>
-        </p:nvPicPr>
-        <p:blipFill>
-          <a:blip r:embed="rId2">
-            <a:extLst>
-              <a:ext uri="{28A0092B-C50C-407E-A947-70E740481C1C}">
-                <a14:useLocalDpi xmlns:a14="http://schemas.microsoft.com/office/drawing/2010/main" val="0"/>
-              </a:ext>
-            </a:extLst>
-          </a:blip>
-          <a:srcRect t="40956" b="40956"/>
-          <a:stretch>
-            <a:fillRect/>
-          </a:stretch>
-        </p:blipFill>
-        <p:spPr/>
-      </p:pic>
-      <p:sp>
-        <p:nvSpPr>
-          <p:cNvPr id="9" name="Inhaltsplatzhalter 8"/>
-          <p:cNvSpPr>
-            <a:spLocks noGrp="1"/>
-          </p:cNvSpPr>
-          <p:nvPr>
-            <p:ph idx="1"/>
-          </p:nvPr>
-        </p:nvSpPr>
-        <p:spPr/>
-        <p:txBody>
-          <a:bodyPr>
-            <a:normAutofit lnSpcReduction="10000"/>
-          </a:bodyPr>
-          <a:lstStyle/>
-          <a:p>
-            <a:pPr marL="342900" indent="-342900">
-              <a:buFont typeface="+mj-lt"/>
-              <a:buAutoNum type="arabicPeriod"/>
-            </a:pPr>
-            <a:r>
-              <a:rPr lang="de-DE" dirty="0"/>
-              <a:t>Einführung</a:t>
-            </a:r>
-          </a:p>
-          <a:p>
-            <a:pPr marL="342900" indent="-342900">
-              <a:buFont typeface="+mj-lt"/>
-              <a:buAutoNum type="arabicPeriod"/>
-            </a:pPr>
-            <a:r>
-              <a:rPr lang="de-DE" dirty="0"/>
-              <a:t>Algorithmen zum Zeichnen von Bäumen</a:t>
-            </a:r>
-          </a:p>
-          <a:p>
-            <a:pPr marL="685800" lvl="1" indent="-342900">
-              <a:buFont typeface="+mj-lt"/>
-              <a:buAutoNum type="arabicPeriod"/>
-            </a:pPr>
-            <a:r>
-              <a:rPr lang="de-DE" dirty="0"/>
-              <a:t>Naiver Algorithmus von </a:t>
-            </a:r>
-            <a:r>
-              <a:rPr lang="de-DE" dirty="0" err="1"/>
-              <a:t>Wetherell</a:t>
-            </a:r>
-            <a:r>
-              <a:rPr lang="de-DE" dirty="0"/>
-              <a:t> und Shannon</a:t>
-            </a:r>
-          </a:p>
-          <a:p>
-            <a:pPr marL="685800" lvl="1" indent="-342900">
-              <a:buFont typeface="+mj-lt"/>
-              <a:buAutoNum type="arabicPeriod"/>
-            </a:pPr>
-            <a:r>
-              <a:rPr lang="de-DE" dirty="0"/>
-              <a:t>Verbesserter Algorithmus von </a:t>
-            </a:r>
-            <a:r>
-              <a:rPr lang="de-DE" dirty="0" err="1"/>
-              <a:t>Wetherell</a:t>
-            </a:r>
-            <a:r>
-              <a:rPr lang="de-DE" dirty="0"/>
-              <a:t> und Shannon</a:t>
-            </a:r>
-          </a:p>
-          <a:p>
-            <a:pPr marL="685800" lvl="1" indent="-342900">
-              <a:buFont typeface="+mj-lt"/>
-              <a:buAutoNum type="arabicPeriod"/>
-            </a:pPr>
-            <a:r>
-              <a:rPr lang="de-DE" dirty="0"/>
-              <a:t>Algorithmus von </a:t>
-            </a:r>
-            <a:r>
-              <a:rPr lang="de-DE" dirty="0" err="1"/>
-              <a:t>Reingold</a:t>
-            </a:r>
-            <a:r>
-              <a:rPr lang="de-DE" dirty="0"/>
-              <a:t> und </a:t>
-            </a:r>
-            <a:r>
-              <a:rPr lang="de-DE" dirty="0" err="1"/>
-              <a:t>Tilford</a:t>
-            </a:r>
-            <a:endParaRPr lang="de-DE" dirty="0"/>
-          </a:p>
-          <a:p>
-            <a:pPr marL="342900" indent="-342900">
-              <a:buFont typeface="+mj-lt"/>
-              <a:buAutoNum type="arabicPeriod"/>
-            </a:pPr>
-            <a:r>
-              <a:rPr lang="de-DE" dirty="0"/>
-              <a:t>Vergleich</a:t>
-            </a:r>
-          </a:p>
-          <a:p>
-            <a:pPr marL="342900" indent="-342900">
-              <a:buFont typeface="+mj-lt"/>
-              <a:buAutoNum type="arabicPeriod"/>
-            </a:pPr>
-            <a:r>
-              <a:rPr lang="de-DE" dirty="0"/>
-              <a:t>Konklusion</a:t>
-            </a:r>
-          </a:p>
-        </p:txBody>
-      </p:sp>
-    </p:spTree>
-    <p:extLst>
-      <p:ext uri="{BB962C8B-B14F-4D97-AF65-F5344CB8AC3E}">
-        <p14:creationId xmlns:p14="http://schemas.microsoft.com/office/powerpoint/2010/main" val="347019466"/>
-      </p:ext>
-    </p:extLst>
-  </p:cSld>
-  <p:clrMapOvr>
-    <a:masterClrMapping/>
-  </p:clrMapOvr>
-</p:sld>
-</file>
-
-<file path=ppt/slides/slide3.xml><?xml version="1.0" encoding="utf-8"?>
-<p:sld xmlns:a="http://schemas.openxmlformats.org/drawingml/2006/main" xmlns:r="http://schemas.openxmlformats.org/officeDocument/2006/relationships" xmlns:p="http://schemas.openxmlformats.org/presentationml/2006/main">
-  <p:cSld>
-    <p:spTree>
-      <p:nvGrpSpPr>
-        <p:cNvPr id="1" name=""/>
-        <p:cNvGrpSpPr/>
-        <p:nvPr/>
-      </p:nvGrpSpPr>
-      <p:grpSpPr>
-        <a:xfrm>
-          <a:off x="0" y="0"/>
-          <a:ext cx="0" cy="0"/>
-          <a:chOff x="0" y="0"/>
-          <a:chExt cx="0" cy="0"/>
-        </a:xfrm>
-      </p:grpSpPr>
-      <p:sp>
-        <p:nvSpPr>
-          <p:cNvPr id="2" name="Inhaltsplatzhalter 1">
-            <a:extLst>
-              <a:ext uri="{FF2B5EF4-FFF2-40B4-BE49-F238E27FC236}">
-                <a16:creationId xmlns:a16="http://schemas.microsoft.com/office/drawing/2014/main" id="{DA6D6A53-F10F-1C8D-6D46-FEC2DC2B96BE}"/>
-              </a:ext>
-            </a:extLst>
-          </p:cNvPr>
-          <p:cNvSpPr>
-            <a:spLocks noGrp="1"/>
-          </p:cNvSpPr>
-          <p:nvPr>
-            <p:ph idx="1"/>
-          </p:nvPr>
-        </p:nvSpPr>
-        <p:spPr>
-          <a:xfrm>
-            <a:off x="360000" y="915990"/>
-            <a:ext cx="8424000" cy="3710010"/>
-          </a:xfrm>
-        </p:spPr>
-        <p:txBody>
-          <a:bodyPr/>
-          <a:lstStyle/>
-          <a:p>
-            <a:pPr marL="342900" indent="-342900">
-              <a:buFont typeface="+mj-lt"/>
-              <a:buAutoNum type="arabicPeriod"/>
-            </a:pPr>
-            <a:r>
-              <a:rPr lang="de-DE" dirty="0"/>
-              <a:t>Einleitung</a:t>
-            </a:r>
-          </a:p>
-          <a:p>
-            <a:pPr marL="342900" indent="-342900">
-              <a:buFont typeface="+mj-lt"/>
-              <a:buAutoNum type="arabicPeriod"/>
-            </a:pPr>
-            <a:r>
-              <a:rPr lang="de-DE" dirty="0"/>
-              <a:t>Definition von Bäumen in der Informatik</a:t>
-            </a:r>
-          </a:p>
-          <a:p>
-            <a:pPr marL="342900" indent="-342900">
-              <a:buFont typeface="+mj-lt"/>
-              <a:buAutoNum type="arabicPeriod"/>
-            </a:pPr>
-            <a:r>
-              <a:rPr lang="de-DE" dirty="0"/>
-              <a:t>Algorithmen zum Zeichnen von Bäumen</a:t>
-            </a:r>
-          </a:p>
-          <a:p>
-            <a:pPr marL="685800" lvl="1" indent="-342900">
-              <a:buFont typeface="+mj-lt"/>
-              <a:buAutoNum type="arabicPeriod"/>
-            </a:pPr>
-            <a:r>
-              <a:rPr lang="de-DE" dirty="0"/>
-              <a:t>Naiver Algorithmus von </a:t>
-            </a:r>
-            <a:r>
-              <a:rPr lang="de-DE" dirty="0" err="1"/>
-              <a:t>Wetherell</a:t>
-            </a:r>
-            <a:r>
-              <a:rPr lang="de-DE" dirty="0"/>
-              <a:t> und Shannon</a:t>
-            </a:r>
-          </a:p>
-          <a:p>
-            <a:pPr marL="685800" lvl="1" indent="-342900">
-              <a:buFont typeface="+mj-lt"/>
-              <a:buAutoNum type="arabicPeriod"/>
-            </a:pPr>
-            <a:r>
-              <a:rPr lang="de-DE" dirty="0"/>
-              <a:t>Verbesserter Algorithmus von </a:t>
-            </a:r>
-            <a:r>
-              <a:rPr lang="de-DE" dirty="0" err="1"/>
-              <a:t>Wetherell</a:t>
-            </a:r>
-            <a:r>
-              <a:rPr lang="de-DE" dirty="0"/>
-              <a:t> und Shannon</a:t>
-            </a:r>
-          </a:p>
-          <a:p>
-            <a:pPr marL="685800" lvl="1" indent="-342900">
-              <a:buFont typeface="+mj-lt"/>
-              <a:buAutoNum type="arabicPeriod"/>
-            </a:pPr>
-            <a:r>
-              <a:rPr lang="de-DE" dirty="0"/>
-              <a:t>Algorithmus von </a:t>
-            </a:r>
-            <a:r>
-              <a:rPr lang="de-DE" dirty="0" err="1"/>
-              <a:t>Reingold</a:t>
-            </a:r>
-            <a:r>
-              <a:rPr lang="de-DE" dirty="0"/>
-              <a:t> und </a:t>
-            </a:r>
-            <a:r>
-              <a:rPr lang="de-DE" dirty="0" err="1"/>
-              <a:t>Tilford</a:t>
-            </a:r>
-            <a:endParaRPr lang="de-DE" dirty="0"/>
-          </a:p>
-          <a:p>
-            <a:pPr marL="342900" indent="-342900">
-              <a:buFont typeface="+mj-lt"/>
-              <a:buAutoNum type="arabicPeriod"/>
-            </a:pPr>
-            <a:r>
-              <a:rPr lang="de-DE" dirty="0"/>
-              <a:t>Vergleich</a:t>
-            </a:r>
-          </a:p>
-          <a:p>
-            <a:pPr marL="342900" indent="-342900">
-              <a:buFont typeface="+mj-lt"/>
-              <a:buAutoNum type="arabicPeriod"/>
-            </a:pPr>
-            <a:r>
-              <a:rPr lang="de-DE" dirty="0"/>
-              <a:t>Konklusion</a:t>
-            </a:r>
-          </a:p>
-          <a:p>
-            <a:pPr marL="0" indent="0">
-              <a:buNone/>
-            </a:pPr>
-            <a:endParaRPr lang="de-DE" dirty="0"/>
-          </a:p>
-        </p:txBody>
-      </p:sp>
-      <p:sp>
-        <p:nvSpPr>
-          <p:cNvPr id="3" name="Fußzeilenplatzhalter 2">
-            <a:extLst>
-              <a:ext uri="{FF2B5EF4-FFF2-40B4-BE49-F238E27FC236}">
-                <a16:creationId xmlns:a16="http://schemas.microsoft.com/office/drawing/2014/main" id="{BAE457E3-909A-BB36-F91E-21D1E20AA5E9}"/>
-              </a:ext>
-            </a:extLst>
-          </p:cNvPr>
-          <p:cNvSpPr>
-            <a:spLocks noGrp="1"/>
-          </p:cNvSpPr>
-          <p:nvPr>
-            <p:ph type="ftr" sz="quarter" idx="10"/>
-          </p:nvPr>
-        </p:nvSpPr>
-        <p:spPr/>
-        <p:txBody>
-          <a:bodyPr/>
-          <a:lstStyle/>
-          <a:p>
-            <a:r>
-              <a:rPr lang="de-DE"/>
-              <a:t>Erkan Garan, Justin Treulieb - Bäume zeichnen im Ebenen-Layout </a:t>
-            </a:r>
-            <a:endParaRPr lang="de-DE" dirty="0"/>
-          </a:p>
-        </p:txBody>
-      </p:sp>
-      <p:sp>
-        <p:nvSpPr>
-          <p:cNvPr id="4" name="Titel 3">
-            <a:extLst>
-              <a:ext uri="{FF2B5EF4-FFF2-40B4-BE49-F238E27FC236}">
-                <a16:creationId xmlns:a16="http://schemas.microsoft.com/office/drawing/2014/main" id="{5FB2163D-B7F4-FF40-D342-27678C5A2537}"/>
-              </a:ext>
-            </a:extLst>
-          </p:cNvPr>
-          <p:cNvSpPr>
-            <a:spLocks noGrp="1"/>
-          </p:cNvSpPr>
-          <p:nvPr>
-            <p:ph type="title"/>
-          </p:nvPr>
-        </p:nvSpPr>
-        <p:spPr/>
-        <p:txBody>
-          <a:bodyPr>
-            <a:normAutofit fontScale="90000"/>
-          </a:bodyPr>
-          <a:lstStyle/>
-          <a:p>
-            <a:r>
-              <a:rPr lang="de-DE" dirty="0"/>
-              <a:t>Inhaltsverzeichnis</a:t>
-            </a:r>
-          </a:p>
-        </p:txBody>
-      </p:sp>
-    </p:spTree>
-    <p:extLst>
-      <p:ext uri="{BB962C8B-B14F-4D97-AF65-F5344CB8AC3E}">
-        <p14:creationId xmlns:p14="http://schemas.microsoft.com/office/powerpoint/2010/main" val="1262473004"/>
-      </p:ext>
-    </p:extLst>
-  </p:cSld>
-  <p:clrMapOvr>
-    <a:masterClrMapping/>
-  </p:clrMapOvr>
-</p:sld>
-</file>
-
 <file path=ppt/slides/slide4.xml><?xml version="1.0" encoding="utf-8"?>
 <p:sld xmlns:a="http://schemas.openxmlformats.org/drawingml/2006/main" xmlns:r="http://schemas.openxmlformats.org/officeDocument/2006/relationships" xmlns:p="http://schemas.openxmlformats.org/presentationml/2006/main">
   <p:cSld>
@@ -7100,7 +11603,13 @@
       </p:grpSpPr>
       <p:sp>
         <p:nvSpPr>
-          <p:cNvPr id="6" name="Inhaltsplatzhalter 5"/>
+          <p:cNvPr id="2" name="Inhaltsplatzhalter 1">
+            <a:extLst>
+              <a:ext uri="{FF2B5EF4-FFF2-40B4-BE49-F238E27FC236}">
+                <a16:creationId xmlns:a16="http://schemas.microsoft.com/office/drawing/2014/main" id="{BAD008CD-3E38-4873-2237-225ACE4C6F86}"/>
+              </a:ext>
+            </a:extLst>
+          </p:cNvPr>
           <p:cNvSpPr>
             <a:spLocks noGrp="1"/>
           </p:cNvSpPr>
@@ -7115,63 +11624,61 @@
           <a:p>
             <a:r>
               <a:rPr lang="de-DE" dirty="0"/>
-              <a:t>Dies ist ein </a:t>
-            </a:r>
-            <a:r>
-              <a:rPr lang="de-DE" dirty="0" err="1"/>
-              <a:t>Typoblindtext</a:t>
-            </a:r>
-            <a:r>
-              <a:rPr lang="de-DE" dirty="0"/>
-              <a:t>. An ihm kann man sehen, ob alle Buchstaben da sind und wie sie aussehen. </a:t>
-            </a:r>
-          </a:p>
-          <a:p>
-            <a:r>
-              <a:rPr lang="de-DE" dirty="0"/>
-              <a:t>Manchmal benutzt man Worte wie </a:t>
+              <a:t>Soll die Nachteile des naiven Algorithmus nicht mehr aufweisen</a:t>
+            </a:r>
+          </a:p>
+          <a:p>
+            <a:r>
+              <a:rPr lang="de-DE" dirty="0"/>
+              <a:t>Zwei neue Anforderungen dafür definiert</a:t>
             </a:r>
           </a:p>
           <a:p>
             <a:pPr lvl="1"/>
             <a:r>
               <a:rPr lang="de-DE" dirty="0"/>
-              <a:t>Hamburgefonts, </a:t>
+              <a:t>In einem Binärbaum soll jedes linke Kind links und jedes rechte Kind rechts von seinem Vater platziert werden</a:t>
             </a:r>
           </a:p>
           <a:p>
             <a:pPr lvl="1"/>
             <a:r>
-              <a:rPr lang="de-DE" dirty="0" err="1"/>
-              <a:t>Rafgenduks</a:t>
-            </a:r>
-            <a:r>
-              <a:rPr lang="de-DE" dirty="0"/>
-              <a:t> oder </a:t>
-            </a:r>
-          </a:p>
-          <a:p>
-            <a:pPr lvl="1"/>
-            <a:r>
-              <a:rPr lang="de-DE" dirty="0" err="1"/>
-              <a:t>Handgloves</a:t>
-            </a:r>
-            <a:r>
-              <a:rPr lang="de-DE" dirty="0"/>
-              <a:t>, </a:t>
-            </a:r>
-          </a:p>
-          <a:p>
-            <a:r>
-              <a:rPr lang="de-DE" dirty="0"/>
-              <a:t>um Schriften zu testen.</a:t>
-            </a:r>
-          </a:p>
-        </p:txBody>
-      </p:sp>
-      <p:sp>
-        <p:nvSpPr>
-          <p:cNvPr id="5" name="Titel 4"/>
+              <a:rPr lang="de-DE" dirty="0"/>
+              <a:t>Ein Vater soll über seinen Kindern zentriert werden</a:t>
+            </a:r>
+          </a:p>
+          <a:p>
+            <a:r>
+              <a:rPr lang="de-DE" dirty="0"/>
+              <a:t>Lässt sich in zwei Phasen unterteilen</a:t>
+            </a:r>
+          </a:p>
+          <a:p>
+            <a:r>
+              <a:rPr lang="de-DE" dirty="0"/>
+              <a:t>Zuerst vorläufige X-Koordinaten bestimmt</a:t>
+            </a:r>
+          </a:p>
+          <a:p>
+            <a:r>
+              <a:rPr lang="de-DE" dirty="0"/>
+              <a:t>Danach diese bei Bedarf abgeändert sowie die Y-Koordinate berechnet</a:t>
+            </a:r>
+          </a:p>
+          <a:p>
+            <a:endParaRPr lang="de-DE" dirty="0"/>
+          </a:p>
+        </p:txBody>
+      </p:sp>
+      <p:sp>
+        <p:nvSpPr>
+          <p:cNvPr id="3" name="Titel 2">
+            <a:extLst>
+              <a:ext uri="{FF2B5EF4-FFF2-40B4-BE49-F238E27FC236}">
+                <a16:creationId xmlns:a16="http://schemas.microsoft.com/office/drawing/2014/main" id="{DA7FBB13-BC24-E865-E65F-8F264670C8CA}"/>
+              </a:ext>
+            </a:extLst>
+          </p:cNvPr>
           <p:cNvSpPr>
             <a:spLocks noGrp="1"/>
           </p:cNvSpPr>
@@ -7188,14 +11695,20 @@
           <a:p>
             <a:r>
               <a:rPr lang="de-DE" dirty="0"/>
-              <a:t>Musterüberschrift</a:t>
-            </a:r>
-          </a:p>
-        </p:txBody>
-      </p:sp>
-      <p:sp>
-        <p:nvSpPr>
-          <p:cNvPr id="2" name="Fußzeilenplatzhalter 1"/>
+              <a:t>Verbesserter Algorithmus von WS</a:t>
+            </a:r>
+          </a:p>
+        </p:txBody>
+      </p:sp>
+      <p:sp>
+        <p:nvSpPr>
+          <p:cNvPr id="4" name="Fußzeilenplatzhalter 3">
+            <a:extLst>
+              <a:ext uri="{FF2B5EF4-FFF2-40B4-BE49-F238E27FC236}">
+                <a16:creationId xmlns:a16="http://schemas.microsoft.com/office/drawing/2014/main" id="{53ED9663-9E18-18A0-AEC8-48726ACF4C47}"/>
+              </a:ext>
+            </a:extLst>
+          </p:cNvPr>
           <p:cNvSpPr>
             <a:spLocks noGrp="1"/>
           </p:cNvSpPr>
@@ -7203,19 +11716,14 @@
             <p:ph type="ftr" sz="quarter" idx="10"/>
           </p:nvPr>
         </p:nvSpPr>
-        <p:spPr>
-          <a:xfrm>
-            <a:off x="360000" y="4707773"/>
-            <a:ext cx="8424000" cy="234001"/>
-          </a:xfrm>
-        </p:spPr>
+        <p:spPr/>
         <p:txBody>
           <a:bodyPr/>
           <a:lstStyle/>
           <a:p>
             <a:r>
               <a:rPr lang="de-DE"/>
-              <a:t>Referent · Titel</a:t>
+              <a:t>Erkan Garan, Justin Treulieb – Bäume zeichnen im Ebenen-Layout</a:t>
             </a:r>
             <a:endParaRPr lang="de-DE" dirty="0"/>
           </a:p>
@@ -7224,7 +11732,7 @@
     </p:spTree>
     <p:extLst>
       <p:ext uri="{BB962C8B-B14F-4D97-AF65-F5344CB8AC3E}">
-        <p14:creationId xmlns:p14="http://schemas.microsoft.com/office/powerpoint/2010/main" val="1374900008"/>
+        <p14:creationId xmlns:p14="http://schemas.microsoft.com/office/powerpoint/2010/main" val="3292457325"/>
       </p:ext>
     </p:extLst>
   </p:cSld>
@@ -7253,79 +11761,10 @@
       </p:grpSpPr>
       <p:sp>
         <p:nvSpPr>
-          <p:cNvPr id="2" name="Inhaltsplatzhalter 1">
-            <a:extLst>
-              <a:ext uri="{FF2B5EF4-FFF2-40B4-BE49-F238E27FC236}">
-                <a16:creationId xmlns:a16="http://schemas.microsoft.com/office/drawing/2014/main" id="{BAD008CD-3E38-4873-2237-225ACE4C6F86}"/>
-              </a:ext>
-            </a:extLst>
-          </p:cNvPr>
-          <p:cNvSpPr>
-            <a:spLocks noGrp="1"/>
-          </p:cNvSpPr>
-          <p:nvPr>
-            <p:ph idx="1"/>
-          </p:nvPr>
-        </p:nvSpPr>
-        <p:spPr/>
-        <p:txBody>
-          <a:bodyPr/>
-          <a:lstStyle/>
-          <a:p>
-            <a:r>
-              <a:rPr lang="de-DE" dirty="0"/>
-              <a:t>Soll die Nachteile des naiven Algorithmus nicht mehr aufweisen</a:t>
-            </a:r>
-          </a:p>
-          <a:p>
-            <a:r>
-              <a:rPr lang="de-DE" dirty="0"/>
-              <a:t>Zwei neue Anforderungen dafür definiert</a:t>
-            </a:r>
-          </a:p>
-          <a:p>
-            <a:pPr lvl="1"/>
-            <a:r>
-              <a:rPr lang="de-DE" dirty="0"/>
-              <a:t>In einem Binärbaum soll jedes linke Kind links und jedes rechte Kind rechts von seinem Vater platziert werden</a:t>
-            </a:r>
-          </a:p>
-          <a:p>
-            <a:pPr lvl="1"/>
-            <a:r>
-              <a:rPr lang="de-DE" dirty="0"/>
-              <a:t>Ein Vater soll über seinen Kindern zentriert werden</a:t>
-            </a:r>
-          </a:p>
-          <a:p>
-            <a:r>
-              <a:rPr lang="de-DE" dirty="0"/>
-              <a:t>Lässt sich in zwei Phasen unterteilen</a:t>
-            </a:r>
-          </a:p>
-          <a:p>
-            <a:r>
-              <a:rPr lang="de-DE" dirty="0"/>
-              <a:t>Zuerst vorläufige X-Koordinaten bestimmt</a:t>
-            </a:r>
-          </a:p>
-          <a:p>
-            <a:r>
-              <a:rPr lang="de-DE" dirty="0"/>
-              <a:t>Danach diese bei Bedarf abgeändert sowie die Y-Koordinate berechnet</a:t>
-            </a:r>
-          </a:p>
-          <a:p>
-            <a:endParaRPr lang="de-DE" dirty="0"/>
-          </a:p>
-        </p:txBody>
-      </p:sp>
-      <p:sp>
-        <p:nvSpPr>
           <p:cNvPr id="3" name="Titel 2">
             <a:extLst>
               <a:ext uri="{FF2B5EF4-FFF2-40B4-BE49-F238E27FC236}">
-                <a16:creationId xmlns:a16="http://schemas.microsoft.com/office/drawing/2014/main" id="{DA7FBB13-BC24-E865-E65F-8F264670C8CA}"/>
+                <a16:creationId xmlns:a16="http://schemas.microsoft.com/office/drawing/2014/main" id="{274F9FE8-8D95-5F35-5D72-88B83E6490F4}"/>
               </a:ext>
             </a:extLst>
           </p:cNvPr>
@@ -7345,15 +11784,7 @@
           <a:p>
             <a:r>
               <a:rPr lang="de-DE" dirty="0"/>
-              <a:t>Verbesserter Algorithmus von </a:t>
-            </a:r>
-            <a:r>
-              <a:rPr lang="de-DE" dirty="0" err="1"/>
-              <a:t>Wetherell</a:t>
-            </a:r>
-            <a:r>
-              <a:rPr lang="de-DE" dirty="0"/>
-              <a:t> und Shannon</a:t>
+              <a:t>Verbesserter Algorithmus von WS</a:t>
             </a:r>
           </a:p>
         </p:txBody>
@@ -7363,7 +11794,7 @@
           <p:cNvPr id="4" name="Fußzeilenplatzhalter 3">
             <a:extLst>
               <a:ext uri="{FF2B5EF4-FFF2-40B4-BE49-F238E27FC236}">
-                <a16:creationId xmlns:a16="http://schemas.microsoft.com/office/drawing/2014/main" id="{53ED9663-9E18-18A0-AEC8-48726ACF4C47}"/>
+                <a16:creationId xmlns:a16="http://schemas.microsoft.com/office/drawing/2014/main" id="{EEBE079F-696E-A736-DCFB-B06C7D35DBB7}"/>
               </a:ext>
             </a:extLst>
           </p:cNvPr>
@@ -7387,10 +11818,627 @@
           </a:p>
         </p:txBody>
       </p:sp>
+      <p:sp>
+        <p:nvSpPr>
+          <p:cNvPr id="9" name="Textplatzhalter 8">
+            <a:extLst>
+              <a:ext uri="{FF2B5EF4-FFF2-40B4-BE49-F238E27FC236}">
+                <a16:creationId xmlns:a16="http://schemas.microsoft.com/office/drawing/2014/main" id="{41B3520A-9E48-2624-3B5F-5DFF7AD8E4BB}"/>
+              </a:ext>
+            </a:extLst>
+          </p:cNvPr>
+          <p:cNvSpPr>
+            <a:spLocks noGrp="1"/>
+          </p:cNvSpPr>
+          <p:nvPr>
+            <p:ph type="body" sz="quarter" idx="11"/>
+          </p:nvPr>
+        </p:nvSpPr>
+        <p:spPr/>
+        <p:txBody>
+          <a:bodyPr/>
+          <a:lstStyle/>
+          <a:p>
+            <a:r>
+              <a:rPr lang="de-DE" dirty="0"/>
+              <a:t>Knoten-Klasse</a:t>
+            </a:r>
+          </a:p>
+        </p:txBody>
+      </p:sp>
+      <p:sp>
+        <p:nvSpPr>
+          <p:cNvPr id="2" name="Inhaltsplatzhalter 1">
+            <a:extLst>
+              <a:ext uri="{FF2B5EF4-FFF2-40B4-BE49-F238E27FC236}">
+                <a16:creationId xmlns:a16="http://schemas.microsoft.com/office/drawing/2014/main" id="{677FD419-1CA4-FBC5-573B-07CFC3C1B81E}"/>
+              </a:ext>
+            </a:extLst>
+          </p:cNvPr>
+          <p:cNvSpPr>
+            <a:spLocks noGrp="1"/>
+          </p:cNvSpPr>
+          <p:nvPr>
+            <p:ph sz="quarter" idx="12"/>
+          </p:nvPr>
+        </p:nvSpPr>
+        <p:spPr/>
+        <p:txBody>
+          <a:bodyPr>
+            <a:normAutofit/>
+          </a:bodyPr>
+          <a:lstStyle/>
+          <a:p>
+            <a:pPr marL="0" indent="0">
+              <a:buNone/>
+            </a:pPr>
+            <a:r>
+              <a:rPr lang="de-DE" b="0" dirty="0" err="1">
+                <a:solidFill>
+                  <a:srgbClr val="0000FF"/>
+                </a:solidFill>
+                <a:effectLst/>
+                <a:latin typeface="Consolas" panose="020B0609020204030204" pitchFamily="49" charset="0"/>
+              </a:rPr>
+              <a:t>public</a:t>
+            </a:r>
+            <a:r>
+              <a:rPr lang="de-DE" b="0" dirty="0">
+                <a:solidFill>
+                  <a:srgbClr val="000000"/>
+                </a:solidFill>
+                <a:effectLst/>
+                <a:latin typeface="Consolas" panose="020B0609020204030204" pitchFamily="49" charset="0"/>
+              </a:rPr>
+              <a:t> </a:t>
+            </a:r>
+            <a:r>
+              <a:rPr lang="de-DE" b="0" dirty="0" err="1">
+                <a:solidFill>
+                  <a:srgbClr val="0000FF"/>
+                </a:solidFill>
+                <a:effectLst/>
+                <a:latin typeface="Consolas" panose="020B0609020204030204" pitchFamily="49" charset="0"/>
+              </a:rPr>
+              <a:t>class</a:t>
+            </a:r>
+            <a:r>
+              <a:rPr lang="de-DE" b="0" dirty="0">
+                <a:solidFill>
+                  <a:srgbClr val="000000"/>
+                </a:solidFill>
+                <a:effectLst/>
+                <a:latin typeface="Consolas" panose="020B0609020204030204" pitchFamily="49" charset="0"/>
+              </a:rPr>
+              <a:t> Knoten&lt;</a:t>
+            </a:r>
+            <a:r>
+              <a:rPr lang="de-DE" b="0" dirty="0">
+                <a:solidFill>
+                  <a:srgbClr val="0000FF"/>
+                </a:solidFill>
+                <a:effectLst/>
+                <a:latin typeface="Consolas" panose="020B0609020204030204" pitchFamily="49" charset="0"/>
+              </a:rPr>
+              <a:t>T</a:t>
+            </a:r>
+            <a:r>
+              <a:rPr lang="de-DE" b="0" dirty="0">
+                <a:solidFill>
+                  <a:srgbClr val="000000"/>
+                </a:solidFill>
+                <a:effectLst/>
+                <a:latin typeface="Consolas" panose="020B0609020204030204" pitchFamily="49" charset="0"/>
+              </a:rPr>
+              <a:t>&gt; {</a:t>
+            </a:r>
+          </a:p>
+          <a:p>
+            <a:pPr marL="0" indent="0">
+              <a:buNone/>
+            </a:pPr>
+            <a:r>
+              <a:rPr lang="de-DE" b="0" dirty="0">
+                <a:solidFill>
+                  <a:srgbClr val="000000"/>
+                </a:solidFill>
+                <a:effectLst/>
+                <a:latin typeface="Consolas" panose="020B0609020204030204" pitchFamily="49" charset="0"/>
+              </a:rPr>
+              <a:t>    </a:t>
+            </a:r>
+            <a:r>
+              <a:rPr lang="de-DE" b="0" dirty="0">
+                <a:solidFill>
+                  <a:srgbClr val="0000FF"/>
+                </a:solidFill>
+                <a:effectLst/>
+                <a:latin typeface="Consolas" panose="020B0609020204030204" pitchFamily="49" charset="0"/>
+              </a:rPr>
+              <a:t>private</a:t>
+            </a:r>
+            <a:r>
+              <a:rPr lang="de-DE" b="0" dirty="0">
+                <a:solidFill>
+                  <a:srgbClr val="000000"/>
+                </a:solidFill>
+                <a:effectLst/>
+                <a:latin typeface="Consolas" panose="020B0609020204030204" pitchFamily="49" charset="0"/>
+              </a:rPr>
+              <a:t> </a:t>
+            </a:r>
+            <a:r>
+              <a:rPr lang="de-DE" b="0" dirty="0" err="1">
+                <a:solidFill>
+                  <a:srgbClr val="0000FF"/>
+                </a:solidFill>
+                <a:effectLst/>
+                <a:latin typeface="Consolas" panose="020B0609020204030204" pitchFamily="49" charset="0"/>
+              </a:rPr>
+              <a:t>int</a:t>
+            </a:r>
+            <a:r>
+              <a:rPr lang="de-DE" b="0" dirty="0">
+                <a:solidFill>
+                  <a:srgbClr val="000000"/>
+                </a:solidFill>
+                <a:effectLst/>
+                <a:latin typeface="Consolas" panose="020B0609020204030204" pitchFamily="49" charset="0"/>
+              </a:rPr>
+              <a:t> </a:t>
+            </a:r>
+            <a:r>
+              <a:rPr lang="de-DE" b="0" dirty="0" err="1">
+                <a:solidFill>
+                  <a:srgbClr val="000000"/>
+                </a:solidFill>
+                <a:effectLst/>
+                <a:latin typeface="Consolas" panose="020B0609020204030204" pitchFamily="49" charset="0"/>
+              </a:rPr>
+              <a:t>modifier</a:t>
+            </a:r>
+            <a:r>
+              <a:rPr lang="de-DE" b="0" dirty="0">
+                <a:solidFill>
+                  <a:srgbClr val="000000"/>
+                </a:solidFill>
+                <a:effectLst/>
+                <a:latin typeface="Consolas" panose="020B0609020204030204" pitchFamily="49" charset="0"/>
+              </a:rPr>
+              <a:t>;</a:t>
+            </a:r>
+          </a:p>
+          <a:p>
+            <a:pPr marL="0" indent="0">
+              <a:buNone/>
+            </a:pPr>
+            <a:r>
+              <a:rPr lang="de-DE" b="0" dirty="0">
+                <a:solidFill>
+                  <a:srgbClr val="000000"/>
+                </a:solidFill>
+                <a:effectLst/>
+                <a:latin typeface="Consolas" panose="020B0609020204030204" pitchFamily="49" charset="0"/>
+              </a:rPr>
+              <a:t>    </a:t>
+            </a:r>
+            <a:r>
+              <a:rPr lang="de-DE" b="0" dirty="0">
+                <a:solidFill>
+                  <a:srgbClr val="0000FF"/>
+                </a:solidFill>
+                <a:effectLst/>
+                <a:latin typeface="Consolas" panose="020B0609020204030204" pitchFamily="49" charset="0"/>
+              </a:rPr>
+              <a:t>private</a:t>
+            </a:r>
+            <a:r>
+              <a:rPr lang="de-DE" b="0" dirty="0">
+                <a:solidFill>
+                  <a:srgbClr val="000000"/>
+                </a:solidFill>
+                <a:effectLst/>
+                <a:latin typeface="Consolas" panose="020B0609020204030204" pitchFamily="49" charset="0"/>
+              </a:rPr>
+              <a:t> </a:t>
+            </a:r>
+            <a:r>
+              <a:rPr lang="de-DE" b="0" dirty="0" err="1">
+                <a:solidFill>
+                  <a:srgbClr val="0000FF"/>
+                </a:solidFill>
+                <a:effectLst/>
+                <a:latin typeface="Consolas" panose="020B0609020204030204" pitchFamily="49" charset="0"/>
+              </a:rPr>
+              <a:t>int</a:t>
+            </a:r>
+            <a:r>
+              <a:rPr lang="de-DE" b="0" dirty="0">
+                <a:solidFill>
+                  <a:srgbClr val="000000"/>
+                </a:solidFill>
+                <a:effectLst/>
+                <a:latin typeface="Consolas" panose="020B0609020204030204" pitchFamily="49" charset="0"/>
+              </a:rPr>
+              <a:t> x, y;</a:t>
+            </a:r>
+          </a:p>
+          <a:p>
+            <a:pPr marL="0" indent="0">
+              <a:buNone/>
+            </a:pPr>
+            <a:r>
+              <a:rPr lang="de-DE" b="0" dirty="0">
+                <a:solidFill>
+                  <a:srgbClr val="000000"/>
+                </a:solidFill>
+                <a:effectLst/>
+                <a:latin typeface="Consolas" panose="020B0609020204030204" pitchFamily="49" charset="0"/>
+              </a:rPr>
+              <a:t>    </a:t>
+            </a:r>
+            <a:r>
+              <a:rPr lang="de-DE" b="0" dirty="0">
+                <a:solidFill>
+                  <a:srgbClr val="0000FF"/>
+                </a:solidFill>
+                <a:effectLst/>
+                <a:latin typeface="Consolas" panose="020B0609020204030204" pitchFamily="49" charset="0"/>
+              </a:rPr>
+              <a:t>private</a:t>
+            </a:r>
+            <a:r>
+              <a:rPr lang="de-DE" b="0" dirty="0">
+                <a:solidFill>
+                  <a:srgbClr val="000000"/>
+                </a:solidFill>
+                <a:effectLst/>
+                <a:latin typeface="Consolas" panose="020B0609020204030204" pitchFamily="49" charset="0"/>
+              </a:rPr>
+              <a:t> </a:t>
+            </a:r>
+            <a:r>
+              <a:rPr lang="de-DE" b="0" dirty="0">
+                <a:solidFill>
+                  <a:srgbClr val="0000FF"/>
+                </a:solidFill>
+                <a:effectLst/>
+                <a:latin typeface="Consolas" panose="020B0609020204030204" pitchFamily="49" charset="0"/>
+              </a:rPr>
+              <a:t>T</a:t>
+            </a:r>
+            <a:r>
+              <a:rPr lang="de-DE" b="0" dirty="0">
+                <a:solidFill>
+                  <a:srgbClr val="000000"/>
+                </a:solidFill>
+                <a:effectLst/>
+                <a:latin typeface="Consolas" panose="020B0609020204030204" pitchFamily="49" charset="0"/>
+              </a:rPr>
+              <a:t> daten;</a:t>
+            </a:r>
+          </a:p>
+          <a:p>
+            <a:pPr marL="0" indent="0">
+              <a:buNone/>
+            </a:pPr>
+            <a:r>
+              <a:rPr lang="de-DE" b="0" dirty="0">
+                <a:solidFill>
+                  <a:srgbClr val="000000"/>
+                </a:solidFill>
+                <a:effectLst/>
+                <a:latin typeface="Consolas" panose="020B0609020204030204" pitchFamily="49" charset="0"/>
+              </a:rPr>
+              <a:t>    </a:t>
+            </a:r>
+            <a:r>
+              <a:rPr lang="de-DE" b="0" dirty="0">
+                <a:solidFill>
+                  <a:srgbClr val="0000FF"/>
+                </a:solidFill>
+                <a:effectLst/>
+                <a:latin typeface="Consolas" panose="020B0609020204030204" pitchFamily="49" charset="0"/>
+              </a:rPr>
+              <a:t>private</a:t>
+            </a:r>
+            <a:r>
+              <a:rPr lang="de-DE" b="0" dirty="0">
+                <a:solidFill>
+                  <a:srgbClr val="000000"/>
+                </a:solidFill>
+                <a:effectLst/>
+                <a:latin typeface="Consolas" panose="020B0609020204030204" pitchFamily="49" charset="0"/>
+              </a:rPr>
+              <a:t> </a:t>
+            </a:r>
+            <a:r>
+              <a:rPr lang="de-DE" b="0" dirty="0" err="1">
+                <a:solidFill>
+                  <a:srgbClr val="0000FF"/>
+                </a:solidFill>
+                <a:effectLst/>
+                <a:latin typeface="Consolas" panose="020B0609020204030204" pitchFamily="49" charset="0"/>
+              </a:rPr>
+              <a:t>int</a:t>
+            </a:r>
+            <a:r>
+              <a:rPr lang="de-DE" b="0" dirty="0">
+                <a:solidFill>
+                  <a:srgbClr val="000000"/>
+                </a:solidFill>
+                <a:effectLst/>
+                <a:latin typeface="Consolas" panose="020B0609020204030204" pitchFamily="49" charset="0"/>
+              </a:rPr>
+              <a:t> </a:t>
+            </a:r>
+            <a:r>
+              <a:rPr lang="de-DE" b="0" dirty="0" err="1">
+                <a:solidFill>
+                  <a:srgbClr val="000000"/>
+                </a:solidFill>
+                <a:effectLst/>
+                <a:latin typeface="Consolas" panose="020B0609020204030204" pitchFamily="49" charset="0"/>
+              </a:rPr>
+              <a:t>hoehe</a:t>
+            </a:r>
+            <a:r>
+              <a:rPr lang="de-DE" b="0" dirty="0">
+                <a:solidFill>
+                  <a:srgbClr val="000000"/>
+                </a:solidFill>
+                <a:effectLst/>
+                <a:latin typeface="Consolas" panose="020B0609020204030204" pitchFamily="49" charset="0"/>
+              </a:rPr>
+              <a:t>;</a:t>
+            </a:r>
+          </a:p>
+          <a:p>
+            <a:pPr marL="0" indent="0">
+              <a:buNone/>
+            </a:pPr>
+            <a:r>
+              <a:rPr lang="de-DE" b="0" dirty="0">
+                <a:solidFill>
+                  <a:srgbClr val="000000"/>
+                </a:solidFill>
+                <a:effectLst/>
+                <a:latin typeface="Consolas" panose="020B0609020204030204" pitchFamily="49" charset="0"/>
+              </a:rPr>
+              <a:t>    </a:t>
+            </a:r>
+          </a:p>
+          <a:p>
+            <a:pPr marL="0" indent="0">
+              <a:buNone/>
+            </a:pPr>
+            <a:r>
+              <a:rPr lang="de-DE" b="0" dirty="0">
+                <a:solidFill>
+                  <a:srgbClr val="000000"/>
+                </a:solidFill>
+                <a:effectLst/>
+                <a:latin typeface="Consolas" panose="020B0609020204030204" pitchFamily="49" charset="0"/>
+              </a:rPr>
+              <a:t>    </a:t>
+            </a:r>
+            <a:r>
+              <a:rPr lang="de-DE" b="0" dirty="0">
+                <a:solidFill>
+                  <a:srgbClr val="0000FF"/>
+                </a:solidFill>
+                <a:effectLst/>
+                <a:latin typeface="Consolas" panose="020B0609020204030204" pitchFamily="49" charset="0"/>
+              </a:rPr>
+              <a:t>private</a:t>
+            </a:r>
+            <a:r>
+              <a:rPr lang="de-DE" b="0" dirty="0">
+                <a:solidFill>
+                  <a:srgbClr val="000000"/>
+                </a:solidFill>
+                <a:effectLst/>
+                <a:latin typeface="Consolas" panose="020B0609020204030204" pitchFamily="49" charset="0"/>
+              </a:rPr>
+              <a:t> </a:t>
+            </a:r>
+            <a:r>
+              <a:rPr lang="de-DE" b="0" dirty="0">
+                <a:solidFill>
+                  <a:srgbClr val="0000FF"/>
+                </a:solidFill>
+                <a:effectLst/>
+                <a:latin typeface="Consolas" panose="020B0609020204030204" pitchFamily="49" charset="0"/>
+              </a:rPr>
+              <a:t>Knoten</a:t>
+            </a:r>
+            <a:r>
+              <a:rPr lang="de-DE" b="0" dirty="0">
+                <a:solidFill>
+                  <a:srgbClr val="000000"/>
+                </a:solidFill>
+                <a:effectLst/>
+                <a:latin typeface="Consolas" panose="020B0609020204030204" pitchFamily="49" charset="0"/>
+              </a:rPr>
+              <a:t>&lt;</a:t>
+            </a:r>
+            <a:r>
+              <a:rPr lang="de-DE" b="0" dirty="0">
+                <a:solidFill>
+                  <a:srgbClr val="0000FF"/>
+                </a:solidFill>
+                <a:effectLst/>
+                <a:latin typeface="Consolas" panose="020B0609020204030204" pitchFamily="49" charset="0"/>
+              </a:rPr>
+              <a:t>T</a:t>
+            </a:r>
+            <a:r>
+              <a:rPr lang="de-DE" b="0" dirty="0">
+                <a:solidFill>
+                  <a:srgbClr val="000000"/>
+                </a:solidFill>
+                <a:effectLst/>
+                <a:latin typeface="Consolas" panose="020B0609020204030204" pitchFamily="49" charset="0"/>
+              </a:rPr>
+              <a:t>&gt; </a:t>
+            </a:r>
+            <a:r>
+              <a:rPr lang="de-DE" b="0" dirty="0" err="1">
+                <a:solidFill>
+                  <a:srgbClr val="000000"/>
+                </a:solidFill>
+                <a:effectLst/>
+                <a:latin typeface="Consolas" panose="020B0609020204030204" pitchFamily="49" charset="0"/>
+              </a:rPr>
+              <a:t>vater</a:t>
+            </a:r>
+            <a:r>
+              <a:rPr lang="de-DE" b="0" dirty="0">
+                <a:solidFill>
+                  <a:srgbClr val="000000"/>
+                </a:solidFill>
+                <a:effectLst/>
+                <a:latin typeface="Consolas" panose="020B0609020204030204" pitchFamily="49" charset="0"/>
+              </a:rPr>
+              <a:t>;</a:t>
+            </a:r>
+          </a:p>
+          <a:p>
+            <a:pPr marL="0" indent="0">
+              <a:buNone/>
+            </a:pPr>
+            <a:r>
+              <a:rPr lang="de-DE" b="0" dirty="0">
+                <a:solidFill>
+                  <a:srgbClr val="000000"/>
+                </a:solidFill>
+                <a:effectLst/>
+                <a:latin typeface="Consolas" panose="020B0609020204030204" pitchFamily="49" charset="0"/>
+              </a:rPr>
+              <a:t>    </a:t>
+            </a:r>
+            <a:r>
+              <a:rPr lang="de-DE" b="0" dirty="0" err="1">
+                <a:solidFill>
+                  <a:srgbClr val="0000FF"/>
+                </a:solidFill>
+                <a:effectLst/>
+                <a:latin typeface="Consolas" panose="020B0609020204030204" pitchFamily="49" charset="0"/>
+              </a:rPr>
+              <a:t>protected</a:t>
+            </a:r>
+            <a:r>
+              <a:rPr lang="de-DE" b="0" dirty="0">
+                <a:solidFill>
+                  <a:srgbClr val="000000"/>
+                </a:solidFill>
+                <a:effectLst/>
+                <a:latin typeface="Consolas" panose="020B0609020204030204" pitchFamily="49" charset="0"/>
+              </a:rPr>
+              <a:t> </a:t>
+            </a:r>
+            <a:r>
+              <a:rPr lang="de-DE" b="0" dirty="0">
+                <a:solidFill>
+                  <a:srgbClr val="0000FF"/>
+                </a:solidFill>
+                <a:effectLst/>
+                <a:latin typeface="Consolas" panose="020B0609020204030204" pitchFamily="49" charset="0"/>
+              </a:rPr>
+              <a:t>List</a:t>
+            </a:r>
+            <a:r>
+              <a:rPr lang="de-DE" b="0" dirty="0">
+                <a:solidFill>
+                  <a:srgbClr val="000000"/>
+                </a:solidFill>
+                <a:effectLst/>
+                <a:latin typeface="Consolas" panose="020B0609020204030204" pitchFamily="49" charset="0"/>
+              </a:rPr>
+              <a:t>&lt;</a:t>
+            </a:r>
+            <a:r>
+              <a:rPr lang="de-DE" b="0" dirty="0">
+                <a:solidFill>
+                  <a:srgbClr val="0000FF"/>
+                </a:solidFill>
+                <a:effectLst/>
+                <a:latin typeface="Consolas" panose="020B0609020204030204" pitchFamily="49" charset="0"/>
+              </a:rPr>
+              <a:t>Knoten</a:t>
+            </a:r>
+            <a:r>
+              <a:rPr lang="de-DE" b="0" dirty="0">
+                <a:solidFill>
+                  <a:srgbClr val="000000"/>
+                </a:solidFill>
+                <a:effectLst/>
+                <a:latin typeface="Consolas" panose="020B0609020204030204" pitchFamily="49" charset="0"/>
+              </a:rPr>
+              <a:t>&lt;</a:t>
+            </a:r>
+            <a:r>
+              <a:rPr lang="de-DE" b="0" dirty="0">
+                <a:solidFill>
+                  <a:srgbClr val="0000FF"/>
+                </a:solidFill>
+                <a:effectLst/>
+                <a:latin typeface="Consolas" panose="020B0609020204030204" pitchFamily="49" charset="0"/>
+              </a:rPr>
+              <a:t>T</a:t>
+            </a:r>
+            <a:r>
+              <a:rPr lang="de-DE" b="0" dirty="0">
+                <a:solidFill>
+                  <a:srgbClr val="000000"/>
+                </a:solidFill>
+                <a:effectLst/>
+                <a:latin typeface="Consolas" panose="020B0609020204030204" pitchFamily="49" charset="0"/>
+              </a:rPr>
+              <a:t>&gt;&gt; </a:t>
+            </a:r>
+            <a:r>
+              <a:rPr lang="de-DE" b="0" dirty="0" err="1">
+                <a:solidFill>
+                  <a:srgbClr val="000000"/>
+                </a:solidFill>
+                <a:effectLst/>
+                <a:latin typeface="Consolas" panose="020B0609020204030204" pitchFamily="49" charset="0"/>
+              </a:rPr>
+              <a:t>kinder</a:t>
+            </a:r>
+            <a:r>
+              <a:rPr lang="de-DE" b="0" dirty="0">
+                <a:solidFill>
+                  <a:srgbClr val="000000"/>
+                </a:solidFill>
+                <a:effectLst/>
+                <a:latin typeface="Consolas" panose="020B0609020204030204" pitchFamily="49" charset="0"/>
+              </a:rPr>
+              <a:t>;</a:t>
+            </a:r>
+          </a:p>
+          <a:p>
+            <a:pPr marL="0" indent="0">
+              <a:buNone/>
+            </a:pPr>
+            <a:r>
+              <a:rPr lang="en-US" b="0" dirty="0">
+                <a:solidFill>
+                  <a:srgbClr val="000000"/>
+                </a:solidFill>
+                <a:effectLst/>
+                <a:latin typeface="Consolas" panose="020B0609020204030204" pitchFamily="49" charset="0"/>
+              </a:rPr>
+              <a:t>}</a:t>
+            </a:r>
+          </a:p>
+        </p:txBody>
+      </p:sp>
     </p:spTree>
     <p:extLst>
       <p:ext uri="{BB962C8B-B14F-4D97-AF65-F5344CB8AC3E}">
-        <p14:creationId xmlns:p14="http://schemas.microsoft.com/office/powerpoint/2010/main" val="3292457325"/>
+        <p14:creationId xmlns:p14="http://schemas.microsoft.com/office/powerpoint/2010/main" val="1386721114"/>
       </p:ext>
     </p:extLst>
   </p:cSld>
@@ -7441,10 +12489,9 @@
           <a:lstStyle/>
           <a:p>
             <a:r>
-              <a:rPr lang="de-DE"/>
-              <a:t>Verbesserter Algorithmus von Wetherell und Shannon</a:t>
-            </a:r>
-            <a:endParaRPr lang="de-DE" dirty="0"/>
+              <a:rPr lang="de-DE" dirty="0"/>
+              <a:t>Verbesserter Algorithmus von WS</a:t>
+            </a:r>
           </a:p>
         </p:txBody>
       </p:sp>
@@ -7500,7 +12547,7 @@
           <a:p>
             <a:r>
               <a:rPr lang="de-DE" dirty="0"/>
-              <a:t>Initialisierung</a:t>
+              <a:t>Initialisierung erste Phase</a:t>
             </a:r>
           </a:p>
         </p:txBody>
@@ -7533,105 +12580,22 @@
               <a:buNone/>
             </a:pPr>
             <a:r>
-              <a:rPr lang="en-US" b="0" dirty="0">
-                <a:solidFill>
-                  <a:srgbClr val="0000FF"/>
-                </a:solidFill>
-                <a:effectLst/>
-                <a:latin typeface="Consolas" panose="020B0609020204030204" pitchFamily="49" charset="0"/>
-              </a:rPr>
-              <a:t>int</a:t>
-            </a:r>
-            <a:r>
-              <a:rPr lang="en-US" b="0" dirty="0">
-                <a:solidFill>
-                  <a:srgbClr val="000000"/>
-                </a:solidFill>
-                <a:effectLst/>
-                <a:latin typeface="Consolas" panose="020B0609020204030204" pitchFamily="49" charset="0"/>
-              </a:rPr>
-              <a:t>[] </a:t>
-            </a:r>
-            <a:r>
-              <a:rPr lang="en-US" b="0" dirty="0" err="1">
-                <a:solidFill>
-                  <a:srgbClr val="000000"/>
-                </a:solidFill>
-                <a:effectLst/>
-                <a:latin typeface="Consolas" panose="020B0609020204030204" pitchFamily="49" charset="0"/>
-              </a:rPr>
-              <a:t>nextPos</a:t>
-            </a:r>
-            <a:r>
-              <a:rPr lang="en-US" b="0" dirty="0">
-                <a:solidFill>
-                  <a:srgbClr val="000000"/>
-                </a:solidFill>
-                <a:effectLst/>
-                <a:latin typeface="Consolas" panose="020B0609020204030204" pitchFamily="49" charset="0"/>
-              </a:rPr>
-              <a:t> = </a:t>
-            </a:r>
-            <a:r>
-              <a:rPr lang="en-US" b="0" dirty="0">
-                <a:solidFill>
-                  <a:srgbClr val="0000FF"/>
-                </a:solidFill>
-                <a:effectLst/>
-                <a:latin typeface="Consolas" panose="020B0609020204030204" pitchFamily="49" charset="0"/>
-              </a:rPr>
-              <a:t>new</a:t>
-            </a:r>
-            <a:r>
-              <a:rPr lang="en-US" b="0" dirty="0">
-                <a:solidFill>
-                  <a:srgbClr val="000000"/>
-                </a:solidFill>
-                <a:effectLst/>
-                <a:latin typeface="Consolas" panose="020B0609020204030204" pitchFamily="49" charset="0"/>
-              </a:rPr>
-              <a:t> </a:t>
-            </a:r>
-            <a:r>
-              <a:rPr lang="en-US" b="0" dirty="0">
-                <a:solidFill>
-                  <a:srgbClr val="0000FF"/>
-                </a:solidFill>
-                <a:effectLst/>
-                <a:latin typeface="Consolas" panose="020B0609020204030204" pitchFamily="49" charset="0"/>
-              </a:rPr>
-              <a:t>int</a:t>
-            </a:r>
-            <a:r>
-              <a:rPr lang="en-US" b="0" dirty="0">
-                <a:solidFill>
-                  <a:srgbClr val="000000"/>
-                </a:solidFill>
-                <a:effectLst/>
-                <a:latin typeface="Consolas" panose="020B0609020204030204" pitchFamily="49" charset="0"/>
-              </a:rPr>
-              <a:t>[</a:t>
-            </a:r>
-            <a:r>
-              <a:rPr lang="en-US" b="0" dirty="0" err="1">
-                <a:solidFill>
-                  <a:srgbClr val="000000"/>
-                </a:solidFill>
-                <a:effectLst/>
-                <a:latin typeface="Consolas" panose="020B0609020204030204" pitchFamily="49" charset="0"/>
-              </a:rPr>
-              <a:t>hoehe</a:t>
-            </a:r>
-            <a:r>
-              <a:rPr lang="en-US" b="0" dirty="0">
-                <a:solidFill>
-                  <a:srgbClr val="000000"/>
-                </a:solidFill>
-                <a:effectLst/>
-                <a:latin typeface="Consolas" panose="020B0609020204030204" pitchFamily="49" charset="0"/>
-              </a:rPr>
-              <a:t>];</a:t>
-            </a:r>
+              <a:rPr lang="de-DE" b="0" dirty="0">
+                <a:solidFill>
+                  <a:srgbClr val="008000"/>
+                </a:solidFill>
+                <a:effectLst/>
+                <a:latin typeface="Consolas" panose="020B0609020204030204" pitchFamily="49" charset="0"/>
+              </a:rPr>
+              <a:t>// nächste freie X-Koordinate auf Höhe</a:t>
+            </a:r>
+            <a:endParaRPr lang="en-US" b="0" dirty="0">
+              <a:solidFill>
+                <a:srgbClr val="0000FF"/>
+              </a:solidFill>
+              <a:effectLst/>
+              <a:latin typeface="Consolas" panose="020B0609020204030204" pitchFamily="49" charset="0"/>
+            </a:endParaRPr>
           </a:p>
           <a:p>
             <a:pPr marL="0" indent="0">
@@ -7651,6 +12615,139 @@
               <a:t>int</a:t>
             </a:r>
             <a:r>
+              <a:rPr lang="en-US" b="0" dirty="0">
+                <a:solidFill>
+                  <a:srgbClr val="000000"/>
+                </a:solidFill>
+                <a:effectLst/>
+                <a:latin typeface="Consolas" panose="020B0609020204030204" pitchFamily="49" charset="0"/>
+              </a:rPr>
+              <a:t>[] </a:t>
+            </a:r>
+            <a:r>
+              <a:rPr lang="en-US" b="0" dirty="0" err="1">
+                <a:solidFill>
+                  <a:srgbClr val="000000"/>
+                </a:solidFill>
+                <a:effectLst/>
+                <a:latin typeface="Consolas" panose="020B0609020204030204" pitchFamily="49" charset="0"/>
+              </a:rPr>
+              <a:t>nextPos</a:t>
+            </a:r>
+            <a:r>
+              <a:rPr lang="en-US" b="0" dirty="0">
+                <a:solidFill>
+                  <a:srgbClr val="000000"/>
+                </a:solidFill>
+                <a:effectLst/>
+                <a:latin typeface="Consolas" panose="020B0609020204030204" pitchFamily="49" charset="0"/>
+              </a:rPr>
+              <a:t> = </a:t>
+            </a:r>
+            <a:r>
+              <a:rPr lang="en-US" b="0" dirty="0">
+                <a:solidFill>
+                  <a:srgbClr val="0000FF"/>
+                </a:solidFill>
+                <a:effectLst/>
+                <a:latin typeface="Consolas" panose="020B0609020204030204" pitchFamily="49" charset="0"/>
+              </a:rPr>
+              <a:t>new</a:t>
+            </a:r>
+            <a:r>
+              <a:rPr lang="en-US" b="0" dirty="0">
+                <a:solidFill>
+                  <a:srgbClr val="000000"/>
+                </a:solidFill>
+                <a:effectLst/>
+                <a:latin typeface="Consolas" panose="020B0609020204030204" pitchFamily="49" charset="0"/>
+              </a:rPr>
+              <a:t> </a:t>
+            </a:r>
+            <a:r>
+              <a:rPr lang="en-US" b="0" dirty="0">
+                <a:solidFill>
+                  <a:srgbClr val="0000FF"/>
+                </a:solidFill>
+                <a:effectLst/>
+                <a:latin typeface="Consolas" panose="020B0609020204030204" pitchFamily="49" charset="0"/>
+              </a:rPr>
+              <a:t>int</a:t>
+            </a:r>
+            <a:r>
+              <a:rPr lang="en-US" b="0" dirty="0">
+                <a:solidFill>
+                  <a:srgbClr val="000000"/>
+                </a:solidFill>
+                <a:effectLst/>
+                <a:latin typeface="Consolas" panose="020B0609020204030204" pitchFamily="49" charset="0"/>
+              </a:rPr>
+              <a:t>[</a:t>
+            </a:r>
+            <a:r>
+              <a:rPr lang="en-US" b="0" dirty="0" err="1">
+                <a:solidFill>
+                  <a:srgbClr val="000000"/>
+                </a:solidFill>
+                <a:effectLst/>
+                <a:latin typeface="Consolas" panose="020B0609020204030204" pitchFamily="49" charset="0"/>
+              </a:rPr>
+              <a:t>hoehe</a:t>
+            </a:r>
+            <a:r>
+              <a:rPr lang="en-US" b="0" dirty="0">
+                <a:solidFill>
+                  <a:srgbClr val="000000"/>
+                </a:solidFill>
+                <a:effectLst/>
+                <a:latin typeface="Consolas" panose="020B0609020204030204" pitchFamily="49" charset="0"/>
+              </a:rPr>
+              <a:t>];</a:t>
+            </a:r>
+          </a:p>
+          <a:p>
+            <a:pPr marL="0" indent="0">
+              <a:lnSpc>
+                <a:spcPct val="100000"/>
+              </a:lnSpc>
+              <a:buNone/>
+            </a:pPr>
+            <a:r>
+              <a:rPr lang="de-DE" b="0" dirty="0">
+                <a:solidFill>
+                  <a:srgbClr val="008000"/>
+                </a:solidFill>
+                <a:effectLst/>
+                <a:latin typeface="Consolas" panose="020B0609020204030204" pitchFamily="49" charset="0"/>
+              </a:rPr>
+              <a:t>// benötigter Versatz auf Höhe</a:t>
+            </a:r>
+            <a:endParaRPr lang="en-US" b="0" dirty="0">
+              <a:solidFill>
+                <a:srgbClr val="000000"/>
+              </a:solidFill>
+              <a:effectLst/>
+              <a:latin typeface="Consolas" panose="020B0609020204030204" pitchFamily="49" charset="0"/>
+            </a:endParaRPr>
+          </a:p>
+          <a:p>
+            <a:pPr marL="0" indent="0">
+              <a:lnSpc>
+                <a:spcPct val="100000"/>
+              </a:lnSpc>
+              <a:buNone/>
+            </a:pPr>
+            <a:r>
+              <a:rPr lang="en-US" b="0" dirty="0">
+                <a:solidFill>
+                  <a:srgbClr val="0000FF"/>
+                </a:solidFill>
+                <a:effectLst/>
+                <a:latin typeface="Consolas" panose="020B0609020204030204" pitchFamily="49" charset="0"/>
+              </a:rPr>
+              <a:t>int</a:t>
+            </a:r>
+            <a:r>
               <a:rPr lang="en-US" dirty="0">
                 <a:latin typeface="Consolas" panose="020B0609020204030204" pitchFamily="49" charset="0"/>
               </a:rPr>
@@ -7726,6 +12823,21 @@
               </a:rPr>
               <a:t>];</a:t>
             </a:r>
+          </a:p>
+          <a:p>
+            <a:pPr marL="0" indent="0">
+              <a:lnSpc>
+                <a:spcPct val="100000"/>
+              </a:lnSpc>
+              <a:buNone/>
+            </a:pPr>
+            <a:endParaRPr lang="en-US" b="0" dirty="0">
+              <a:solidFill>
+                <a:srgbClr val="000000"/>
+              </a:solidFill>
+              <a:effectLst/>
+              <a:latin typeface="Consolas" panose="020B0609020204030204" pitchFamily="49" charset="0"/>
+            </a:endParaRPr>
           </a:p>
           <a:p>
             <a:pPr marL="0" indent="0">

--- a/Powerpoint/Bäume zeichnen im Ebenen-Layout.pptx
+++ b/Powerpoint/Bäume zeichnen im Ebenen-Layout.pptx
@@ -5,7 +5,7 @@
     <p:sldMasterId id="2147483660" r:id="rId1"/>
   </p:sldMasterIdLst>
   <p:notesMasterIdLst>
-    <p:notesMasterId r:id="rId58"/>
+    <p:notesMasterId r:id="rId69"/>
   </p:notesMasterIdLst>
   <p:sldIdLst>
     <p:sldId id="267" r:id="rId2"/>
@@ -59,11 +59,22 @@
     <p:sldId id="347" r:id="rId50"/>
     <p:sldId id="351" r:id="rId51"/>
     <p:sldId id="348" r:id="rId52"/>
-    <p:sldId id="349" r:id="rId53"/>
-    <p:sldId id="292" r:id="rId54"/>
-    <p:sldId id="293" r:id="rId55"/>
-    <p:sldId id="294" r:id="rId56"/>
-    <p:sldId id="295" r:id="rId57"/>
+    <p:sldId id="362" r:id="rId53"/>
+    <p:sldId id="349" r:id="rId54"/>
+    <p:sldId id="352" r:id="rId55"/>
+    <p:sldId id="353" r:id="rId56"/>
+    <p:sldId id="354" r:id="rId57"/>
+    <p:sldId id="355" r:id="rId58"/>
+    <p:sldId id="356" r:id="rId59"/>
+    <p:sldId id="357" r:id="rId60"/>
+    <p:sldId id="358" r:id="rId61"/>
+    <p:sldId id="359" r:id="rId62"/>
+    <p:sldId id="360" r:id="rId63"/>
+    <p:sldId id="361" r:id="rId64"/>
+    <p:sldId id="292" r:id="rId65"/>
+    <p:sldId id="293" r:id="rId66"/>
+    <p:sldId id="294" r:id="rId67"/>
+    <p:sldId id="295" r:id="rId68"/>
   </p:sldIdLst>
   <p:sldSz cx="9144000" cy="5143500" type="screen16x9"/>
   <p:notesSz cx="6858000" cy="9144000"/>
@@ -9140,10 +9151,17 @@
           <a:lstStyle/>
           <a:p>
             <a:r>
-              <a:rPr lang="de-DE"/>
-              <a:t>Verbesserter Algorithmus von Wetherell und Shannon</a:t>
-            </a:r>
-            <a:endParaRPr lang="de-DE" dirty="0"/>
+              <a:rPr lang="de-DE" dirty="0"/>
+              <a:t>Verbesserter Algorithmus von </a:t>
+            </a:r>
+            <a:r>
+              <a:rPr lang="de-DE" dirty="0" err="1"/>
+              <a:t>Wetherell</a:t>
+            </a:r>
+            <a:r>
+              <a:rPr lang="de-DE" dirty="0"/>
+              <a:t> und Shannon</a:t>
+            </a:r>
           </a:p>
         </p:txBody>
       </p:sp>
@@ -15174,9 +15192,6 @@
           <a:p>
             <a:endParaRPr lang="de-DE" dirty="0"/>
           </a:p>
-          <a:p>
-            <a:endParaRPr lang="de-DE" dirty="0"/>
-          </a:p>
         </p:txBody>
       </p:sp>
       <p:sp>
@@ -15202,25 +15217,31 @@
           </a:bodyPr>
           <a:lstStyle/>
           <a:p>
-            <a:r>
-              <a:rPr lang="de-DE" b="0" dirty="0">
-                <a:effectLst/>
-                <a:latin typeface="Consolas" panose="020B0609020204030204" pitchFamily="49" charset="0"/>
-              </a:rPr>
-              <a:t>Berechnen des Abstandes zwischen Linken und rechtem Kind (siehe rote Linien)</a:t>
-            </a:r>
-            <a:endParaRPr lang="de-DE" dirty="0">
-              <a:latin typeface="Consolas" panose="020B0609020204030204" pitchFamily="49" charset="0"/>
-            </a:endParaRPr>
-          </a:p>
-          <a:p>
+            <a:pPr marL="0" indent="0">
+              <a:lnSpc>
+                <a:spcPct val="100000"/>
+              </a:lnSpc>
+              <a:buNone/>
+            </a:pPr>
+            <a:r>
+              <a:rPr lang="de-DE" b="1" dirty="0">
+                <a:effectLst/>
+                <a:latin typeface="Arial" panose="020B0604020202020204" pitchFamily="34" charset="0"/>
+                <a:cs typeface="Arial" panose="020B0604020202020204" pitchFamily="34" charset="0"/>
+              </a:rPr>
+              <a:t>Berechnen des Abstandes zwischen linkem und rechtem Kind:</a:t>
+            </a:r>
             <a:endParaRPr lang="de-DE" b="0" dirty="0">
               <a:effectLst/>
-              <a:latin typeface="Consolas" panose="020B0609020204030204" pitchFamily="49" charset="0"/>
+              <a:latin typeface="Arial" panose="020B0604020202020204" pitchFamily="34" charset="0"/>
+              <a:cs typeface="Arial" panose="020B0604020202020204" pitchFamily="34" charset="0"/>
             </a:endParaRPr>
           </a:p>
           <a:p>
             <a:pPr marL="0" indent="0">
+              <a:lnSpc>
+                <a:spcPct val="100000"/>
+              </a:lnSpc>
               <a:buNone/>
             </a:pPr>
             <a:r>
@@ -15254,6 +15275,9 @@
           </a:p>
           <a:p>
             <a:pPr marL="0" indent="0">
+              <a:lnSpc>
+                <a:spcPct val="100000"/>
+              </a:lnSpc>
               <a:buNone/>
             </a:pPr>
             <a:endParaRPr lang="de-DE" dirty="0">
@@ -15261,16 +15285,26 @@
             </a:endParaRPr>
           </a:p>
           <a:p>
-            <a:r>
-              <a:rPr lang="de-DE" b="0" dirty="0">
-                <a:effectLst/>
-                <a:latin typeface="Consolas" panose="020B0609020204030204" pitchFamily="49" charset="0"/>
+            <a:pPr marL="0" indent="0">
+              <a:lnSpc>
+                <a:spcPct val="100000"/>
+              </a:lnSpc>
+              <a:buNone/>
+            </a:pPr>
+            <a:r>
+              <a:rPr lang="de-DE" b="1" dirty="0">
+                <a:effectLst/>
+                <a:latin typeface="Arial" panose="020B0604020202020204" pitchFamily="34" charset="0"/>
+                <a:cs typeface="Arial" panose="020B0604020202020204" pitchFamily="34" charset="0"/>
               </a:rPr>
               <a:t>Setzen des Knoten-Offsets:</a:t>
             </a:r>
           </a:p>
           <a:p>
             <a:pPr marL="0" indent="0">
+              <a:lnSpc>
+                <a:spcPct val="100000"/>
+              </a:lnSpc>
               <a:buNone/>
             </a:pPr>
             <a:r>
@@ -15497,7 +15531,7 @@
           <a:p>
             <a:r>
               <a:rPr lang="de-DE" dirty="0"/>
-              <a:t>Zweite Phase</a:t>
+              <a:t>Erste Phase – Fall 2</a:t>
             </a:r>
           </a:p>
         </p:txBody>
@@ -15525,16 +15559,17 @@
           </a:bodyPr>
           <a:lstStyle/>
           <a:p>
-            <a:pPr marL="0" indent="0">
-              <a:buNone/>
-            </a:pPr>
-            <a:endParaRPr lang="de-DE" b="0" dirty="0">
-              <a:solidFill>
-                <a:srgbClr val="000000"/>
-              </a:solidFill>
-              <a:effectLst/>
-              <a:latin typeface="Consolas" panose="020B0609020204030204" pitchFamily="49" charset="0"/>
-            </a:endParaRPr>
+            <a:r>
+              <a:rPr lang="de-DE" b="0" dirty="0">
+                <a:solidFill>
+                  <a:srgbClr val="000000"/>
+                </a:solidFill>
+                <a:effectLst/>
+                <a:latin typeface="Arial" panose="020B0604020202020204" pitchFamily="34" charset="0"/>
+                <a:cs typeface="Arial" panose="020B0604020202020204" pitchFamily="34" charset="0"/>
+              </a:rPr>
+              <a:t>Aktualisieren von LL, LR, RL, RR</a:t>
+            </a:r>
           </a:p>
         </p:txBody>
       </p:sp>
@@ -15650,7 +15685,7 @@
           <a:p>
             <a:r>
               <a:rPr lang="de-DE" dirty="0"/>
-              <a:t>Zweite Phase</a:t>
+              <a:t>Zweite Phase – Teil 1</a:t>
             </a:r>
           </a:p>
         </p:txBody>
@@ -15677,6 +15712,406 @@
             <a:normAutofit/>
           </a:bodyPr>
           <a:lstStyle/>
+          <a:p>
+            <a:pPr marL="0" indent="0">
+              <a:buNone/>
+            </a:pPr>
+            <a:r>
+              <a:rPr lang="de-DE" b="0" dirty="0" err="1">
+                <a:solidFill>
+                  <a:srgbClr val="0000FF"/>
+                </a:solidFill>
+                <a:effectLst/>
+                <a:latin typeface="Consolas" panose="020B0609020204030204" pitchFamily="49" charset="0"/>
+              </a:rPr>
+              <a:t>public</a:t>
+            </a:r>
+            <a:r>
+              <a:rPr lang="de-DE" b="0" dirty="0">
+                <a:solidFill>
+                  <a:srgbClr val="000000"/>
+                </a:solidFill>
+                <a:effectLst/>
+                <a:latin typeface="Consolas" panose="020B0609020204030204" pitchFamily="49" charset="0"/>
+              </a:rPr>
+              <a:t> </a:t>
+            </a:r>
+            <a:r>
+              <a:rPr lang="de-DE" b="0" dirty="0" err="1">
+                <a:solidFill>
+                  <a:srgbClr val="0000FF"/>
+                </a:solidFill>
+                <a:effectLst/>
+                <a:latin typeface="Consolas" panose="020B0609020204030204" pitchFamily="49" charset="0"/>
+              </a:rPr>
+              <a:t>static</a:t>
+            </a:r>
+            <a:r>
+              <a:rPr lang="de-DE" b="0" dirty="0">
+                <a:solidFill>
+                  <a:srgbClr val="000000"/>
+                </a:solidFill>
+                <a:effectLst/>
+                <a:latin typeface="Consolas" panose="020B0609020204030204" pitchFamily="49" charset="0"/>
+              </a:rPr>
+              <a:t> &lt;</a:t>
+            </a:r>
+            <a:r>
+              <a:rPr lang="de-DE" b="0" dirty="0">
+                <a:solidFill>
+                  <a:srgbClr val="0000FF"/>
+                </a:solidFill>
+                <a:effectLst/>
+                <a:latin typeface="Consolas" panose="020B0609020204030204" pitchFamily="49" charset="0"/>
+              </a:rPr>
+              <a:t>T</a:t>
+            </a:r>
+            <a:r>
+              <a:rPr lang="de-DE" b="0" dirty="0">
+                <a:solidFill>
+                  <a:srgbClr val="000000"/>
+                </a:solidFill>
+                <a:effectLst/>
+                <a:latin typeface="Consolas" panose="020B0609020204030204" pitchFamily="49" charset="0"/>
+              </a:rPr>
+              <a:t>&gt; </a:t>
+            </a:r>
+            <a:r>
+              <a:rPr lang="de-DE" b="0" dirty="0" err="1">
+                <a:solidFill>
+                  <a:srgbClr val="0000FF"/>
+                </a:solidFill>
+                <a:effectLst/>
+                <a:latin typeface="Consolas" panose="020B0609020204030204" pitchFamily="49" charset="0"/>
+              </a:rPr>
+              <a:t>void</a:t>
+            </a:r>
+            <a:r>
+              <a:rPr lang="de-DE" b="0" dirty="0">
+                <a:solidFill>
+                  <a:srgbClr val="000000"/>
+                </a:solidFill>
+                <a:effectLst/>
+                <a:latin typeface="Consolas" panose="020B0609020204030204" pitchFamily="49" charset="0"/>
+              </a:rPr>
+              <a:t> </a:t>
+            </a:r>
+            <a:r>
+              <a:rPr lang="de-DE" b="0" dirty="0" err="1">
+                <a:solidFill>
+                  <a:srgbClr val="000000"/>
+                </a:solidFill>
+                <a:effectLst/>
+                <a:latin typeface="Consolas" panose="020B0609020204030204" pitchFamily="49" charset="0"/>
+              </a:rPr>
+              <a:t>petrify</a:t>
+            </a:r>
+            <a:r>
+              <a:rPr lang="de-DE" b="0" dirty="0">
+                <a:solidFill>
+                  <a:srgbClr val="000000"/>
+                </a:solidFill>
+                <a:effectLst/>
+                <a:latin typeface="Consolas" panose="020B0609020204030204" pitchFamily="49" charset="0"/>
+              </a:rPr>
+              <a:t>(</a:t>
+            </a:r>
+            <a:r>
+              <a:rPr lang="de-DE" b="0" dirty="0" err="1">
+                <a:solidFill>
+                  <a:srgbClr val="0000FF"/>
+                </a:solidFill>
+                <a:effectLst/>
+                <a:latin typeface="Consolas" panose="020B0609020204030204" pitchFamily="49" charset="0"/>
+              </a:rPr>
+              <a:t>BinaryKnoten</a:t>
+            </a:r>
+            <a:r>
+              <a:rPr lang="de-DE" b="0" dirty="0">
+                <a:solidFill>
+                  <a:srgbClr val="000000"/>
+                </a:solidFill>
+                <a:effectLst/>
+                <a:latin typeface="Consolas" panose="020B0609020204030204" pitchFamily="49" charset="0"/>
+              </a:rPr>
+              <a:t>&lt;</a:t>
+            </a:r>
+            <a:r>
+              <a:rPr lang="de-DE" b="0" dirty="0">
+                <a:solidFill>
+                  <a:srgbClr val="0000FF"/>
+                </a:solidFill>
+                <a:effectLst/>
+                <a:latin typeface="Consolas" panose="020B0609020204030204" pitchFamily="49" charset="0"/>
+              </a:rPr>
+              <a:t>T</a:t>
+            </a:r>
+            <a:r>
+              <a:rPr lang="de-DE" b="0" dirty="0">
+                <a:solidFill>
+                  <a:srgbClr val="000000"/>
+                </a:solidFill>
+                <a:effectLst/>
+                <a:latin typeface="Consolas" panose="020B0609020204030204" pitchFamily="49" charset="0"/>
+              </a:rPr>
+              <a:t>&gt; knoten, </a:t>
+            </a:r>
+            <a:r>
+              <a:rPr lang="de-DE" b="0" dirty="0" err="1">
+                <a:solidFill>
+                  <a:srgbClr val="0000FF"/>
+                </a:solidFill>
+                <a:effectLst/>
+                <a:latin typeface="Consolas" panose="020B0609020204030204" pitchFamily="49" charset="0"/>
+              </a:rPr>
+              <a:t>int</a:t>
+            </a:r>
+            <a:r>
+              <a:rPr lang="de-DE" b="0" dirty="0">
+                <a:solidFill>
+                  <a:srgbClr val="000000"/>
+                </a:solidFill>
+                <a:effectLst/>
+                <a:latin typeface="Consolas" panose="020B0609020204030204" pitchFamily="49" charset="0"/>
+              </a:rPr>
+              <a:t> </a:t>
+            </a:r>
+            <a:r>
+              <a:rPr lang="de-DE" b="0" dirty="0" err="1">
+                <a:solidFill>
+                  <a:srgbClr val="000000"/>
+                </a:solidFill>
+                <a:effectLst/>
+                <a:latin typeface="Consolas" panose="020B0609020204030204" pitchFamily="49" charset="0"/>
+              </a:rPr>
+              <a:t>xpos</a:t>
+            </a:r>
+            <a:r>
+              <a:rPr lang="de-DE" b="0" dirty="0">
+                <a:solidFill>
+                  <a:srgbClr val="000000"/>
+                </a:solidFill>
+                <a:effectLst/>
+                <a:latin typeface="Consolas" panose="020B0609020204030204" pitchFamily="49" charset="0"/>
+              </a:rPr>
+              <a:t>) {</a:t>
+            </a:r>
+          </a:p>
+          <a:p>
+            <a:pPr marL="0" indent="0">
+              <a:buNone/>
+            </a:pPr>
+            <a:r>
+              <a:rPr lang="de-DE" dirty="0">
+                <a:latin typeface="Consolas" panose="020B0609020204030204" pitchFamily="49" charset="0"/>
+              </a:rPr>
+              <a:t>	</a:t>
+            </a:r>
+            <a:r>
+              <a:rPr lang="de-DE" b="0" dirty="0" err="1">
+                <a:solidFill>
+                  <a:srgbClr val="0000FF"/>
+                </a:solidFill>
+                <a:effectLst/>
+                <a:latin typeface="Consolas" panose="020B0609020204030204" pitchFamily="49" charset="0"/>
+              </a:rPr>
+              <a:t>if</a:t>
+            </a:r>
+            <a:r>
+              <a:rPr lang="de-DE" b="0" dirty="0">
+                <a:solidFill>
+                  <a:srgbClr val="000000"/>
+                </a:solidFill>
+                <a:effectLst/>
+                <a:latin typeface="Consolas" panose="020B0609020204030204" pitchFamily="49" charset="0"/>
+              </a:rPr>
+              <a:t>(knoten != </a:t>
+            </a:r>
+            <a:r>
+              <a:rPr lang="de-DE" b="0" dirty="0">
+                <a:solidFill>
+                  <a:srgbClr val="0000FF"/>
+                </a:solidFill>
+                <a:effectLst/>
+                <a:latin typeface="Consolas" panose="020B0609020204030204" pitchFamily="49" charset="0"/>
+              </a:rPr>
+              <a:t>null</a:t>
+            </a:r>
+            <a:r>
+              <a:rPr lang="de-DE" b="0" dirty="0">
+                <a:solidFill>
+                  <a:srgbClr val="000000"/>
+                </a:solidFill>
+                <a:effectLst/>
+                <a:latin typeface="Consolas" panose="020B0609020204030204" pitchFamily="49" charset="0"/>
+              </a:rPr>
+              <a:t>) {</a:t>
+            </a:r>
+          </a:p>
+          <a:p>
+            <a:pPr marL="0" indent="0">
+              <a:buNone/>
+            </a:pPr>
+            <a:r>
+              <a:rPr lang="de-DE" b="0" dirty="0">
+                <a:solidFill>
+                  <a:srgbClr val="000000"/>
+                </a:solidFill>
+                <a:effectLst/>
+                <a:latin typeface="Consolas" panose="020B0609020204030204" pitchFamily="49" charset="0"/>
+              </a:rPr>
+              <a:t>            </a:t>
+            </a:r>
+            <a:r>
+              <a:rPr lang="de-DE" b="0" dirty="0" err="1">
+                <a:solidFill>
+                  <a:srgbClr val="000000"/>
+                </a:solidFill>
+                <a:effectLst/>
+                <a:latin typeface="Consolas" panose="020B0609020204030204" pitchFamily="49" charset="0"/>
+              </a:rPr>
+              <a:t>knoten.setX</a:t>
+            </a:r>
+            <a:r>
+              <a:rPr lang="de-DE" b="0" dirty="0">
+                <a:solidFill>
+                  <a:srgbClr val="000000"/>
+                </a:solidFill>
+                <a:effectLst/>
+                <a:latin typeface="Consolas" panose="020B0609020204030204" pitchFamily="49" charset="0"/>
+              </a:rPr>
+              <a:t>(</a:t>
+            </a:r>
+            <a:r>
+              <a:rPr lang="de-DE" b="0" dirty="0" err="1">
+                <a:solidFill>
+                  <a:srgbClr val="000000"/>
+                </a:solidFill>
+                <a:effectLst/>
+                <a:latin typeface="Consolas" panose="020B0609020204030204" pitchFamily="49" charset="0"/>
+              </a:rPr>
+              <a:t>xpos</a:t>
+            </a:r>
+            <a:r>
+              <a:rPr lang="de-DE" b="0" dirty="0">
+                <a:solidFill>
+                  <a:srgbClr val="000000"/>
+                </a:solidFill>
+                <a:effectLst/>
+                <a:latin typeface="Consolas" panose="020B0609020204030204" pitchFamily="49" charset="0"/>
+              </a:rPr>
+              <a:t>);</a:t>
+            </a:r>
+          </a:p>
+          <a:p>
+            <a:pPr marL="0" indent="0">
+              <a:buNone/>
+            </a:pPr>
+            <a:r>
+              <a:rPr lang="de-DE" b="0" dirty="0">
+                <a:solidFill>
+                  <a:srgbClr val="000000"/>
+                </a:solidFill>
+                <a:effectLst/>
+                <a:latin typeface="Consolas" panose="020B0609020204030204" pitchFamily="49" charset="0"/>
+              </a:rPr>
+              <a:t>            </a:t>
+            </a:r>
+          </a:p>
+          <a:p>
+            <a:pPr marL="0" indent="0">
+              <a:buNone/>
+            </a:pPr>
+            <a:r>
+              <a:rPr lang="de-DE" dirty="0">
+                <a:latin typeface="Consolas" panose="020B0609020204030204" pitchFamily="49" charset="0"/>
+              </a:rPr>
+              <a:t>		</a:t>
+            </a:r>
+            <a:r>
+              <a:rPr lang="de-DE" b="0" dirty="0">
+                <a:solidFill>
+                  <a:srgbClr val="008000"/>
+                </a:solidFill>
+                <a:effectLst/>
+                <a:latin typeface="Consolas" panose="020B0609020204030204" pitchFamily="49" charset="0"/>
+              </a:rPr>
+              <a:t>// … Löschen des Verweises</a:t>
+            </a:r>
+          </a:p>
+          <a:p>
+            <a:pPr marL="0" indent="0">
+              <a:buNone/>
+            </a:pPr>
+            <a:r>
+              <a:rPr lang="de-DE" b="0" dirty="0">
+                <a:solidFill>
+                  <a:srgbClr val="008000"/>
+                </a:solidFill>
+                <a:effectLst/>
+                <a:latin typeface="Consolas" panose="020B0609020204030204" pitchFamily="49" charset="0"/>
+              </a:rPr>
+              <a:t>		// … Rekursiver </a:t>
+            </a:r>
+            <a:r>
+              <a:rPr lang="de-DE" dirty="0">
+                <a:solidFill>
+                  <a:srgbClr val="008000"/>
+                </a:solidFill>
+                <a:latin typeface="Consolas" panose="020B0609020204030204" pitchFamily="49" charset="0"/>
+              </a:rPr>
+              <a:t>Prozedura</a:t>
+            </a:r>
+            <a:r>
+              <a:rPr lang="de-DE" b="0" dirty="0">
+                <a:solidFill>
+                  <a:srgbClr val="008000"/>
+                </a:solidFill>
+                <a:effectLst/>
+                <a:latin typeface="Consolas" panose="020B0609020204030204" pitchFamily="49" charset="0"/>
+              </a:rPr>
+              <a:t>ufruf</a:t>
+            </a:r>
+          </a:p>
+          <a:p>
+            <a:pPr marL="0" indent="0">
+              <a:buNone/>
+            </a:pPr>
+            <a:r>
+              <a:rPr lang="de-DE" dirty="0">
+                <a:latin typeface="Consolas" panose="020B0609020204030204" pitchFamily="49" charset="0"/>
+              </a:rPr>
+              <a:t>	</a:t>
+            </a:r>
+            <a:r>
+              <a:rPr lang="de-DE" b="0" dirty="0">
+                <a:solidFill>
+                  <a:srgbClr val="000000"/>
+                </a:solidFill>
+                <a:effectLst/>
+                <a:latin typeface="Consolas" panose="020B0609020204030204" pitchFamily="49" charset="0"/>
+              </a:rPr>
+              <a:t>}</a:t>
+            </a:r>
+          </a:p>
+          <a:p>
+            <a:pPr marL="0" indent="0">
+              <a:buNone/>
+            </a:pPr>
+            <a:r>
+              <a:rPr lang="de-DE" dirty="0">
+                <a:latin typeface="Consolas" panose="020B0609020204030204" pitchFamily="49" charset="0"/>
+              </a:rPr>
+              <a:t>}</a:t>
+            </a:r>
+            <a:endParaRPr lang="de-DE" b="0" dirty="0">
+              <a:solidFill>
+                <a:srgbClr val="000000"/>
+              </a:solidFill>
+              <a:effectLst/>
+              <a:latin typeface="Consolas" panose="020B0609020204030204" pitchFamily="49" charset="0"/>
+            </a:endParaRPr>
+          </a:p>
           <a:p>
             <a:pPr marL="0" indent="0">
               <a:buNone/>
@@ -15694,7 +16129,7 @@
     </p:spTree>
     <p:extLst>
       <p:ext uri="{BB962C8B-B14F-4D97-AF65-F5344CB8AC3E}">
-        <p14:creationId xmlns:p14="http://schemas.microsoft.com/office/powerpoint/2010/main" val="2401533514"/>
+        <p14:creationId xmlns:p14="http://schemas.microsoft.com/office/powerpoint/2010/main" val="4026731146"/>
       </p:ext>
     </p:extLst>
   </p:cSld>
@@ -15723,78 +16158,13 @@
       </p:grpSpPr>
       <p:sp>
         <p:nvSpPr>
-          <p:cNvPr id="6" name="Inhaltsplatzhalter 5"/>
-          <p:cNvSpPr>
-            <a:spLocks noGrp="1"/>
-          </p:cNvSpPr>
-          <p:nvPr>
-            <p:ph idx="1"/>
-          </p:nvPr>
-        </p:nvSpPr>
-        <p:spPr/>
-        <p:txBody>
-          <a:bodyPr/>
-          <a:lstStyle/>
-          <a:p>
-            <a:r>
-              <a:rPr lang="de-DE" dirty="0"/>
-              <a:t>Dies ist ein </a:t>
-            </a:r>
-            <a:r>
-              <a:rPr lang="de-DE" dirty="0" err="1"/>
-              <a:t>Typoblindtext</a:t>
-            </a:r>
-            <a:r>
-              <a:rPr lang="de-DE" dirty="0"/>
-              <a:t>. An ihm kann man sehen, ob alle Buchstaben da sind und wie sie aussehen. </a:t>
-            </a:r>
-          </a:p>
-          <a:p>
-            <a:r>
-              <a:rPr lang="de-DE" dirty="0"/>
-              <a:t>Manchmal benutzt man Worte wie </a:t>
-            </a:r>
-          </a:p>
-          <a:p>
-            <a:pPr lvl="1"/>
-            <a:r>
-              <a:rPr lang="de-DE" dirty="0"/>
-              <a:t>Hamburgefonts, </a:t>
-            </a:r>
-          </a:p>
-          <a:p>
-            <a:pPr lvl="1"/>
-            <a:r>
-              <a:rPr lang="de-DE" dirty="0" err="1"/>
-              <a:t>Rafgenduks</a:t>
-            </a:r>
-            <a:r>
-              <a:rPr lang="de-DE" dirty="0"/>
-              <a:t> oder </a:t>
-            </a:r>
-          </a:p>
-          <a:p>
-            <a:pPr lvl="1"/>
-            <a:r>
-              <a:rPr lang="de-DE" dirty="0" err="1"/>
-              <a:t>Handgloves</a:t>
-            </a:r>
-            <a:r>
-              <a:rPr lang="de-DE" dirty="0"/>
-              <a:t>, </a:t>
-            </a:r>
-          </a:p>
-          <a:p>
-            <a:r>
-              <a:rPr lang="de-DE" dirty="0"/>
-              <a:t>um Schriften zu testen.</a:t>
-            </a:r>
-          </a:p>
-        </p:txBody>
-      </p:sp>
-      <p:sp>
-        <p:nvSpPr>
-          <p:cNvPr id="5" name="Titel 4"/>
+          <p:cNvPr id="3" name="Titel 2">
+            <a:extLst>
+              <a:ext uri="{FF2B5EF4-FFF2-40B4-BE49-F238E27FC236}">
+                <a16:creationId xmlns:a16="http://schemas.microsoft.com/office/drawing/2014/main" id="{274F9FE8-8D95-5F35-5D72-88B83E6490F4}"/>
+              </a:ext>
+            </a:extLst>
+          </p:cNvPr>
           <p:cNvSpPr>
             <a:spLocks noGrp="1"/>
           </p:cNvSpPr>
@@ -15810,64 +16180,510 @@
           <a:lstStyle/>
           <a:p>
             <a:r>
+              <a:rPr lang="de-DE" dirty="0"/>
+              <a:t>Algorithmus von RT</a:t>
+            </a:r>
+          </a:p>
+        </p:txBody>
+      </p:sp>
+      <p:sp>
+        <p:nvSpPr>
+          <p:cNvPr id="4" name="Fußzeilenplatzhalter 3">
+            <a:extLst>
+              <a:ext uri="{FF2B5EF4-FFF2-40B4-BE49-F238E27FC236}">
+                <a16:creationId xmlns:a16="http://schemas.microsoft.com/office/drawing/2014/main" id="{EEBE079F-696E-A736-DCFB-B06C7D35DBB7}"/>
+              </a:ext>
+            </a:extLst>
+          </p:cNvPr>
+          <p:cNvSpPr>
+            <a:spLocks noGrp="1"/>
+          </p:cNvSpPr>
+          <p:nvPr>
+            <p:ph type="ftr" sz="quarter" idx="10"/>
+          </p:nvPr>
+        </p:nvSpPr>
+        <p:spPr/>
+        <p:txBody>
+          <a:bodyPr/>
+          <a:lstStyle/>
+          <a:p>
+            <a:r>
               <a:rPr lang="de-DE"/>
-              <a:t>Musterüberschrift</a:t>
-            </a:r>
-          </a:p>
-        </p:txBody>
-      </p:sp>
-      <p:pic>
-        <p:nvPicPr>
-          <p:cNvPr id="3" name="Bildplatzhalter 2"/>
-          <p:cNvPicPr>
-            <a:picLocks noGrp="1" noChangeAspect="1"/>
-          </p:cNvPicPr>
-          <p:nvPr>
-            <p:ph type="pic" sz="quarter" idx="11"/>
-          </p:nvPr>
-        </p:nvPicPr>
-        <p:blipFill>
-          <a:blip r:embed="rId2">
-            <a:extLst>
-              <a:ext uri="{28A0092B-C50C-407E-A947-70E740481C1C}">
-                <a14:useLocalDpi xmlns:a14="http://schemas.microsoft.com/office/drawing/2010/main" val="0"/>
-              </a:ext>
-            </a:extLst>
-          </a:blip>
-          <a:srcRect l="27410" r="27410"/>
-          <a:stretch>
-            <a:fillRect/>
-          </a:stretch>
-        </p:blipFill>
+              <a:t>Erkan Garan, Justin Treulieb – Bäume zeichnen im Ebenen-Layout</a:t>
+            </a:r>
+            <a:endParaRPr lang="de-DE" dirty="0"/>
+          </a:p>
+        </p:txBody>
+      </p:sp>
+      <p:sp>
+        <p:nvSpPr>
+          <p:cNvPr id="9" name="Textplatzhalter 8">
+            <a:extLst>
+              <a:ext uri="{FF2B5EF4-FFF2-40B4-BE49-F238E27FC236}">
+                <a16:creationId xmlns:a16="http://schemas.microsoft.com/office/drawing/2014/main" id="{41B3520A-9E48-2624-3B5F-5DFF7AD8E4BB}"/>
+              </a:ext>
+            </a:extLst>
+          </p:cNvPr>
+          <p:cNvSpPr>
+            <a:spLocks noGrp="1"/>
+          </p:cNvSpPr>
+          <p:nvPr>
+            <p:ph type="body" sz="quarter" idx="11"/>
+          </p:nvPr>
+        </p:nvSpPr>
         <p:spPr/>
-      </p:pic>
-      <p:sp>
-        <p:nvSpPr>
-          <p:cNvPr id="2" name="Fußzeilenplatzhalter 1"/>
-          <p:cNvSpPr>
-            <a:spLocks noGrp="1"/>
-          </p:cNvSpPr>
-          <p:nvPr>
-            <p:ph type="ftr" sz="quarter" idx="10"/>
+        <p:txBody>
+          <a:bodyPr/>
+          <a:lstStyle/>
+          <a:p>
+            <a:r>
+              <a:rPr lang="de-DE" dirty="0"/>
+              <a:t>Zweite Phase – Teil 2</a:t>
+            </a:r>
+          </a:p>
+        </p:txBody>
+      </p:sp>
+      <p:sp>
+        <p:nvSpPr>
+          <p:cNvPr id="2" name="Inhaltsplatzhalter 1">
+            <a:extLst>
+              <a:ext uri="{FF2B5EF4-FFF2-40B4-BE49-F238E27FC236}">
+                <a16:creationId xmlns:a16="http://schemas.microsoft.com/office/drawing/2014/main" id="{677FD419-1CA4-FBC5-573B-07CFC3C1B81E}"/>
+              </a:ext>
+            </a:extLst>
+          </p:cNvPr>
+          <p:cNvSpPr>
+            <a:spLocks noGrp="1"/>
+          </p:cNvSpPr>
+          <p:nvPr>
+            <p:ph sz="quarter" idx="12"/>
           </p:nvPr>
         </p:nvSpPr>
         <p:spPr/>
         <p:txBody>
-          <a:bodyPr/>
-          <a:lstStyle/>
-          <a:p>
-            <a:r>
-              <a:rPr lang="de-DE"/>
-              <a:t>Referent · Titel</a:t>
-            </a:r>
-            <a:endParaRPr lang="de-DE" dirty="0"/>
+          <a:bodyPr>
+            <a:normAutofit/>
+          </a:bodyPr>
+          <a:lstStyle/>
+          <a:p>
+            <a:pPr marL="0" indent="0">
+              <a:buNone/>
+            </a:pPr>
+            <a:r>
+              <a:rPr lang="de-DE" b="0" dirty="0" err="1">
+                <a:solidFill>
+                  <a:srgbClr val="0000FF"/>
+                </a:solidFill>
+                <a:effectLst/>
+                <a:latin typeface="Consolas" panose="020B0609020204030204" pitchFamily="49" charset="0"/>
+              </a:rPr>
+              <a:t>if</a:t>
+            </a:r>
+            <a:r>
+              <a:rPr lang="de-DE" b="0" dirty="0">
+                <a:solidFill>
+                  <a:srgbClr val="000000"/>
+                </a:solidFill>
+                <a:effectLst/>
+                <a:latin typeface="Consolas" panose="020B0609020204030204" pitchFamily="49" charset="0"/>
+              </a:rPr>
+              <a:t>(</a:t>
+            </a:r>
+            <a:r>
+              <a:rPr lang="de-DE" b="0" dirty="0" err="1">
+                <a:solidFill>
+                  <a:srgbClr val="000000"/>
+                </a:solidFill>
+                <a:effectLst/>
+                <a:latin typeface="Consolas" panose="020B0609020204030204" pitchFamily="49" charset="0"/>
+              </a:rPr>
+              <a:t>knoten.isThread</a:t>
+            </a:r>
+            <a:r>
+              <a:rPr lang="de-DE" b="0" dirty="0">
+                <a:solidFill>
+                  <a:srgbClr val="000000"/>
+                </a:solidFill>
+                <a:effectLst/>
+                <a:latin typeface="Consolas" panose="020B0609020204030204" pitchFamily="49" charset="0"/>
+              </a:rPr>
+              <a:t>()) {</a:t>
+            </a:r>
+          </a:p>
+          <a:p>
+            <a:pPr marL="0" indent="0">
+              <a:buNone/>
+            </a:pPr>
+            <a:r>
+              <a:rPr lang="de-DE" dirty="0">
+                <a:latin typeface="Consolas" panose="020B0609020204030204" pitchFamily="49" charset="0"/>
+              </a:rPr>
+              <a:t>	</a:t>
+            </a:r>
+            <a:r>
+              <a:rPr lang="de-DE" b="0" dirty="0" err="1">
+                <a:solidFill>
+                  <a:srgbClr val="000000"/>
+                </a:solidFill>
+                <a:effectLst/>
+                <a:latin typeface="Consolas" panose="020B0609020204030204" pitchFamily="49" charset="0"/>
+              </a:rPr>
+              <a:t>knoten.setThread</a:t>
+            </a:r>
+            <a:r>
+              <a:rPr lang="de-DE" b="0" dirty="0">
+                <a:solidFill>
+                  <a:srgbClr val="000000"/>
+                </a:solidFill>
+                <a:effectLst/>
+                <a:latin typeface="Consolas" panose="020B0609020204030204" pitchFamily="49" charset="0"/>
+              </a:rPr>
+              <a:t>(</a:t>
+            </a:r>
+            <a:r>
+              <a:rPr lang="de-DE" b="0" dirty="0" err="1">
+                <a:solidFill>
+                  <a:srgbClr val="0000FF"/>
+                </a:solidFill>
+                <a:effectLst/>
+                <a:latin typeface="Consolas" panose="020B0609020204030204" pitchFamily="49" charset="0"/>
+              </a:rPr>
+              <a:t>false</a:t>
+            </a:r>
+            <a:r>
+              <a:rPr lang="de-DE" b="0" dirty="0">
+                <a:solidFill>
+                  <a:srgbClr val="000000"/>
+                </a:solidFill>
+                <a:effectLst/>
+                <a:latin typeface="Consolas" panose="020B0609020204030204" pitchFamily="49" charset="0"/>
+              </a:rPr>
+              <a:t>);</a:t>
+            </a:r>
+          </a:p>
+          <a:p>
+            <a:pPr marL="0" indent="0">
+              <a:buNone/>
+            </a:pPr>
+            <a:r>
+              <a:rPr lang="de-DE" dirty="0">
+                <a:latin typeface="Consolas" panose="020B0609020204030204" pitchFamily="49" charset="0"/>
+              </a:rPr>
+              <a:t>	</a:t>
+            </a:r>
+            <a:r>
+              <a:rPr lang="de-DE" b="0" dirty="0" err="1">
+                <a:solidFill>
+                  <a:srgbClr val="000000"/>
+                </a:solidFill>
+                <a:effectLst/>
+                <a:latin typeface="Consolas" panose="020B0609020204030204" pitchFamily="49" charset="0"/>
+              </a:rPr>
+              <a:t>knoten.</a:t>
+            </a:r>
+            <a:r>
+              <a:rPr lang="de-DE" dirty="0" err="1">
+                <a:latin typeface="Consolas" panose="020B0609020204030204" pitchFamily="49" charset="0"/>
+              </a:rPr>
+              <a:t>setRechts</a:t>
+            </a:r>
+            <a:r>
+              <a:rPr lang="de-DE" b="0" dirty="0">
+                <a:solidFill>
+                  <a:srgbClr val="000000"/>
+                </a:solidFill>
+                <a:effectLst/>
+                <a:latin typeface="Consolas" panose="020B0609020204030204" pitchFamily="49" charset="0"/>
+              </a:rPr>
+              <a:t>(</a:t>
+            </a:r>
+            <a:r>
+              <a:rPr lang="de-DE" b="0" dirty="0">
+                <a:solidFill>
+                  <a:srgbClr val="0000FF"/>
+                </a:solidFill>
+                <a:effectLst/>
+                <a:latin typeface="Consolas" panose="020B0609020204030204" pitchFamily="49" charset="0"/>
+              </a:rPr>
+              <a:t>null</a:t>
+            </a:r>
+            <a:r>
+              <a:rPr lang="de-DE" b="0" dirty="0">
+                <a:solidFill>
+                  <a:srgbClr val="000000"/>
+                </a:solidFill>
+                <a:effectLst/>
+                <a:latin typeface="Consolas" panose="020B0609020204030204" pitchFamily="49" charset="0"/>
+              </a:rPr>
+              <a:t>);</a:t>
+            </a:r>
+          </a:p>
+          <a:p>
+            <a:pPr marL="0" indent="0">
+              <a:buNone/>
+            </a:pPr>
+            <a:r>
+              <a:rPr lang="de-DE" dirty="0">
+                <a:latin typeface="Consolas" panose="020B0609020204030204" pitchFamily="49" charset="0"/>
+              </a:rPr>
+              <a:t>	</a:t>
+            </a:r>
+            <a:r>
+              <a:rPr lang="de-DE" b="0" dirty="0" err="1">
+                <a:solidFill>
+                  <a:srgbClr val="000000"/>
+                </a:solidFill>
+                <a:effectLst/>
+                <a:latin typeface="Consolas" panose="020B0609020204030204" pitchFamily="49" charset="0"/>
+              </a:rPr>
+              <a:t>knoten.setLinks</a:t>
+            </a:r>
+            <a:r>
+              <a:rPr lang="de-DE" b="0" dirty="0">
+                <a:solidFill>
+                  <a:srgbClr val="000000"/>
+                </a:solidFill>
+                <a:effectLst/>
+                <a:latin typeface="Consolas" panose="020B0609020204030204" pitchFamily="49" charset="0"/>
+              </a:rPr>
+              <a:t>(</a:t>
+            </a:r>
+            <a:r>
+              <a:rPr lang="de-DE" b="0" dirty="0">
+                <a:solidFill>
+                  <a:srgbClr val="0000FF"/>
+                </a:solidFill>
+                <a:effectLst/>
+                <a:latin typeface="Consolas" panose="020B0609020204030204" pitchFamily="49" charset="0"/>
+              </a:rPr>
+              <a:t>null</a:t>
+            </a:r>
+            <a:r>
+              <a:rPr lang="de-DE" b="0" dirty="0">
+                <a:solidFill>
+                  <a:srgbClr val="000000"/>
+                </a:solidFill>
+                <a:effectLst/>
+                <a:latin typeface="Consolas" panose="020B0609020204030204" pitchFamily="49" charset="0"/>
+              </a:rPr>
+              <a:t>);</a:t>
+            </a:r>
+          </a:p>
+          <a:p>
+            <a:pPr marL="0" indent="0">
+              <a:buNone/>
+            </a:pPr>
+            <a:r>
+              <a:rPr lang="de-DE" b="0" dirty="0">
+                <a:solidFill>
+                  <a:srgbClr val="000000"/>
+                </a:solidFill>
+                <a:effectLst/>
+                <a:latin typeface="Consolas" panose="020B0609020204030204" pitchFamily="49" charset="0"/>
+              </a:rPr>
+              <a:t>}</a:t>
+            </a:r>
+          </a:p>
+          <a:p>
+            <a:pPr marL="0" indent="0">
+              <a:buNone/>
+            </a:pPr>
+            <a:endParaRPr lang="de-DE" b="0" dirty="0">
+              <a:solidFill>
+                <a:srgbClr val="000000"/>
+              </a:solidFill>
+              <a:effectLst/>
+              <a:latin typeface="Consolas" panose="020B0609020204030204" pitchFamily="49" charset="0"/>
+            </a:endParaRPr>
+          </a:p>
+          <a:p>
+            <a:pPr marL="0" indent="0">
+              <a:buNone/>
+            </a:pPr>
+            <a:r>
+              <a:rPr lang="de-DE" b="0" dirty="0" err="1">
+                <a:solidFill>
+                  <a:srgbClr val="000000"/>
+                </a:solidFill>
+                <a:effectLst/>
+                <a:latin typeface="Consolas" panose="020B0609020204030204" pitchFamily="49" charset="0"/>
+              </a:rPr>
+              <a:t>petrify</a:t>
+            </a:r>
+            <a:r>
+              <a:rPr lang="de-DE" b="0" dirty="0">
+                <a:solidFill>
+                  <a:srgbClr val="000000"/>
+                </a:solidFill>
+                <a:effectLst/>
+                <a:latin typeface="Consolas" panose="020B0609020204030204" pitchFamily="49" charset="0"/>
+              </a:rPr>
+              <a:t>(</a:t>
+            </a:r>
+            <a:r>
+              <a:rPr lang="de-DE" b="0" dirty="0" err="1">
+                <a:solidFill>
+                  <a:srgbClr val="000000"/>
+                </a:solidFill>
+                <a:effectLst/>
+                <a:latin typeface="Consolas" panose="020B0609020204030204" pitchFamily="49" charset="0"/>
+              </a:rPr>
+              <a:t>knoten.getLinks</a:t>
+            </a:r>
+            <a:r>
+              <a:rPr lang="de-DE" b="0" dirty="0">
+                <a:solidFill>
+                  <a:srgbClr val="000000"/>
+                </a:solidFill>
+                <a:effectLst/>
+                <a:latin typeface="Consolas" panose="020B0609020204030204" pitchFamily="49" charset="0"/>
+              </a:rPr>
+              <a:t>(),  </a:t>
+            </a:r>
+            <a:r>
+              <a:rPr lang="de-DE" b="0" dirty="0" err="1">
+                <a:solidFill>
+                  <a:srgbClr val="000000"/>
+                </a:solidFill>
+                <a:effectLst/>
+                <a:latin typeface="Consolas" panose="020B0609020204030204" pitchFamily="49" charset="0"/>
+              </a:rPr>
+              <a:t>xpos</a:t>
+            </a:r>
+            <a:r>
+              <a:rPr lang="de-DE" b="0" dirty="0">
+                <a:solidFill>
+                  <a:srgbClr val="000000"/>
+                </a:solidFill>
+                <a:effectLst/>
+                <a:latin typeface="Consolas" panose="020B0609020204030204" pitchFamily="49" charset="0"/>
+              </a:rPr>
+              <a:t> - </a:t>
+            </a:r>
+            <a:r>
+              <a:rPr lang="de-DE" b="0" dirty="0" err="1">
+                <a:solidFill>
+                  <a:srgbClr val="000000"/>
+                </a:solidFill>
+                <a:effectLst/>
+                <a:latin typeface="Consolas" panose="020B0609020204030204" pitchFamily="49" charset="0"/>
+              </a:rPr>
+              <a:t>knoten.getModifier</a:t>
+            </a:r>
+            <a:r>
+              <a:rPr lang="de-DE" b="0" dirty="0">
+                <a:solidFill>
+                  <a:srgbClr val="000000"/>
+                </a:solidFill>
+                <a:effectLst/>
+                <a:latin typeface="Consolas" panose="020B0609020204030204" pitchFamily="49" charset="0"/>
+              </a:rPr>
+              <a:t>());</a:t>
+            </a:r>
+          </a:p>
+          <a:p>
+            <a:pPr marL="0" indent="0">
+              <a:buNone/>
+            </a:pPr>
+            <a:r>
+              <a:rPr lang="de-DE" b="0" dirty="0" err="1">
+                <a:solidFill>
+                  <a:srgbClr val="000000"/>
+                </a:solidFill>
+                <a:effectLst/>
+                <a:latin typeface="Consolas" panose="020B0609020204030204" pitchFamily="49" charset="0"/>
+              </a:rPr>
+              <a:t>petrify</a:t>
+            </a:r>
+            <a:r>
+              <a:rPr lang="de-DE" b="0" dirty="0">
+                <a:solidFill>
+                  <a:srgbClr val="000000"/>
+                </a:solidFill>
+                <a:effectLst/>
+                <a:latin typeface="Consolas" panose="020B0609020204030204" pitchFamily="49" charset="0"/>
+              </a:rPr>
+              <a:t>(</a:t>
+            </a:r>
+            <a:r>
+              <a:rPr lang="de-DE" b="0" dirty="0" err="1">
+                <a:solidFill>
+                  <a:srgbClr val="000000"/>
+                </a:solidFill>
+                <a:effectLst/>
+                <a:latin typeface="Consolas" panose="020B0609020204030204" pitchFamily="49" charset="0"/>
+              </a:rPr>
+              <a:t>knoten.getRechts</a:t>
+            </a:r>
+            <a:r>
+              <a:rPr lang="de-DE" b="0" dirty="0">
+                <a:solidFill>
+                  <a:srgbClr val="000000"/>
+                </a:solidFill>
+                <a:effectLst/>
+                <a:latin typeface="Consolas" panose="020B0609020204030204" pitchFamily="49" charset="0"/>
+              </a:rPr>
+              <a:t>(), </a:t>
+            </a:r>
+            <a:r>
+              <a:rPr lang="de-DE" b="0" dirty="0" err="1">
+                <a:solidFill>
+                  <a:srgbClr val="000000"/>
+                </a:solidFill>
+                <a:effectLst/>
+                <a:latin typeface="Consolas" panose="020B0609020204030204" pitchFamily="49" charset="0"/>
+              </a:rPr>
+              <a:t>xpos</a:t>
+            </a:r>
+            <a:r>
+              <a:rPr lang="de-DE" b="0" dirty="0">
+                <a:solidFill>
+                  <a:srgbClr val="000000"/>
+                </a:solidFill>
+                <a:effectLst/>
+                <a:latin typeface="Consolas" panose="020B0609020204030204" pitchFamily="49" charset="0"/>
+              </a:rPr>
+              <a:t> + </a:t>
+            </a:r>
+            <a:r>
+              <a:rPr lang="de-DE" b="0" dirty="0" err="1">
+                <a:solidFill>
+                  <a:srgbClr val="000000"/>
+                </a:solidFill>
+                <a:effectLst/>
+                <a:latin typeface="Consolas" panose="020B0609020204030204" pitchFamily="49" charset="0"/>
+              </a:rPr>
+              <a:t>knoten.getModifier</a:t>
+            </a:r>
+            <a:r>
+              <a:rPr lang="de-DE" b="0" dirty="0">
+                <a:solidFill>
+                  <a:srgbClr val="000000"/>
+                </a:solidFill>
+                <a:effectLst/>
+                <a:latin typeface="Consolas" panose="020B0609020204030204" pitchFamily="49" charset="0"/>
+              </a:rPr>
+              <a:t>());</a:t>
+            </a:r>
+          </a:p>
+          <a:p>
+            <a:pPr marL="0" indent="0">
+              <a:buNone/>
+            </a:pPr>
+            <a:endParaRPr lang="de-DE" b="0" dirty="0">
+              <a:solidFill>
+                <a:srgbClr val="000000"/>
+              </a:solidFill>
+              <a:effectLst/>
+              <a:latin typeface="Consolas" panose="020B0609020204030204" pitchFamily="49" charset="0"/>
+            </a:endParaRPr>
           </a:p>
         </p:txBody>
       </p:sp>
     </p:spTree>
     <p:extLst>
       <p:ext uri="{BB962C8B-B14F-4D97-AF65-F5344CB8AC3E}">
-        <p14:creationId xmlns:p14="http://schemas.microsoft.com/office/powerpoint/2010/main" val="56149347"/>
+        <p14:creationId xmlns:p14="http://schemas.microsoft.com/office/powerpoint/2010/main" val="2401533514"/>
       </p:ext>
     </p:extLst>
   </p:cSld>
@@ -15894,129 +16710,103 @@
           <a:chExt cx="0" cy="0"/>
         </a:xfrm>
       </p:grpSpPr>
-      <p:sp>
-        <p:nvSpPr>
-          <p:cNvPr id="6" name="Inhaltsplatzhalter 5"/>
-          <p:cNvSpPr>
-            <a:spLocks noGrp="1"/>
-          </p:cNvSpPr>
-          <p:nvPr>
-            <p:ph idx="1"/>
-          </p:nvPr>
-        </p:nvSpPr>
-        <p:spPr/>
-        <p:txBody>
-          <a:bodyPr/>
-          <a:lstStyle/>
-          <a:p>
-            <a:r>
-              <a:rPr lang="de-DE" dirty="0"/>
-              <a:t>Dies ist ein </a:t>
-            </a:r>
-            <a:r>
-              <a:rPr lang="de-DE" dirty="0" err="1"/>
-              <a:t>Typoblindtext</a:t>
-            </a:r>
-            <a:r>
-              <a:rPr lang="de-DE" dirty="0"/>
-              <a:t>. An ihm kann man sehen, ob alle Buchstaben da sind und wie sie aussehen. </a:t>
-            </a:r>
-          </a:p>
-          <a:p>
-            <a:r>
-              <a:rPr lang="de-DE" dirty="0"/>
-              <a:t>Manchmal benutzt man Worte wie </a:t>
-            </a:r>
-          </a:p>
-          <a:p>
-            <a:pPr lvl="1"/>
-            <a:r>
-              <a:rPr lang="de-DE" dirty="0"/>
-              <a:t>Hamburgefonts, </a:t>
-            </a:r>
-          </a:p>
-          <a:p>
-            <a:pPr lvl="1"/>
-            <a:r>
-              <a:rPr lang="de-DE" dirty="0" err="1"/>
-              <a:t>Rafgenduks</a:t>
-            </a:r>
-            <a:r>
-              <a:rPr lang="de-DE" dirty="0"/>
-              <a:t> oder </a:t>
-            </a:r>
-          </a:p>
-          <a:p>
-            <a:pPr lvl="1"/>
-            <a:r>
-              <a:rPr lang="de-DE" dirty="0" err="1"/>
-              <a:t>Handgloves</a:t>
-            </a:r>
-            <a:r>
-              <a:rPr lang="de-DE" dirty="0"/>
-              <a:t>, </a:t>
-            </a:r>
-          </a:p>
-          <a:p>
-            <a:r>
-              <a:rPr lang="de-DE" dirty="0"/>
-              <a:t>um Schriften zu testen.</a:t>
-            </a:r>
-          </a:p>
-        </p:txBody>
-      </p:sp>
-      <p:sp>
-        <p:nvSpPr>
-          <p:cNvPr id="5" name="Titel 4"/>
-          <p:cNvSpPr>
-            <a:spLocks noGrp="1"/>
-          </p:cNvSpPr>
-          <p:nvPr>
-            <p:ph type="title"/>
-          </p:nvPr>
-        </p:nvSpPr>
-        <p:spPr/>
-        <p:txBody>
-          <a:bodyPr>
-            <a:normAutofit fontScale="90000"/>
-          </a:bodyPr>
-          <a:lstStyle/>
-          <a:p>
-            <a:r>
-              <a:rPr lang="de-DE"/>
-              <a:t>Musterüberschrift</a:t>
-            </a:r>
-          </a:p>
-        </p:txBody>
-      </p:sp>
       <p:pic>
         <p:nvPicPr>
-          <p:cNvPr id="3" name="Bildplatzhalter 2"/>
+          <p:cNvPr id="13" name="Inhaltsplatzhalter 12">
+            <a:extLst>
+              <a:ext uri="{FF2B5EF4-FFF2-40B4-BE49-F238E27FC236}">
+                <a16:creationId xmlns:a16="http://schemas.microsoft.com/office/drawing/2014/main" id="{A51928D2-1A12-E2D7-3C47-EB15B6CDA654}"/>
+              </a:ext>
+            </a:extLst>
+          </p:cNvPr>
           <p:cNvPicPr>
             <a:picLocks noGrp="1" noChangeAspect="1"/>
           </p:cNvPicPr>
           <p:nvPr>
-            <p:ph type="pic" sz="quarter" idx="11"/>
+            <p:ph sz="half" idx="1"/>
           </p:nvPr>
         </p:nvPicPr>
         <p:blipFill>
-          <a:blip r:embed="rId2">
-            <a:extLst>
-              <a:ext uri="{28A0092B-C50C-407E-A947-70E740481C1C}">
-                <a14:useLocalDpi xmlns:a14="http://schemas.microsoft.com/office/drawing/2010/main" val="0"/>
-              </a:ext>
-            </a:extLst>
-          </a:blip>
-          <a:srcRect l="27427" r="27427"/>
+          <a:blip r:embed="rId2"/>
           <a:stretch>
             <a:fillRect/>
           </a:stretch>
         </p:blipFill>
+        <p:spPr>
+          <a:xfrm>
+            <a:off x="1812132" y="915988"/>
+            <a:ext cx="1236662" cy="3709987"/>
+          </a:xfrm>
+        </p:spPr>
+      </p:pic>
+      <p:pic>
+        <p:nvPicPr>
+          <p:cNvPr id="15" name="Inhaltsplatzhalter 14">
+            <a:extLst>
+              <a:ext uri="{FF2B5EF4-FFF2-40B4-BE49-F238E27FC236}">
+                <a16:creationId xmlns:a16="http://schemas.microsoft.com/office/drawing/2014/main" id="{AE28882B-0880-40AE-83B9-B090FBB65050}"/>
+              </a:ext>
+            </a:extLst>
+          </p:cNvPr>
+          <p:cNvPicPr>
+            <a:picLocks noGrp="1" noChangeAspect="1"/>
+          </p:cNvPicPr>
+          <p:nvPr>
+            <p:ph sz="half" idx="2"/>
+          </p:nvPr>
+        </p:nvPicPr>
+        <p:blipFill>
+          <a:blip r:embed="rId3"/>
+          <a:stretch>
+            <a:fillRect/>
+          </a:stretch>
+        </p:blipFill>
+        <p:spPr>
+          <a:xfrm>
+            <a:off x="4643438" y="996610"/>
+            <a:ext cx="4140200" cy="3548742"/>
+          </a:xfrm>
+        </p:spPr>
+      </p:pic>
+      <p:sp>
+        <p:nvSpPr>
+          <p:cNvPr id="6" name="Titel 5">
+            <a:extLst>
+              <a:ext uri="{FF2B5EF4-FFF2-40B4-BE49-F238E27FC236}">
+                <a16:creationId xmlns:a16="http://schemas.microsoft.com/office/drawing/2014/main" id="{1118FBD3-C5C7-444D-A9DE-333C148D0E6C}"/>
+              </a:ext>
+            </a:extLst>
+          </p:cNvPr>
+          <p:cNvSpPr>
+            <a:spLocks noGrp="1"/>
+          </p:cNvSpPr>
+          <p:nvPr>
+            <p:ph type="title"/>
+          </p:nvPr>
+        </p:nvSpPr>
         <p:spPr/>
-      </p:pic>
-      <p:sp>
-        <p:nvSpPr>
-          <p:cNvPr id="2" name="Fußzeilenplatzhalter 1"/>
+        <p:txBody>
+          <a:bodyPr>
+            <a:normAutofit fontScale="90000"/>
+          </a:bodyPr>
+          <a:lstStyle/>
+          <a:p>
+            <a:r>
+              <a:rPr lang="de-DE" dirty="0"/>
+              <a:t>Algorithmus von RT</a:t>
+            </a:r>
+          </a:p>
+        </p:txBody>
+      </p:sp>
+      <p:sp>
+        <p:nvSpPr>
+          <p:cNvPr id="3" name="Fußzeilenplatzhalter 2">
+            <a:extLst>
+              <a:ext uri="{FF2B5EF4-FFF2-40B4-BE49-F238E27FC236}">
+                <a16:creationId xmlns:a16="http://schemas.microsoft.com/office/drawing/2014/main" id="{CCDEFFD8-AC14-A7DA-D08D-DB18B0367CC6}"/>
+              </a:ext>
+            </a:extLst>
+          </p:cNvPr>
           <p:cNvSpPr>
             <a:spLocks noGrp="1"/>
           </p:cNvSpPr>
@@ -16031,7 +16821,7 @@
           <a:p>
             <a:r>
               <a:rPr lang="de-DE"/>
-              <a:t>Referent · Titel</a:t>
+              <a:t>Erkan Garan, Justin Treulieb – Bäume zeichnen im Ebenen-Layout</a:t>
             </a:r>
             <a:endParaRPr lang="de-DE" dirty="0"/>
           </a:p>
@@ -16040,7 +16830,7 @@
     </p:spTree>
     <p:extLst>
       <p:ext uri="{BB962C8B-B14F-4D97-AF65-F5344CB8AC3E}">
-        <p14:creationId xmlns:p14="http://schemas.microsoft.com/office/powerpoint/2010/main" val="956753996"/>
+        <p14:creationId xmlns:p14="http://schemas.microsoft.com/office/powerpoint/2010/main" val="328810483"/>
       </p:ext>
     </p:extLst>
   </p:cSld>
@@ -16067,6 +16857,1878 @@
           <a:chExt cx="0" cy="0"/>
         </a:xfrm>
       </p:grpSpPr>
+      <p:pic>
+        <p:nvPicPr>
+          <p:cNvPr id="15" name="Inhaltsplatzhalter 14">
+            <a:extLst>
+              <a:ext uri="{FF2B5EF4-FFF2-40B4-BE49-F238E27FC236}">
+                <a16:creationId xmlns:a16="http://schemas.microsoft.com/office/drawing/2014/main" id="{AE28882B-0880-40AE-83B9-B090FBB65050}"/>
+              </a:ext>
+            </a:extLst>
+          </p:cNvPr>
+          <p:cNvPicPr>
+            <a:picLocks noGrp="1" noChangeAspect="1"/>
+          </p:cNvPicPr>
+          <p:nvPr>
+            <p:ph sz="half" idx="2"/>
+          </p:nvPr>
+        </p:nvPicPr>
+        <p:blipFill>
+          <a:blip r:embed="rId2"/>
+          <a:stretch>
+            <a:fillRect/>
+          </a:stretch>
+        </p:blipFill>
+        <p:spPr>
+          <a:xfrm>
+            <a:off x="4643438" y="996610"/>
+            <a:ext cx="4140200" cy="3548742"/>
+          </a:xfrm>
+        </p:spPr>
+      </p:pic>
+      <p:sp>
+        <p:nvSpPr>
+          <p:cNvPr id="6" name="Titel 5">
+            <a:extLst>
+              <a:ext uri="{FF2B5EF4-FFF2-40B4-BE49-F238E27FC236}">
+                <a16:creationId xmlns:a16="http://schemas.microsoft.com/office/drawing/2014/main" id="{1118FBD3-C5C7-444D-A9DE-333C148D0E6C}"/>
+              </a:ext>
+            </a:extLst>
+          </p:cNvPr>
+          <p:cNvSpPr>
+            <a:spLocks noGrp="1"/>
+          </p:cNvSpPr>
+          <p:nvPr>
+            <p:ph type="title"/>
+          </p:nvPr>
+        </p:nvSpPr>
+        <p:spPr/>
+        <p:txBody>
+          <a:bodyPr>
+            <a:normAutofit fontScale="90000"/>
+          </a:bodyPr>
+          <a:lstStyle/>
+          <a:p>
+            <a:r>
+              <a:rPr lang="de-DE" dirty="0"/>
+              <a:t>Algorithmus von RT</a:t>
+            </a:r>
+          </a:p>
+        </p:txBody>
+      </p:sp>
+      <p:sp>
+        <p:nvSpPr>
+          <p:cNvPr id="3" name="Fußzeilenplatzhalter 2">
+            <a:extLst>
+              <a:ext uri="{FF2B5EF4-FFF2-40B4-BE49-F238E27FC236}">
+                <a16:creationId xmlns:a16="http://schemas.microsoft.com/office/drawing/2014/main" id="{CCDEFFD8-AC14-A7DA-D08D-DB18B0367CC6}"/>
+              </a:ext>
+            </a:extLst>
+          </p:cNvPr>
+          <p:cNvSpPr>
+            <a:spLocks noGrp="1"/>
+          </p:cNvSpPr>
+          <p:nvPr>
+            <p:ph type="ftr" sz="quarter" idx="10"/>
+          </p:nvPr>
+        </p:nvSpPr>
+        <p:spPr/>
+        <p:txBody>
+          <a:bodyPr/>
+          <a:lstStyle/>
+          <a:p>
+            <a:r>
+              <a:rPr lang="de-DE"/>
+              <a:t>Erkan Garan, Justin Treulieb – Bäume zeichnen im Ebenen-Layout</a:t>
+            </a:r>
+            <a:endParaRPr lang="de-DE" dirty="0"/>
+          </a:p>
+        </p:txBody>
+      </p:sp>
+      <p:pic>
+        <p:nvPicPr>
+          <p:cNvPr id="7" name="Inhaltsplatzhalter 6">
+            <a:extLst>
+              <a:ext uri="{FF2B5EF4-FFF2-40B4-BE49-F238E27FC236}">
+                <a16:creationId xmlns:a16="http://schemas.microsoft.com/office/drawing/2014/main" id="{0AFC361E-F39D-0AFA-1406-FAF4BF3382B5}"/>
+              </a:ext>
+            </a:extLst>
+          </p:cNvPr>
+          <p:cNvPicPr>
+            <a:picLocks noGrp="1" noChangeAspect="1"/>
+          </p:cNvPicPr>
+          <p:nvPr>
+            <p:ph sz="half" idx="1"/>
+          </p:nvPr>
+        </p:nvPicPr>
+        <p:blipFill>
+          <a:blip r:embed="rId3"/>
+          <a:stretch>
+            <a:fillRect/>
+          </a:stretch>
+        </p:blipFill>
+        <p:spPr>
+          <a:xfrm>
+            <a:off x="1193801" y="915988"/>
+            <a:ext cx="2473324" cy="3709987"/>
+          </a:xfrm>
+        </p:spPr>
+      </p:pic>
+    </p:spTree>
+    <p:extLst>
+      <p:ext uri="{BB962C8B-B14F-4D97-AF65-F5344CB8AC3E}">
+        <p14:creationId xmlns:p14="http://schemas.microsoft.com/office/powerpoint/2010/main" val="3414168894"/>
+      </p:ext>
+    </p:extLst>
+  </p:cSld>
+  <p:clrMapOvr>
+    <a:masterClrMapping/>
+  </p:clrMapOvr>
+</p:sld>
+</file>
+
+<file path=ppt/slides/slide56.xml><?xml version="1.0" encoding="utf-8"?>
+<p:sld xmlns:a="http://schemas.openxmlformats.org/drawingml/2006/main" xmlns:r="http://schemas.openxmlformats.org/officeDocument/2006/relationships" xmlns:p="http://schemas.openxmlformats.org/presentationml/2006/main">
+  <p:cSld>
+    <p:spTree>
+      <p:nvGrpSpPr>
+        <p:cNvPr id="1" name=""/>
+        <p:cNvGrpSpPr/>
+        <p:nvPr/>
+      </p:nvGrpSpPr>
+      <p:grpSpPr>
+        <a:xfrm>
+          <a:off x="0" y="0"/>
+          <a:ext cx="0" cy="0"/>
+          <a:chOff x="0" y="0"/>
+          <a:chExt cx="0" cy="0"/>
+        </a:xfrm>
+      </p:grpSpPr>
+      <p:pic>
+        <p:nvPicPr>
+          <p:cNvPr id="15" name="Inhaltsplatzhalter 14">
+            <a:extLst>
+              <a:ext uri="{FF2B5EF4-FFF2-40B4-BE49-F238E27FC236}">
+                <a16:creationId xmlns:a16="http://schemas.microsoft.com/office/drawing/2014/main" id="{AE28882B-0880-40AE-83B9-B090FBB65050}"/>
+              </a:ext>
+            </a:extLst>
+          </p:cNvPr>
+          <p:cNvPicPr>
+            <a:picLocks noGrp="1" noChangeAspect="1"/>
+          </p:cNvPicPr>
+          <p:nvPr>
+            <p:ph sz="half" idx="2"/>
+          </p:nvPr>
+        </p:nvPicPr>
+        <p:blipFill>
+          <a:blip r:embed="rId2"/>
+          <a:stretch>
+            <a:fillRect/>
+          </a:stretch>
+        </p:blipFill>
+        <p:spPr>
+          <a:xfrm>
+            <a:off x="4643438" y="996610"/>
+            <a:ext cx="4140200" cy="3548742"/>
+          </a:xfrm>
+        </p:spPr>
+      </p:pic>
+      <p:sp>
+        <p:nvSpPr>
+          <p:cNvPr id="6" name="Titel 5">
+            <a:extLst>
+              <a:ext uri="{FF2B5EF4-FFF2-40B4-BE49-F238E27FC236}">
+                <a16:creationId xmlns:a16="http://schemas.microsoft.com/office/drawing/2014/main" id="{1118FBD3-C5C7-444D-A9DE-333C148D0E6C}"/>
+              </a:ext>
+            </a:extLst>
+          </p:cNvPr>
+          <p:cNvSpPr>
+            <a:spLocks noGrp="1"/>
+          </p:cNvSpPr>
+          <p:nvPr>
+            <p:ph type="title"/>
+          </p:nvPr>
+        </p:nvSpPr>
+        <p:spPr/>
+        <p:txBody>
+          <a:bodyPr>
+            <a:normAutofit fontScale="90000"/>
+          </a:bodyPr>
+          <a:lstStyle/>
+          <a:p>
+            <a:r>
+              <a:rPr lang="de-DE" dirty="0"/>
+              <a:t>Algorithmus von RT</a:t>
+            </a:r>
+          </a:p>
+        </p:txBody>
+      </p:sp>
+      <p:sp>
+        <p:nvSpPr>
+          <p:cNvPr id="3" name="Fußzeilenplatzhalter 2">
+            <a:extLst>
+              <a:ext uri="{FF2B5EF4-FFF2-40B4-BE49-F238E27FC236}">
+                <a16:creationId xmlns:a16="http://schemas.microsoft.com/office/drawing/2014/main" id="{CCDEFFD8-AC14-A7DA-D08D-DB18B0367CC6}"/>
+              </a:ext>
+            </a:extLst>
+          </p:cNvPr>
+          <p:cNvSpPr>
+            <a:spLocks noGrp="1"/>
+          </p:cNvSpPr>
+          <p:nvPr>
+            <p:ph type="ftr" sz="quarter" idx="10"/>
+          </p:nvPr>
+        </p:nvSpPr>
+        <p:spPr/>
+        <p:txBody>
+          <a:bodyPr/>
+          <a:lstStyle/>
+          <a:p>
+            <a:r>
+              <a:rPr lang="de-DE"/>
+              <a:t>Erkan Garan, Justin Treulieb – Bäume zeichnen im Ebenen-Layout</a:t>
+            </a:r>
+            <a:endParaRPr lang="de-DE" dirty="0"/>
+          </a:p>
+        </p:txBody>
+      </p:sp>
+      <p:pic>
+        <p:nvPicPr>
+          <p:cNvPr id="5" name="Inhaltsplatzhalter 4">
+            <a:extLst>
+              <a:ext uri="{FF2B5EF4-FFF2-40B4-BE49-F238E27FC236}">
+                <a16:creationId xmlns:a16="http://schemas.microsoft.com/office/drawing/2014/main" id="{D8694B2A-EAE2-D1C8-48CC-708E3939B45B}"/>
+              </a:ext>
+            </a:extLst>
+          </p:cNvPr>
+          <p:cNvPicPr>
+            <a:picLocks noGrp="1" noChangeAspect="1"/>
+          </p:cNvPicPr>
+          <p:nvPr>
+            <p:ph sz="half" idx="1"/>
+          </p:nvPr>
+        </p:nvPicPr>
+        <p:blipFill>
+          <a:blip r:embed="rId3"/>
+          <a:stretch>
+            <a:fillRect/>
+          </a:stretch>
+        </p:blipFill>
+        <p:spPr>
+          <a:xfrm>
+            <a:off x="884635" y="915988"/>
+            <a:ext cx="3091655" cy="3709987"/>
+          </a:xfrm>
+        </p:spPr>
+      </p:pic>
+    </p:spTree>
+    <p:extLst>
+      <p:ext uri="{BB962C8B-B14F-4D97-AF65-F5344CB8AC3E}">
+        <p14:creationId xmlns:p14="http://schemas.microsoft.com/office/powerpoint/2010/main" val="1791496784"/>
+      </p:ext>
+    </p:extLst>
+  </p:cSld>
+  <p:clrMapOvr>
+    <a:masterClrMapping/>
+  </p:clrMapOvr>
+</p:sld>
+</file>
+
+<file path=ppt/slides/slide57.xml><?xml version="1.0" encoding="utf-8"?>
+<p:sld xmlns:a="http://schemas.openxmlformats.org/drawingml/2006/main" xmlns:r="http://schemas.openxmlformats.org/officeDocument/2006/relationships" xmlns:p="http://schemas.openxmlformats.org/presentationml/2006/main">
+  <p:cSld>
+    <p:spTree>
+      <p:nvGrpSpPr>
+        <p:cNvPr id="1" name=""/>
+        <p:cNvGrpSpPr/>
+        <p:nvPr/>
+      </p:nvGrpSpPr>
+      <p:grpSpPr>
+        <a:xfrm>
+          <a:off x="0" y="0"/>
+          <a:ext cx="0" cy="0"/>
+          <a:chOff x="0" y="0"/>
+          <a:chExt cx="0" cy="0"/>
+        </a:xfrm>
+      </p:grpSpPr>
+      <p:pic>
+        <p:nvPicPr>
+          <p:cNvPr id="15" name="Inhaltsplatzhalter 14">
+            <a:extLst>
+              <a:ext uri="{FF2B5EF4-FFF2-40B4-BE49-F238E27FC236}">
+                <a16:creationId xmlns:a16="http://schemas.microsoft.com/office/drawing/2014/main" id="{AE28882B-0880-40AE-83B9-B090FBB65050}"/>
+              </a:ext>
+            </a:extLst>
+          </p:cNvPr>
+          <p:cNvPicPr>
+            <a:picLocks noGrp="1" noChangeAspect="1"/>
+          </p:cNvPicPr>
+          <p:nvPr>
+            <p:ph sz="half" idx="2"/>
+          </p:nvPr>
+        </p:nvPicPr>
+        <p:blipFill>
+          <a:blip r:embed="rId2"/>
+          <a:stretch>
+            <a:fillRect/>
+          </a:stretch>
+        </p:blipFill>
+        <p:spPr>
+          <a:xfrm>
+            <a:off x="4643438" y="996610"/>
+            <a:ext cx="4140200" cy="3548742"/>
+          </a:xfrm>
+        </p:spPr>
+      </p:pic>
+      <p:sp>
+        <p:nvSpPr>
+          <p:cNvPr id="6" name="Titel 5">
+            <a:extLst>
+              <a:ext uri="{FF2B5EF4-FFF2-40B4-BE49-F238E27FC236}">
+                <a16:creationId xmlns:a16="http://schemas.microsoft.com/office/drawing/2014/main" id="{1118FBD3-C5C7-444D-A9DE-333C148D0E6C}"/>
+              </a:ext>
+            </a:extLst>
+          </p:cNvPr>
+          <p:cNvSpPr>
+            <a:spLocks noGrp="1"/>
+          </p:cNvSpPr>
+          <p:nvPr>
+            <p:ph type="title"/>
+          </p:nvPr>
+        </p:nvSpPr>
+        <p:spPr/>
+        <p:txBody>
+          <a:bodyPr>
+            <a:normAutofit fontScale="90000"/>
+          </a:bodyPr>
+          <a:lstStyle/>
+          <a:p>
+            <a:r>
+              <a:rPr lang="de-DE" dirty="0"/>
+              <a:t>Algorithmus von RT</a:t>
+            </a:r>
+          </a:p>
+        </p:txBody>
+      </p:sp>
+      <p:sp>
+        <p:nvSpPr>
+          <p:cNvPr id="3" name="Fußzeilenplatzhalter 2">
+            <a:extLst>
+              <a:ext uri="{FF2B5EF4-FFF2-40B4-BE49-F238E27FC236}">
+                <a16:creationId xmlns:a16="http://schemas.microsoft.com/office/drawing/2014/main" id="{CCDEFFD8-AC14-A7DA-D08D-DB18B0367CC6}"/>
+              </a:ext>
+            </a:extLst>
+          </p:cNvPr>
+          <p:cNvSpPr>
+            <a:spLocks noGrp="1"/>
+          </p:cNvSpPr>
+          <p:nvPr>
+            <p:ph type="ftr" sz="quarter" idx="10"/>
+          </p:nvPr>
+        </p:nvSpPr>
+        <p:spPr/>
+        <p:txBody>
+          <a:bodyPr/>
+          <a:lstStyle/>
+          <a:p>
+            <a:r>
+              <a:rPr lang="de-DE"/>
+              <a:t>Erkan Garan, Justin Treulieb – Bäume zeichnen im Ebenen-Layout</a:t>
+            </a:r>
+            <a:endParaRPr lang="de-DE" dirty="0"/>
+          </a:p>
+        </p:txBody>
+      </p:sp>
+      <p:pic>
+        <p:nvPicPr>
+          <p:cNvPr id="5" name="Inhaltsplatzhalter 4">
+            <a:extLst>
+              <a:ext uri="{FF2B5EF4-FFF2-40B4-BE49-F238E27FC236}">
+                <a16:creationId xmlns:a16="http://schemas.microsoft.com/office/drawing/2014/main" id="{E2DAEA03-61E5-4AF6-8255-856B87AEA517}"/>
+              </a:ext>
+            </a:extLst>
+          </p:cNvPr>
+          <p:cNvPicPr>
+            <a:picLocks noGrp="1" noChangeAspect="1"/>
+          </p:cNvPicPr>
+          <p:nvPr>
+            <p:ph sz="half" idx="1"/>
+          </p:nvPr>
+        </p:nvPicPr>
+        <p:blipFill>
+          <a:blip r:embed="rId3"/>
+          <a:stretch>
+            <a:fillRect/>
+          </a:stretch>
+        </p:blipFill>
+        <p:spPr>
+          <a:xfrm>
+            <a:off x="884635" y="915988"/>
+            <a:ext cx="3091655" cy="3709987"/>
+          </a:xfrm>
+        </p:spPr>
+      </p:pic>
+    </p:spTree>
+    <p:extLst>
+      <p:ext uri="{BB962C8B-B14F-4D97-AF65-F5344CB8AC3E}">
+        <p14:creationId xmlns:p14="http://schemas.microsoft.com/office/powerpoint/2010/main" val="2420594247"/>
+      </p:ext>
+    </p:extLst>
+  </p:cSld>
+  <p:clrMapOvr>
+    <a:masterClrMapping/>
+  </p:clrMapOvr>
+</p:sld>
+</file>
+
+<file path=ppt/slides/slide58.xml><?xml version="1.0" encoding="utf-8"?>
+<p:sld xmlns:a="http://schemas.openxmlformats.org/drawingml/2006/main" xmlns:r="http://schemas.openxmlformats.org/officeDocument/2006/relationships" xmlns:p="http://schemas.openxmlformats.org/presentationml/2006/main">
+  <p:cSld>
+    <p:spTree>
+      <p:nvGrpSpPr>
+        <p:cNvPr id="1" name=""/>
+        <p:cNvGrpSpPr/>
+        <p:nvPr/>
+      </p:nvGrpSpPr>
+      <p:grpSpPr>
+        <a:xfrm>
+          <a:off x="0" y="0"/>
+          <a:ext cx="0" cy="0"/>
+          <a:chOff x="0" y="0"/>
+          <a:chExt cx="0" cy="0"/>
+        </a:xfrm>
+      </p:grpSpPr>
+      <p:pic>
+        <p:nvPicPr>
+          <p:cNvPr id="15" name="Inhaltsplatzhalter 14">
+            <a:extLst>
+              <a:ext uri="{FF2B5EF4-FFF2-40B4-BE49-F238E27FC236}">
+                <a16:creationId xmlns:a16="http://schemas.microsoft.com/office/drawing/2014/main" id="{AE28882B-0880-40AE-83B9-B090FBB65050}"/>
+              </a:ext>
+            </a:extLst>
+          </p:cNvPr>
+          <p:cNvPicPr>
+            <a:picLocks noGrp="1" noChangeAspect="1"/>
+          </p:cNvPicPr>
+          <p:nvPr>
+            <p:ph sz="half" idx="2"/>
+          </p:nvPr>
+        </p:nvPicPr>
+        <p:blipFill>
+          <a:blip r:embed="rId2"/>
+          <a:stretch>
+            <a:fillRect/>
+          </a:stretch>
+        </p:blipFill>
+        <p:spPr>
+          <a:xfrm>
+            <a:off x="4643438" y="996610"/>
+            <a:ext cx="4140200" cy="3548742"/>
+          </a:xfrm>
+        </p:spPr>
+      </p:pic>
+      <p:sp>
+        <p:nvSpPr>
+          <p:cNvPr id="6" name="Titel 5">
+            <a:extLst>
+              <a:ext uri="{FF2B5EF4-FFF2-40B4-BE49-F238E27FC236}">
+                <a16:creationId xmlns:a16="http://schemas.microsoft.com/office/drawing/2014/main" id="{1118FBD3-C5C7-444D-A9DE-333C148D0E6C}"/>
+              </a:ext>
+            </a:extLst>
+          </p:cNvPr>
+          <p:cNvSpPr>
+            <a:spLocks noGrp="1"/>
+          </p:cNvSpPr>
+          <p:nvPr>
+            <p:ph type="title"/>
+          </p:nvPr>
+        </p:nvSpPr>
+        <p:spPr/>
+        <p:txBody>
+          <a:bodyPr>
+            <a:normAutofit fontScale="90000"/>
+          </a:bodyPr>
+          <a:lstStyle/>
+          <a:p>
+            <a:r>
+              <a:rPr lang="de-DE" dirty="0"/>
+              <a:t>Algorithmus von RT</a:t>
+            </a:r>
+          </a:p>
+        </p:txBody>
+      </p:sp>
+      <p:sp>
+        <p:nvSpPr>
+          <p:cNvPr id="3" name="Fußzeilenplatzhalter 2">
+            <a:extLst>
+              <a:ext uri="{FF2B5EF4-FFF2-40B4-BE49-F238E27FC236}">
+                <a16:creationId xmlns:a16="http://schemas.microsoft.com/office/drawing/2014/main" id="{CCDEFFD8-AC14-A7DA-D08D-DB18B0367CC6}"/>
+              </a:ext>
+            </a:extLst>
+          </p:cNvPr>
+          <p:cNvSpPr>
+            <a:spLocks noGrp="1"/>
+          </p:cNvSpPr>
+          <p:nvPr>
+            <p:ph type="ftr" sz="quarter" idx="10"/>
+          </p:nvPr>
+        </p:nvSpPr>
+        <p:spPr/>
+        <p:txBody>
+          <a:bodyPr/>
+          <a:lstStyle/>
+          <a:p>
+            <a:r>
+              <a:rPr lang="de-DE"/>
+              <a:t>Erkan Garan, Justin Treulieb – Bäume zeichnen im Ebenen-Layout</a:t>
+            </a:r>
+            <a:endParaRPr lang="de-DE" dirty="0"/>
+          </a:p>
+        </p:txBody>
+      </p:sp>
+      <p:pic>
+        <p:nvPicPr>
+          <p:cNvPr id="5" name="Inhaltsplatzhalter 4">
+            <a:extLst>
+              <a:ext uri="{FF2B5EF4-FFF2-40B4-BE49-F238E27FC236}">
+                <a16:creationId xmlns:a16="http://schemas.microsoft.com/office/drawing/2014/main" id="{5BF3BEBD-9575-6345-3DA5-7159428E13BB}"/>
+              </a:ext>
+            </a:extLst>
+          </p:cNvPr>
+          <p:cNvPicPr>
+            <a:picLocks noGrp="1" noChangeAspect="1"/>
+          </p:cNvPicPr>
+          <p:nvPr>
+            <p:ph sz="half" idx="1"/>
+          </p:nvPr>
+        </p:nvPicPr>
+        <p:blipFill>
+          <a:blip r:embed="rId3"/>
+          <a:stretch>
+            <a:fillRect/>
+          </a:stretch>
+        </p:blipFill>
+        <p:spPr>
+          <a:xfrm>
+            <a:off x="360363" y="996610"/>
+            <a:ext cx="4140200" cy="3548742"/>
+          </a:xfrm>
+        </p:spPr>
+      </p:pic>
+    </p:spTree>
+    <p:extLst>
+      <p:ext uri="{BB962C8B-B14F-4D97-AF65-F5344CB8AC3E}">
+        <p14:creationId xmlns:p14="http://schemas.microsoft.com/office/powerpoint/2010/main" val="678603261"/>
+      </p:ext>
+    </p:extLst>
+  </p:cSld>
+  <p:clrMapOvr>
+    <a:masterClrMapping/>
+  </p:clrMapOvr>
+</p:sld>
+</file>
+
+<file path=ppt/slides/slide59.xml><?xml version="1.0" encoding="utf-8"?>
+<p:sld xmlns:a="http://schemas.openxmlformats.org/drawingml/2006/main" xmlns:r="http://schemas.openxmlformats.org/officeDocument/2006/relationships" xmlns:p="http://schemas.openxmlformats.org/presentationml/2006/main">
+  <p:cSld>
+    <p:spTree>
+      <p:nvGrpSpPr>
+        <p:cNvPr id="1" name=""/>
+        <p:cNvGrpSpPr/>
+        <p:nvPr/>
+      </p:nvGrpSpPr>
+      <p:grpSpPr>
+        <a:xfrm>
+          <a:off x="0" y="0"/>
+          <a:ext cx="0" cy="0"/>
+          <a:chOff x="0" y="0"/>
+          <a:chExt cx="0" cy="0"/>
+        </a:xfrm>
+      </p:grpSpPr>
+      <p:pic>
+        <p:nvPicPr>
+          <p:cNvPr id="15" name="Inhaltsplatzhalter 14">
+            <a:extLst>
+              <a:ext uri="{FF2B5EF4-FFF2-40B4-BE49-F238E27FC236}">
+                <a16:creationId xmlns:a16="http://schemas.microsoft.com/office/drawing/2014/main" id="{AE28882B-0880-40AE-83B9-B090FBB65050}"/>
+              </a:ext>
+            </a:extLst>
+          </p:cNvPr>
+          <p:cNvPicPr>
+            <a:picLocks noGrp="1" noChangeAspect="1"/>
+          </p:cNvPicPr>
+          <p:nvPr>
+            <p:ph sz="half" idx="2"/>
+          </p:nvPr>
+        </p:nvPicPr>
+        <p:blipFill>
+          <a:blip r:embed="rId2"/>
+          <a:stretch>
+            <a:fillRect/>
+          </a:stretch>
+        </p:blipFill>
+        <p:spPr>
+          <a:xfrm>
+            <a:off x="4643438" y="996610"/>
+            <a:ext cx="4140200" cy="3548742"/>
+          </a:xfrm>
+        </p:spPr>
+      </p:pic>
+      <p:sp>
+        <p:nvSpPr>
+          <p:cNvPr id="6" name="Titel 5">
+            <a:extLst>
+              <a:ext uri="{FF2B5EF4-FFF2-40B4-BE49-F238E27FC236}">
+                <a16:creationId xmlns:a16="http://schemas.microsoft.com/office/drawing/2014/main" id="{1118FBD3-C5C7-444D-A9DE-333C148D0E6C}"/>
+              </a:ext>
+            </a:extLst>
+          </p:cNvPr>
+          <p:cNvSpPr>
+            <a:spLocks noGrp="1"/>
+          </p:cNvSpPr>
+          <p:nvPr>
+            <p:ph type="title"/>
+          </p:nvPr>
+        </p:nvSpPr>
+        <p:spPr/>
+        <p:txBody>
+          <a:bodyPr>
+            <a:normAutofit fontScale="90000"/>
+          </a:bodyPr>
+          <a:lstStyle/>
+          <a:p>
+            <a:r>
+              <a:rPr lang="de-DE" dirty="0"/>
+              <a:t>Algorithmus von RT</a:t>
+            </a:r>
+          </a:p>
+        </p:txBody>
+      </p:sp>
+      <p:sp>
+        <p:nvSpPr>
+          <p:cNvPr id="3" name="Fußzeilenplatzhalter 2">
+            <a:extLst>
+              <a:ext uri="{FF2B5EF4-FFF2-40B4-BE49-F238E27FC236}">
+                <a16:creationId xmlns:a16="http://schemas.microsoft.com/office/drawing/2014/main" id="{CCDEFFD8-AC14-A7DA-D08D-DB18B0367CC6}"/>
+              </a:ext>
+            </a:extLst>
+          </p:cNvPr>
+          <p:cNvSpPr>
+            <a:spLocks noGrp="1"/>
+          </p:cNvSpPr>
+          <p:nvPr>
+            <p:ph type="ftr" sz="quarter" idx="10"/>
+          </p:nvPr>
+        </p:nvSpPr>
+        <p:spPr/>
+        <p:txBody>
+          <a:bodyPr/>
+          <a:lstStyle/>
+          <a:p>
+            <a:r>
+              <a:rPr lang="de-DE"/>
+              <a:t>Erkan Garan, Justin Treulieb – Bäume zeichnen im Ebenen-Layout</a:t>
+            </a:r>
+            <a:endParaRPr lang="de-DE" dirty="0"/>
+          </a:p>
+        </p:txBody>
+      </p:sp>
+      <p:pic>
+        <p:nvPicPr>
+          <p:cNvPr id="5" name="Inhaltsplatzhalter 4">
+            <a:extLst>
+              <a:ext uri="{FF2B5EF4-FFF2-40B4-BE49-F238E27FC236}">
+                <a16:creationId xmlns:a16="http://schemas.microsoft.com/office/drawing/2014/main" id="{7281FA89-285B-F8B3-5CE5-CE303552C11B}"/>
+              </a:ext>
+            </a:extLst>
+          </p:cNvPr>
+          <p:cNvPicPr>
+            <a:picLocks noGrp="1" noChangeAspect="1"/>
+          </p:cNvPicPr>
+          <p:nvPr>
+            <p:ph sz="half" idx="1"/>
+          </p:nvPr>
+        </p:nvPicPr>
+        <p:blipFill>
+          <a:blip r:embed="rId3"/>
+          <a:stretch>
+            <a:fillRect/>
+          </a:stretch>
+        </p:blipFill>
+        <p:spPr>
+          <a:xfrm>
+            <a:off x="360363" y="996610"/>
+            <a:ext cx="4140200" cy="3548742"/>
+          </a:xfrm>
+        </p:spPr>
+      </p:pic>
+    </p:spTree>
+    <p:extLst>
+      <p:ext uri="{BB962C8B-B14F-4D97-AF65-F5344CB8AC3E}">
+        <p14:creationId xmlns:p14="http://schemas.microsoft.com/office/powerpoint/2010/main" val="401502416"/>
+      </p:ext>
+    </p:extLst>
+  </p:cSld>
+  <p:clrMapOvr>
+    <a:masterClrMapping/>
+  </p:clrMapOvr>
+</p:sld>
+</file>
+
+<file path=ppt/slides/slide6.xml><?xml version="1.0" encoding="utf-8"?>
+<p:sld xmlns:a="http://schemas.openxmlformats.org/drawingml/2006/main" xmlns:r="http://schemas.openxmlformats.org/officeDocument/2006/relationships" xmlns:p="http://schemas.openxmlformats.org/presentationml/2006/main">
+  <p:cSld>
+    <p:spTree>
+      <p:nvGrpSpPr>
+        <p:cNvPr id="1" name=""/>
+        <p:cNvGrpSpPr/>
+        <p:nvPr/>
+      </p:nvGrpSpPr>
+      <p:grpSpPr>
+        <a:xfrm>
+          <a:off x="0" y="0"/>
+          <a:ext cx="0" cy="0"/>
+          <a:chOff x="0" y="0"/>
+          <a:chExt cx="0" cy="0"/>
+        </a:xfrm>
+      </p:grpSpPr>
+      <p:sp>
+        <p:nvSpPr>
+          <p:cNvPr id="2" name="Inhaltsplatzhalter 1">
+            <a:extLst>
+              <a:ext uri="{FF2B5EF4-FFF2-40B4-BE49-F238E27FC236}">
+                <a16:creationId xmlns:a16="http://schemas.microsoft.com/office/drawing/2014/main" id="{506904EF-A08C-7BD4-E8FB-B9E48CDBABAC}"/>
+              </a:ext>
+            </a:extLst>
+          </p:cNvPr>
+          <p:cNvSpPr>
+            <a:spLocks noGrp="1"/>
+          </p:cNvSpPr>
+          <p:nvPr>
+            <p:ph idx="1"/>
+          </p:nvPr>
+        </p:nvSpPr>
+        <p:spPr/>
+        <p:txBody>
+          <a:bodyPr/>
+          <a:lstStyle/>
+          <a:p>
+            <a:r>
+              <a:rPr lang="de-DE" dirty="0"/>
+              <a:t>Traversierung</a:t>
+            </a:r>
+          </a:p>
+          <a:p>
+            <a:pPr lvl="1"/>
+            <a:r>
+              <a:rPr lang="de-DE" dirty="0"/>
+              <a:t>Systematische Ablaufen aller Knoten eines Baumes</a:t>
+            </a:r>
+          </a:p>
+          <a:p>
+            <a:r>
+              <a:rPr lang="de-DE" dirty="0" err="1"/>
+              <a:t>Pre</a:t>
+            </a:r>
+            <a:r>
+              <a:rPr lang="de-DE" dirty="0"/>
+              <a:t>-Order-Traversierung</a:t>
+            </a:r>
+          </a:p>
+          <a:p>
+            <a:pPr lvl="1"/>
+            <a:r>
+              <a:rPr lang="de-DE" dirty="0"/>
+              <a:t>Knoten, linker Teilbaum, rechter Teilbaum</a:t>
+            </a:r>
+          </a:p>
+          <a:p>
+            <a:pPr lvl="1"/>
+            <a:r>
+              <a:rPr lang="de-DE" dirty="0"/>
+              <a:t>Väter vor Kindern</a:t>
+            </a:r>
+          </a:p>
+          <a:p>
+            <a:r>
+              <a:rPr lang="de-DE" dirty="0"/>
+              <a:t>Post-Order-Traversierung</a:t>
+            </a:r>
+          </a:p>
+          <a:p>
+            <a:pPr lvl="1"/>
+            <a:r>
+              <a:rPr lang="de-DE" dirty="0"/>
+              <a:t>Linker Teilbaum, rechter Teilbaum, Knoten</a:t>
+            </a:r>
+          </a:p>
+          <a:p>
+            <a:pPr lvl="1"/>
+            <a:r>
+              <a:rPr lang="de-DE" dirty="0"/>
+              <a:t>Kinder vor Vätern</a:t>
+            </a:r>
+          </a:p>
+          <a:p>
+            <a:r>
+              <a:rPr lang="de-DE" dirty="0"/>
+              <a:t>In-Order-Traversierung</a:t>
+            </a:r>
+          </a:p>
+          <a:p>
+            <a:pPr lvl="1"/>
+            <a:r>
+              <a:rPr lang="de-DE" dirty="0"/>
+              <a:t>Linker Teilbaum, Knoten, rechter Teilbaum</a:t>
+            </a:r>
+          </a:p>
+        </p:txBody>
+      </p:sp>
+      <p:sp>
+        <p:nvSpPr>
+          <p:cNvPr id="3" name="Fußzeilenplatzhalter 2">
+            <a:extLst>
+              <a:ext uri="{FF2B5EF4-FFF2-40B4-BE49-F238E27FC236}">
+                <a16:creationId xmlns:a16="http://schemas.microsoft.com/office/drawing/2014/main" id="{8BEDA438-A933-4885-AF8D-5EA2CA644006}"/>
+              </a:ext>
+            </a:extLst>
+          </p:cNvPr>
+          <p:cNvSpPr>
+            <a:spLocks noGrp="1"/>
+          </p:cNvSpPr>
+          <p:nvPr>
+            <p:ph type="ftr" sz="quarter" idx="10"/>
+          </p:nvPr>
+        </p:nvSpPr>
+        <p:spPr/>
+        <p:txBody>
+          <a:bodyPr/>
+          <a:lstStyle/>
+          <a:p>
+            <a:r>
+              <a:rPr lang="de-DE"/>
+              <a:t>Erkan Garan, Justin Treulieb – Bäume zeichnen im Ebenen-Layout</a:t>
+            </a:r>
+            <a:endParaRPr lang="de-DE" dirty="0"/>
+          </a:p>
+        </p:txBody>
+      </p:sp>
+      <p:sp>
+        <p:nvSpPr>
+          <p:cNvPr id="4" name="Titel 3">
+            <a:extLst>
+              <a:ext uri="{FF2B5EF4-FFF2-40B4-BE49-F238E27FC236}">
+                <a16:creationId xmlns:a16="http://schemas.microsoft.com/office/drawing/2014/main" id="{2872B57C-1A28-5488-4693-02328424FBF1}"/>
+              </a:ext>
+            </a:extLst>
+          </p:cNvPr>
+          <p:cNvSpPr>
+            <a:spLocks noGrp="1"/>
+          </p:cNvSpPr>
+          <p:nvPr>
+            <p:ph type="title"/>
+          </p:nvPr>
+        </p:nvSpPr>
+        <p:spPr/>
+        <p:txBody>
+          <a:bodyPr>
+            <a:normAutofit fontScale="90000"/>
+          </a:bodyPr>
+          <a:lstStyle/>
+          <a:p>
+            <a:r>
+              <a:rPr lang="de-DE" dirty="0"/>
+              <a:t>Definition von Bäumen in der Informatik</a:t>
+            </a:r>
+          </a:p>
+        </p:txBody>
+      </p:sp>
+      <p:sp>
+        <p:nvSpPr>
+          <p:cNvPr id="5" name="Bildplatzhalter 4">
+            <a:extLst>
+              <a:ext uri="{FF2B5EF4-FFF2-40B4-BE49-F238E27FC236}">
+                <a16:creationId xmlns:a16="http://schemas.microsoft.com/office/drawing/2014/main" id="{BFEE8402-4DAE-7FBD-D9CC-4B86A5DADAD2}"/>
+              </a:ext>
+            </a:extLst>
+          </p:cNvPr>
+          <p:cNvSpPr>
+            <a:spLocks noGrp="1"/>
+          </p:cNvSpPr>
+          <p:nvPr>
+            <p:ph type="pic" sz="quarter" idx="11"/>
+          </p:nvPr>
+        </p:nvSpPr>
+        <p:spPr/>
+      </p:sp>
+    </p:spTree>
+    <p:extLst>
+      <p:ext uri="{BB962C8B-B14F-4D97-AF65-F5344CB8AC3E}">
+        <p14:creationId xmlns:p14="http://schemas.microsoft.com/office/powerpoint/2010/main" val="3836064425"/>
+      </p:ext>
+    </p:extLst>
+  </p:cSld>
+  <p:clrMapOvr>
+    <a:masterClrMapping/>
+  </p:clrMapOvr>
+</p:sld>
+</file>
+
+<file path=ppt/slides/slide60.xml><?xml version="1.0" encoding="utf-8"?>
+<p:sld xmlns:a="http://schemas.openxmlformats.org/drawingml/2006/main" xmlns:r="http://schemas.openxmlformats.org/officeDocument/2006/relationships" xmlns:p="http://schemas.openxmlformats.org/presentationml/2006/main">
+  <p:cSld>
+    <p:spTree>
+      <p:nvGrpSpPr>
+        <p:cNvPr id="1" name=""/>
+        <p:cNvGrpSpPr/>
+        <p:nvPr/>
+      </p:nvGrpSpPr>
+      <p:grpSpPr>
+        <a:xfrm>
+          <a:off x="0" y="0"/>
+          <a:ext cx="0" cy="0"/>
+          <a:chOff x="0" y="0"/>
+          <a:chExt cx="0" cy="0"/>
+        </a:xfrm>
+      </p:grpSpPr>
+      <p:pic>
+        <p:nvPicPr>
+          <p:cNvPr id="15" name="Inhaltsplatzhalter 14">
+            <a:extLst>
+              <a:ext uri="{FF2B5EF4-FFF2-40B4-BE49-F238E27FC236}">
+                <a16:creationId xmlns:a16="http://schemas.microsoft.com/office/drawing/2014/main" id="{AE28882B-0880-40AE-83B9-B090FBB65050}"/>
+              </a:ext>
+            </a:extLst>
+          </p:cNvPr>
+          <p:cNvPicPr>
+            <a:picLocks noGrp="1" noChangeAspect="1"/>
+          </p:cNvPicPr>
+          <p:nvPr>
+            <p:ph sz="half" idx="2"/>
+          </p:nvPr>
+        </p:nvPicPr>
+        <p:blipFill>
+          <a:blip r:embed="rId2"/>
+          <a:stretch>
+            <a:fillRect/>
+          </a:stretch>
+        </p:blipFill>
+        <p:spPr>
+          <a:xfrm>
+            <a:off x="4643438" y="996610"/>
+            <a:ext cx="4140200" cy="3548742"/>
+          </a:xfrm>
+        </p:spPr>
+      </p:pic>
+      <p:sp>
+        <p:nvSpPr>
+          <p:cNvPr id="6" name="Titel 5">
+            <a:extLst>
+              <a:ext uri="{FF2B5EF4-FFF2-40B4-BE49-F238E27FC236}">
+                <a16:creationId xmlns:a16="http://schemas.microsoft.com/office/drawing/2014/main" id="{1118FBD3-C5C7-444D-A9DE-333C148D0E6C}"/>
+              </a:ext>
+            </a:extLst>
+          </p:cNvPr>
+          <p:cNvSpPr>
+            <a:spLocks noGrp="1"/>
+          </p:cNvSpPr>
+          <p:nvPr>
+            <p:ph type="title"/>
+          </p:nvPr>
+        </p:nvSpPr>
+        <p:spPr/>
+        <p:txBody>
+          <a:bodyPr>
+            <a:normAutofit fontScale="90000"/>
+          </a:bodyPr>
+          <a:lstStyle/>
+          <a:p>
+            <a:r>
+              <a:rPr lang="de-DE" dirty="0"/>
+              <a:t>Algorithmus von RT</a:t>
+            </a:r>
+          </a:p>
+        </p:txBody>
+      </p:sp>
+      <p:sp>
+        <p:nvSpPr>
+          <p:cNvPr id="3" name="Fußzeilenplatzhalter 2">
+            <a:extLst>
+              <a:ext uri="{FF2B5EF4-FFF2-40B4-BE49-F238E27FC236}">
+                <a16:creationId xmlns:a16="http://schemas.microsoft.com/office/drawing/2014/main" id="{CCDEFFD8-AC14-A7DA-D08D-DB18B0367CC6}"/>
+              </a:ext>
+            </a:extLst>
+          </p:cNvPr>
+          <p:cNvSpPr>
+            <a:spLocks noGrp="1"/>
+          </p:cNvSpPr>
+          <p:nvPr>
+            <p:ph type="ftr" sz="quarter" idx="10"/>
+          </p:nvPr>
+        </p:nvSpPr>
+        <p:spPr/>
+        <p:txBody>
+          <a:bodyPr/>
+          <a:lstStyle/>
+          <a:p>
+            <a:r>
+              <a:rPr lang="de-DE"/>
+              <a:t>Erkan Garan, Justin Treulieb – Bäume zeichnen im Ebenen-Layout</a:t>
+            </a:r>
+            <a:endParaRPr lang="de-DE" dirty="0"/>
+          </a:p>
+        </p:txBody>
+      </p:sp>
+      <p:pic>
+        <p:nvPicPr>
+          <p:cNvPr id="5" name="Inhaltsplatzhalter 4">
+            <a:extLst>
+              <a:ext uri="{FF2B5EF4-FFF2-40B4-BE49-F238E27FC236}">
+                <a16:creationId xmlns:a16="http://schemas.microsoft.com/office/drawing/2014/main" id="{34A86BD6-C633-5E2C-1633-E404AA1B2ABE}"/>
+              </a:ext>
+            </a:extLst>
+          </p:cNvPr>
+          <p:cNvPicPr>
+            <a:picLocks noGrp="1" noChangeAspect="1"/>
+          </p:cNvPicPr>
+          <p:nvPr>
+            <p:ph sz="half" idx="1"/>
+          </p:nvPr>
+        </p:nvPicPr>
+        <p:blipFill>
+          <a:blip r:embed="rId3"/>
+          <a:stretch>
+            <a:fillRect/>
+          </a:stretch>
+        </p:blipFill>
+        <p:spPr>
+          <a:xfrm>
+            <a:off x="360363" y="996610"/>
+            <a:ext cx="4140200" cy="3548742"/>
+          </a:xfrm>
+        </p:spPr>
+      </p:pic>
+    </p:spTree>
+    <p:extLst>
+      <p:ext uri="{BB962C8B-B14F-4D97-AF65-F5344CB8AC3E}">
+        <p14:creationId xmlns:p14="http://schemas.microsoft.com/office/powerpoint/2010/main" val="419395276"/>
+      </p:ext>
+    </p:extLst>
+  </p:cSld>
+  <p:clrMapOvr>
+    <a:masterClrMapping/>
+  </p:clrMapOvr>
+</p:sld>
+</file>
+
+<file path=ppt/slides/slide61.xml><?xml version="1.0" encoding="utf-8"?>
+<p:sld xmlns:a="http://schemas.openxmlformats.org/drawingml/2006/main" xmlns:r="http://schemas.openxmlformats.org/officeDocument/2006/relationships" xmlns:p="http://schemas.openxmlformats.org/presentationml/2006/main">
+  <p:cSld>
+    <p:spTree>
+      <p:nvGrpSpPr>
+        <p:cNvPr id="1" name=""/>
+        <p:cNvGrpSpPr/>
+        <p:nvPr/>
+      </p:nvGrpSpPr>
+      <p:grpSpPr>
+        <a:xfrm>
+          <a:off x="0" y="0"/>
+          <a:ext cx="0" cy="0"/>
+          <a:chOff x="0" y="0"/>
+          <a:chExt cx="0" cy="0"/>
+        </a:xfrm>
+      </p:grpSpPr>
+      <p:pic>
+        <p:nvPicPr>
+          <p:cNvPr id="15" name="Inhaltsplatzhalter 14">
+            <a:extLst>
+              <a:ext uri="{FF2B5EF4-FFF2-40B4-BE49-F238E27FC236}">
+                <a16:creationId xmlns:a16="http://schemas.microsoft.com/office/drawing/2014/main" id="{AE28882B-0880-40AE-83B9-B090FBB65050}"/>
+              </a:ext>
+            </a:extLst>
+          </p:cNvPr>
+          <p:cNvPicPr>
+            <a:picLocks noGrp="1" noChangeAspect="1"/>
+          </p:cNvPicPr>
+          <p:nvPr>
+            <p:ph sz="half" idx="2"/>
+          </p:nvPr>
+        </p:nvPicPr>
+        <p:blipFill>
+          <a:blip r:embed="rId2"/>
+          <a:stretch>
+            <a:fillRect/>
+          </a:stretch>
+        </p:blipFill>
+        <p:spPr>
+          <a:xfrm>
+            <a:off x="4643438" y="996610"/>
+            <a:ext cx="4140200" cy="3548742"/>
+          </a:xfrm>
+        </p:spPr>
+      </p:pic>
+      <p:sp>
+        <p:nvSpPr>
+          <p:cNvPr id="6" name="Titel 5">
+            <a:extLst>
+              <a:ext uri="{FF2B5EF4-FFF2-40B4-BE49-F238E27FC236}">
+                <a16:creationId xmlns:a16="http://schemas.microsoft.com/office/drawing/2014/main" id="{1118FBD3-C5C7-444D-A9DE-333C148D0E6C}"/>
+              </a:ext>
+            </a:extLst>
+          </p:cNvPr>
+          <p:cNvSpPr>
+            <a:spLocks noGrp="1"/>
+          </p:cNvSpPr>
+          <p:nvPr>
+            <p:ph type="title"/>
+          </p:nvPr>
+        </p:nvSpPr>
+        <p:spPr/>
+        <p:txBody>
+          <a:bodyPr>
+            <a:normAutofit fontScale="90000"/>
+          </a:bodyPr>
+          <a:lstStyle/>
+          <a:p>
+            <a:r>
+              <a:rPr lang="de-DE" dirty="0"/>
+              <a:t>Algorithmus von RT</a:t>
+            </a:r>
+          </a:p>
+        </p:txBody>
+      </p:sp>
+      <p:sp>
+        <p:nvSpPr>
+          <p:cNvPr id="3" name="Fußzeilenplatzhalter 2">
+            <a:extLst>
+              <a:ext uri="{FF2B5EF4-FFF2-40B4-BE49-F238E27FC236}">
+                <a16:creationId xmlns:a16="http://schemas.microsoft.com/office/drawing/2014/main" id="{CCDEFFD8-AC14-A7DA-D08D-DB18B0367CC6}"/>
+              </a:ext>
+            </a:extLst>
+          </p:cNvPr>
+          <p:cNvSpPr>
+            <a:spLocks noGrp="1"/>
+          </p:cNvSpPr>
+          <p:nvPr>
+            <p:ph type="ftr" sz="quarter" idx="10"/>
+          </p:nvPr>
+        </p:nvSpPr>
+        <p:spPr/>
+        <p:txBody>
+          <a:bodyPr/>
+          <a:lstStyle/>
+          <a:p>
+            <a:r>
+              <a:rPr lang="de-DE"/>
+              <a:t>Erkan Garan, Justin Treulieb – Bäume zeichnen im Ebenen-Layout</a:t>
+            </a:r>
+            <a:endParaRPr lang="de-DE" dirty="0"/>
+          </a:p>
+        </p:txBody>
+      </p:sp>
+      <p:pic>
+        <p:nvPicPr>
+          <p:cNvPr id="5" name="Inhaltsplatzhalter 4">
+            <a:extLst>
+              <a:ext uri="{FF2B5EF4-FFF2-40B4-BE49-F238E27FC236}">
+                <a16:creationId xmlns:a16="http://schemas.microsoft.com/office/drawing/2014/main" id="{45B29699-4007-DCCD-A8E1-47CD8F924C28}"/>
+              </a:ext>
+            </a:extLst>
+          </p:cNvPr>
+          <p:cNvPicPr>
+            <a:picLocks noGrp="1" noChangeAspect="1"/>
+          </p:cNvPicPr>
+          <p:nvPr>
+            <p:ph sz="half" idx="1"/>
+          </p:nvPr>
+        </p:nvPicPr>
+        <p:blipFill>
+          <a:blip r:embed="rId3"/>
+          <a:stretch>
+            <a:fillRect/>
+          </a:stretch>
+        </p:blipFill>
+        <p:spPr>
+          <a:xfrm>
+            <a:off x="360363" y="996610"/>
+            <a:ext cx="4140200" cy="3548742"/>
+          </a:xfrm>
+        </p:spPr>
+      </p:pic>
+    </p:spTree>
+    <p:extLst>
+      <p:ext uri="{BB962C8B-B14F-4D97-AF65-F5344CB8AC3E}">
+        <p14:creationId xmlns:p14="http://schemas.microsoft.com/office/powerpoint/2010/main" val="1611440552"/>
+      </p:ext>
+    </p:extLst>
+  </p:cSld>
+  <p:clrMapOvr>
+    <a:masterClrMapping/>
+  </p:clrMapOvr>
+</p:sld>
+</file>
+
+<file path=ppt/slides/slide62.xml><?xml version="1.0" encoding="utf-8"?>
+<p:sld xmlns:a="http://schemas.openxmlformats.org/drawingml/2006/main" xmlns:r="http://schemas.openxmlformats.org/officeDocument/2006/relationships" xmlns:p="http://schemas.openxmlformats.org/presentationml/2006/main">
+  <p:cSld>
+    <p:spTree>
+      <p:nvGrpSpPr>
+        <p:cNvPr id="1" name=""/>
+        <p:cNvGrpSpPr/>
+        <p:nvPr/>
+      </p:nvGrpSpPr>
+      <p:grpSpPr>
+        <a:xfrm>
+          <a:off x="0" y="0"/>
+          <a:ext cx="0" cy="0"/>
+          <a:chOff x="0" y="0"/>
+          <a:chExt cx="0" cy="0"/>
+        </a:xfrm>
+      </p:grpSpPr>
+      <p:pic>
+        <p:nvPicPr>
+          <p:cNvPr id="15" name="Inhaltsplatzhalter 14">
+            <a:extLst>
+              <a:ext uri="{FF2B5EF4-FFF2-40B4-BE49-F238E27FC236}">
+                <a16:creationId xmlns:a16="http://schemas.microsoft.com/office/drawing/2014/main" id="{AE28882B-0880-40AE-83B9-B090FBB65050}"/>
+              </a:ext>
+            </a:extLst>
+          </p:cNvPr>
+          <p:cNvPicPr>
+            <a:picLocks noGrp="1" noChangeAspect="1"/>
+          </p:cNvPicPr>
+          <p:nvPr>
+            <p:ph sz="half" idx="2"/>
+          </p:nvPr>
+        </p:nvPicPr>
+        <p:blipFill>
+          <a:blip r:embed="rId2"/>
+          <a:stretch>
+            <a:fillRect/>
+          </a:stretch>
+        </p:blipFill>
+        <p:spPr>
+          <a:xfrm>
+            <a:off x="4643438" y="996610"/>
+            <a:ext cx="4140200" cy="3548742"/>
+          </a:xfrm>
+        </p:spPr>
+      </p:pic>
+      <p:sp>
+        <p:nvSpPr>
+          <p:cNvPr id="6" name="Titel 5">
+            <a:extLst>
+              <a:ext uri="{FF2B5EF4-FFF2-40B4-BE49-F238E27FC236}">
+                <a16:creationId xmlns:a16="http://schemas.microsoft.com/office/drawing/2014/main" id="{1118FBD3-C5C7-444D-A9DE-333C148D0E6C}"/>
+              </a:ext>
+            </a:extLst>
+          </p:cNvPr>
+          <p:cNvSpPr>
+            <a:spLocks noGrp="1"/>
+          </p:cNvSpPr>
+          <p:nvPr>
+            <p:ph type="title"/>
+          </p:nvPr>
+        </p:nvSpPr>
+        <p:spPr/>
+        <p:txBody>
+          <a:bodyPr>
+            <a:normAutofit fontScale="90000"/>
+          </a:bodyPr>
+          <a:lstStyle/>
+          <a:p>
+            <a:r>
+              <a:rPr lang="de-DE" dirty="0"/>
+              <a:t>Algorithmus von RT</a:t>
+            </a:r>
+          </a:p>
+        </p:txBody>
+      </p:sp>
+      <p:sp>
+        <p:nvSpPr>
+          <p:cNvPr id="3" name="Fußzeilenplatzhalter 2">
+            <a:extLst>
+              <a:ext uri="{FF2B5EF4-FFF2-40B4-BE49-F238E27FC236}">
+                <a16:creationId xmlns:a16="http://schemas.microsoft.com/office/drawing/2014/main" id="{CCDEFFD8-AC14-A7DA-D08D-DB18B0367CC6}"/>
+              </a:ext>
+            </a:extLst>
+          </p:cNvPr>
+          <p:cNvSpPr>
+            <a:spLocks noGrp="1"/>
+          </p:cNvSpPr>
+          <p:nvPr>
+            <p:ph type="ftr" sz="quarter" idx="10"/>
+          </p:nvPr>
+        </p:nvSpPr>
+        <p:spPr/>
+        <p:txBody>
+          <a:bodyPr/>
+          <a:lstStyle/>
+          <a:p>
+            <a:r>
+              <a:rPr lang="de-DE"/>
+              <a:t>Erkan Garan, Justin Treulieb – Bäume zeichnen im Ebenen-Layout</a:t>
+            </a:r>
+            <a:endParaRPr lang="de-DE" dirty="0"/>
+          </a:p>
+        </p:txBody>
+      </p:sp>
+      <p:sp>
+        <p:nvSpPr>
+          <p:cNvPr id="4" name="Inhaltsplatzhalter 3">
+            <a:extLst>
+              <a:ext uri="{FF2B5EF4-FFF2-40B4-BE49-F238E27FC236}">
+                <a16:creationId xmlns:a16="http://schemas.microsoft.com/office/drawing/2014/main" id="{DF4BD905-92DA-D87F-FB62-2E552B93EC5D}"/>
+              </a:ext>
+            </a:extLst>
+          </p:cNvPr>
+          <p:cNvSpPr>
+            <a:spLocks noGrp="1"/>
+          </p:cNvSpPr>
+          <p:nvPr>
+            <p:ph sz="half" idx="1"/>
+          </p:nvPr>
+        </p:nvSpPr>
+        <p:spPr/>
+        <p:txBody>
+          <a:bodyPr/>
+          <a:lstStyle/>
+          <a:p>
+            <a:pPr marL="0" indent="0">
+              <a:buNone/>
+            </a:pPr>
+            <a:r>
+              <a:rPr lang="de-DE" b="1" dirty="0"/>
+              <a:t>Vorteile</a:t>
+            </a:r>
+          </a:p>
+        </p:txBody>
+      </p:sp>
+    </p:spTree>
+    <p:extLst>
+      <p:ext uri="{BB962C8B-B14F-4D97-AF65-F5344CB8AC3E}">
+        <p14:creationId xmlns:p14="http://schemas.microsoft.com/office/powerpoint/2010/main" val="952557456"/>
+      </p:ext>
+    </p:extLst>
+  </p:cSld>
+  <p:clrMapOvr>
+    <a:masterClrMapping/>
+  </p:clrMapOvr>
+</p:sld>
+</file>
+
+<file path=ppt/slides/slide63.xml><?xml version="1.0" encoding="utf-8"?>
+<p:sld xmlns:a="http://schemas.openxmlformats.org/drawingml/2006/main" xmlns:r="http://schemas.openxmlformats.org/officeDocument/2006/relationships" xmlns:p="http://schemas.openxmlformats.org/presentationml/2006/main">
+  <p:cSld>
+    <p:spTree>
+      <p:nvGrpSpPr>
+        <p:cNvPr id="1" name=""/>
+        <p:cNvGrpSpPr/>
+        <p:nvPr/>
+      </p:nvGrpSpPr>
+      <p:grpSpPr>
+        <a:xfrm>
+          <a:off x="0" y="0"/>
+          <a:ext cx="0" cy="0"/>
+          <a:chOff x="0" y="0"/>
+          <a:chExt cx="0" cy="0"/>
+        </a:xfrm>
+      </p:grpSpPr>
+      <p:sp>
+        <p:nvSpPr>
+          <p:cNvPr id="6" name="Titel 5">
+            <a:extLst>
+              <a:ext uri="{FF2B5EF4-FFF2-40B4-BE49-F238E27FC236}">
+                <a16:creationId xmlns:a16="http://schemas.microsoft.com/office/drawing/2014/main" id="{1118FBD3-C5C7-444D-A9DE-333C148D0E6C}"/>
+              </a:ext>
+            </a:extLst>
+          </p:cNvPr>
+          <p:cNvSpPr>
+            <a:spLocks noGrp="1"/>
+          </p:cNvSpPr>
+          <p:nvPr>
+            <p:ph type="title"/>
+          </p:nvPr>
+        </p:nvSpPr>
+        <p:spPr/>
+        <p:txBody>
+          <a:bodyPr>
+            <a:normAutofit fontScale="90000"/>
+          </a:bodyPr>
+          <a:lstStyle/>
+          <a:p>
+            <a:r>
+              <a:rPr lang="de-DE" dirty="0"/>
+              <a:t>Algorithmus von RT</a:t>
+            </a:r>
+          </a:p>
+        </p:txBody>
+      </p:sp>
+      <p:sp>
+        <p:nvSpPr>
+          <p:cNvPr id="3" name="Fußzeilenplatzhalter 2">
+            <a:extLst>
+              <a:ext uri="{FF2B5EF4-FFF2-40B4-BE49-F238E27FC236}">
+                <a16:creationId xmlns:a16="http://schemas.microsoft.com/office/drawing/2014/main" id="{CCDEFFD8-AC14-A7DA-D08D-DB18B0367CC6}"/>
+              </a:ext>
+            </a:extLst>
+          </p:cNvPr>
+          <p:cNvSpPr>
+            <a:spLocks noGrp="1"/>
+          </p:cNvSpPr>
+          <p:nvPr>
+            <p:ph type="ftr" sz="quarter" idx="10"/>
+          </p:nvPr>
+        </p:nvSpPr>
+        <p:spPr/>
+        <p:txBody>
+          <a:bodyPr/>
+          <a:lstStyle/>
+          <a:p>
+            <a:r>
+              <a:rPr lang="de-DE"/>
+              <a:t>Erkan Garan, Justin Treulieb – Bäume zeichnen im Ebenen-Layout</a:t>
+            </a:r>
+            <a:endParaRPr lang="de-DE" dirty="0"/>
+          </a:p>
+        </p:txBody>
+      </p:sp>
+      <p:pic>
+        <p:nvPicPr>
+          <p:cNvPr id="8" name="Inhaltsplatzhalter 7">
+            <a:extLst>
+              <a:ext uri="{FF2B5EF4-FFF2-40B4-BE49-F238E27FC236}">
+                <a16:creationId xmlns:a16="http://schemas.microsoft.com/office/drawing/2014/main" id="{8EEEA645-C186-2B2B-7CA2-B907BD641DC1}"/>
+              </a:ext>
+            </a:extLst>
+          </p:cNvPr>
+          <p:cNvPicPr>
+            <a:picLocks noGrp="1" noChangeAspect="1"/>
+          </p:cNvPicPr>
+          <p:nvPr>
+            <p:ph sz="half" idx="1"/>
+          </p:nvPr>
+        </p:nvPicPr>
+        <p:blipFill>
+          <a:blip r:embed="rId2"/>
+          <a:stretch>
+            <a:fillRect/>
+          </a:stretch>
+        </p:blipFill>
+        <p:spPr>
+          <a:xfrm>
+            <a:off x="360363" y="996610"/>
+            <a:ext cx="4140200" cy="3548742"/>
+          </a:xfrm>
+        </p:spPr>
+      </p:pic>
+      <p:sp>
+        <p:nvSpPr>
+          <p:cNvPr id="5" name="Inhaltsplatzhalter 4">
+            <a:extLst>
+              <a:ext uri="{FF2B5EF4-FFF2-40B4-BE49-F238E27FC236}">
+                <a16:creationId xmlns:a16="http://schemas.microsoft.com/office/drawing/2014/main" id="{3DC4EE4E-AEDF-BD04-F548-50BFD79A9822}"/>
+              </a:ext>
+            </a:extLst>
+          </p:cNvPr>
+          <p:cNvSpPr>
+            <a:spLocks noGrp="1"/>
+          </p:cNvSpPr>
+          <p:nvPr>
+            <p:ph sz="half" idx="2"/>
+          </p:nvPr>
+        </p:nvSpPr>
+        <p:spPr/>
+        <p:txBody>
+          <a:bodyPr/>
+          <a:lstStyle/>
+          <a:p>
+            <a:pPr marL="0" indent="0">
+              <a:buNone/>
+            </a:pPr>
+            <a:r>
+              <a:rPr lang="de-DE" b="1" dirty="0"/>
+              <a:t>Nachteile</a:t>
+            </a:r>
+          </a:p>
+        </p:txBody>
+      </p:sp>
+    </p:spTree>
+    <p:extLst>
+      <p:ext uri="{BB962C8B-B14F-4D97-AF65-F5344CB8AC3E}">
+        <p14:creationId xmlns:p14="http://schemas.microsoft.com/office/powerpoint/2010/main" val="3391785353"/>
+      </p:ext>
+    </p:extLst>
+  </p:cSld>
+  <p:clrMapOvr>
+    <a:masterClrMapping/>
+  </p:clrMapOvr>
+</p:sld>
+</file>
+
+<file path=ppt/slides/slide64.xml><?xml version="1.0" encoding="utf-8"?>
+<p:sld xmlns:a="http://schemas.openxmlformats.org/drawingml/2006/main" xmlns:r="http://schemas.openxmlformats.org/officeDocument/2006/relationships" xmlns:p="http://schemas.openxmlformats.org/presentationml/2006/main">
+  <p:cSld>
+    <p:spTree>
+      <p:nvGrpSpPr>
+        <p:cNvPr id="1" name=""/>
+        <p:cNvGrpSpPr/>
+        <p:nvPr/>
+      </p:nvGrpSpPr>
+      <p:grpSpPr>
+        <a:xfrm>
+          <a:off x="0" y="0"/>
+          <a:ext cx="0" cy="0"/>
+          <a:chOff x="0" y="0"/>
+          <a:chExt cx="0" cy="0"/>
+        </a:xfrm>
+      </p:grpSpPr>
+      <p:sp>
+        <p:nvSpPr>
+          <p:cNvPr id="6" name="Inhaltsplatzhalter 5"/>
+          <p:cNvSpPr>
+            <a:spLocks noGrp="1"/>
+          </p:cNvSpPr>
+          <p:nvPr>
+            <p:ph idx="1"/>
+          </p:nvPr>
+        </p:nvSpPr>
+        <p:spPr/>
+        <p:txBody>
+          <a:bodyPr/>
+          <a:lstStyle/>
+          <a:p>
+            <a:r>
+              <a:rPr lang="de-DE" dirty="0"/>
+              <a:t>Dies ist ein </a:t>
+            </a:r>
+            <a:r>
+              <a:rPr lang="de-DE" dirty="0" err="1"/>
+              <a:t>Typoblindtext</a:t>
+            </a:r>
+            <a:r>
+              <a:rPr lang="de-DE" dirty="0"/>
+              <a:t>. An ihm kann man sehen, ob alle Buchstaben da sind und wie sie aussehen. </a:t>
+            </a:r>
+          </a:p>
+          <a:p>
+            <a:r>
+              <a:rPr lang="de-DE" dirty="0"/>
+              <a:t>Manchmal benutzt man Worte wie </a:t>
+            </a:r>
+          </a:p>
+          <a:p>
+            <a:pPr lvl="1"/>
+            <a:r>
+              <a:rPr lang="de-DE" dirty="0"/>
+              <a:t>Hamburgefonts, </a:t>
+            </a:r>
+          </a:p>
+          <a:p>
+            <a:pPr lvl="1"/>
+            <a:r>
+              <a:rPr lang="de-DE" dirty="0" err="1"/>
+              <a:t>Rafgenduks</a:t>
+            </a:r>
+            <a:r>
+              <a:rPr lang="de-DE" dirty="0"/>
+              <a:t> oder </a:t>
+            </a:r>
+          </a:p>
+          <a:p>
+            <a:pPr lvl="1"/>
+            <a:r>
+              <a:rPr lang="de-DE" dirty="0" err="1"/>
+              <a:t>Handgloves</a:t>
+            </a:r>
+            <a:r>
+              <a:rPr lang="de-DE" dirty="0"/>
+              <a:t>, </a:t>
+            </a:r>
+          </a:p>
+          <a:p>
+            <a:r>
+              <a:rPr lang="de-DE" dirty="0"/>
+              <a:t>um Schriften zu testen.</a:t>
+            </a:r>
+          </a:p>
+        </p:txBody>
+      </p:sp>
+      <p:sp>
+        <p:nvSpPr>
+          <p:cNvPr id="5" name="Titel 4"/>
+          <p:cNvSpPr>
+            <a:spLocks noGrp="1"/>
+          </p:cNvSpPr>
+          <p:nvPr>
+            <p:ph type="title"/>
+          </p:nvPr>
+        </p:nvSpPr>
+        <p:spPr/>
+        <p:txBody>
+          <a:bodyPr>
+            <a:normAutofit fontScale="90000"/>
+          </a:bodyPr>
+          <a:lstStyle/>
+          <a:p>
+            <a:r>
+              <a:rPr lang="de-DE"/>
+              <a:t>Musterüberschrift</a:t>
+            </a:r>
+          </a:p>
+        </p:txBody>
+      </p:sp>
+      <p:pic>
+        <p:nvPicPr>
+          <p:cNvPr id="3" name="Bildplatzhalter 2"/>
+          <p:cNvPicPr>
+            <a:picLocks noGrp="1" noChangeAspect="1"/>
+          </p:cNvPicPr>
+          <p:nvPr>
+            <p:ph type="pic" sz="quarter" idx="11"/>
+          </p:nvPr>
+        </p:nvPicPr>
+        <p:blipFill>
+          <a:blip r:embed="rId2">
+            <a:extLst>
+              <a:ext uri="{28A0092B-C50C-407E-A947-70E740481C1C}">
+                <a14:useLocalDpi xmlns:a14="http://schemas.microsoft.com/office/drawing/2010/main" val="0"/>
+              </a:ext>
+            </a:extLst>
+          </a:blip>
+          <a:srcRect l="27410" r="27410"/>
+          <a:stretch>
+            <a:fillRect/>
+          </a:stretch>
+        </p:blipFill>
+        <p:spPr/>
+      </p:pic>
+      <p:sp>
+        <p:nvSpPr>
+          <p:cNvPr id="2" name="Fußzeilenplatzhalter 1"/>
+          <p:cNvSpPr>
+            <a:spLocks noGrp="1"/>
+          </p:cNvSpPr>
+          <p:nvPr>
+            <p:ph type="ftr" sz="quarter" idx="10"/>
+          </p:nvPr>
+        </p:nvSpPr>
+        <p:spPr/>
+        <p:txBody>
+          <a:bodyPr/>
+          <a:lstStyle/>
+          <a:p>
+            <a:r>
+              <a:rPr lang="de-DE"/>
+              <a:t>Referent · Titel</a:t>
+            </a:r>
+            <a:endParaRPr lang="de-DE" dirty="0"/>
+          </a:p>
+        </p:txBody>
+      </p:sp>
+    </p:spTree>
+    <p:extLst>
+      <p:ext uri="{BB962C8B-B14F-4D97-AF65-F5344CB8AC3E}">
+        <p14:creationId xmlns:p14="http://schemas.microsoft.com/office/powerpoint/2010/main" val="56149347"/>
+      </p:ext>
+    </p:extLst>
+  </p:cSld>
+  <p:clrMapOvr>
+    <a:masterClrMapping/>
+  </p:clrMapOvr>
+</p:sld>
+</file>
+
+<file path=ppt/slides/slide65.xml><?xml version="1.0" encoding="utf-8"?>
+<p:sld xmlns:a="http://schemas.openxmlformats.org/drawingml/2006/main" xmlns:r="http://schemas.openxmlformats.org/officeDocument/2006/relationships" xmlns:p="http://schemas.openxmlformats.org/presentationml/2006/main">
+  <p:cSld>
+    <p:spTree>
+      <p:nvGrpSpPr>
+        <p:cNvPr id="1" name=""/>
+        <p:cNvGrpSpPr/>
+        <p:nvPr/>
+      </p:nvGrpSpPr>
+      <p:grpSpPr>
+        <a:xfrm>
+          <a:off x="0" y="0"/>
+          <a:ext cx="0" cy="0"/>
+          <a:chOff x="0" y="0"/>
+          <a:chExt cx="0" cy="0"/>
+        </a:xfrm>
+      </p:grpSpPr>
+      <p:sp>
+        <p:nvSpPr>
+          <p:cNvPr id="6" name="Inhaltsplatzhalter 5"/>
+          <p:cNvSpPr>
+            <a:spLocks noGrp="1"/>
+          </p:cNvSpPr>
+          <p:nvPr>
+            <p:ph idx="1"/>
+          </p:nvPr>
+        </p:nvSpPr>
+        <p:spPr/>
+        <p:txBody>
+          <a:bodyPr/>
+          <a:lstStyle/>
+          <a:p>
+            <a:r>
+              <a:rPr lang="de-DE" dirty="0"/>
+              <a:t>Dies ist ein </a:t>
+            </a:r>
+            <a:r>
+              <a:rPr lang="de-DE" dirty="0" err="1"/>
+              <a:t>Typoblindtext</a:t>
+            </a:r>
+            <a:r>
+              <a:rPr lang="de-DE" dirty="0"/>
+              <a:t>. An ihm kann man sehen, ob alle Buchstaben da sind und wie sie aussehen. </a:t>
+            </a:r>
+          </a:p>
+          <a:p>
+            <a:r>
+              <a:rPr lang="de-DE" dirty="0"/>
+              <a:t>Manchmal benutzt man Worte wie </a:t>
+            </a:r>
+          </a:p>
+          <a:p>
+            <a:pPr lvl="1"/>
+            <a:r>
+              <a:rPr lang="de-DE" dirty="0"/>
+              <a:t>Hamburgefonts, </a:t>
+            </a:r>
+          </a:p>
+          <a:p>
+            <a:pPr lvl="1"/>
+            <a:r>
+              <a:rPr lang="de-DE" dirty="0" err="1"/>
+              <a:t>Rafgenduks</a:t>
+            </a:r>
+            <a:r>
+              <a:rPr lang="de-DE" dirty="0"/>
+              <a:t> oder </a:t>
+            </a:r>
+          </a:p>
+          <a:p>
+            <a:pPr lvl="1"/>
+            <a:r>
+              <a:rPr lang="de-DE" dirty="0" err="1"/>
+              <a:t>Handgloves</a:t>
+            </a:r>
+            <a:r>
+              <a:rPr lang="de-DE" dirty="0"/>
+              <a:t>, </a:t>
+            </a:r>
+          </a:p>
+          <a:p>
+            <a:r>
+              <a:rPr lang="de-DE" dirty="0"/>
+              <a:t>um Schriften zu testen.</a:t>
+            </a:r>
+          </a:p>
+        </p:txBody>
+      </p:sp>
+      <p:sp>
+        <p:nvSpPr>
+          <p:cNvPr id="5" name="Titel 4"/>
+          <p:cNvSpPr>
+            <a:spLocks noGrp="1"/>
+          </p:cNvSpPr>
+          <p:nvPr>
+            <p:ph type="title"/>
+          </p:nvPr>
+        </p:nvSpPr>
+        <p:spPr/>
+        <p:txBody>
+          <a:bodyPr>
+            <a:normAutofit fontScale="90000"/>
+          </a:bodyPr>
+          <a:lstStyle/>
+          <a:p>
+            <a:r>
+              <a:rPr lang="de-DE"/>
+              <a:t>Musterüberschrift</a:t>
+            </a:r>
+          </a:p>
+        </p:txBody>
+      </p:sp>
+      <p:pic>
+        <p:nvPicPr>
+          <p:cNvPr id="3" name="Bildplatzhalter 2"/>
+          <p:cNvPicPr>
+            <a:picLocks noGrp="1" noChangeAspect="1"/>
+          </p:cNvPicPr>
+          <p:nvPr>
+            <p:ph type="pic" sz="quarter" idx="11"/>
+          </p:nvPr>
+        </p:nvPicPr>
+        <p:blipFill>
+          <a:blip r:embed="rId2">
+            <a:extLst>
+              <a:ext uri="{28A0092B-C50C-407E-A947-70E740481C1C}">
+                <a14:useLocalDpi xmlns:a14="http://schemas.microsoft.com/office/drawing/2010/main" val="0"/>
+              </a:ext>
+            </a:extLst>
+          </a:blip>
+          <a:srcRect l="27427" r="27427"/>
+          <a:stretch>
+            <a:fillRect/>
+          </a:stretch>
+        </p:blipFill>
+        <p:spPr/>
+      </p:pic>
+      <p:sp>
+        <p:nvSpPr>
+          <p:cNvPr id="2" name="Fußzeilenplatzhalter 1"/>
+          <p:cNvSpPr>
+            <a:spLocks noGrp="1"/>
+          </p:cNvSpPr>
+          <p:nvPr>
+            <p:ph type="ftr" sz="quarter" idx="10"/>
+          </p:nvPr>
+        </p:nvSpPr>
+        <p:spPr/>
+        <p:txBody>
+          <a:bodyPr/>
+          <a:lstStyle/>
+          <a:p>
+            <a:r>
+              <a:rPr lang="de-DE"/>
+              <a:t>Referent · Titel</a:t>
+            </a:r>
+            <a:endParaRPr lang="de-DE" dirty="0"/>
+          </a:p>
+        </p:txBody>
+      </p:sp>
+    </p:spTree>
+    <p:extLst>
+      <p:ext uri="{BB962C8B-B14F-4D97-AF65-F5344CB8AC3E}">
+        <p14:creationId xmlns:p14="http://schemas.microsoft.com/office/powerpoint/2010/main" val="956753996"/>
+      </p:ext>
+    </p:extLst>
+  </p:cSld>
+  <p:clrMapOvr>
+    <a:masterClrMapping/>
+  </p:clrMapOvr>
+</p:sld>
+</file>
+
+<file path=ppt/slides/slide66.xml><?xml version="1.0" encoding="utf-8"?>
+<p:sld xmlns:a="http://schemas.openxmlformats.org/drawingml/2006/main" xmlns:r="http://schemas.openxmlformats.org/officeDocument/2006/relationships" xmlns:p="http://schemas.openxmlformats.org/presentationml/2006/main">
+  <p:cSld>
+    <p:spTree>
+      <p:nvGrpSpPr>
+        <p:cNvPr id="1" name=""/>
+        <p:cNvGrpSpPr/>
+        <p:nvPr/>
+      </p:nvGrpSpPr>
+      <p:grpSpPr>
+        <a:xfrm>
+          <a:off x="0" y="0"/>
+          <a:ext cx="0" cy="0"/>
+          <a:chOff x="0" y="0"/>
+          <a:chExt cx="0" cy="0"/>
+        </a:xfrm>
+      </p:grpSpPr>
       <p:sp>
         <p:nvSpPr>
           <p:cNvPr id="6" name="Inhaltsplatzhalter 5"/>
@@ -16274,7 +18936,7 @@
 </p:sld>
 </file>
 
-<file path=ppt/slides/slide56.xml><?xml version="1.0" encoding="utf-8"?>
+<file path=ppt/slides/slide67.xml><?xml version="1.0" encoding="utf-8"?>
 <p:sld xmlns:a="http://schemas.openxmlformats.org/drawingml/2006/main" xmlns:r="http://schemas.openxmlformats.org/officeDocument/2006/relationships" xmlns:p="http://schemas.openxmlformats.org/presentationml/2006/main">
   <p:cSld>
     <p:spTree>
@@ -17206,205 +19868,6 @@
 </p:sld>
 </file>
 
-<file path=ppt/slides/slide6.xml><?xml version="1.0" encoding="utf-8"?>
-<p:sld xmlns:a="http://schemas.openxmlformats.org/drawingml/2006/main" xmlns:r="http://schemas.openxmlformats.org/officeDocument/2006/relationships" xmlns:p="http://schemas.openxmlformats.org/presentationml/2006/main">
-  <p:cSld>
-    <p:spTree>
-      <p:nvGrpSpPr>
-        <p:cNvPr id="1" name=""/>
-        <p:cNvGrpSpPr/>
-        <p:nvPr/>
-      </p:nvGrpSpPr>
-      <p:grpSpPr>
-        <a:xfrm>
-          <a:off x="0" y="0"/>
-          <a:ext cx="0" cy="0"/>
-          <a:chOff x="0" y="0"/>
-          <a:chExt cx="0" cy="0"/>
-        </a:xfrm>
-      </p:grpSpPr>
-      <p:sp>
-        <p:nvSpPr>
-          <p:cNvPr id="2" name="Inhaltsplatzhalter 1">
-            <a:extLst>
-              <a:ext uri="{FF2B5EF4-FFF2-40B4-BE49-F238E27FC236}">
-                <a16:creationId xmlns:a16="http://schemas.microsoft.com/office/drawing/2014/main" id="{506904EF-A08C-7BD4-E8FB-B9E48CDBABAC}"/>
-              </a:ext>
-            </a:extLst>
-          </p:cNvPr>
-          <p:cNvSpPr>
-            <a:spLocks noGrp="1"/>
-          </p:cNvSpPr>
-          <p:nvPr>
-            <p:ph idx="1"/>
-          </p:nvPr>
-        </p:nvSpPr>
-        <p:spPr/>
-        <p:txBody>
-          <a:bodyPr/>
-          <a:lstStyle/>
-          <a:p>
-            <a:r>
-              <a:rPr lang="de-DE" dirty="0"/>
-              <a:t>Traversierung</a:t>
-            </a:r>
-          </a:p>
-          <a:p>
-            <a:pPr lvl="1"/>
-            <a:r>
-              <a:rPr lang="de-DE" dirty="0"/>
-              <a:t>Systematische Ablaufen aller Knoten eines Baumes</a:t>
-            </a:r>
-          </a:p>
-          <a:p>
-            <a:r>
-              <a:rPr lang="de-DE" dirty="0" err="1"/>
-              <a:t>Pre</a:t>
-            </a:r>
-            <a:r>
-              <a:rPr lang="de-DE" dirty="0"/>
-              <a:t>-Order-Traversierung</a:t>
-            </a:r>
-          </a:p>
-          <a:p>
-            <a:pPr lvl="1"/>
-            <a:r>
-              <a:rPr lang="de-DE" dirty="0"/>
-              <a:t>Knoten, linker Teilbaum, rechter Teilbaum</a:t>
-            </a:r>
-          </a:p>
-          <a:p>
-            <a:pPr lvl="1"/>
-            <a:r>
-              <a:rPr lang="de-DE" dirty="0"/>
-              <a:t>Väter vor Kindern</a:t>
-            </a:r>
-          </a:p>
-          <a:p>
-            <a:r>
-              <a:rPr lang="de-DE" dirty="0"/>
-              <a:t>Post-Order-Traversierung</a:t>
-            </a:r>
-          </a:p>
-          <a:p>
-            <a:pPr lvl="1"/>
-            <a:r>
-              <a:rPr lang="de-DE" dirty="0"/>
-              <a:t>Linker Teilbaum, rechter Teilbaum, Knoten</a:t>
-            </a:r>
-          </a:p>
-          <a:p>
-            <a:pPr lvl="1"/>
-            <a:r>
-              <a:rPr lang="de-DE" dirty="0"/>
-              <a:t>Kinder vor Vätern</a:t>
-            </a:r>
-          </a:p>
-          <a:p>
-            <a:r>
-              <a:rPr lang="de-DE" dirty="0"/>
-              <a:t>In-Order-Traversierung</a:t>
-            </a:r>
-          </a:p>
-          <a:p>
-            <a:pPr lvl="1"/>
-            <a:r>
-              <a:rPr lang="de-DE" dirty="0"/>
-              <a:t>Linker Teilbaum, Knoten, rechter Teilbaum</a:t>
-            </a:r>
-          </a:p>
-        </p:txBody>
-      </p:sp>
-      <p:sp>
-        <p:nvSpPr>
-          <p:cNvPr id="3" name="Fußzeilenplatzhalter 2">
-            <a:extLst>
-              <a:ext uri="{FF2B5EF4-FFF2-40B4-BE49-F238E27FC236}">
-                <a16:creationId xmlns:a16="http://schemas.microsoft.com/office/drawing/2014/main" id="{8BEDA438-A933-4885-AF8D-5EA2CA644006}"/>
-              </a:ext>
-            </a:extLst>
-          </p:cNvPr>
-          <p:cNvSpPr>
-            <a:spLocks noGrp="1"/>
-          </p:cNvSpPr>
-          <p:nvPr>
-            <p:ph type="ftr" sz="quarter" idx="10"/>
-          </p:nvPr>
-        </p:nvSpPr>
-        <p:spPr/>
-        <p:txBody>
-          <a:bodyPr/>
-          <a:lstStyle/>
-          <a:p>
-            <a:r>
-              <a:rPr lang="de-DE"/>
-              <a:t>Erkan Garan, Justin Treulieb – Bäume zeichnen im Ebenen-Layout</a:t>
-            </a:r>
-            <a:endParaRPr lang="de-DE" dirty="0"/>
-          </a:p>
-        </p:txBody>
-      </p:sp>
-      <p:sp>
-        <p:nvSpPr>
-          <p:cNvPr id="4" name="Titel 3">
-            <a:extLst>
-              <a:ext uri="{FF2B5EF4-FFF2-40B4-BE49-F238E27FC236}">
-                <a16:creationId xmlns:a16="http://schemas.microsoft.com/office/drawing/2014/main" id="{2872B57C-1A28-5488-4693-02328424FBF1}"/>
-              </a:ext>
-            </a:extLst>
-          </p:cNvPr>
-          <p:cNvSpPr>
-            <a:spLocks noGrp="1"/>
-          </p:cNvSpPr>
-          <p:nvPr>
-            <p:ph type="title"/>
-          </p:nvPr>
-        </p:nvSpPr>
-        <p:spPr/>
-        <p:txBody>
-          <a:bodyPr>
-            <a:normAutofit fontScale="90000"/>
-          </a:bodyPr>
-          <a:lstStyle/>
-          <a:p>
-            <a:r>
-              <a:rPr lang="de-DE" dirty="0"/>
-              <a:t>Definition von Bäumen in der Informatik</a:t>
-            </a:r>
-          </a:p>
-        </p:txBody>
-      </p:sp>
-      <p:sp>
-        <p:nvSpPr>
-          <p:cNvPr id="5" name="Bildplatzhalter 4">
-            <a:extLst>
-              <a:ext uri="{FF2B5EF4-FFF2-40B4-BE49-F238E27FC236}">
-                <a16:creationId xmlns:a16="http://schemas.microsoft.com/office/drawing/2014/main" id="{BFEE8402-4DAE-7FBD-D9CC-4B86A5DADAD2}"/>
-              </a:ext>
-            </a:extLst>
-          </p:cNvPr>
-          <p:cNvSpPr>
-            <a:spLocks noGrp="1"/>
-          </p:cNvSpPr>
-          <p:nvPr>
-            <p:ph type="pic" sz="quarter" idx="11"/>
-          </p:nvPr>
-        </p:nvSpPr>
-        <p:spPr/>
-      </p:sp>
-    </p:spTree>
-    <p:extLst>
-      <p:ext uri="{BB962C8B-B14F-4D97-AF65-F5344CB8AC3E}">
-        <p14:creationId xmlns:p14="http://schemas.microsoft.com/office/powerpoint/2010/main" val="3836064425"/>
-      </p:ext>
-    </p:extLst>
-  </p:cSld>
-  <p:clrMapOvr>
-    <a:masterClrMapping/>
-  </p:clrMapOvr>
-</p:sld>
-</file>
-
 <file path=ppt/slides/slide7.xml><?xml version="1.0" encoding="utf-8"?>
 <p:sld xmlns:a="http://schemas.openxmlformats.org/drawingml/2006/main" xmlns:r="http://schemas.openxmlformats.org/officeDocument/2006/relationships" xmlns:p="http://schemas.openxmlformats.org/presentationml/2006/main">
   <p:cSld>

--- a/Powerpoint/Bäume zeichnen im Ebenen-Layout.pptx
+++ b/Powerpoint/Bäume zeichnen im Ebenen-Layout.pptx
@@ -5,7 +5,7 @@
     <p:sldMasterId id="2147483660" r:id="rId1"/>
   </p:sldMasterIdLst>
   <p:notesMasterIdLst>
-    <p:notesMasterId r:id="rId66"/>
+    <p:notesMasterId r:id="rId65"/>
   </p:notesMasterIdLst>
   <p:sldIdLst>
     <p:sldId id="267" r:id="rId2"/>
@@ -70,8 +70,7 @@
     <p:sldId id="359" r:id="rId61"/>
     <p:sldId id="360" r:id="rId62"/>
     <p:sldId id="364" r:id="rId63"/>
-    <p:sldId id="365" r:id="rId64"/>
-    <p:sldId id="366" r:id="rId65"/>
+    <p:sldId id="366" r:id="rId64"/>
   </p:sldIdLst>
   <p:sldSz cx="9144000" cy="5143500" type="screen16x9"/>
   <p:notesSz cx="6858000" cy="9144000"/>
@@ -5631,9 +5630,10 @@
               <a:t>Tilford</a:t>
             </a:r>
             <a:r>
-              <a:rPr lang="de-DE" dirty="0"/>
-              <a:t> (TR)</a:t>
-            </a:r>
+              <a:rPr lang="de-DE"/>
+              <a:t> (RT)</a:t>
+            </a:r>
+            <a:endParaRPr lang="de-DE" dirty="0"/>
           </a:p>
           <a:p>
             <a:pPr marL="342900" indent="-342900">
@@ -5642,17 +5642,7 @@
             </a:pPr>
             <a:r>
               <a:rPr lang="de-DE" dirty="0"/>
-              <a:t>Vergleich</a:t>
-            </a:r>
-          </a:p>
-          <a:p>
-            <a:pPr marL="342900" indent="-342900">
-              <a:buFont typeface="+mj-lt"/>
-              <a:buAutoNum type="arabicPeriod"/>
-            </a:pPr>
-            <a:r>
-              <a:rPr lang="de-DE" dirty="0"/>
-              <a:t>Konklusion</a:t>
+              <a:t>Vergleich und Konklusion</a:t>
             </a:r>
           </a:p>
           <a:p>
@@ -18321,7 +18311,7 @@
           <a:p>
             <a:r>
               <a:rPr lang="de-DE" dirty="0"/>
-              <a:t>Vergleich</a:t>
+              <a:t>Vergleich und Konklusion</a:t>
             </a:r>
           </a:p>
         </p:txBody>
@@ -18507,145 +18497,6 @@
 </file>
 
 <file path=ppt/slides/slide63.xml><?xml version="1.0" encoding="utf-8"?>
-<p:sld xmlns:a="http://schemas.openxmlformats.org/drawingml/2006/main" xmlns:r="http://schemas.openxmlformats.org/officeDocument/2006/relationships" xmlns:p="http://schemas.openxmlformats.org/presentationml/2006/main">
-  <p:cSld>
-    <p:spTree>
-      <p:nvGrpSpPr>
-        <p:cNvPr id="1" name=""/>
-        <p:cNvGrpSpPr/>
-        <p:nvPr/>
-      </p:nvGrpSpPr>
-      <p:grpSpPr>
-        <a:xfrm>
-          <a:off x="0" y="0"/>
-          <a:ext cx="0" cy="0"/>
-          <a:chOff x="0" y="0"/>
-          <a:chExt cx="0" cy="0"/>
-        </a:xfrm>
-      </p:grpSpPr>
-      <p:sp>
-        <p:nvSpPr>
-          <p:cNvPr id="2" name="Inhaltsplatzhalter 1">
-            <a:extLst>
-              <a:ext uri="{FF2B5EF4-FFF2-40B4-BE49-F238E27FC236}">
-                <a16:creationId xmlns:a16="http://schemas.microsoft.com/office/drawing/2014/main" id="{E66A9370-D15A-9B46-D476-75AD009E9F09}"/>
-              </a:ext>
-            </a:extLst>
-          </p:cNvPr>
-          <p:cNvSpPr>
-            <a:spLocks noGrp="1"/>
-          </p:cNvSpPr>
-          <p:nvPr>
-            <p:ph sz="half" idx="1"/>
-          </p:nvPr>
-        </p:nvSpPr>
-        <p:spPr/>
-        <p:txBody>
-          <a:bodyPr/>
-          <a:lstStyle/>
-          <a:p>
-            <a:endParaRPr lang="de-DE"/>
-          </a:p>
-        </p:txBody>
-      </p:sp>
-      <p:sp>
-        <p:nvSpPr>
-          <p:cNvPr id="3" name="Inhaltsplatzhalter 2">
-            <a:extLst>
-              <a:ext uri="{FF2B5EF4-FFF2-40B4-BE49-F238E27FC236}">
-                <a16:creationId xmlns:a16="http://schemas.microsoft.com/office/drawing/2014/main" id="{1117E116-76BA-8365-0292-1FD4BDB35ABB}"/>
-              </a:ext>
-            </a:extLst>
-          </p:cNvPr>
-          <p:cNvSpPr>
-            <a:spLocks noGrp="1"/>
-          </p:cNvSpPr>
-          <p:nvPr>
-            <p:ph sz="half" idx="2"/>
-          </p:nvPr>
-        </p:nvSpPr>
-        <p:spPr/>
-        <p:txBody>
-          <a:bodyPr/>
-          <a:lstStyle/>
-          <a:p>
-            <a:endParaRPr lang="de-DE"/>
-          </a:p>
-        </p:txBody>
-      </p:sp>
-      <p:sp>
-        <p:nvSpPr>
-          <p:cNvPr id="4" name="Titel 3">
-            <a:extLst>
-              <a:ext uri="{FF2B5EF4-FFF2-40B4-BE49-F238E27FC236}">
-                <a16:creationId xmlns:a16="http://schemas.microsoft.com/office/drawing/2014/main" id="{1C3165A6-F9C8-7BFB-D658-01CA47C7B0A1}"/>
-              </a:ext>
-            </a:extLst>
-          </p:cNvPr>
-          <p:cNvSpPr>
-            <a:spLocks noGrp="1"/>
-          </p:cNvSpPr>
-          <p:nvPr>
-            <p:ph type="title"/>
-          </p:nvPr>
-        </p:nvSpPr>
-        <p:spPr/>
-        <p:txBody>
-          <a:bodyPr>
-            <a:normAutofit fontScale="90000"/>
-          </a:bodyPr>
-          <a:lstStyle/>
-          <a:p>
-            <a:r>
-              <a:rPr lang="de-DE" dirty="0"/>
-              <a:t>Konklusion</a:t>
-            </a:r>
-          </a:p>
-        </p:txBody>
-      </p:sp>
-      <p:sp>
-        <p:nvSpPr>
-          <p:cNvPr id="5" name="Fußzeilenplatzhalter 4">
-            <a:extLst>
-              <a:ext uri="{FF2B5EF4-FFF2-40B4-BE49-F238E27FC236}">
-                <a16:creationId xmlns:a16="http://schemas.microsoft.com/office/drawing/2014/main" id="{FD68540E-4D53-7935-2256-9EE68BDCED2C}"/>
-              </a:ext>
-            </a:extLst>
-          </p:cNvPr>
-          <p:cNvSpPr>
-            <a:spLocks noGrp="1"/>
-          </p:cNvSpPr>
-          <p:nvPr>
-            <p:ph type="ftr" sz="quarter" idx="10"/>
-          </p:nvPr>
-        </p:nvSpPr>
-        <p:spPr/>
-        <p:txBody>
-          <a:bodyPr/>
-          <a:lstStyle/>
-          <a:p>
-            <a:r>
-              <a:rPr lang="de-DE"/>
-              <a:t>Erkan Garan, Justin Treulieb – Bäume zeichnen im Ebenen-Layout</a:t>
-            </a:r>
-            <a:endParaRPr lang="de-DE" dirty="0"/>
-          </a:p>
-        </p:txBody>
-      </p:sp>
-    </p:spTree>
-    <p:extLst>
-      <p:ext uri="{BB962C8B-B14F-4D97-AF65-F5344CB8AC3E}">
-        <p14:creationId xmlns:p14="http://schemas.microsoft.com/office/powerpoint/2010/main" val="3910981078"/>
-      </p:ext>
-    </p:extLst>
-  </p:cSld>
-  <p:clrMapOvr>
-    <a:masterClrMapping/>
-  </p:clrMapOvr>
-</p:sld>
-</file>
-
-<file path=ppt/slides/slide64.xml><?xml version="1.0" encoding="utf-8"?>
 <p:sld xmlns:a="http://schemas.openxmlformats.org/drawingml/2006/main" xmlns:r="http://schemas.openxmlformats.org/officeDocument/2006/relationships" xmlns:p="http://schemas.openxmlformats.org/presentationml/2006/main">
   <p:cSld>
     <p:spTree>

--- a/Powerpoint/Bäume zeichnen im Ebenen-Layout.pptx
+++ b/Powerpoint/Bäume zeichnen im Ebenen-Layout.pptx
@@ -13368,7 +13368,7 @@
           <a:p>
             <a:r>
               <a:rPr lang="de-DE" dirty="0"/>
-              <a:t>Initialisierung erste Phase</a:t>
+              <a:t>Variablen</a:t>
             </a:r>
           </a:p>
         </p:txBody>
@@ -13396,378 +13396,143 @@
           </a:bodyPr>
           <a:lstStyle/>
           <a:p>
-            <a:pPr marL="0" indent="0">
-              <a:buNone/>
-            </a:pPr>
-            <a:r>
-              <a:rPr lang="de-DE" b="0" dirty="0">
-                <a:solidFill>
-                  <a:srgbClr val="0000FF"/>
-                </a:solidFill>
-                <a:effectLst/>
-                <a:latin typeface="Consolas" panose="020B0609020204030204" pitchFamily="49" charset="0"/>
-              </a:rPr>
-              <a:t>final</a:t>
-            </a:r>
-            <a:r>
-              <a:rPr lang="de-DE" b="0" dirty="0">
-                <a:solidFill>
-                  <a:srgbClr val="000000"/>
-                </a:solidFill>
-                <a:effectLst/>
-                <a:latin typeface="Consolas" panose="020B0609020204030204" pitchFamily="49" charset="0"/>
-              </a:rPr>
-              <a:t> </a:t>
-            </a:r>
-            <a:r>
-              <a:rPr lang="de-DE" b="0" dirty="0">
-                <a:solidFill>
-                  <a:srgbClr val="0000FF"/>
-                </a:solidFill>
-                <a:effectLst/>
-                <a:latin typeface="Consolas" panose="020B0609020204030204" pitchFamily="49" charset="0"/>
-              </a:rPr>
-              <a:t>Extreme</a:t>
-            </a:r>
-            <a:r>
-              <a:rPr lang="de-DE" b="0" dirty="0">
-                <a:solidFill>
-                  <a:srgbClr val="000000"/>
-                </a:solidFill>
-                <a:effectLst/>
-                <a:latin typeface="Consolas" panose="020B0609020204030204" pitchFamily="49" charset="0"/>
-              </a:rPr>
-              <a:t>&lt;T&gt;</a:t>
-            </a:r>
-          </a:p>
-          <a:p>
-            <a:pPr marL="0" indent="0">
-              <a:buNone/>
-            </a:pPr>
+            <a:r>
+              <a:rPr lang="de-DE" b="0" dirty="0">
+                <a:effectLst/>
+                <a:latin typeface="Arial" panose="020B0604020202020204" pitchFamily="34" charset="0"/>
+                <a:cs typeface="Arial" panose="020B0604020202020204" pitchFamily="34" charset="0"/>
+              </a:rPr>
+              <a:t>Extreme-Typ</a:t>
+            </a:r>
+            <a:endParaRPr lang="de-DE" dirty="0">
+              <a:latin typeface="Arial" panose="020B0604020202020204" pitchFamily="34" charset="0"/>
+              <a:cs typeface="Arial" panose="020B0604020202020204" pitchFamily="34" charset="0"/>
+            </a:endParaRPr>
+          </a:p>
+          <a:p>
+            <a:pPr lvl="1"/>
+            <a:r>
+              <a:rPr lang="de-DE" b="0" dirty="0">
+                <a:effectLst/>
+                <a:latin typeface="Arial" panose="020B0604020202020204" pitchFamily="34" charset="0"/>
+                <a:cs typeface="Arial" panose="020B0604020202020204" pitchFamily="34" charset="0"/>
+              </a:rPr>
+              <a:t>LL / LR – </a:t>
+            </a:r>
             <a:r>
               <a:rPr lang="de-DE" dirty="0">
-                <a:latin typeface="Consolas" panose="020B0609020204030204" pitchFamily="49" charset="0"/>
-              </a:rPr>
-              <a:t>	</a:t>
-            </a:r>
-            <a:r>
-              <a:rPr lang="de-DE" b="0" dirty="0">
-                <a:solidFill>
-                  <a:srgbClr val="000000"/>
-                </a:solidFill>
-                <a:effectLst/>
-                <a:latin typeface="Consolas" panose="020B0609020204030204" pitchFamily="49" charset="0"/>
-              </a:rPr>
-              <a:t>LL = </a:t>
-            </a:r>
-            <a:r>
-              <a:rPr lang="de-DE" b="0" dirty="0" err="1">
-                <a:solidFill>
-                  <a:srgbClr val="0000FF"/>
-                </a:solidFill>
-                <a:effectLst/>
-                <a:latin typeface="Consolas" panose="020B0609020204030204" pitchFamily="49" charset="0"/>
-              </a:rPr>
-              <a:t>new</a:t>
-            </a:r>
-            <a:r>
-              <a:rPr lang="de-DE" b="0" dirty="0">
-                <a:solidFill>
-                  <a:srgbClr val="000000"/>
-                </a:solidFill>
-                <a:effectLst/>
-                <a:latin typeface="Consolas" panose="020B0609020204030204" pitchFamily="49" charset="0"/>
-              </a:rPr>
-              <a:t> </a:t>
-            </a:r>
-            <a:r>
-              <a:rPr lang="de-DE" b="0" dirty="0">
-                <a:solidFill>
-                  <a:srgbClr val="0000FF"/>
-                </a:solidFill>
-                <a:effectLst/>
-                <a:latin typeface="Consolas" panose="020B0609020204030204" pitchFamily="49" charset="0"/>
-              </a:rPr>
-              <a:t>Extreme</a:t>
-            </a:r>
-            <a:r>
-              <a:rPr lang="de-DE" b="0" dirty="0">
-                <a:solidFill>
-                  <a:srgbClr val="000000"/>
-                </a:solidFill>
-                <a:effectLst/>
-                <a:latin typeface="Consolas" panose="020B0609020204030204" pitchFamily="49" charset="0"/>
-              </a:rPr>
-              <a:t>&lt;</a:t>
-            </a:r>
-            <a:r>
-              <a:rPr lang="de-DE" b="0" dirty="0">
-                <a:solidFill>
-                  <a:srgbClr val="0000FF"/>
-                </a:solidFill>
-                <a:effectLst/>
-                <a:latin typeface="Consolas" panose="020B0609020204030204" pitchFamily="49" charset="0"/>
-              </a:rPr>
-              <a:t>T</a:t>
-            </a:r>
-            <a:r>
-              <a:rPr lang="de-DE" b="0" dirty="0">
-                <a:solidFill>
-                  <a:srgbClr val="000000"/>
-                </a:solidFill>
-                <a:effectLst/>
-                <a:latin typeface="Consolas" panose="020B0609020204030204" pitchFamily="49" charset="0"/>
-              </a:rPr>
-              <a:t>&gt;(),</a:t>
-            </a:r>
-          </a:p>
-          <a:p>
-            <a:pPr marL="0" indent="0">
-              <a:buNone/>
-            </a:pPr>
+                <a:latin typeface="Arial" panose="020B0604020202020204" pitchFamily="34" charset="0"/>
+                <a:cs typeface="Arial" panose="020B0604020202020204" pitchFamily="34" charset="0"/>
+              </a:rPr>
+              <a:t>W</a:t>
+            </a:r>
+            <a:r>
+              <a:rPr lang="de-DE" b="0" dirty="0">
+                <a:effectLst/>
+                <a:latin typeface="Arial" panose="020B0604020202020204" pitchFamily="34" charset="0"/>
+                <a:cs typeface="Arial" panose="020B0604020202020204" pitchFamily="34" charset="0"/>
+              </a:rPr>
+              <a:t>eitesten links bzw. rechts stehende Knoten im linken Teilbaum eines Knotens auf höchster Höhe</a:t>
+            </a:r>
+          </a:p>
+          <a:p>
+            <a:pPr lvl="1"/>
             <a:r>
               <a:rPr lang="de-DE" dirty="0">
-                <a:latin typeface="Consolas" panose="020B0609020204030204" pitchFamily="49" charset="0"/>
-              </a:rPr>
-              <a:t>	</a:t>
-            </a:r>
-            <a:r>
-              <a:rPr lang="de-DE" b="0" dirty="0">
-                <a:solidFill>
-                  <a:srgbClr val="000000"/>
-                </a:solidFill>
-                <a:effectLst/>
-                <a:latin typeface="Consolas" panose="020B0609020204030204" pitchFamily="49" charset="0"/>
-              </a:rPr>
-              <a:t>LR = </a:t>
-            </a:r>
-            <a:r>
-              <a:rPr lang="de-DE" b="0" dirty="0" err="1">
-                <a:solidFill>
-                  <a:srgbClr val="0000FF"/>
-                </a:solidFill>
-                <a:effectLst/>
-                <a:latin typeface="Consolas" panose="020B0609020204030204" pitchFamily="49" charset="0"/>
-              </a:rPr>
-              <a:t>new</a:t>
-            </a:r>
-            <a:r>
-              <a:rPr lang="de-DE" b="0" dirty="0">
-                <a:solidFill>
-                  <a:srgbClr val="000000"/>
-                </a:solidFill>
-                <a:effectLst/>
-                <a:latin typeface="Consolas" panose="020B0609020204030204" pitchFamily="49" charset="0"/>
-              </a:rPr>
-              <a:t> </a:t>
-            </a:r>
-            <a:r>
-              <a:rPr lang="de-DE" b="0" dirty="0">
-                <a:solidFill>
-                  <a:srgbClr val="0000FF"/>
-                </a:solidFill>
-                <a:effectLst/>
-                <a:latin typeface="Consolas" panose="020B0609020204030204" pitchFamily="49" charset="0"/>
-              </a:rPr>
-              <a:t>Extreme</a:t>
-            </a:r>
-            <a:r>
-              <a:rPr lang="de-DE" b="0" dirty="0">
-                <a:solidFill>
-                  <a:srgbClr val="000000"/>
-                </a:solidFill>
-                <a:effectLst/>
-                <a:latin typeface="Consolas" panose="020B0609020204030204" pitchFamily="49" charset="0"/>
-              </a:rPr>
-              <a:t>&lt;</a:t>
-            </a:r>
-            <a:r>
-              <a:rPr lang="de-DE" b="0" dirty="0">
-                <a:solidFill>
-                  <a:srgbClr val="0000FF"/>
-                </a:solidFill>
-                <a:effectLst/>
-                <a:latin typeface="Consolas" panose="020B0609020204030204" pitchFamily="49" charset="0"/>
-              </a:rPr>
-              <a:t>T</a:t>
-            </a:r>
-            <a:r>
-              <a:rPr lang="de-DE" b="0" dirty="0">
-                <a:solidFill>
-                  <a:srgbClr val="000000"/>
-                </a:solidFill>
-                <a:effectLst/>
-                <a:latin typeface="Consolas" panose="020B0609020204030204" pitchFamily="49" charset="0"/>
-              </a:rPr>
-              <a:t>&gt;(),</a:t>
-            </a:r>
-          </a:p>
-          <a:p>
-            <a:pPr marL="0" indent="0">
-              <a:buNone/>
-            </a:pPr>
+                <a:solidFill>
+                  <a:srgbClr val="000000"/>
+                </a:solidFill>
+                <a:latin typeface="Arial" panose="020B0604020202020204" pitchFamily="34" charset="0"/>
+                <a:cs typeface="Arial" panose="020B0604020202020204" pitchFamily="34" charset="0"/>
+              </a:rPr>
+              <a:t>RL / RR – </a:t>
+            </a:r>
             <a:r>
               <a:rPr lang="de-DE" dirty="0">
-                <a:latin typeface="Consolas" panose="020B0609020204030204" pitchFamily="49" charset="0"/>
-              </a:rPr>
-              <a:t>	</a:t>
-            </a:r>
-            <a:r>
-              <a:rPr lang="de-DE" b="0" dirty="0">
-                <a:solidFill>
-                  <a:srgbClr val="000000"/>
-                </a:solidFill>
-                <a:effectLst/>
-                <a:latin typeface="Consolas" panose="020B0609020204030204" pitchFamily="49" charset="0"/>
-              </a:rPr>
-              <a:t>RL = </a:t>
-            </a:r>
-            <a:r>
-              <a:rPr lang="de-DE" b="0" dirty="0" err="1">
-                <a:solidFill>
-                  <a:srgbClr val="0000FF"/>
-                </a:solidFill>
-                <a:effectLst/>
-                <a:latin typeface="Consolas" panose="020B0609020204030204" pitchFamily="49" charset="0"/>
-              </a:rPr>
-              <a:t>new</a:t>
-            </a:r>
-            <a:r>
-              <a:rPr lang="de-DE" b="0" dirty="0">
-                <a:solidFill>
-                  <a:srgbClr val="000000"/>
-                </a:solidFill>
-                <a:effectLst/>
-                <a:latin typeface="Consolas" panose="020B0609020204030204" pitchFamily="49" charset="0"/>
-              </a:rPr>
-              <a:t> </a:t>
-            </a:r>
-            <a:r>
-              <a:rPr lang="de-DE" b="0" dirty="0">
-                <a:solidFill>
-                  <a:srgbClr val="0000FF"/>
-                </a:solidFill>
-                <a:effectLst/>
-                <a:latin typeface="Consolas" panose="020B0609020204030204" pitchFamily="49" charset="0"/>
-              </a:rPr>
-              <a:t>Extreme</a:t>
-            </a:r>
-            <a:r>
-              <a:rPr lang="de-DE" b="0" dirty="0">
-                <a:solidFill>
-                  <a:srgbClr val="000000"/>
-                </a:solidFill>
-                <a:effectLst/>
-                <a:latin typeface="Consolas" panose="020B0609020204030204" pitchFamily="49" charset="0"/>
-              </a:rPr>
-              <a:t>&lt;</a:t>
-            </a:r>
-            <a:r>
-              <a:rPr lang="de-DE" b="0" dirty="0">
-                <a:solidFill>
-                  <a:srgbClr val="0000FF"/>
-                </a:solidFill>
-                <a:effectLst/>
-                <a:latin typeface="Consolas" panose="020B0609020204030204" pitchFamily="49" charset="0"/>
-              </a:rPr>
-              <a:t>T</a:t>
-            </a:r>
-            <a:r>
-              <a:rPr lang="de-DE" b="0" dirty="0">
-                <a:solidFill>
-                  <a:srgbClr val="000000"/>
-                </a:solidFill>
-                <a:effectLst/>
-                <a:latin typeface="Consolas" panose="020B0609020204030204" pitchFamily="49" charset="0"/>
-              </a:rPr>
-              <a:t>&gt;(),</a:t>
-            </a:r>
-          </a:p>
-          <a:p>
-            <a:pPr marL="0" indent="0">
-              <a:buNone/>
-            </a:pPr>
+                <a:latin typeface="Arial" panose="020B0604020202020204" pitchFamily="34" charset="0"/>
+                <a:cs typeface="Arial" panose="020B0604020202020204" pitchFamily="34" charset="0"/>
+              </a:rPr>
+              <a:t>W</a:t>
+            </a:r>
+            <a:r>
+              <a:rPr lang="de-DE" b="0" dirty="0">
+                <a:effectLst/>
+                <a:latin typeface="Arial" panose="020B0604020202020204" pitchFamily="34" charset="0"/>
+                <a:cs typeface="Arial" panose="020B0604020202020204" pitchFamily="34" charset="0"/>
+              </a:rPr>
+              <a:t>eitesten links bzw. rechts stehende Knoten im rechten Teilbaum eines Knotens auf höchster Höhe</a:t>
+            </a:r>
+          </a:p>
+          <a:p>
+            <a:pPr lvl="1"/>
             <a:r>
               <a:rPr lang="de-DE" dirty="0">
-                <a:latin typeface="Consolas" panose="020B0609020204030204" pitchFamily="49" charset="0"/>
-              </a:rPr>
-              <a:t>	</a:t>
-            </a:r>
-            <a:r>
-              <a:rPr lang="de-DE" b="0" dirty="0">
-                <a:solidFill>
-                  <a:srgbClr val="000000"/>
-                </a:solidFill>
-                <a:effectLst/>
-                <a:latin typeface="Consolas" panose="020B0609020204030204" pitchFamily="49" charset="0"/>
-              </a:rPr>
-              <a:t>RR = </a:t>
-            </a:r>
-            <a:r>
-              <a:rPr lang="de-DE" b="0" dirty="0" err="1">
-                <a:solidFill>
-                  <a:srgbClr val="0000FF"/>
-                </a:solidFill>
-                <a:effectLst/>
-                <a:latin typeface="Consolas" panose="020B0609020204030204" pitchFamily="49" charset="0"/>
-              </a:rPr>
-              <a:t>new</a:t>
-            </a:r>
-            <a:r>
-              <a:rPr lang="de-DE" b="0" dirty="0">
-                <a:solidFill>
-                  <a:srgbClr val="000000"/>
-                </a:solidFill>
-                <a:effectLst/>
-                <a:latin typeface="Consolas" panose="020B0609020204030204" pitchFamily="49" charset="0"/>
-              </a:rPr>
-              <a:t> </a:t>
-            </a:r>
-            <a:r>
-              <a:rPr lang="de-DE" b="0" dirty="0">
-                <a:solidFill>
-                  <a:srgbClr val="0000FF"/>
-                </a:solidFill>
-                <a:effectLst/>
-                <a:latin typeface="Consolas" panose="020B0609020204030204" pitchFamily="49" charset="0"/>
-              </a:rPr>
-              <a:t>Extreme</a:t>
-            </a:r>
-            <a:r>
-              <a:rPr lang="de-DE" b="0" dirty="0">
-                <a:solidFill>
-                  <a:srgbClr val="000000"/>
-                </a:solidFill>
-                <a:effectLst/>
-                <a:latin typeface="Consolas" panose="020B0609020204030204" pitchFamily="49" charset="0"/>
-              </a:rPr>
-              <a:t>&lt;</a:t>
-            </a:r>
-            <a:r>
-              <a:rPr lang="de-DE" b="0" dirty="0">
-                <a:solidFill>
-                  <a:srgbClr val="0000FF"/>
-                </a:solidFill>
-                <a:effectLst/>
-                <a:latin typeface="Consolas" panose="020B0609020204030204" pitchFamily="49" charset="0"/>
-              </a:rPr>
-              <a:t>T</a:t>
-            </a:r>
-            <a:r>
-              <a:rPr lang="de-DE" b="0" dirty="0">
-                <a:solidFill>
-                  <a:srgbClr val="000000"/>
-                </a:solidFill>
-                <a:effectLst/>
-                <a:latin typeface="Consolas" panose="020B0609020204030204" pitchFamily="49" charset="0"/>
-              </a:rPr>
-              <a:t>&gt;();</a:t>
-            </a:r>
-          </a:p>
-          <a:p>
-            <a:pPr marL="0" indent="0">
-              <a:buNone/>
-            </a:pPr>
+                <a:latin typeface="Arial" panose="020B0604020202020204" pitchFamily="34" charset="0"/>
+                <a:cs typeface="Arial" panose="020B0604020202020204" pitchFamily="34" charset="0"/>
+              </a:rPr>
+              <a:t>LMOST / RMOST – Weitesten links bzw. rechts stehende Knoten auf höchster Höhe</a:t>
+            </a:r>
+          </a:p>
+          <a:p>
+            <a:pPr lvl="1"/>
+            <a:endParaRPr lang="de-DE" b="0" dirty="0">
+              <a:effectLst/>
+              <a:latin typeface="Arial" panose="020B0604020202020204" pitchFamily="34" charset="0"/>
+              <a:cs typeface="Arial" panose="020B0604020202020204" pitchFamily="34" charset="0"/>
+            </a:endParaRPr>
+          </a:p>
+          <a:p>
+            <a:r>
+              <a:rPr lang="de-DE" dirty="0">
+                <a:latin typeface="Arial" panose="020B0604020202020204" pitchFamily="34" charset="0"/>
+                <a:cs typeface="Arial" panose="020B0604020202020204" pitchFamily="34" charset="0"/>
+              </a:rPr>
+              <a:t>Knoten-Typ</a:t>
+            </a:r>
+          </a:p>
+          <a:p>
+            <a:pPr lvl="1"/>
+            <a:r>
+              <a:rPr lang="de-DE" b="0" dirty="0">
+                <a:effectLst/>
+                <a:latin typeface="Arial" panose="020B0604020202020204" pitchFamily="34" charset="0"/>
+                <a:cs typeface="Arial" panose="020B0604020202020204" pitchFamily="34" charset="0"/>
+              </a:rPr>
+              <a:t>L – Linkes Kind </a:t>
+            </a:r>
+            <a:r>
+              <a:rPr lang="de-DE" dirty="0">
+                <a:latin typeface="Arial" panose="020B0604020202020204" pitchFamily="34" charset="0"/>
+                <a:cs typeface="Arial" panose="020B0604020202020204" pitchFamily="34" charset="0"/>
+              </a:rPr>
+              <a:t>eines Knotens</a:t>
+            </a:r>
+          </a:p>
+          <a:p>
+            <a:pPr lvl="1"/>
+            <a:r>
+              <a:rPr lang="de-DE" b="0" dirty="0">
+                <a:effectLst/>
+                <a:latin typeface="Arial" panose="020B0604020202020204" pitchFamily="34" charset="0"/>
+                <a:cs typeface="Arial" panose="020B0604020202020204" pitchFamily="34" charset="0"/>
+              </a:rPr>
+              <a:t>R – Rechtes </a:t>
+            </a:r>
+            <a:r>
+              <a:rPr lang="de-DE" dirty="0">
+                <a:latin typeface="Arial" panose="020B0604020202020204" pitchFamily="34" charset="0"/>
+                <a:cs typeface="Arial" panose="020B0604020202020204" pitchFamily="34" charset="0"/>
+              </a:rPr>
+              <a:t>Kind eines Knotens</a:t>
+            </a:r>
+            <a:endParaRPr lang="de-DE" b="0" dirty="0">
+              <a:effectLst/>
+              <a:latin typeface="Arial" panose="020B0604020202020204" pitchFamily="34" charset="0"/>
+              <a:cs typeface="Arial" panose="020B0604020202020204" pitchFamily="34" charset="0"/>
+            </a:endParaRPr>
+          </a:p>
+          <a:p>
+            <a:pPr lvl="1"/>
             <a:endParaRPr lang="de-DE" b="0" dirty="0">
               <a:solidFill>
                 <a:srgbClr val="000000"/>
@@ -15550,6 +15315,15 @@
                 <a:cs typeface="Arial" panose="020B0604020202020204" pitchFamily="34" charset="0"/>
               </a:rPr>
               <a:t>Aktualisieren von LL, LR, RL, RR</a:t>
+            </a:r>
+          </a:p>
+          <a:p>
+            <a:r>
+              <a:rPr lang="de-DE" dirty="0">
+                <a:latin typeface="Arial" panose="020B0604020202020204" pitchFamily="34" charset="0"/>
+                <a:cs typeface="Arial" panose="020B0604020202020204" pitchFamily="34" charset="0"/>
+              </a:rPr>
+              <a:t>Thread setzen, falls ein Teilbaum kleiner ist, als der andere</a:t>
             </a:r>
           </a:p>
         </p:txBody>

--- a/Powerpoint/Bäume zeichnen im Ebenen-Layout.pptx
+++ b/Powerpoint/Bäume zeichnen im Ebenen-Layout.pptx
@@ -5,7 +5,7 @@
     <p:sldMasterId id="2147483660" r:id="rId1"/>
   </p:sldMasterIdLst>
   <p:notesMasterIdLst>
-    <p:notesMasterId r:id="rId65"/>
+    <p:notesMasterId r:id="rId66"/>
   </p:notesMasterIdLst>
   <p:sldIdLst>
     <p:sldId id="267" r:id="rId2"/>
@@ -71,6 +71,7 @@
     <p:sldId id="360" r:id="rId62"/>
     <p:sldId id="364" r:id="rId63"/>
     <p:sldId id="366" r:id="rId64"/>
+    <p:sldId id="367" r:id="rId65"/>
   </p:sldIdLst>
   <p:sldSz cx="9144000" cy="5143500" type="screen16x9"/>
   <p:notesSz cx="6858000" cy="9144000"/>
@@ -18415,6 +18416,384 @@
     <p:extLst>
       <p:ext uri="{BB962C8B-B14F-4D97-AF65-F5344CB8AC3E}">
         <p14:creationId xmlns:p14="http://schemas.microsoft.com/office/powerpoint/2010/main" val="1980223101"/>
+      </p:ext>
+    </p:extLst>
+  </p:cSld>
+  <p:clrMapOvr>
+    <a:masterClrMapping/>
+  </p:clrMapOvr>
+</p:sld>
+</file>
+
+<file path=ppt/slides/slide64.xml><?xml version="1.0" encoding="utf-8"?>
+<p:sld xmlns:a="http://schemas.openxmlformats.org/drawingml/2006/main" xmlns:r="http://schemas.openxmlformats.org/officeDocument/2006/relationships" xmlns:p="http://schemas.openxmlformats.org/presentationml/2006/main">
+  <p:cSld>
+    <p:spTree>
+      <p:nvGrpSpPr>
+        <p:cNvPr id="1" name=""/>
+        <p:cNvGrpSpPr/>
+        <p:nvPr/>
+      </p:nvGrpSpPr>
+      <p:grpSpPr>
+        <a:xfrm>
+          <a:off x="0" y="0"/>
+          <a:ext cx="0" cy="0"/>
+          <a:chOff x="0" y="0"/>
+          <a:chExt cx="0" cy="0"/>
+        </a:xfrm>
+      </p:grpSpPr>
+      <p:sp>
+        <p:nvSpPr>
+          <p:cNvPr id="7" name="Inhaltsplatzhalter 6">
+            <a:extLst>
+              <a:ext uri="{FF2B5EF4-FFF2-40B4-BE49-F238E27FC236}">
+                <a16:creationId xmlns:a16="http://schemas.microsoft.com/office/drawing/2014/main" id="{8F2FDC2A-E4E8-0A67-B9D9-CDCFE26B71BD}"/>
+              </a:ext>
+            </a:extLst>
+          </p:cNvPr>
+          <p:cNvSpPr>
+            <a:spLocks noGrp="1"/>
+          </p:cNvSpPr>
+          <p:nvPr>
+            <p:ph idx="1"/>
+          </p:nvPr>
+        </p:nvSpPr>
+        <p:spPr/>
+        <p:txBody>
+          <a:bodyPr/>
+          <a:lstStyle/>
+          <a:p>
+            <a:pPr marL="0" indent="0" algn="l">
+              <a:buNone/>
+            </a:pPr>
+            <a:r>
+              <a:rPr lang="de-DE" sz="1800" b="0" i="0" u="none" strike="noStrike" baseline="0" dirty="0">
+                <a:solidFill>
+                  <a:srgbClr val="000000"/>
+                </a:solidFill>
+                <a:latin typeface="NimbusRomNo9L-Regu"/>
+              </a:rPr>
+              <a:t>[1] </a:t>
+            </a:r>
+            <a:r>
+              <a:rPr lang="de-DE" sz="1800" b="0" i="0" u="none" strike="noStrike" baseline="0" dirty="0" err="1">
+                <a:solidFill>
+                  <a:srgbClr val="000000"/>
+                </a:solidFill>
+                <a:latin typeface="NimbusRomNo9L-Regu"/>
+              </a:rPr>
+              <a:t>M.Niklaus</a:t>
+            </a:r>
+            <a:r>
+              <a:rPr lang="de-DE" sz="1800" b="0" i="0" u="none" strike="noStrike" baseline="0" dirty="0">
+                <a:solidFill>
+                  <a:srgbClr val="000000"/>
+                </a:solidFill>
+                <a:latin typeface="NimbusRomNo9L-Regu"/>
+              </a:rPr>
+              <a:t>, „</a:t>
+            </a:r>
+            <a:r>
+              <a:rPr lang="de-DE" sz="1800" b="0" i="0" u="none" strike="noStrike" baseline="0" dirty="0">
+                <a:solidFill>
+                  <a:srgbClr val="00FFFF"/>
+                </a:solidFill>
+                <a:latin typeface="NimbusRomNo9L-ReguItal"/>
+                <a:hlinkClick r:id="rId2"/>
+              </a:rPr>
+              <a:t>Baume in der Informatik</a:t>
+            </a:r>
+            <a:r>
+              <a:rPr lang="de-DE" sz="1800" b="0" i="0" u="none" strike="noStrike" baseline="0" dirty="0">
+                <a:latin typeface="NimbusRomNo9L-ReguItal"/>
+              </a:rPr>
+              <a:t>“</a:t>
+            </a:r>
+            <a:r>
+              <a:rPr lang="de-DE" sz="1800" b="0" i="0" u="none" strike="noStrike" baseline="0" dirty="0">
+                <a:solidFill>
+                  <a:srgbClr val="000000"/>
+                </a:solidFill>
+                <a:latin typeface="NimbusRomNo9L-Regu"/>
+              </a:rPr>
+              <a:t>. </a:t>
+            </a:r>
+            <a:r>
+              <a:rPr lang="de-DE" sz="1800" b="0" i="0" u="none" strike="noStrike" baseline="0" dirty="0" err="1">
+                <a:solidFill>
+                  <a:srgbClr val="000000"/>
+                </a:solidFill>
+                <a:latin typeface="NimbusRomNo9L-Regu"/>
+              </a:rPr>
+              <a:t>EducETH</a:t>
+            </a:r>
+            <a:r>
+              <a:rPr lang="de-DE" sz="1800" b="0" i="0" u="none" strike="noStrike" baseline="0" dirty="0">
+                <a:solidFill>
+                  <a:srgbClr val="000000"/>
+                </a:solidFill>
+                <a:latin typeface="NimbusRomNo9L-Regu"/>
+              </a:rPr>
+              <a:t>, 2007.</a:t>
+            </a:r>
+          </a:p>
+          <a:p>
+            <a:pPr marL="0" indent="0" algn="l">
+              <a:buNone/>
+            </a:pPr>
+            <a:r>
+              <a:rPr lang="en-US" sz="1800" b="0" i="0" u="none" strike="noStrike" baseline="0" dirty="0">
+                <a:solidFill>
+                  <a:srgbClr val="000000"/>
+                </a:solidFill>
+                <a:latin typeface="NimbusRomNo9L-Regu"/>
+              </a:rPr>
+              <a:t>[2] </a:t>
+            </a:r>
+            <a:r>
+              <a:rPr lang="en-US" sz="1800" b="0" i="0" u="none" strike="noStrike" baseline="0" dirty="0" err="1">
+                <a:solidFill>
+                  <a:srgbClr val="000000"/>
+                </a:solidFill>
+                <a:latin typeface="NimbusRomNo9L-Regu"/>
+              </a:rPr>
+              <a:t>C.Wetherell</a:t>
+            </a:r>
+            <a:r>
+              <a:rPr lang="en-US" sz="1800" b="0" i="0" u="none" strike="noStrike" baseline="0" dirty="0">
+                <a:solidFill>
+                  <a:srgbClr val="000000"/>
+                </a:solidFill>
+                <a:latin typeface="NimbusRomNo9L-Regu"/>
+              </a:rPr>
+              <a:t> and A. Shannon, “</a:t>
+            </a:r>
+            <a:r>
+              <a:rPr lang="en-US" sz="1800" b="0" i="0" u="none" strike="noStrike" baseline="0" dirty="0">
+                <a:solidFill>
+                  <a:srgbClr val="000000"/>
+                </a:solidFill>
+                <a:latin typeface="NimbusRomNo9L-Regu"/>
+                <a:hlinkClick r:id="rId3"/>
+              </a:rPr>
+              <a:t>Tidy drawings of trees</a:t>
+            </a:r>
+            <a:r>
+              <a:rPr lang="en-US" sz="1800" b="0" i="0" u="none" strike="noStrike" baseline="0" dirty="0">
+                <a:solidFill>
+                  <a:srgbClr val="000000"/>
+                </a:solidFill>
+                <a:latin typeface="NimbusRomNo9L-Regu"/>
+              </a:rPr>
+              <a:t>,” </a:t>
+            </a:r>
+            <a:r>
+              <a:rPr lang="en-US" sz="1800" b="0" i="0" u="none" strike="noStrike" baseline="0" dirty="0">
+                <a:solidFill>
+                  <a:srgbClr val="000000"/>
+                </a:solidFill>
+                <a:latin typeface="NimbusRomNo9L-ReguItal"/>
+              </a:rPr>
+              <a:t>IEEE Trans. </a:t>
+            </a:r>
+            <a:r>
+              <a:rPr lang="en-US" sz="1800" b="0" i="0" u="none" strike="noStrike" baseline="0" dirty="0" err="1">
+                <a:solidFill>
+                  <a:srgbClr val="000000"/>
+                </a:solidFill>
+                <a:latin typeface="NimbusRomNo9L-ReguItal"/>
+              </a:rPr>
+              <a:t>Softw</a:t>
+            </a:r>
+            <a:r>
+              <a:rPr lang="en-US" sz="1800" b="0" i="0" u="none" strike="noStrike" baseline="0" dirty="0">
+                <a:solidFill>
+                  <a:srgbClr val="000000"/>
+                </a:solidFill>
+                <a:latin typeface="NimbusRomNo9L-ReguItal"/>
+              </a:rPr>
+              <a:t>. </a:t>
+            </a:r>
+            <a:r>
+              <a:rPr lang="en-US" sz="1800" b="0" i="0" u="none" strike="noStrike" baseline="0" dirty="0" err="1">
+                <a:solidFill>
+                  <a:srgbClr val="000000"/>
+                </a:solidFill>
+                <a:latin typeface="NimbusRomNo9L-ReguItal"/>
+              </a:rPr>
+              <a:t>Eng</a:t>
+            </a:r>
+            <a:r>
+              <a:rPr lang="en-US" sz="1800" b="0" i="0" u="none" strike="noStrike" baseline="0" dirty="0">
+                <a:solidFill>
+                  <a:srgbClr val="000000"/>
+                </a:solidFill>
+                <a:latin typeface="NimbusRomNo9L-Regu"/>
+              </a:rPr>
+              <a:t>,</a:t>
+            </a:r>
+          </a:p>
+          <a:p>
+            <a:pPr marL="0" indent="0" algn="l">
+              <a:buNone/>
+            </a:pPr>
+            <a:r>
+              <a:rPr lang="de-DE" sz="1800" b="0" i="0" u="none" strike="noStrike" baseline="0" dirty="0">
+                <a:solidFill>
+                  <a:srgbClr val="000000"/>
+                </a:solidFill>
+                <a:latin typeface="NimbusRomNo9L-Regu"/>
+              </a:rPr>
+              <a:t>vol. SE-5(5), pp. 514–520, 1979.</a:t>
+            </a:r>
+          </a:p>
+          <a:p>
+            <a:pPr marL="0" indent="0" algn="l">
+              <a:buNone/>
+            </a:pPr>
+            <a:r>
+              <a:rPr lang="de-DE" sz="1800" b="0" i="0" u="none" strike="noStrike" baseline="0" dirty="0">
+                <a:solidFill>
+                  <a:srgbClr val="000000"/>
+                </a:solidFill>
+                <a:latin typeface="NimbusRomNo9L-Regu"/>
+              </a:rPr>
+              <a:t>[3] </a:t>
+            </a:r>
+            <a:r>
+              <a:rPr lang="en-US" sz="1800" b="0" i="0" u="none" strike="noStrike" baseline="0" dirty="0">
+                <a:solidFill>
+                  <a:srgbClr val="000000"/>
+                </a:solidFill>
+                <a:latin typeface="NimbusRomNo9L-Regu"/>
+              </a:rPr>
+              <a:t>E. </a:t>
+            </a:r>
+            <a:r>
+              <a:rPr lang="en-US" sz="1800" b="0" i="0" u="none" strike="noStrike" baseline="0" dirty="0" err="1">
+                <a:solidFill>
+                  <a:srgbClr val="000000"/>
+                </a:solidFill>
+                <a:latin typeface="NimbusRomNo9L-Regu"/>
+              </a:rPr>
+              <a:t>Reingold</a:t>
+            </a:r>
+            <a:r>
+              <a:rPr lang="en-US" sz="1800" b="0" i="0" u="none" strike="noStrike" baseline="0" dirty="0">
+                <a:solidFill>
+                  <a:srgbClr val="000000"/>
+                </a:solidFill>
+                <a:latin typeface="NimbusRomNo9L-Regu"/>
+              </a:rPr>
+              <a:t> and J. Tilford, “</a:t>
+            </a:r>
+            <a:r>
+              <a:rPr lang="en-US" sz="1800" b="0" i="0" u="none" strike="noStrike" baseline="0" dirty="0">
+                <a:solidFill>
+                  <a:srgbClr val="000000"/>
+                </a:solidFill>
+                <a:latin typeface="NimbusRomNo9L-Regu"/>
+                <a:hlinkClick r:id="rId4"/>
+              </a:rPr>
+              <a:t>Tidier drawings of trees</a:t>
+            </a:r>
+            <a:r>
+              <a:rPr lang="en-US" sz="1800" b="0" i="0" u="none" strike="noStrike" baseline="0" dirty="0">
+                <a:solidFill>
+                  <a:srgbClr val="000000"/>
+                </a:solidFill>
+                <a:latin typeface="NimbusRomNo9L-Regu"/>
+              </a:rPr>
+              <a:t>,” IEEE Trans. </a:t>
+            </a:r>
+            <a:r>
+              <a:rPr lang="en-US" sz="1800" b="0" i="0" u="none" strike="noStrike" baseline="0" dirty="0" err="1">
+                <a:solidFill>
+                  <a:srgbClr val="000000"/>
+                </a:solidFill>
+                <a:latin typeface="NimbusRomNo9L-Regu"/>
+              </a:rPr>
+              <a:t>Softw</a:t>
+            </a:r>
+            <a:r>
+              <a:rPr lang="en-US" sz="1800" b="0" i="0" u="none" strike="noStrike" baseline="0" dirty="0">
+                <a:solidFill>
+                  <a:srgbClr val="000000"/>
+                </a:solidFill>
+                <a:latin typeface="NimbusRomNo9L-Regu"/>
+              </a:rPr>
+              <a:t>. </a:t>
+            </a:r>
+            <a:r>
+              <a:rPr lang="en-US" sz="1800" b="0" i="0" u="none" strike="noStrike" baseline="0" dirty="0" err="1">
+                <a:solidFill>
+                  <a:srgbClr val="000000"/>
+                </a:solidFill>
+                <a:latin typeface="NimbusRomNo9L-Regu"/>
+              </a:rPr>
+              <a:t>Eng</a:t>
+            </a:r>
+            <a:r>
+              <a:rPr lang="en-US" sz="1800" b="0" i="0" u="none" strike="noStrike" baseline="0" dirty="0">
+                <a:solidFill>
+                  <a:srgbClr val="000000"/>
+                </a:solidFill>
+                <a:latin typeface="NimbusRomNo9L-Regu"/>
+              </a:rPr>
+              <a:t>,</a:t>
+            </a:r>
+          </a:p>
+          <a:p>
+            <a:pPr marL="0" indent="0" algn="l">
+              <a:buNone/>
+            </a:pPr>
+            <a:r>
+              <a:rPr lang="en-US" sz="1800" b="0" i="0" u="none" strike="noStrike" baseline="0" dirty="0">
+                <a:solidFill>
+                  <a:srgbClr val="000000"/>
+                </a:solidFill>
+                <a:latin typeface="NimbusRomNo9L-Regu"/>
+              </a:rPr>
+              <a:t>vol. SE-7(2), pp. 223–228, 1981.</a:t>
+            </a:r>
+            <a:endParaRPr lang="de-DE" dirty="0"/>
+          </a:p>
+        </p:txBody>
+      </p:sp>
+      <p:sp>
+        <p:nvSpPr>
+          <p:cNvPr id="6" name="Titel 5">
+            <a:extLst>
+              <a:ext uri="{FF2B5EF4-FFF2-40B4-BE49-F238E27FC236}">
+                <a16:creationId xmlns:a16="http://schemas.microsoft.com/office/drawing/2014/main" id="{D3019E7B-46DC-0A9A-5FA8-0B22BBC8C7E9}"/>
+              </a:ext>
+            </a:extLst>
+          </p:cNvPr>
+          <p:cNvSpPr>
+            <a:spLocks noGrp="1"/>
+          </p:cNvSpPr>
+          <p:nvPr>
+            <p:ph type="title"/>
+          </p:nvPr>
+        </p:nvSpPr>
+        <p:spPr/>
+        <p:txBody>
+          <a:bodyPr>
+            <a:normAutofit fontScale="90000"/>
+          </a:bodyPr>
+          <a:lstStyle/>
+          <a:p>
+            <a:r>
+              <a:rPr lang="de-DE" dirty="0"/>
+              <a:t>Quellenverzeichnis</a:t>
+            </a:r>
+          </a:p>
+        </p:txBody>
+      </p:sp>
+    </p:spTree>
+    <p:extLst>
+      <p:ext uri="{BB962C8B-B14F-4D97-AF65-F5344CB8AC3E}">
+        <p14:creationId xmlns:p14="http://schemas.microsoft.com/office/powerpoint/2010/main" val="4235280608"/>
       </p:ext>
     </p:extLst>
   </p:cSld>

--- a/Powerpoint/Bäume zeichnen im Ebenen-Layout.pptx
+++ b/Powerpoint/Bäume zeichnen im Ebenen-Layout.pptx
@@ -12610,6 +12610,24 @@
           <a:bodyPr/>
           <a:lstStyle/>
           <a:p>
+            <a:r>
+              <a:rPr lang="de-DE" dirty="0"/>
+              <a:t>Verbesserung des verbesserten Algorithmus von WS</a:t>
+            </a:r>
+          </a:p>
+          <a:p>
+            <a:r>
+              <a:rPr lang="de-DE" dirty="0"/>
+              <a:t>Erfüllen der drei Anforderungen an die Ästhetik und einer weiteren vierten</a:t>
+            </a:r>
+          </a:p>
+          <a:p>
+            <a:r>
+              <a:rPr lang="de-DE" dirty="0"/>
+              <a:t>Physikalisches Limit ist hierbei zweitrangig </a:t>
+            </a:r>
+          </a:p>
+          <a:p>
             <a:endParaRPr lang="de-DE" dirty="0"/>
           </a:p>
         </p:txBody>
@@ -12673,6 +12691,96 @@
           </a:p>
         </p:txBody>
       </p:sp>
+      <p:pic>
+        <p:nvPicPr>
+          <p:cNvPr id="6" name="Grafik 5">
+            <a:extLst>
+              <a:ext uri="{FF2B5EF4-FFF2-40B4-BE49-F238E27FC236}">
+                <a16:creationId xmlns:a16="http://schemas.microsoft.com/office/drawing/2014/main" id="{AAB5D891-4EC2-3812-5778-9F9E0AA6459B}"/>
+              </a:ext>
+            </a:extLst>
+          </p:cNvPr>
+          <p:cNvPicPr>
+            <a:picLocks noChangeAspect="1"/>
+          </p:cNvPicPr>
+          <p:nvPr/>
+        </p:nvPicPr>
+        <p:blipFill>
+          <a:blip r:embed="rId2"/>
+          <a:stretch>
+            <a:fillRect/>
+          </a:stretch>
+        </p:blipFill>
+        <p:spPr>
+          <a:xfrm>
+            <a:off x="238501" y="2312100"/>
+            <a:ext cx="1542600" cy="2313899"/>
+          </a:xfrm>
+          <a:prstGeom prst="rect">
+            <a:avLst/>
+          </a:prstGeom>
+        </p:spPr>
+      </p:pic>
+      <p:pic>
+        <p:nvPicPr>
+          <p:cNvPr id="8" name="Grafik 7">
+            <a:extLst>
+              <a:ext uri="{FF2B5EF4-FFF2-40B4-BE49-F238E27FC236}">
+                <a16:creationId xmlns:a16="http://schemas.microsoft.com/office/drawing/2014/main" id="{E1A39A4F-2D18-AAF5-DCAE-C8935D12FA73}"/>
+              </a:ext>
+            </a:extLst>
+          </p:cNvPr>
+          <p:cNvPicPr>
+            <a:picLocks noChangeAspect="1"/>
+          </p:cNvPicPr>
+          <p:nvPr/>
+        </p:nvPicPr>
+        <p:blipFill>
+          <a:blip r:embed="rId3"/>
+          <a:stretch>
+            <a:fillRect/>
+          </a:stretch>
+        </p:blipFill>
+        <p:spPr>
+          <a:xfrm>
+            <a:off x="1715400" y="2318293"/>
+            <a:ext cx="1542600" cy="2313899"/>
+          </a:xfrm>
+          <a:prstGeom prst="rect">
+            <a:avLst/>
+          </a:prstGeom>
+        </p:spPr>
+      </p:pic>
+      <p:pic>
+        <p:nvPicPr>
+          <p:cNvPr id="10" name="Grafik 9" descr="Ein Bild, das Outdoorobjekt, Stern, Nacht enthält.&#10;&#10;Automatisch generierte Beschreibung">
+            <a:extLst>
+              <a:ext uri="{FF2B5EF4-FFF2-40B4-BE49-F238E27FC236}">
+                <a16:creationId xmlns:a16="http://schemas.microsoft.com/office/drawing/2014/main" id="{8BDB9A22-CFBE-6CD2-CA51-7D20892FE8FD}"/>
+              </a:ext>
+            </a:extLst>
+          </p:cNvPr>
+          <p:cNvPicPr>
+            <a:picLocks noChangeAspect="1"/>
+          </p:cNvPicPr>
+          <p:nvPr/>
+        </p:nvPicPr>
+        <p:blipFill>
+          <a:blip r:embed="rId4"/>
+          <a:stretch>
+            <a:fillRect/>
+          </a:stretch>
+        </p:blipFill>
+        <p:spPr>
+          <a:xfrm>
+            <a:off x="4800856" y="1786050"/>
+            <a:ext cx="3471943" cy="3037950"/>
+          </a:xfrm>
+          <a:prstGeom prst="rect">
+            <a:avLst/>
+          </a:prstGeom>
+        </p:spPr>
+      </p:pic>
     </p:spTree>
     <p:extLst>
       <p:ext uri="{BB962C8B-B14F-4D97-AF65-F5344CB8AC3E}">

--- a/Powerpoint/Bäume zeichnen im Ebenen-Layout.pptx
+++ b/Powerpoint/Bäume zeichnen im Ebenen-Layout.pptx
@@ -51,7 +51,7 @@
     <p:sldId id="329" r:id="rId42"/>
     <p:sldId id="330" r:id="rId43"/>
     <p:sldId id="331" r:id="rId44"/>
-    <p:sldId id="345" r:id="rId45"/>
+    <p:sldId id="368" r:id="rId45"/>
     <p:sldId id="344" r:id="rId46"/>
     <p:sldId id="350" r:id="rId47"/>
     <p:sldId id="346" r:id="rId48"/>
@@ -4490,7 +4490,7 @@
         </p:nvSpPr>
         <p:spPr/>
         <p:txBody>
-          <a:bodyPr/>
+          <a:bodyPr anchor="ctr"/>
           <a:lstStyle/>
           <a:p>
             <a:pPr marL="0" indent="0">
@@ -4538,6 +4538,9 @@
             </a:r>
           </a:p>
           <a:p>
+            <a:pPr marL="0" indent="0">
+              <a:buNone/>
+            </a:pPr>
             <a:endParaRPr lang="de-DE" dirty="0"/>
           </a:p>
           <a:p>
@@ -8731,30 +8734,20 @@
         </p:nvSpPr>
         <p:spPr/>
         <p:txBody>
-          <a:bodyPr/>
+          <a:bodyPr anchor="ctr"/>
           <a:lstStyle/>
           <a:p>
             <a:r>
               <a:rPr lang="de-DE" dirty="0"/>
-              <a:t>Definition von Bäumen in der Informatik</a:t>
-            </a:r>
-          </a:p>
-          <a:p>
+              <a:t>Wieso wollen wir </a:t>
+            </a:r>
+            <a:r>
+              <a:rPr lang="de-DE" dirty="0" err="1"/>
+              <a:t>Bomprimierte</a:t>
+            </a:r>
             <a:r>
               <a:rPr lang="de-DE" dirty="0"/>
-              <a:t>Vorstellung und Erklärung von drei verschiedenen Algorithmen zum Zeichnen von Bäumen</a:t>
-            </a:r>
-          </a:p>
-          <a:p>
-            <a:r>
-              <a:rPr lang="de-DE" dirty="0"/>
-              <a:t>Vergleich und Konklusion anhand eines Beispiels</a:t>
-            </a:r>
-          </a:p>
-          <a:p>
-            <a:r>
-              <a:rPr lang="de-DE" dirty="0"/>
-              <a:t>Komprimierte und sortierte Darstellung von Daten</a:t>
+              <a:t> und sortierte Darstellung von Daten</a:t>
             </a:r>
           </a:p>
           <a:p>
@@ -8762,15 +8755,6 @@
               <a:rPr lang="de-DE" dirty="0"/>
               <a:t>Verständnis schaffen für die Algorithmen</a:t>
             </a:r>
-          </a:p>
-          <a:p>
-            <a:endParaRPr lang="de-DE" dirty="0"/>
-          </a:p>
-          <a:p>
-            <a:endParaRPr lang="de-DE" dirty="0"/>
-          </a:p>
-          <a:p>
-            <a:endParaRPr lang="de-DE" dirty="0"/>
           </a:p>
         </p:txBody>
       </p:sp>
@@ -11848,7 +11832,7 @@
         </p:nvSpPr>
         <p:spPr/>
         <p:txBody>
-          <a:bodyPr/>
+          <a:bodyPr anchor="ctr"/>
           <a:lstStyle/>
           <a:p>
             <a:r>
@@ -12008,7 +11992,7 @@
         </p:nvSpPr>
         <p:spPr/>
         <p:txBody>
-          <a:bodyPr/>
+          <a:bodyPr anchor="ctr"/>
           <a:lstStyle/>
           <a:p>
             <a:r>
@@ -12157,7 +12141,7 @@
         </p:nvSpPr>
         <p:spPr/>
         <p:txBody>
-          <a:bodyPr/>
+          <a:bodyPr anchor="ctr"/>
           <a:lstStyle/>
           <a:p>
             <a:pPr marL="0" indent="0" algn="l">
@@ -12344,124 +12328,6 @@
                 <a:cs typeface="Arial" panose="020B0604020202020204" pitchFamily="34" charset="0"/>
               </a:rPr>
               <a:t>Väter</a:t>
-            </a:r>
-            <a:endParaRPr lang="en-US" sz="1800" b="0" i="0" u="none" strike="noStrike" baseline="0" dirty="0">
-              <a:latin typeface="Arial" panose="020B0604020202020204" pitchFamily="34" charset="0"/>
-              <a:cs typeface="Arial" panose="020B0604020202020204" pitchFamily="34" charset="0"/>
-            </a:endParaRPr>
-          </a:p>
-          <a:p>
-            <a:r>
-              <a:rPr lang="en-US" sz="1800" b="0" i="0" u="none" strike="noStrike" baseline="0" dirty="0">
-                <a:latin typeface="Arial" panose="020B0604020202020204" pitchFamily="34" charset="0"/>
-                <a:cs typeface="Arial" panose="020B0604020202020204" pitchFamily="34" charset="0"/>
-              </a:rPr>
-              <a:t>Maximal </a:t>
-            </a:r>
-            <a:r>
-              <a:rPr lang="en-US" sz="1800" b="0" i="0" u="none" strike="noStrike" baseline="0" dirty="0" err="1">
-                <a:latin typeface="Arial" panose="020B0604020202020204" pitchFamily="34" charset="0"/>
-                <a:cs typeface="Arial" panose="020B0604020202020204" pitchFamily="34" charset="0"/>
-              </a:rPr>
-              <a:t>schmale</a:t>
-            </a:r>
-            <a:r>
-              <a:rPr lang="en-US" sz="1800" b="0" i="0" u="none" strike="noStrike" baseline="0" dirty="0">
-                <a:latin typeface="Arial" panose="020B0604020202020204" pitchFamily="34" charset="0"/>
-                <a:cs typeface="Arial" panose="020B0604020202020204" pitchFamily="34" charset="0"/>
-              </a:rPr>
-              <a:t> </a:t>
-            </a:r>
-            <a:r>
-              <a:rPr lang="en-US" sz="1800" b="0" i="0" u="none" strike="noStrike" baseline="0" dirty="0" err="1">
-                <a:latin typeface="Arial" panose="020B0604020202020204" pitchFamily="34" charset="0"/>
-                <a:cs typeface="Arial" panose="020B0604020202020204" pitchFamily="34" charset="0"/>
-              </a:rPr>
-              <a:t>Bäume</a:t>
-            </a:r>
-            <a:r>
-              <a:rPr lang="en-US" sz="1800" b="0" i="0" u="none" strike="noStrike" baseline="0" dirty="0">
-                <a:latin typeface="Arial" panose="020B0604020202020204" pitchFamily="34" charset="0"/>
-                <a:cs typeface="Arial" panose="020B0604020202020204" pitchFamily="34" charset="0"/>
-              </a:rPr>
-              <a:t> und </a:t>
-            </a:r>
-            <a:r>
-              <a:rPr lang="en-US" sz="1800" b="0" i="0" u="none" strike="noStrike" baseline="0" dirty="0" err="1">
-                <a:latin typeface="Arial" panose="020B0604020202020204" pitchFamily="34" charset="0"/>
-                <a:cs typeface="Arial" panose="020B0604020202020204" pitchFamily="34" charset="0"/>
-              </a:rPr>
-              <a:t>zentrierte</a:t>
-            </a:r>
-            <a:r>
-              <a:rPr lang="en-US" sz="1800" b="0" i="0" u="none" strike="noStrike" baseline="0" dirty="0">
-                <a:latin typeface="Arial" panose="020B0604020202020204" pitchFamily="34" charset="0"/>
-                <a:cs typeface="Arial" panose="020B0604020202020204" pitchFamily="34" charset="0"/>
-              </a:rPr>
-              <a:t> </a:t>
-            </a:r>
-            <a:r>
-              <a:rPr lang="en-US" sz="1800" b="0" i="0" u="none" strike="noStrike" baseline="0" dirty="0" err="1">
-                <a:latin typeface="Arial" panose="020B0604020202020204" pitchFamily="34" charset="0"/>
-                <a:cs typeface="Arial" panose="020B0604020202020204" pitchFamily="34" charset="0"/>
-              </a:rPr>
-              <a:t>Väter</a:t>
-            </a:r>
-            <a:r>
-              <a:rPr lang="en-US" sz="1800" b="0" i="0" u="none" strike="noStrike" baseline="0" dirty="0">
-                <a:latin typeface="Arial" panose="020B0604020202020204" pitchFamily="34" charset="0"/>
-                <a:cs typeface="Arial" panose="020B0604020202020204" pitchFamily="34" charset="0"/>
-              </a:rPr>
-              <a:t> </a:t>
-            </a:r>
-            <a:r>
-              <a:rPr lang="en-US" sz="1800" b="0" i="0" u="none" strike="noStrike" baseline="0" dirty="0" err="1">
-                <a:latin typeface="Arial" panose="020B0604020202020204" pitchFamily="34" charset="0"/>
-                <a:cs typeface="Arial" panose="020B0604020202020204" pitchFamily="34" charset="0"/>
-              </a:rPr>
-              <a:t>nicht</a:t>
-            </a:r>
-            <a:r>
-              <a:rPr lang="en-US" sz="1800" b="0" i="0" u="none" strike="noStrike" baseline="0" dirty="0">
-                <a:latin typeface="Arial" panose="020B0604020202020204" pitchFamily="34" charset="0"/>
-                <a:cs typeface="Arial" panose="020B0604020202020204" pitchFamily="34" charset="0"/>
-              </a:rPr>
-              <a:t> </a:t>
-            </a:r>
-            <a:r>
-              <a:rPr lang="en-US" sz="1800" b="0" i="0" u="none" strike="noStrike" baseline="0" dirty="0" err="1">
-                <a:latin typeface="Arial" panose="020B0604020202020204" pitchFamily="34" charset="0"/>
-                <a:cs typeface="Arial" panose="020B0604020202020204" pitchFamily="34" charset="0"/>
-              </a:rPr>
-              <a:t>immer</a:t>
-            </a:r>
-            <a:r>
-              <a:rPr lang="en-US" sz="1800" b="0" i="0" u="none" strike="noStrike" baseline="0" dirty="0">
-                <a:latin typeface="Arial" panose="020B0604020202020204" pitchFamily="34" charset="0"/>
-                <a:cs typeface="Arial" panose="020B0604020202020204" pitchFamily="34" charset="0"/>
-              </a:rPr>
-              <a:t> </a:t>
-            </a:r>
-            <a:r>
-              <a:rPr lang="en-US" sz="1800" b="0" i="0" u="none" strike="noStrike" baseline="0" dirty="0" err="1">
-                <a:latin typeface="Arial" panose="020B0604020202020204" pitchFamily="34" charset="0"/>
-                <a:cs typeface="Arial" panose="020B0604020202020204" pitchFamily="34" charset="0"/>
-              </a:rPr>
-              <a:t>gleichzeitig</a:t>
-            </a:r>
-            <a:r>
-              <a:rPr lang="en-US" sz="1800" b="0" i="0" u="none" strike="noStrike" baseline="0" dirty="0">
-                <a:latin typeface="Arial" panose="020B0604020202020204" pitchFamily="34" charset="0"/>
-                <a:cs typeface="Arial" panose="020B0604020202020204" pitchFamily="34" charset="0"/>
-              </a:rPr>
-              <a:t> </a:t>
-            </a:r>
-            <a:r>
-              <a:rPr lang="en-US" sz="1800" b="0" i="0" u="none" strike="noStrike" baseline="0" dirty="0" err="1">
-                <a:latin typeface="Arial" panose="020B0604020202020204" pitchFamily="34" charset="0"/>
-                <a:cs typeface="Arial" panose="020B0604020202020204" pitchFamily="34" charset="0"/>
-              </a:rPr>
-              <a:t>möglich</a:t>
             </a:r>
             <a:endParaRPr lang="en-US" sz="1800" b="0" i="0" u="none" strike="noStrike" baseline="0" dirty="0">
               <a:latin typeface="Arial" panose="020B0604020202020204" pitchFamily="34" charset="0"/>
@@ -12784,7 +12650,7 @@
     </p:spTree>
     <p:extLst>
       <p:ext uri="{BB962C8B-B14F-4D97-AF65-F5344CB8AC3E}">
-        <p14:creationId xmlns:p14="http://schemas.microsoft.com/office/powerpoint/2010/main" val="3187531544"/>
+        <p14:creationId xmlns:p14="http://schemas.microsoft.com/office/powerpoint/2010/main" val="1394923069"/>
       </p:ext>
     </p:extLst>
   </p:cSld>
@@ -17621,7 +17487,7 @@
         </p:nvSpPr>
         <p:spPr/>
         <p:txBody>
-          <a:bodyPr/>
+          <a:bodyPr anchor="ctr"/>
           <a:lstStyle/>
           <a:p>
             <a:r>

--- a/Powerpoint/Bäume zeichnen im Ebenen-Layout.pptx
+++ b/Powerpoint/Bäume zeichnen im Ebenen-Layout.pptx
@@ -8739,21 +8739,34 @@
           <a:p>
             <a:r>
               <a:rPr lang="de-DE" dirty="0"/>
-              <a:t>Wieso wollen wir </a:t>
-            </a:r>
-            <a:r>
-              <a:rPr lang="de-DE" dirty="0" err="1"/>
-              <a:t>Bomprimierte</a:t>
-            </a:r>
+              <a:t>Wieso wollen wir Bäume zeichnen?</a:t>
+            </a:r>
+          </a:p>
+          <a:p>
+            <a:pPr lvl="1"/>
             <a:r>
               <a:rPr lang="de-DE" dirty="0"/>
-              <a:t> und sortierte Darstellung von Daten</a:t>
+              <a:t>Komprimierte und sortierte Darstellung von Daten</a:t>
             </a:r>
           </a:p>
           <a:p>
             <a:r>
               <a:rPr lang="de-DE" dirty="0"/>
-              <a:t>Verständnis schaffen für die Algorithmen</a:t>
+              <a:t>Ziel unseres Vortrags</a:t>
+            </a:r>
+          </a:p>
+          <a:p>
+            <a:pPr lvl="1"/>
+            <a:r>
+              <a:rPr lang="de-DE" dirty="0"/>
+              <a:t>Verständnis schaffen für die Algorithmen!</a:t>
+            </a:r>
+          </a:p>
+          <a:p>
+            <a:pPr lvl="1"/>
+            <a:r>
+              <a:rPr lang="de-DE" dirty="0"/>
+              <a:t>Bäume, wie links, zeichnen können</a:t>
             </a:r>
           </a:p>
         </p:txBody>
